--- a/documentation/Shiny.pptx
+++ b/documentation/Shiny.pptx
@@ -8,12 +8,16 @@
     <p:sldId id="256" r:id="rId2"/>
     <p:sldId id="265" r:id="rId3"/>
     <p:sldId id="257" r:id="rId4"/>
-    <p:sldId id="267" r:id="rId5"/>
-    <p:sldId id="264" r:id="rId6"/>
+    <p:sldId id="264" r:id="rId5"/>
+    <p:sldId id="267" r:id="rId6"/>
     <p:sldId id="268" r:id="rId7"/>
     <p:sldId id="269" r:id="rId8"/>
     <p:sldId id="266" r:id="rId9"/>
-    <p:sldId id="258" r:id="rId10"/>
+    <p:sldId id="270" r:id="rId10"/>
+    <p:sldId id="271" r:id="rId11"/>
+    <p:sldId id="258" r:id="rId12"/>
+    <p:sldId id="272" r:id="rId13"/>
+    <p:sldId id="273" r:id="rId14"/>
   </p:sldIdLst>
   <p:sldSz cx="9144000" cy="6858000" type="screen4x3"/>
   <p:notesSz cx="6858000" cy="9144000"/>
@@ -313,7 +317,7 @@
             <a:fld id="{DA86119D-A5F8-4BD8-B646-2D19C09EA7F8}" type="datetimeFigureOut">
               <a:rPr lang="es-UY" smtClean="0"/>
               <a:pPr/>
-              <a:t>26/5/2019</a:t>
+              <a:t>27/5/2019</a:t>
             </a:fld>
             <a:endParaRPr lang="es-UY"/>
           </a:p>
@@ -480,7 +484,7 @@
             <a:fld id="{DA86119D-A5F8-4BD8-B646-2D19C09EA7F8}" type="datetimeFigureOut">
               <a:rPr lang="es-UY" smtClean="0"/>
               <a:pPr/>
-              <a:t>26/5/2019</a:t>
+              <a:t>27/5/2019</a:t>
             </a:fld>
             <a:endParaRPr lang="es-UY"/>
           </a:p>
@@ -657,7 +661,7 @@
             <a:fld id="{DA86119D-A5F8-4BD8-B646-2D19C09EA7F8}" type="datetimeFigureOut">
               <a:rPr lang="es-UY" smtClean="0"/>
               <a:pPr/>
-              <a:t>26/5/2019</a:t>
+              <a:t>27/5/2019</a:t>
             </a:fld>
             <a:endParaRPr lang="es-UY"/>
           </a:p>
@@ -824,7 +828,7 @@
             <a:fld id="{DA86119D-A5F8-4BD8-B646-2D19C09EA7F8}" type="datetimeFigureOut">
               <a:rPr lang="es-UY" smtClean="0"/>
               <a:pPr/>
-              <a:t>26/5/2019</a:t>
+              <a:t>27/5/2019</a:t>
             </a:fld>
             <a:endParaRPr lang="es-UY"/>
           </a:p>
@@ -1067,7 +1071,7 @@
             <a:fld id="{DA86119D-A5F8-4BD8-B646-2D19C09EA7F8}" type="datetimeFigureOut">
               <a:rPr lang="es-UY" smtClean="0"/>
               <a:pPr/>
-              <a:t>26/5/2019</a:t>
+              <a:t>27/5/2019</a:t>
             </a:fld>
             <a:endParaRPr lang="es-UY"/>
           </a:p>
@@ -1352,7 +1356,7 @@
             <a:fld id="{DA86119D-A5F8-4BD8-B646-2D19C09EA7F8}" type="datetimeFigureOut">
               <a:rPr lang="es-UY" smtClean="0"/>
               <a:pPr/>
-              <a:t>26/5/2019</a:t>
+              <a:t>27/5/2019</a:t>
             </a:fld>
             <a:endParaRPr lang="es-UY"/>
           </a:p>
@@ -1771,7 +1775,7 @@
             <a:fld id="{DA86119D-A5F8-4BD8-B646-2D19C09EA7F8}" type="datetimeFigureOut">
               <a:rPr lang="es-UY" smtClean="0"/>
               <a:pPr/>
-              <a:t>26/5/2019</a:t>
+              <a:t>27/5/2019</a:t>
             </a:fld>
             <a:endParaRPr lang="es-UY"/>
           </a:p>
@@ -1886,7 +1890,7 @@
             <a:fld id="{DA86119D-A5F8-4BD8-B646-2D19C09EA7F8}" type="datetimeFigureOut">
               <a:rPr lang="es-UY" smtClean="0"/>
               <a:pPr/>
-              <a:t>26/5/2019</a:t>
+              <a:t>27/5/2019</a:t>
             </a:fld>
             <a:endParaRPr lang="es-UY"/>
           </a:p>
@@ -1978,7 +1982,7 @@
             <a:fld id="{DA86119D-A5F8-4BD8-B646-2D19C09EA7F8}" type="datetimeFigureOut">
               <a:rPr lang="es-UY" smtClean="0"/>
               <a:pPr/>
-              <a:t>26/5/2019</a:t>
+              <a:t>27/5/2019</a:t>
             </a:fld>
             <a:endParaRPr lang="es-UY"/>
           </a:p>
@@ -2252,7 +2256,7 @@
             <a:fld id="{DA86119D-A5F8-4BD8-B646-2D19C09EA7F8}" type="datetimeFigureOut">
               <a:rPr lang="es-UY" smtClean="0"/>
               <a:pPr/>
-              <a:t>26/5/2019</a:t>
+              <a:t>27/5/2019</a:t>
             </a:fld>
             <a:endParaRPr lang="es-UY"/>
           </a:p>
@@ -2502,7 +2506,7 @@
             <a:fld id="{DA86119D-A5F8-4BD8-B646-2D19C09EA7F8}" type="datetimeFigureOut">
               <a:rPr lang="es-UY" smtClean="0"/>
               <a:pPr/>
-              <a:t>26/5/2019</a:t>
+              <a:t>27/5/2019</a:t>
             </a:fld>
             <a:endParaRPr lang="es-UY"/>
           </a:p>
@@ -2712,7 +2716,7 @@
             <a:fld id="{DA86119D-A5F8-4BD8-B646-2D19C09EA7F8}" type="datetimeFigureOut">
               <a:rPr lang="es-UY" smtClean="0"/>
               <a:pPr/>
-              <a:t>26/5/2019</a:t>
+              <a:t>27/5/2019</a:t>
             </a:fld>
             <a:endParaRPr lang="es-UY"/>
           </a:p>
@@ -3115,6 +3119,1306 @@
 </p:sld>
 </file>
 
+<file path=ppt/slides/slide10.xml><?xml version="1.0" encoding="utf-8"?>
+<p:sld xmlns:a="http://schemas.openxmlformats.org/drawingml/2006/main" xmlns:r="http://schemas.openxmlformats.org/officeDocument/2006/relationships" xmlns:p="http://schemas.openxmlformats.org/presentationml/2006/main">
+  <p:cSld>
+    <p:spTree>
+      <p:nvGrpSpPr>
+        <p:cNvPr id="1" name=""/>
+        <p:cNvGrpSpPr/>
+        <p:nvPr/>
+      </p:nvGrpSpPr>
+      <p:grpSpPr>
+        <a:xfrm>
+          <a:off x="0" y="0"/>
+          <a:ext cx="0" cy="0"/>
+          <a:chOff x="0" y="0"/>
+          <a:chExt cx="0" cy="0"/>
+        </a:xfrm>
+      </p:grpSpPr>
+      <p:sp>
+        <p:nvSpPr>
+          <p:cNvPr id="6" name="CuadroTexto 5">
+            <a:extLst>
+              <a:ext uri="{FF2B5EF4-FFF2-40B4-BE49-F238E27FC236}">
+                <a16:creationId xmlns:a16="http://schemas.microsoft.com/office/drawing/2014/main" id="{16CA681C-1922-4CB8-ADD6-98C743B35E1B}"/>
+              </a:ext>
+            </a:extLst>
+          </p:cNvPr>
+          <p:cNvSpPr txBox="1"/>
+          <p:nvPr/>
+        </p:nvSpPr>
+        <p:spPr>
+          <a:xfrm>
+            <a:off x="201508" y="3148729"/>
+            <a:ext cx="1224136" cy="523220"/>
+          </a:xfrm>
+          <a:prstGeom prst="rect">
+            <a:avLst/>
+          </a:prstGeom>
+          <a:noFill/>
+        </p:spPr>
+        <p:txBody>
+          <a:bodyPr wrap="square" rtlCol="0">
+            <a:spAutoFit/>
+          </a:bodyPr>
+          <a:lstStyle/>
+          <a:p>
+            <a:pPr algn="ctr"/>
+            <a:r>
+              <a:rPr lang="en-US" sz="2800" dirty="0">
+                <a:solidFill>
+                  <a:srgbClr val="00B050"/>
+                </a:solidFill>
+              </a:rPr>
+              <a:t>app 5</a:t>
+            </a:r>
+          </a:p>
+        </p:txBody>
+      </p:sp>
+      <p:pic>
+        <p:nvPicPr>
+          <p:cNvPr id="11" name="Imagen 10">
+            <a:extLst>
+              <a:ext uri="{FF2B5EF4-FFF2-40B4-BE49-F238E27FC236}">
+                <a16:creationId xmlns:a16="http://schemas.microsoft.com/office/drawing/2014/main" id="{8D9076BE-3837-42B1-BBD3-03509C862AA6}"/>
+              </a:ext>
+            </a:extLst>
+          </p:cNvPr>
+          <p:cNvPicPr>
+            <a:picLocks noChangeAspect="1"/>
+          </p:cNvPicPr>
+          <p:nvPr/>
+        </p:nvPicPr>
+        <p:blipFill>
+          <a:blip r:embed="rId2">
+            <a:extLst>
+              <a:ext uri="{28A0092B-C50C-407E-A947-70E740481C1C}">
+                <a14:useLocalDpi xmlns:a14="http://schemas.microsoft.com/office/drawing/2010/main" val="0"/>
+              </a:ext>
+            </a:extLst>
+          </a:blip>
+          <a:stretch>
+            <a:fillRect/>
+          </a:stretch>
+        </p:blipFill>
+        <p:spPr>
+          <a:xfrm>
+            <a:off x="1505272" y="262890"/>
+            <a:ext cx="7315200" cy="6332220"/>
+          </a:xfrm>
+          <a:prstGeom prst="rect">
+            <a:avLst/>
+          </a:prstGeom>
+        </p:spPr>
+      </p:pic>
+    </p:spTree>
+    <p:extLst>
+      <p:ext uri="{BB962C8B-B14F-4D97-AF65-F5344CB8AC3E}">
+        <p14:creationId xmlns:p14="http://schemas.microsoft.com/office/powerpoint/2010/main" val="4234864455"/>
+      </p:ext>
+    </p:extLst>
+  </p:cSld>
+  <p:clrMapOvr>
+    <a:masterClrMapping/>
+  </p:clrMapOvr>
+</p:sld>
+</file>
+
+<file path=ppt/slides/slide11.xml><?xml version="1.0" encoding="utf-8"?>
+<p:sld xmlns:a="http://schemas.openxmlformats.org/drawingml/2006/main" xmlns:r="http://schemas.openxmlformats.org/officeDocument/2006/relationships" xmlns:p="http://schemas.openxmlformats.org/presentationml/2006/main">
+  <p:cSld>
+    <p:spTree>
+      <p:nvGrpSpPr>
+        <p:cNvPr id="1" name=""/>
+        <p:cNvGrpSpPr/>
+        <p:nvPr/>
+      </p:nvGrpSpPr>
+      <p:grpSpPr>
+        <a:xfrm>
+          <a:off x="0" y="0"/>
+          <a:ext cx="0" cy="0"/>
+          <a:chOff x="0" y="0"/>
+          <a:chExt cx="0" cy="0"/>
+        </a:xfrm>
+      </p:grpSpPr>
+      <p:pic>
+        <p:nvPicPr>
+          <p:cNvPr id="4098" name="Picture 2"/>
+          <p:cNvPicPr>
+            <a:picLocks noChangeAspect="1" noChangeArrowheads="1"/>
+          </p:cNvPicPr>
+          <p:nvPr/>
+        </p:nvPicPr>
+        <p:blipFill rotWithShape="1">
+          <a:blip r:embed="rId2" cstate="print"/>
+          <a:srcRect l="5474" t="26651" r="34650" b="17373"/>
+          <a:stretch/>
+        </p:blipFill>
+        <p:spPr bwMode="auto">
+          <a:xfrm>
+            <a:off x="467544" y="1196752"/>
+            <a:ext cx="8352928" cy="4392488"/>
+          </a:xfrm>
+          <a:prstGeom prst="rect">
+            <a:avLst/>
+          </a:prstGeom>
+          <a:noFill/>
+          <a:ln w="9525">
+            <a:noFill/>
+            <a:miter lim="800000"/>
+            <a:headEnd/>
+            <a:tailEnd/>
+          </a:ln>
+        </p:spPr>
+      </p:pic>
+      <p:sp>
+        <p:nvSpPr>
+          <p:cNvPr id="6" name="2 Marcador de contenido"/>
+          <p:cNvSpPr>
+            <a:spLocks noGrp="1"/>
+          </p:cNvSpPr>
+          <p:nvPr>
+            <p:ph idx="1"/>
+          </p:nvPr>
+        </p:nvSpPr>
+        <p:spPr>
+          <a:xfrm>
+            <a:off x="251520" y="6021289"/>
+            <a:ext cx="8712968" cy="288032"/>
+          </a:xfrm>
+        </p:spPr>
+        <p:txBody>
+          <a:bodyPr>
+            <a:normAutofit/>
+          </a:bodyPr>
+          <a:lstStyle/>
+          <a:p>
+            <a:pPr>
+              <a:buNone/>
+            </a:pPr>
+            <a:r>
+              <a:rPr lang="es-UY" sz="1200" dirty="0"/>
+              <a:t>http://shiny.rstudio.com/gallery/widget-gallery.html</a:t>
+            </a:r>
+          </a:p>
+        </p:txBody>
+      </p:sp>
+      <p:sp>
+        <p:nvSpPr>
+          <p:cNvPr id="4" name="1 Título">
+            <a:extLst>
+              <a:ext uri="{FF2B5EF4-FFF2-40B4-BE49-F238E27FC236}">
+                <a16:creationId xmlns:a16="http://schemas.microsoft.com/office/drawing/2014/main" id="{76D384DF-FBB2-451A-9679-140AF675FD68}"/>
+              </a:ext>
+            </a:extLst>
+          </p:cNvPr>
+          <p:cNvSpPr txBox="1">
+            <a:spLocks/>
+          </p:cNvSpPr>
+          <p:nvPr/>
+        </p:nvSpPr>
+        <p:spPr>
+          <a:xfrm>
+            <a:off x="107504" y="332656"/>
+            <a:ext cx="8229600" cy="634082"/>
+          </a:xfrm>
+          <a:prstGeom prst="rect">
+            <a:avLst/>
+          </a:prstGeom>
+        </p:spPr>
+        <p:txBody>
+          <a:bodyPr vert="horz" lIns="91440" tIns="45720" rIns="91440" bIns="45720" rtlCol="0" anchor="ctr">
+            <a:normAutofit/>
+          </a:bodyPr>
+          <a:lstStyle>
+            <a:lvl1pPr>
+              <a:spcBef>
+                <a:spcPct val="0"/>
+              </a:spcBef>
+              <a:buNone/>
+              <a:defRPr sz="3600">
+                <a:latin typeface="+mj-lt"/>
+                <a:ea typeface="+mj-ea"/>
+                <a:cs typeface="+mj-cs"/>
+              </a:defRPr>
+            </a:lvl1pPr>
+          </a:lstStyle>
+          <a:p>
+            <a:r>
+              <a:rPr lang="es-UY" sz="3200" dirty="0"/>
+              <a:t>Basic widgets</a:t>
+            </a:r>
+          </a:p>
+        </p:txBody>
+      </p:sp>
+    </p:spTree>
+  </p:cSld>
+  <p:clrMapOvr>
+    <a:masterClrMapping/>
+  </p:clrMapOvr>
+</p:sld>
+</file>
+
+<file path=ppt/slides/slide12.xml><?xml version="1.0" encoding="utf-8"?>
+<p:sld xmlns:a="http://schemas.openxmlformats.org/drawingml/2006/main" xmlns:r="http://schemas.openxmlformats.org/officeDocument/2006/relationships" xmlns:p="http://schemas.openxmlformats.org/presentationml/2006/main">
+  <p:cSld>
+    <p:spTree>
+      <p:nvGrpSpPr>
+        <p:cNvPr id="1" name=""/>
+        <p:cNvGrpSpPr/>
+        <p:nvPr/>
+      </p:nvGrpSpPr>
+      <p:grpSpPr>
+        <a:xfrm>
+          <a:off x="0" y="0"/>
+          <a:ext cx="0" cy="0"/>
+          <a:chOff x="0" y="0"/>
+          <a:chExt cx="0" cy="0"/>
+        </a:xfrm>
+      </p:grpSpPr>
+      <p:sp>
+        <p:nvSpPr>
+          <p:cNvPr id="5" name="1 Título">
+            <a:extLst>
+              <a:ext uri="{FF2B5EF4-FFF2-40B4-BE49-F238E27FC236}">
+                <a16:creationId xmlns:a16="http://schemas.microsoft.com/office/drawing/2014/main" id="{17E9A9A5-95AA-4A37-983B-A38431DCFE27}"/>
+              </a:ext>
+            </a:extLst>
+          </p:cNvPr>
+          <p:cNvSpPr txBox="1">
+            <a:spLocks/>
+          </p:cNvSpPr>
+          <p:nvPr/>
+        </p:nvSpPr>
+        <p:spPr>
+          <a:xfrm>
+            <a:off x="107504" y="332656"/>
+            <a:ext cx="8229600" cy="634082"/>
+          </a:xfrm>
+          <a:prstGeom prst="rect">
+            <a:avLst/>
+          </a:prstGeom>
+        </p:spPr>
+        <p:txBody>
+          <a:bodyPr vert="horz" lIns="91440" tIns="45720" rIns="91440" bIns="45720" rtlCol="0" anchor="ctr">
+            <a:normAutofit/>
+          </a:bodyPr>
+          <a:lstStyle>
+            <a:lvl1pPr>
+              <a:spcBef>
+                <a:spcPct val="0"/>
+              </a:spcBef>
+              <a:buNone/>
+              <a:defRPr sz="3600">
+                <a:latin typeface="+mj-lt"/>
+                <a:ea typeface="+mj-ea"/>
+                <a:cs typeface="+mj-cs"/>
+              </a:defRPr>
+            </a:lvl1pPr>
+          </a:lstStyle>
+          <a:p>
+            <a:r>
+              <a:rPr lang="es-UY" sz="3200" dirty="0" err="1"/>
+              <a:t>validStatus</a:t>
+            </a:r>
+            <a:r>
+              <a:rPr lang="es-UY" sz="3200" dirty="0"/>
+              <a:t>()</a:t>
+            </a:r>
+          </a:p>
+        </p:txBody>
+      </p:sp>
+      <p:pic>
+        <p:nvPicPr>
+          <p:cNvPr id="4" name="Imagen 3">
+            <a:extLst>
+              <a:ext uri="{FF2B5EF4-FFF2-40B4-BE49-F238E27FC236}">
+                <a16:creationId xmlns:a16="http://schemas.microsoft.com/office/drawing/2014/main" id="{8920F488-3012-450F-A011-AA4716476C01}"/>
+              </a:ext>
+            </a:extLst>
+          </p:cNvPr>
+          <p:cNvPicPr>
+            <a:picLocks noChangeAspect="1"/>
+          </p:cNvPicPr>
+          <p:nvPr/>
+        </p:nvPicPr>
+        <p:blipFill>
+          <a:blip r:embed="rId2">
+            <a:extLst>
+              <a:ext uri="{28A0092B-C50C-407E-A947-70E740481C1C}">
+                <a14:useLocalDpi xmlns:a14="http://schemas.microsoft.com/office/drawing/2010/main" val="0"/>
+              </a:ext>
+            </a:extLst>
+          </a:blip>
+          <a:stretch>
+            <a:fillRect/>
+          </a:stretch>
+        </p:blipFill>
+        <p:spPr>
+          <a:xfrm>
+            <a:off x="1630956" y="966738"/>
+            <a:ext cx="5227320" cy="647700"/>
+          </a:xfrm>
+          <a:prstGeom prst="rect">
+            <a:avLst/>
+          </a:prstGeom>
+        </p:spPr>
+      </p:pic>
+      <p:sp>
+        <p:nvSpPr>
+          <p:cNvPr id="7" name="1 Título">
+            <a:extLst>
+              <a:ext uri="{FF2B5EF4-FFF2-40B4-BE49-F238E27FC236}">
+                <a16:creationId xmlns:a16="http://schemas.microsoft.com/office/drawing/2014/main" id="{9D8D8A03-3BE1-4C86-BBB9-81232B5A53DE}"/>
+              </a:ext>
+            </a:extLst>
+          </p:cNvPr>
+          <p:cNvSpPr txBox="1">
+            <a:spLocks/>
+          </p:cNvSpPr>
+          <p:nvPr/>
+        </p:nvSpPr>
+        <p:spPr>
+          <a:xfrm>
+            <a:off x="129816" y="2204864"/>
+            <a:ext cx="8229600" cy="634082"/>
+          </a:xfrm>
+          <a:prstGeom prst="rect">
+            <a:avLst/>
+          </a:prstGeom>
+        </p:spPr>
+        <p:txBody>
+          <a:bodyPr vert="horz" lIns="91440" tIns="45720" rIns="91440" bIns="45720" rtlCol="0" anchor="ctr">
+            <a:normAutofit/>
+          </a:bodyPr>
+          <a:lstStyle>
+            <a:lvl1pPr>
+              <a:spcBef>
+                <a:spcPct val="0"/>
+              </a:spcBef>
+              <a:buNone/>
+              <a:defRPr sz="3600">
+                <a:latin typeface="+mj-lt"/>
+                <a:ea typeface="+mj-ea"/>
+                <a:cs typeface="+mj-cs"/>
+              </a:defRPr>
+            </a:lvl1pPr>
+          </a:lstStyle>
+          <a:p>
+            <a:r>
+              <a:rPr lang="es-UY" sz="3200" dirty="0" err="1"/>
+              <a:t>validColors</a:t>
+            </a:r>
+            <a:r>
+              <a:rPr lang="es-UY" sz="3200" dirty="0"/>
+              <a:t>()</a:t>
+            </a:r>
+          </a:p>
+        </p:txBody>
+      </p:sp>
+      <p:pic>
+        <p:nvPicPr>
+          <p:cNvPr id="9" name="Imagen 8">
+            <a:extLst>
+              <a:ext uri="{FF2B5EF4-FFF2-40B4-BE49-F238E27FC236}">
+                <a16:creationId xmlns:a16="http://schemas.microsoft.com/office/drawing/2014/main" id="{579B3BAD-ED7C-4DA1-9023-7A427234494C}"/>
+              </a:ext>
+            </a:extLst>
+          </p:cNvPr>
+          <p:cNvPicPr>
+            <a:picLocks noChangeAspect="1"/>
+          </p:cNvPicPr>
+          <p:nvPr/>
+        </p:nvPicPr>
+        <p:blipFill>
+          <a:blip r:embed="rId3">
+            <a:extLst>
+              <a:ext uri="{28A0092B-C50C-407E-A947-70E740481C1C}">
+                <a14:useLocalDpi xmlns:a14="http://schemas.microsoft.com/office/drawing/2010/main" val="0"/>
+              </a:ext>
+            </a:extLst>
+          </a:blip>
+          <a:stretch>
+            <a:fillRect/>
+          </a:stretch>
+        </p:blipFill>
+        <p:spPr>
+          <a:xfrm>
+            <a:off x="1017546" y="2852936"/>
+            <a:ext cx="6454140" cy="1882140"/>
+          </a:xfrm>
+          <a:prstGeom prst="rect">
+            <a:avLst/>
+          </a:prstGeom>
+        </p:spPr>
+      </p:pic>
+    </p:spTree>
+    <p:extLst>
+      <p:ext uri="{BB962C8B-B14F-4D97-AF65-F5344CB8AC3E}">
+        <p14:creationId xmlns:p14="http://schemas.microsoft.com/office/powerpoint/2010/main" val="3108117169"/>
+      </p:ext>
+    </p:extLst>
+  </p:cSld>
+  <p:clrMapOvr>
+    <a:masterClrMapping/>
+  </p:clrMapOvr>
+</p:sld>
+</file>
+
+<file path=ppt/slides/slide13.xml><?xml version="1.0" encoding="utf-8"?>
+<p:sld xmlns:a="http://schemas.openxmlformats.org/drawingml/2006/main" xmlns:r="http://schemas.openxmlformats.org/officeDocument/2006/relationships" xmlns:p="http://schemas.openxmlformats.org/presentationml/2006/main">
+  <p:cSld>
+    <p:spTree>
+      <p:nvGrpSpPr>
+        <p:cNvPr id="1" name=""/>
+        <p:cNvGrpSpPr/>
+        <p:nvPr/>
+      </p:nvGrpSpPr>
+      <p:grpSpPr>
+        <a:xfrm>
+          <a:off x="0" y="0"/>
+          <a:ext cx="0" cy="0"/>
+          <a:chOff x="0" y="0"/>
+          <a:chExt cx="0" cy="0"/>
+        </a:xfrm>
+      </p:grpSpPr>
+      <p:graphicFrame>
+        <p:nvGraphicFramePr>
+          <p:cNvPr id="5" name="Tabla 4">
+            <a:extLst>
+              <a:ext uri="{FF2B5EF4-FFF2-40B4-BE49-F238E27FC236}">
+                <a16:creationId xmlns:a16="http://schemas.microsoft.com/office/drawing/2014/main" id="{F1E60E52-FCDD-436A-8725-2ABA50702AE7}"/>
+              </a:ext>
+            </a:extLst>
+          </p:cNvPr>
+          <p:cNvGraphicFramePr>
+            <a:graphicFrameLocks noGrp="1"/>
+          </p:cNvGraphicFramePr>
+          <p:nvPr>
+            <p:extLst>
+              <p:ext uri="{D42A27DB-BD31-4B8C-83A1-F6EECF244321}">
+                <p14:modId xmlns:p14="http://schemas.microsoft.com/office/powerpoint/2010/main" val="1736488459"/>
+              </p:ext>
+            </p:extLst>
+          </p:nvPr>
+        </p:nvGraphicFramePr>
+        <p:xfrm>
+          <a:off x="5220072" y="870629"/>
+          <a:ext cx="2687960" cy="2895600"/>
+        </p:xfrm>
+        <a:graphic>
+          <a:graphicData uri="http://schemas.openxmlformats.org/drawingml/2006/table">
+            <a:tbl>
+              <a:tblPr firstRow="1" bandRow="1">
+                <a:tableStyleId>{5C22544A-7EE6-4342-B048-85BDC9FD1C3A}</a:tableStyleId>
+              </a:tblPr>
+              <a:tblGrid>
+                <a:gridCol w="1080883">
+                  <a:extLst>
+                    <a:ext uri="{9D8B030D-6E8A-4147-A177-3AD203B41FA5}">
+                      <a16:colId xmlns:a16="http://schemas.microsoft.com/office/drawing/2014/main" val="3551289470"/>
+                    </a:ext>
+                  </a:extLst>
+                </a:gridCol>
+                <a:gridCol w="1607077">
+                  <a:extLst>
+                    <a:ext uri="{9D8B030D-6E8A-4147-A177-3AD203B41FA5}">
+                      <a16:colId xmlns:a16="http://schemas.microsoft.com/office/drawing/2014/main" val="3788555657"/>
+                    </a:ext>
+                  </a:extLst>
+                </a:gridCol>
+              </a:tblGrid>
+              <a:tr h="216612">
+                <a:tc>
+                  <a:txBody>
+                    <a:bodyPr/>
+                    <a:lstStyle/>
+                    <a:p>
+                      <a:pPr algn="r"/>
+                      <a:r>
+                        <a:rPr lang="es-UY" sz="2000" b="0" u="sng" dirty="0" err="1">
+                          <a:solidFill>
+                            <a:schemeClr val="tx1"/>
+                          </a:solidFill>
+                        </a:rPr>
+                        <a:t>ui</a:t>
+                      </a:r>
+                      <a:r>
+                        <a:rPr lang="es-UY" sz="2000" b="0" u="sng" dirty="0">
+                          <a:solidFill>
+                            <a:schemeClr val="tx1"/>
+                          </a:solidFill>
+                        </a:rPr>
+                        <a:t>:</a:t>
+                      </a:r>
+                      <a:endParaRPr lang="en-US" sz="2000" b="0" u="sng" dirty="0">
+                        <a:solidFill>
+                          <a:schemeClr val="tx1"/>
+                        </a:solidFill>
+                      </a:endParaRPr>
+                    </a:p>
+                  </a:txBody>
+                  <a:tcPr>
+                    <a:lnL w="12700" cap="flat" cmpd="sng" algn="ctr">
+                      <a:solidFill>
+                        <a:schemeClr val="tx1"/>
+                      </a:solidFill>
+                      <a:prstDash val="solid"/>
+                      <a:round/>
+                      <a:headEnd type="none" w="med" len="med"/>
+                      <a:tailEnd type="none" w="med" len="med"/>
+                    </a:lnL>
+                    <a:lnR w="12700" cmpd="sng">
+                      <a:noFill/>
+                    </a:lnR>
+                    <a:lnT w="12700" cap="flat" cmpd="sng" algn="ctr">
+                      <a:solidFill>
+                        <a:schemeClr val="tx1"/>
+                      </a:solidFill>
+                      <a:prstDash val="solid"/>
+                      <a:round/>
+                      <a:headEnd type="none" w="med" len="med"/>
+                      <a:tailEnd type="none" w="med" len="med"/>
+                    </a:lnT>
+                    <a:lnB w="12700" cap="flat" cmpd="sng" algn="ctr">
+                      <a:noFill/>
+                      <a:prstDash val="solid"/>
+                      <a:round/>
+                      <a:headEnd type="none" w="med" len="med"/>
+                      <a:tailEnd type="none" w="med" len="med"/>
+                    </a:lnB>
+                    <a:lnTlToBr w="12700" cmpd="sng">
+                      <a:noFill/>
+                      <a:prstDash val="solid"/>
+                    </a:lnTlToBr>
+                    <a:lnBlToTr w="12700" cmpd="sng">
+                      <a:noFill/>
+                      <a:prstDash val="solid"/>
+                    </a:lnBlToTr>
+                    <a:noFill/>
+                  </a:tcPr>
+                </a:tc>
+                <a:tc>
+                  <a:txBody>
+                    <a:bodyPr/>
+                    <a:lstStyle/>
+                    <a:p>
+                      <a:r>
+                        <a:rPr lang="es-UY" sz="2000" b="0" u="none" dirty="0">
+                          <a:solidFill>
+                            <a:schemeClr val="tx1"/>
+                          </a:solidFill>
+                        </a:rPr>
+                        <a:t>Estructura</a:t>
+                      </a:r>
+                      <a:endParaRPr lang="en-US" sz="1200" b="0" u="none" dirty="0">
+                        <a:solidFill>
+                          <a:schemeClr val="tx1"/>
+                        </a:solidFill>
+                      </a:endParaRPr>
+                    </a:p>
+                  </a:txBody>
+                  <a:tcPr>
+                    <a:lnL w="12700" cmpd="sng">
+                      <a:noFill/>
+                    </a:lnL>
+                    <a:lnR w="12700" cap="flat" cmpd="sng" algn="ctr">
+                      <a:solidFill>
+                        <a:schemeClr val="tx1"/>
+                      </a:solidFill>
+                      <a:prstDash val="solid"/>
+                      <a:round/>
+                      <a:headEnd type="none" w="med" len="med"/>
+                      <a:tailEnd type="none" w="med" len="med"/>
+                    </a:lnR>
+                    <a:lnT w="12700" cap="flat" cmpd="sng" algn="ctr">
+                      <a:solidFill>
+                        <a:schemeClr val="tx1"/>
+                      </a:solidFill>
+                      <a:prstDash val="solid"/>
+                      <a:round/>
+                      <a:headEnd type="none" w="med" len="med"/>
+                      <a:tailEnd type="none" w="med" len="med"/>
+                    </a:lnT>
+                    <a:lnB w="12700" cap="flat" cmpd="sng" algn="ctr">
+                      <a:noFill/>
+                      <a:prstDash val="solid"/>
+                      <a:round/>
+                      <a:headEnd type="none" w="med" len="med"/>
+                      <a:tailEnd type="none" w="med" len="med"/>
+                    </a:lnB>
+                    <a:lnTlToBr w="12700" cmpd="sng">
+                      <a:noFill/>
+                      <a:prstDash val="solid"/>
+                    </a:lnTlToBr>
+                    <a:lnBlToTr w="12700" cmpd="sng">
+                      <a:noFill/>
+                      <a:prstDash val="solid"/>
+                    </a:lnBlToTr>
+                    <a:noFill/>
+                  </a:tcPr>
+                </a:tc>
+                <a:extLst>
+                  <a:ext uri="{0D108BD9-81ED-4DB2-BD59-A6C34878D82A}">
+                    <a16:rowId xmlns:a16="http://schemas.microsoft.com/office/drawing/2014/main" val="2848244332"/>
+                  </a:ext>
+                </a:extLst>
+              </a:tr>
+              <a:tr h="0">
+                <a:tc gridSpan="2">
+                  <a:txBody>
+                    <a:bodyPr/>
+                    <a:lstStyle/>
+                    <a:p>
+                      <a:pPr marL="0" marR="0" lvl="0" indent="0" algn="ctr" defTabSz="914400" rtl="0" eaLnBrk="1" fontAlgn="auto" latinLnBrk="0" hangingPunct="1">
+                        <a:lnSpc>
+                          <a:spcPct val="100000"/>
+                        </a:lnSpc>
+                        <a:spcBef>
+                          <a:spcPts val="0"/>
+                        </a:spcBef>
+                        <a:spcAft>
+                          <a:spcPts val="0"/>
+                        </a:spcAft>
+                        <a:buClrTx/>
+                        <a:buSzTx/>
+                        <a:buFontTx/>
+                        <a:buNone/>
+                        <a:tabLst/>
+                        <a:defRPr/>
+                      </a:pPr>
+                      <a:r>
+                        <a:rPr lang="es-UY" sz="1400" b="0" i="1" dirty="0">
+                          <a:solidFill>
+                            <a:schemeClr val="tx1"/>
+                          </a:solidFill>
+                        </a:rPr>
+                        <a:t>I</a:t>
+                      </a:r>
+                      <a:r>
+                        <a:rPr lang="es-ES" sz="1400" b="0" i="1" dirty="0" err="1">
+                          <a:solidFill>
+                            <a:schemeClr val="tx1"/>
+                          </a:solidFill>
+                        </a:rPr>
+                        <a:t>nterfaz</a:t>
+                      </a:r>
+                      <a:r>
+                        <a:rPr lang="es-ES" sz="1400" b="0" i="1" dirty="0">
+                          <a:solidFill>
+                            <a:schemeClr val="tx1"/>
+                          </a:solidFill>
+                        </a:rPr>
+                        <a:t> de usuario, es donde se programan los elementos con los cuales interactúa el usuario (selectores, botones, cajas, controles, gráficas, etc.)</a:t>
+                      </a:r>
+                      <a:endParaRPr lang="en-US" sz="1400" b="0" i="1" dirty="0">
+                        <a:solidFill>
+                          <a:schemeClr val="tx1"/>
+                        </a:solidFill>
+                      </a:endParaRPr>
+                    </a:p>
+                  </a:txBody>
+                  <a:tcPr>
+                    <a:lnL w="12700" cap="flat" cmpd="sng" algn="ctr">
+                      <a:solidFill>
+                        <a:schemeClr val="tx1"/>
+                      </a:solidFill>
+                      <a:prstDash val="solid"/>
+                      <a:round/>
+                      <a:headEnd type="none" w="med" len="med"/>
+                      <a:tailEnd type="none" w="med" len="med"/>
+                    </a:lnL>
+                    <a:lnR w="12700" cap="flat" cmpd="sng" algn="ctr">
+                      <a:solidFill>
+                        <a:schemeClr val="tx1"/>
+                      </a:solidFill>
+                      <a:prstDash val="solid"/>
+                      <a:round/>
+                      <a:headEnd type="none" w="med" len="med"/>
+                      <a:tailEnd type="none" w="med" len="med"/>
+                    </a:lnR>
+                    <a:lnT w="12700" cap="flat" cmpd="sng" algn="ctr">
+                      <a:noFill/>
+                      <a:prstDash val="solid"/>
+                      <a:round/>
+                      <a:headEnd type="none" w="med" len="med"/>
+                      <a:tailEnd type="none" w="med" len="med"/>
+                    </a:lnT>
+                    <a:lnB w="12700" cap="flat" cmpd="sng" algn="ctr">
+                      <a:solidFill>
+                        <a:schemeClr val="tx1"/>
+                      </a:solidFill>
+                      <a:prstDash val="solid"/>
+                      <a:round/>
+                      <a:headEnd type="none" w="med" len="med"/>
+                      <a:tailEnd type="none" w="med" len="med"/>
+                    </a:lnB>
+                    <a:lnTlToBr w="12700" cmpd="sng">
+                      <a:noFill/>
+                      <a:prstDash val="solid"/>
+                    </a:lnTlToBr>
+                    <a:lnBlToTr w="12700" cmpd="sng">
+                      <a:noFill/>
+                      <a:prstDash val="solid"/>
+                    </a:lnBlToTr>
+                    <a:noFill/>
+                  </a:tcPr>
+                </a:tc>
+                <a:tc hMerge="1">
+                  <a:txBody>
+                    <a:bodyPr/>
+                    <a:lstStyle/>
+                    <a:p>
+                      <a:endParaRPr lang="en-US" sz="1200" b="0" dirty="0">
+                        <a:solidFill>
+                          <a:schemeClr val="tx1"/>
+                        </a:solidFill>
+                      </a:endParaRPr>
+                    </a:p>
+                  </a:txBody>
+                  <a:tcPr>
+                    <a:lnL w="12700" cmpd="sng">
+                      <a:noFill/>
+                    </a:lnL>
+                    <a:lnR w="12700" cap="flat" cmpd="sng" algn="ctr">
+                      <a:solidFill>
+                        <a:schemeClr val="tx1"/>
+                      </a:solidFill>
+                      <a:prstDash val="solid"/>
+                      <a:round/>
+                      <a:headEnd type="none" w="med" len="med"/>
+                      <a:tailEnd type="none" w="med" len="med"/>
+                    </a:lnR>
+                    <a:lnT w="12700" cap="flat" cmpd="sng" algn="ctr">
+                      <a:noFill/>
+                      <a:prstDash val="solid"/>
+                      <a:round/>
+                      <a:headEnd type="none" w="med" len="med"/>
+                      <a:tailEnd type="none" w="med" len="med"/>
+                    </a:lnT>
+                    <a:lnB w="12700" cap="flat" cmpd="sng" algn="ctr">
+                      <a:solidFill>
+                        <a:schemeClr val="tx1"/>
+                      </a:solidFill>
+                      <a:prstDash val="solid"/>
+                      <a:round/>
+                      <a:headEnd type="none" w="med" len="med"/>
+                      <a:tailEnd type="none" w="med" len="med"/>
+                    </a:lnB>
+                    <a:lnTlToBr w="12700" cmpd="sng">
+                      <a:noFill/>
+                      <a:prstDash val="solid"/>
+                    </a:lnTlToBr>
+                    <a:lnBlToTr w="12700" cmpd="sng">
+                      <a:noFill/>
+                      <a:prstDash val="solid"/>
+                    </a:lnBlToTr>
+                    <a:noFill/>
+                  </a:tcPr>
+                </a:tc>
+                <a:extLst>
+                  <a:ext uri="{0D108BD9-81ED-4DB2-BD59-A6C34878D82A}">
+                    <a16:rowId xmlns:a16="http://schemas.microsoft.com/office/drawing/2014/main" val="4275476288"/>
+                  </a:ext>
+                </a:extLst>
+              </a:tr>
+              <a:tr h="198120">
+                <a:tc>
+                  <a:txBody>
+                    <a:bodyPr/>
+                    <a:lstStyle/>
+                    <a:p>
+                      <a:pPr algn="r"/>
+                      <a:r>
+                        <a:rPr lang="es-UY" sz="2000" b="0" u="sng" dirty="0">
+                          <a:solidFill>
+                            <a:schemeClr val="tx1"/>
+                          </a:solidFill>
+                        </a:rPr>
+                        <a:t>server:</a:t>
+                      </a:r>
+                      <a:endParaRPr lang="en-US" sz="2000" b="0" u="sng" dirty="0">
+                        <a:solidFill>
+                          <a:schemeClr val="tx1"/>
+                        </a:solidFill>
+                      </a:endParaRPr>
+                    </a:p>
+                  </a:txBody>
+                  <a:tcPr>
+                    <a:lnL w="12700" cap="flat" cmpd="sng" algn="ctr">
+                      <a:solidFill>
+                        <a:schemeClr val="tx1"/>
+                      </a:solidFill>
+                      <a:prstDash val="solid"/>
+                      <a:round/>
+                      <a:headEnd type="none" w="med" len="med"/>
+                      <a:tailEnd type="none" w="med" len="med"/>
+                    </a:lnL>
+                    <a:lnR w="12700" cmpd="sng">
+                      <a:noFill/>
+                    </a:lnR>
+                    <a:lnT w="12700" cap="flat" cmpd="sng" algn="ctr">
+                      <a:solidFill>
+                        <a:schemeClr val="tx1"/>
+                      </a:solidFill>
+                      <a:prstDash val="solid"/>
+                      <a:round/>
+                      <a:headEnd type="none" w="med" len="med"/>
+                      <a:tailEnd type="none" w="med" len="med"/>
+                    </a:lnT>
+                    <a:lnB w="12700" cap="flat" cmpd="sng" algn="ctr">
+                      <a:noFill/>
+                      <a:prstDash val="solid"/>
+                      <a:round/>
+                      <a:headEnd type="none" w="med" len="med"/>
+                      <a:tailEnd type="none" w="med" len="med"/>
+                    </a:lnB>
+                    <a:lnTlToBr w="12700" cmpd="sng">
+                      <a:noFill/>
+                      <a:prstDash val="solid"/>
+                    </a:lnTlToBr>
+                    <a:lnBlToTr w="12700" cmpd="sng">
+                      <a:noFill/>
+                      <a:prstDash val="solid"/>
+                    </a:lnBlToTr>
+                    <a:noFill/>
+                  </a:tcPr>
+                </a:tc>
+                <a:tc>
+                  <a:txBody>
+                    <a:bodyPr/>
+                    <a:lstStyle/>
+                    <a:p>
+                      <a:r>
+                        <a:rPr lang="es-UY" sz="2000" b="0" u="none" dirty="0">
+                          <a:solidFill>
+                            <a:schemeClr val="tx1"/>
+                          </a:solidFill>
+                        </a:rPr>
+                        <a:t>instrucciones</a:t>
+                      </a:r>
+                      <a:endParaRPr lang="en-US" sz="2000" b="0" u="none" dirty="0">
+                        <a:solidFill>
+                          <a:schemeClr val="tx1"/>
+                        </a:solidFill>
+                      </a:endParaRPr>
+                    </a:p>
+                  </a:txBody>
+                  <a:tcPr>
+                    <a:lnL w="12700" cmpd="sng">
+                      <a:noFill/>
+                    </a:lnL>
+                    <a:lnR w="12700" cap="flat" cmpd="sng" algn="ctr">
+                      <a:solidFill>
+                        <a:schemeClr val="tx1"/>
+                      </a:solidFill>
+                      <a:prstDash val="solid"/>
+                      <a:round/>
+                      <a:headEnd type="none" w="med" len="med"/>
+                      <a:tailEnd type="none" w="med" len="med"/>
+                    </a:lnR>
+                    <a:lnT w="12700" cap="flat" cmpd="sng" algn="ctr">
+                      <a:solidFill>
+                        <a:schemeClr val="tx1"/>
+                      </a:solidFill>
+                      <a:prstDash val="solid"/>
+                      <a:round/>
+                      <a:headEnd type="none" w="med" len="med"/>
+                      <a:tailEnd type="none" w="med" len="med"/>
+                    </a:lnT>
+                    <a:lnB w="12700" cap="flat" cmpd="sng" algn="ctr">
+                      <a:noFill/>
+                      <a:prstDash val="solid"/>
+                      <a:round/>
+                      <a:headEnd type="none" w="med" len="med"/>
+                      <a:tailEnd type="none" w="med" len="med"/>
+                    </a:lnB>
+                    <a:lnTlToBr w="12700" cmpd="sng">
+                      <a:noFill/>
+                      <a:prstDash val="solid"/>
+                    </a:lnTlToBr>
+                    <a:lnBlToTr w="12700" cmpd="sng">
+                      <a:noFill/>
+                      <a:prstDash val="solid"/>
+                    </a:lnBlToTr>
+                    <a:noFill/>
+                  </a:tcPr>
+                </a:tc>
+                <a:extLst>
+                  <a:ext uri="{0D108BD9-81ED-4DB2-BD59-A6C34878D82A}">
+                    <a16:rowId xmlns:a16="http://schemas.microsoft.com/office/drawing/2014/main" val="3054139548"/>
+                  </a:ext>
+                </a:extLst>
+              </a:tr>
+              <a:tr h="198120">
+                <a:tc gridSpan="2">
+                  <a:txBody>
+                    <a:bodyPr/>
+                    <a:lstStyle/>
+                    <a:p>
+                      <a:pPr algn="ctr"/>
+                      <a:r>
+                        <a:rPr lang="es-ES" sz="1400" b="0" i="1" dirty="0"/>
+                        <a:t>Server, es dónde se programa el funcionamiento de todos los elementos definidos en </a:t>
+                      </a:r>
+                      <a:r>
+                        <a:rPr lang="es-ES" sz="1400" b="0" i="1" dirty="0" err="1"/>
+                        <a:t>ui</a:t>
+                      </a:r>
+                      <a:r>
+                        <a:rPr lang="es-ES" sz="1400" b="0" i="1" dirty="0"/>
+                        <a:t> (forma y el estilo de gráficos, tablas, etc.)</a:t>
+                      </a:r>
+                    </a:p>
+                  </a:txBody>
+                  <a:tcPr>
+                    <a:lnL w="12700" cap="flat" cmpd="sng" algn="ctr">
+                      <a:solidFill>
+                        <a:schemeClr val="tx1"/>
+                      </a:solidFill>
+                      <a:prstDash val="solid"/>
+                      <a:round/>
+                      <a:headEnd type="none" w="med" len="med"/>
+                      <a:tailEnd type="none" w="med" len="med"/>
+                    </a:lnL>
+                    <a:lnR w="12700" cap="flat" cmpd="sng" algn="ctr">
+                      <a:solidFill>
+                        <a:schemeClr val="tx1"/>
+                      </a:solidFill>
+                      <a:prstDash val="solid"/>
+                      <a:round/>
+                      <a:headEnd type="none" w="med" len="med"/>
+                      <a:tailEnd type="none" w="med" len="med"/>
+                    </a:lnR>
+                    <a:lnT w="12700" cap="flat" cmpd="sng" algn="ctr">
+                      <a:noFill/>
+                      <a:prstDash val="solid"/>
+                      <a:round/>
+                      <a:headEnd type="none" w="med" len="med"/>
+                      <a:tailEnd type="none" w="med" len="med"/>
+                    </a:lnT>
+                    <a:lnB w="12700" cap="flat" cmpd="sng" algn="ctr">
+                      <a:solidFill>
+                        <a:schemeClr val="tx1"/>
+                      </a:solidFill>
+                      <a:prstDash val="solid"/>
+                      <a:round/>
+                      <a:headEnd type="none" w="med" len="med"/>
+                      <a:tailEnd type="none" w="med" len="med"/>
+                    </a:lnB>
+                    <a:lnTlToBr w="12700" cmpd="sng">
+                      <a:noFill/>
+                      <a:prstDash val="solid"/>
+                    </a:lnTlToBr>
+                    <a:lnBlToTr w="12700" cmpd="sng">
+                      <a:noFill/>
+                      <a:prstDash val="solid"/>
+                    </a:lnBlToTr>
+                    <a:noFill/>
+                  </a:tcPr>
+                </a:tc>
+                <a:tc hMerge="1">
+                  <a:txBody>
+                    <a:bodyPr/>
+                    <a:lstStyle/>
+                    <a:p>
+                      <a:endParaRPr lang="en-US" sz="2000" b="0" dirty="0">
+                        <a:solidFill>
+                          <a:schemeClr val="tx1"/>
+                        </a:solidFill>
+                      </a:endParaRPr>
+                    </a:p>
+                  </a:txBody>
+                  <a:tcPr>
+                    <a:lnR w="12700" cap="flat" cmpd="sng" algn="ctr">
+                      <a:solidFill>
+                        <a:schemeClr val="tx1"/>
+                      </a:solidFill>
+                      <a:prstDash val="solid"/>
+                      <a:round/>
+                      <a:headEnd type="none" w="med" len="med"/>
+                      <a:tailEnd type="none" w="med" len="med"/>
+                    </a:lnR>
+                    <a:lnT w="12700" cap="flat" cmpd="sng" algn="ctr">
+                      <a:solidFill>
+                        <a:schemeClr val="tx1"/>
+                      </a:solidFill>
+                      <a:prstDash val="solid"/>
+                      <a:round/>
+                      <a:headEnd type="none" w="med" len="med"/>
+                      <a:tailEnd type="none" w="med" len="med"/>
+                    </a:lnT>
+                    <a:lnB w="12700" cap="flat" cmpd="sng" algn="ctr">
+                      <a:solidFill>
+                        <a:schemeClr val="tx1"/>
+                      </a:solidFill>
+                      <a:prstDash val="solid"/>
+                      <a:round/>
+                      <a:headEnd type="none" w="med" len="med"/>
+                      <a:tailEnd type="none" w="med" len="med"/>
+                    </a:lnB>
+                    <a:noFill/>
+                  </a:tcPr>
+                </a:tc>
+                <a:extLst>
+                  <a:ext uri="{0D108BD9-81ED-4DB2-BD59-A6C34878D82A}">
+                    <a16:rowId xmlns:a16="http://schemas.microsoft.com/office/drawing/2014/main" val="3868390880"/>
+                  </a:ext>
+                </a:extLst>
+              </a:tr>
+            </a:tbl>
+          </a:graphicData>
+        </a:graphic>
+      </p:graphicFrame>
+      <p:graphicFrame>
+        <p:nvGraphicFramePr>
+          <p:cNvPr id="6" name="Tabla 5">
+            <a:extLst>
+              <a:ext uri="{FF2B5EF4-FFF2-40B4-BE49-F238E27FC236}">
+                <a16:creationId xmlns:a16="http://schemas.microsoft.com/office/drawing/2014/main" id="{A2AADA93-A8F5-4A04-81A0-03FE2D3B17F8}"/>
+              </a:ext>
+            </a:extLst>
+          </p:cNvPr>
+          <p:cNvGraphicFramePr>
+            <a:graphicFrameLocks noGrp="1"/>
+          </p:cNvGraphicFramePr>
+          <p:nvPr>
+            <p:extLst>
+              <p:ext uri="{D42A27DB-BD31-4B8C-83A1-F6EECF244321}">
+                <p14:modId xmlns:p14="http://schemas.microsoft.com/office/powerpoint/2010/main" val="1793060263"/>
+              </p:ext>
+            </p:extLst>
+          </p:nvPr>
+        </p:nvGraphicFramePr>
+        <p:xfrm>
+          <a:off x="5220072" y="3766229"/>
+          <a:ext cx="2687960" cy="1981200"/>
+        </p:xfrm>
+        <a:graphic>
+          <a:graphicData uri="http://schemas.openxmlformats.org/drawingml/2006/table">
+            <a:tbl>
+              <a:tblPr firstRow="1" bandRow="1">
+                <a:tableStyleId>{5C22544A-7EE6-4342-B048-85BDC9FD1C3A}</a:tableStyleId>
+              </a:tblPr>
+              <a:tblGrid>
+                <a:gridCol w="2687960">
+                  <a:extLst>
+                    <a:ext uri="{9D8B030D-6E8A-4147-A177-3AD203B41FA5}">
+                      <a16:colId xmlns:a16="http://schemas.microsoft.com/office/drawing/2014/main" val="1137539109"/>
+                    </a:ext>
+                  </a:extLst>
+                </a:gridCol>
+              </a:tblGrid>
+              <a:tr h="198120">
+                <a:tc>
+                  <a:txBody>
+                    <a:bodyPr/>
+                    <a:lstStyle/>
+                    <a:p>
+                      <a:pPr algn="ctr"/>
+                      <a:r>
+                        <a:rPr lang="en-US" sz="2000" b="0" u="sng" dirty="0" err="1">
+                          <a:solidFill>
+                            <a:schemeClr val="tx1"/>
+                          </a:solidFill>
+                        </a:rPr>
+                        <a:t>reactividad</a:t>
+                      </a:r>
+                      <a:endParaRPr lang="en-US" sz="2000" b="0" u="sng" dirty="0">
+                        <a:solidFill>
+                          <a:schemeClr val="tx1"/>
+                        </a:solidFill>
+                      </a:endParaRPr>
+                    </a:p>
+                  </a:txBody>
+                  <a:tcPr>
+                    <a:lnL w="12700" cap="flat" cmpd="sng" algn="ctr">
+                      <a:solidFill>
+                        <a:schemeClr val="tx1"/>
+                      </a:solidFill>
+                      <a:prstDash val="solid"/>
+                      <a:round/>
+                      <a:headEnd type="none" w="med" len="med"/>
+                      <a:tailEnd type="none" w="med" len="med"/>
+                    </a:lnL>
+                    <a:lnR w="12700" cap="flat" cmpd="sng" algn="ctr">
+                      <a:solidFill>
+                        <a:schemeClr val="tx1"/>
+                      </a:solidFill>
+                      <a:prstDash val="solid"/>
+                      <a:round/>
+                      <a:headEnd type="none" w="med" len="med"/>
+                      <a:tailEnd type="none" w="med" len="med"/>
+                    </a:lnR>
+                    <a:lnT w="12700" cap="flat" cmpd="sng" algn="ctr">
+                      <a:solidFill>
+                        <a:schemeClr val="tx1"/>
+                      </a:solidFill>
+                      <a:prstDash val="solid"/>
+                      <a:round/>
+                      <a:headEnd type="none" w="med" len="med"/>
+                      <a:tailEnd type="none" w="med" len="med"/>
+                    </a:lnT>
+                    <a:lnB w="12700" cap="flat" cmpd="sng" algn="ctr">
+                      <a:noFill/>
+                      <a:prstDash val="solid"/>
+                      <a:round/>
+                      <a:headEnd type="none" w="med" len="med"/>
+                      <a:tailEnd type="none" w="med" len="med"/>
+                    </a:lnB>
+                    <a:lnTlToBr w="12700" cmpd="sng">
+                      <a:noFill/>
+                      <a:prstDash val="solid"/>
+                    </a:lnTlToBr>
+                    <a:lnBlToTr w="12700" cmpd="sng">
+                      <a:noFill/>
+                      <a:prstDash val="solid"/>
+                    </a:lnBlToTr>
+                    <a:noFill/>
+                  </a:tcPr>
+                </a:tc>
+                <a:extLst>
+                  <a:ext uri="{0D108BD9-81ED-4DB2-BD59-A6C34878D82A}">
+                    <a16:rowId xmlns:a16="http://schemas.microsoft.com/office/drawing/2014/main" val="3855113162"/>
+                  </a:ext>
+                </a:extLst>
+              </a:tr>
+              <a:tr h="198120">
+                <a:tc>
+                  <a:txBody>
+                    <a:bodyPr/>
+                    <a:lstStyle/>
+                    <a:p>
+                      <a:pPr algn="ctr"/>
+                      <a:r>
+                        <a:rPr lang="es-ES" sz="1400" dirty="0"/>
+                        <a:t>Cuando una entrada (input) cambia, el servidor reconstruye cada salida (output) que depende de ella (también si la dependencia es indirecta). Puedes controlar este comportamiento a través de la cadena de dependencias.</a:t>
+                      </a:r>
+                      <a:endParaRPr lang="en-US" sz="1400" b="0" i="1" dirty="0">
+                        <a:solidFill>
+                          <a:schemeClr val="tx1"/>
+                        </a:solidFill>
+                      </a:endParaRPr>
+                    </a:p>
+                  </a:txBody>
+                  <a:tcPr>
+                    <a:lnL w="12700" cap="flat" cmpd="sng" algn="ctr">
+                      <a:solidFill>
+                        <a:schemeClr val="tx1"/>
+                      </a:solidFill>
+                      <a:prstDash val="solid"/>
+                      <a:round/>
+                      <a:headEnd type="none" w="med" len="med"/>
+                      <a:tailEnd type="none" w="med" len="med"/>
+                    </a:lnL>
+                    <a:lnR w="12700" cap="flat" cmpd="sng" algn="ctr">
+                      <a:solidFill>
+                        <a:schemeClr val="tx1"/>
+                      </a:solidFill>
+                      <a:prstDash val="solid"/>
+                      <a:round/>
+                      <a:headEnd type="none" w="med" len="med"/>
+                      <a:tailEnd type="none" w="med" len="med"/>
+                    </a:lnR>
+                    <a:lnT w="12700" cap="flat" cmpd="sng" algn="ctr">
+                      <a:noFill/>
+                      <a:prstDash val="solid"/>
+                      <a:round/>
+                      <a:headEnd type="none" w="med" len="med"/>
+                      <a:tailEnd type="none" w="med" len="med"/>
+                    </a:lnT>
+                    <a:lnB w="12700" cap="flat" cmpd="sng" algn="ctr">
+                      <a:solidFill>
+                        <a:schemeClr val="tx1"/>
+                      </a:solidFill>
+                      <a:prstDash val="solid"/>
+                      <a:round/>
+                      <a:headEnd type="none" w="med" len="med"/>
+                      <a:tailEnd type="none" w="med" len="med"/>
+                    </a:lnB>
+                    <a:lnTlToBr w="12700" cmpd="sng">
+                      <a:noFill/>
+                      <a:prstDash val="solid"/>
+                    </a:lnTlToBr>
+                    <a:lnBlToTr w="12700" cmpd="sng">
+                      <a:noFill/>
+                      <a:prstDash val="solid"/>
+                    </a:lnBlToTr>
+                    <a:noFill/>
+                  </a:tcPr>
+                </a:tc>
+                <a:extLst>
+                  <a:ext uri="{0D108BD9-81ED-4DB2-BD59-A6C34878D82A}">
+                    <a16:rowId xmlns:a16="http://schemas.microsoft.com/office/drawing/2014/main" val="464134397"/>
+                  </a:ext>
+                </a:extLst>
+              </a:tr>
+            </a:tbl>
+          </a:graphicData>
+        </a:graphic>
+      </p:graphicFrame>
+      <p:sp>
+        <p:nvSpPr>
+          <p:cNvPr id="9" name="1 Título">
+            <a:extLst>
+              <a:ext uri="{FF2B5EF4-FFF2-40B4-BE49-F238E27FC236}">
+                <a16:creationId xmlns:a16="http://schemas.microsoft.com/office/drawing/2014/main" id="{F0D396BA-9000-4474-92C5-DF81178FAE3E}"/>
+              </a:ext>
+            </a:extLst>
+          </p:cNvPr>
+          <p:cNvSpPr txBox="1">
+            <a:spLocks/>
+          </p:cNvSpPr>
+          <p:nvPr/>
+        </p:nvSpPr>
+        <p:spPr>
+          <a:xfrm>
+            <a:off x="107504" y="332656"/>
+            <a:ext cx="8229600" cy="634082"/>
+          </a:xfrm>
+          <a:prstGeom prst="rect">
+            <a:avLst/>
+          </a:prstGeom>
+        </p:spPr>
+        <p:txBody>
+          <a:bodyPr vert="horz" lIns="91440" tIns="45720" rIns="91440" bIns="45720" rtlCol="0" anchor="ctr">
+            <a:normAutofit/>
+          </a:bodyPr>
+          <a:lstStyle>
+            <a:lvl1pPr>
+              <a:spcBef>
+                <a:spcPct val="0"/>
+              </a:spcBef>
+              <a:buNone/>
+              <a:defRPr sz="3600">
+                <a:latin typeface="+mj-lt"/>
+                <a:ea typeface="+mj-ea"/>
+                <a:cs typeface="+mj-cs"/>
+              </a:defRPr>
+            </a:lvl1pPr>
+          </a:lstStyle>
+          <a:p>
+            <a:r>
+              <a:rPr lang="es-UY" sz="3200" dirty="0"/>
+              <a:t>Reactividad</a:t>
+            </a:r>
+          </a:p>
+        </p:txBody>
+      </p:sp>
+    </p:spTree>
+    <p:extLst>
+      <p:ext uri="{BB962C8B-B14F-4D97-AF65-F5344CB8AC3E}">
+        <p14:creationId xmlns:p14="http://schemas.microsoft.com/office/powerpoint/2010/main" val="3883587652"/>
+      </p:ext>
+    </p:extLst>
+  </p:cSld>
+  <p:clrMapOvr>
+    <a:masterClrMapping/>
+  </p:clrMapOvr>
+</p:sld>
+</file>
+
 <file path=ppt/slides/slide2.xml><?xml version="1.0" encoding="utf-8"?>
 <p:sld xmlns:a="http://schemas.openxmlformats.org/drawingml/2006/main" xmlns:r="http://schemas.openxmlformats.org/officeDocument/2006/relationships" xmlns:p="http://schemas.openxmlformats.org/presentationml/2006/main">
   <p:cSld>
@@ -3193,7 +4497,7 @@
             </a:r>
             <a:r>
               <a:rPr lang="es-UY" sz="2800" dirty="0"/>
-              <a:t> es una herramienta para crear aplicaciones webs interactivas.</a:t>
+              <a:t> es una herramienta para crear aplicaciones web interactivas.</a:t>
             </a:r>
           </a:p>
           <a:p>
@@ -3263,8 +4567,12 @@
           <a:p>
             <a:pPr algn="l"/>
             <a:r>
+              <a:rPr lang="es-UY" sz="3600" dirty="0" err="1"/>
+              <a:t>shinyApp</a:t>
+            </a:r>
+            <a:r>
               <a:rPr lang="es-UY" sz="3600" dirty="0"/>
-              <a:t>Componentes</a:t>
+              <a:t>: Componentes</a:t>
             </a:r>
           </a:p>
         </p:txBody>
@@ -3313,14 +4621,14 @@
           <p:nvPr>
             <p:extLst>
               <p:ext uri="{D42A27DB-BD31-4B8C-83A1-F6EECF244321}">
-                <p14:modId xmlns:p14="http://schemas.microsoft.com/office/powerpoint/2010/main" val="1093745265"/>
+                <p14:modId xmlns:p14="http://schemas.microsoft.com/office/powerpoint/2010/main" val="3296177891"/>
               </p:ext>
             </p:extLst>
           </p:nvPr>
         </p:nvGraphicFramePr>
         <p:xfrm>
-          <a:off x="5868144" y="3248784"/>
-          <a:ext cx="2687960" cy="792480"/>
+          <a:off x="5868144" y="2420300"/>
+          <a:ext cx="2687960" cy="2895600"/>
         </p:xfrm>
         <a:graphic>
           <a:graphicData uri="http://schemas.openxmlformats.org/drawingml/2006/table">
@@ -3344,7 +4652,7 @@
                   </a:extLst>
                 </a:gridCol>
               </a:tblGrid>
-              <a:tr h="370840">
+              <a:tr h="216612">
                 <a:tc>
                   <a:txBody>
                     <a:bodyPr/>
@@ -3352,7 +4660,7 @@
                     <a:p>
                       <a:pPr algn="r"/>
                       <a:r>
-                        <a:rPr lang="es-UY" sz="2000" b="0" dirty="0" err="1">
+                        <a:rPr lang="es-UY" sz="2000" b="0" u="sng" dirty="0" err="1">
                           <a:solidFill>
                             <a:schemeClr val="tx1"/>
                           </a:solidFill>
@@ -3360,14 +4668,14 @@
                         <a:t>ui</a:t>
                       </a:r>
                       <a:r>
-                        <a:rPr lang="es-UY" sz="2000" b="0" dirty="0">
+                        <a:rPr lang="es-UY" sz="2000" b="0" u="sng" dirty="0">
                           <a:solidFill>
                             <a:schemeClr val="tx1"/>
                           </a:solidFill>
                         </a:rPr>
                         <a:t>:</a:t>
                       </a:r>
-                      <a:endParaRPr lang="en-US" sz="2000" b="0" dirty="0">
+                      <a:endParaRPr lang="en-US" sz="2000" b="0" u="sng" dirty="0">
                         <a:solidFill>
                           <a:schemeClr val="tx1"/>
                         </a:solidFill>
@@ -3384,6 +4692,9 @@
                       <a:headEnd type="none" w="med" len="med"/>
                       <a:tailEnd type="none" w="med" len="med"/>
                     </a:lnL>
+                    <a:lnR w="12700" cmpd="sng">
+                      <a:noFill/>
+                    </a:lnR>
                     <a:lnT w="12700" cap="flat" cmpd="sng" algn="ctr">
                       <a:solidFill>
                         <a:schemeClr val="tx1"/>
@@ -3394,14 +4705,20 @@
                       <a:tailEnd type="none" w="med" len="med"/>
                     </a:lnT>
                     <a:lnB w="12700" cap="flat" cmpd="sng" algn="ctr">
-                      <a:solidFill>
-                        <a:schemeClr val="tx1"/>
-                      </a:solidFill>
+                      <a:noFill/>
                       <a:prstDash val="solid"/>
                       <a:round/>
                       <a:headEnd type="none" w="med" len="med"/>
                       <a:tailEnd type="none" w="med" len="med"/>
                     </a:lnB>
+                    <a:lnTlToBr w="12700" cmpd="sng">
+                      <a:noFill/>
+                      <a:prstDash val="solid"/>
+                    </a:lnTlToBr>
+                    <a:lnBlToTr w="12700" cmpd="sng">
+                      <a:noFill/>
+                      <a:prstDash val="solid"/>
+                    </a:lnBlToTr>
                     <a:noFill/>
                   </a:tcPr>
                 </a:tc>
@@ -3411,13 +4728,429 @@
                     <a:lstStyle/>
                     <a:p>
                       <a:r>
-                        <a:rPr lang="es-UY" sz="2000" b="0" dirty="0">
+                        <a:rPr lang="es-UY" sz="2000" b="0" u="none" dirty="0">
                           <a:solidFill>
                             <a:schemeClr val="tx1"/>
                           </a:solidFill>
                         </a:rPr>
-                        <a:t>estructura</a:t>
+                        <a:t>Estructura</a:t>
                       </a:r>
+                      <a:endParaRPr lang="en-US" sz="1200" b="0" u="none" dirty="0">
+                        <a:solidFill>
+                          <a:schemeClr val="tx1"/>
+                        </a:solidFill>
+                      </a:endParaRPr>
+                    </a:p>
+                  </a:txBody>
+                  <a:tcPr>
+                    <a:lnL w="12700" cmpd="sng">
+                      <a:noFill/>
+                    </a:lnL>
+                    <a:lnR w="12700" cap="flat" cmpd="sng" algn="ctr">
+                      <a:solidFill>
+                        <a:schemeClr val="tx1"/>
+                      </a:solidFill>
+                      <a:prstDash val="solid"/>
+                      <a:round/>
+                      <a:headEnd type="none" w="med" len="med"/>
+                      <a:tailEnd type="none" w="med" len="med"/>
+                    </a:lnR>
+                    <a:lnT w="12700" cap="flat" cmpd="sng" algn="ctr">
+                      <a:solidFill>
+                        <a:schemeClr val="tx1"/>
+                      </a:solidFill>
+                      <a:prstDash val="solid"/>
+                      <a:round/>
+                      <a:headEnd type="none" w="med" len="med"/>
+                      <a:tailEnd type="none" w="med" len="med"/>
+                    </a:lnT>
+                    <a:lnB w="12700" cap="flat" cmpd="sng" algn="ctr">
+                      <a:noFill/>
+                      <a:prstDash val="solid"/>
+                      <a:round/>
+                      <a:headEnd type="none" w="med" len="med"/>
+                      <a:tailEnd type="none" w="med" len="med"/>
+                    </a:lnB>
+                    <a:lnTlToBr w="12700" cmpd="sng">
+                      <a:noFill/>
+                      <a:prstDash val="solid"/>
+                    </a:lnTlToBr>
+                    <a:lnBlToTr w="12700" cmpd="sng">
+                      <a:noFill/>
+                      <a:prstDash val="solid"/>
+                    </a:lnBlToTr>
+                    <a:noFill/>
+                  </a:tcPr>
+                </a:tc>
+                <a:extLst>
+                  <a:ext uri="{0D108BD9-81ED-4DB2-BD59-A6C34878D82A}">
+                    <a16:rowId xmlns:a16="http://schemas.microsoft.com/office/drawing/2014/main" val="2848244332"/>
+                  </a:ext>
+                </a:extLst>
+              </a:tr>
+              <a:tr h="0">
+                <a:tc gridSpan="2">
+                  <a:txBody>
+                    <a:bodyPr/>
+                    <a:lstStyle/>
+                    <a:p>
+                      <a:pPr marL="0" marR="0" lvl="0" indent="0" algn="ctr" defTabSz="914400" rtl="0" eaLnBrk="1" fontAlgn="auto" latinLnBrk="0" hangingPunct="1">
+                        <a:lnSpc>
+                          <a:spcPct val="100000"/>
+                        </a:lnSpc>
+                        <a:spcBef>
+                          <a:spcPts val="0"/>
+                        </a:spcBef>
+                        <a:spcAft>
+                          <a:spcPts val="0"/>
+                        </a:spcAft>
+                        <a:buClrTx/>
+                        <a:buSzTx/>
+                        <a:buFontTx/>
+                        <a:buNone/>
+                        <a:tabLst/>
+                        <a:defRPr/>
+                      </a:pPr>
+                      <a:r>
+                        <a:rPr lang="es-UY" sz="1400" b="0" i="1" dirty="0">
+                          <a:solidFill>
+                            <a:schemeClr val="tx1"/>
+                          </a:solidFill>
+                        </a:rPr>
+                        <a:t>I</a:t>
+                      </a:r>
+                      <a:r>
+                        <a:rPr lang="es-ES" sz="1400" b="0" i="1" dirty="0" err="1">
+                          <a:solidFill>
+                            <a:schemeClr val="tx1"/>
+                          </a:solidFill>
+                        </a:rPr>
+                        <a:t>nterfaz</a:t>
+                      </a:r>
+                      <a:r>
+                        <a:rPr lang="es-ES" sz="1400" b="0" i="1" dirty="0">
+                          <a:solidFill>
+                            <a:schemeClr val="tx1"/>
+                          </a:solidFill>
+                        </a:rPr>
+                        <a:t> de usuario, es donde se programan los elementos con los cuales interactúa el usuario (selectores, botones, cajas, controles, gráficas, etc.)</a:t>
+                      </a:r>
+                      <a:endParaRPr lang="en-US" sz="1400" b="0" i="1" dirty="0">
+                        <a:solidFill>
+                          <a:schemeClr val="tx1"/>
+                        </a:solidFill>
+                      </a:endParaRPr>
+                    </a:p>
+                  </a:txBody>
+                  <a:tcPr>
+                    <a:lnL w="12700" cap="flat" cmpd="sng" algn="ctr">
+                      <a:solidFill>
+                        <a:schemeClr val="tx1"/>
+                      </a:solidFill>
+                      <a:prstDash val="solid"/>
+                      <a:round/>
+                      <a:headEnd type="none" w="med" len="med"/>
+                      <a:tailEnd type="none" w="med" len="med"/>
+                    </a:lnL>
+                    <a:lnR w="12700" cap="flat" cmpd="sng" algn="ctr">
+                      <a:solidFill>
+                        <a:schemeClr val="tx1"/>
+                      </a:solidFill>
+                      <a:prstDash val="solid"/>
+                      <a:round/>
+                      <a:headEnd type="none" w="med" len="med"/>
+                      <a:tailEnd type="none" w="med" len="med"/>
+                    </a:lnR>
+                    <a:lnT w="12700" cap="flat" cmpd="sng" algn="ctr">
+                      <a:noFill/>
+                      <a:prstDash val="solid"/>
+                      <a:round/>
+                      <a:headEnd type="none" w="med" len="med"/>
+                      <a:tailEnd type="none" w="med" len="med"/>
+                    </a:lnT>
+                    <a:lnB w="12700" cap="flat" cmpd="sng" algn="ctr">
+                      <a:solidFill>
+                        <a:schemeClr val="tx1"/>
+                      </a:solidFill>
+                      <a:prstDash val="solid"/>
+                      <a:round/>
+                      <a:headEnd type="none" w="med" len="med"/>
+                      <a:tailEnd type="none" w="med" len="med"/>
+                    </a:lnB>
+                    <a:lnTlToBr w="12700" cmpd="sng">
+                      <a:noFill/>
+                      <a:prstDash val="solid"/>
+                    </a:lnTlToBr>
+                    <a:lnBlToTr w="12700" cmpd="sng">
+                      <a:noFill/>
+                      <a:prstDash val="solid"/>
+                    </a:lnBlToTr>
+                    <a:noFill/>
+                  </a:tcPr>
+                </a:tc>
+                <a:tc hMerge="1">
+                  <a:txBody>
+                    <a:bodyPr/>
+                    <a:lstStyle/>
+                    <a:p>
+                      <a:endParaRPr lang="en-US" sz="1200" b="0" dirty="0">
+                        <a:solidFill>
+                          <a:schemeClr val="tx1"/>
+                        </a:solidFill>
+                      </a:endParaRPr>
+                    </a:p>
+                  </a:txBody>
+                  <a:tcPr>
+                    <a:lnL w="12700" cmpd="sng">
+                      <a:noFill/>
+                    </a:lnL>
+                    <a:lnR w="12700" cap="flat" cmpd="sng" algn="ctr">
+                      <a:solidFill>
+                        <a:schemeClr val="tx1"/>
+                      </a:solidFill>
+                      <a:prstDash val="solid"/>
+                      <a:round/>
+                      <a:headEnd type="none" w="med" len="med"/>
+                      <a:tailEnd type="none" w="med" len="med"/>
+                    </a:lnR>
+                    <a:lnT w="12700" cap="flat" cmpd="sng" algn="ctr">
+                      <a:noFill/>
+                      <a:prstDash val="solid"/>
+                      <a:round/>
+                      <a:headEnd type="none" w="med" len="med"/>
+                      <a:tailEnd type="none" w="med" len="med"/>
+                    </a:lnT>
+                    <a:lnB w="12700" cap="flat" cmpd="sng" algn="ctr">
+                      <a:solidFill>
+                        <a:schemeClr val="tx1"/>
+                      </a:solidFill>
+                      <a:prstDash val="solid"/>
+                      <a:round/>
+                      <a:headEnd type="none" w="med" len="med"/>
+                      <a:tailEnd type="none" w="med" len="med"/>
+                    </a:lnB>
+                    <a:lnTlToBr w="12700" cmpd="sng">
+                      <a:noFill/>
+                      <a:prstDash val="solid"/>
+                    </a:lnTlToBr>
+                    <a:lnBlToTr w="12700" cmpd="sng">
+                      <a:noFill/>
+                      <a:prstDash val="solid"/>
+                    </a:lnBlToTr>
+                    <a:noFill/>
+                  </a:tcPr>
+                </a:tc>
+                <a:extLst>
+                  <a:ext uri="{0D108BD9-81ED-4DB2-BD59-A6C34878D82A}">
+                    <a16:rowId xmlns:a16="http://schemas.microsoft.com/office/drawing/2014/main" val="4275476288"/>
+                  </a:ext>
+                </a:extLst>
+              </a:tr>
+              <a:tr h="198120">
+                <a:tc>
+                  <a:txBody>
+                    <a:bodyPr/>
+                    <a:lstStyle/>
+                    <a:p>
+                      <a:pPr algn="r"/>
+                      <a:r>
+                        <a:rPr lang="es-UY" sz="2000" b="0" u="sng" dirty="0">
+                          <a:solidFill>
+                            <a:schemeClr val="tx1"/>
+                          </a:solidFill>
+                        </a:rPr>
+                        <a:t>server:</a:t>
+                      </a:r>
+                      <a:endParaRPr lang="en-US" sz="2000" b="0" u="sng" dirty="0">
+                        <a:solidFill>
+                          <a:schemeClr val="tx1"/>
+                        </a:solidFill>
+                      </a:endParaRPr>
+                    </a:p>
+                  </a:txBody>
+                  <a:tcPr>
+                    <a:lnL w="12700" cap="flat" cmpd="sng" algn="ctr">
+                      <a:solidFill>
+                        <a:schemeClr val="tx1"/>
+                      </a:solidFill>
+                      <a:prstDash val="solid"/>
+                      <a:round/>
+                      <a:headEnd type="none" w="med" len="med"/>
+                      <a:tailEnd type="none" w="med" len="med"/>
+                    </a:lnL>
+                    <a:lnR w="12700" cmpd="sng">
+                      <a:noFill/>
+                    </a:lnR>
+                    <a:lnT w="12700" cap="flat" cmpd="sng" algn="ctr">
+                      <a:solidFill>
+                        <a:schemeClr val="tx1"/>
+                      </a:solidFill>
+                      <a:prstDash val="solid"/>
+                      <a:round/>
+                      <a:headEnd type="none" w="med" len="med"/>
+                      <a:tailEnd type="none" w="med" len="med"/>
+                    </a:lnT>
+                    <a:lnB w="12700" cap="flat" cmpd="sng" algn="ctr">
+                      <a:noFill/>
+                      <a:prstDash val="solid"/>
+                      <a:round/>
+                      <a:headEnd type="none" w="med" len="med"/>
+                      <a:tailEnd type="none" w="med" len="med"/>
+                    </a:lnB>
+                    <a:lnTlToBr w="12700" cmpd="sng">
+                      <a:noFill/>
+                      <a:prstDash val="solid"/>
+                    </a:lnTlToBr>
+                    <a:lnBlToTr w="12700" cmpd="sng">
+                      <a:noFill/>
+                      <a:prstDash val="solid"/>
+                    </a:lnBlToTr>
+                    <a:noFill/>
+                  </a:tcPr>
+                </a:tc>
+                <a:tc>
+                  <a:txBody>
+                    <a:bodyPr/>
+                    <a:lstStyle/>
+                    <a:p>
+                      <a:r>
+                        <a:rPr lang="es-UY" sz="2000" b="0" u="none" dirty="0">
+                          <a:solidFill>
+                            <a:schemeClr val="tx1"/>
+                          </a:solidFill>
+                        </a:rPr>
+                        <a:t>instrucciones</a:t>
+                      </a:r>
+                      <a:endParaRPr lang="en-US" sz="2000" b="0" u="none" dirty="0">
+                        <a:solidFill>
+                          <a:schemeClr val="tx1"/>
+                        </a:solidFill>
+                      </a:endParaRPr>
+                    </a:p>
+                  </a:txBody>
+                  <a:tcPr>
+                    <a:lnL w="12700" cmpd="sng">
+                      <a:noFill/>
+                    </a:lnL>
+                    <a:lnR w="12700" cap="flat" cmpd="sng" algn="ctr">
+                      <a:solidFill>
+                        <a:schemeClr val="tx1"/>
+                      </a:solidFill>
+                      <a:prstDash val="solid"/>
+                      <a:round/>
+                      <a:headEnd type="none" w="med" len="med"/>
+                      <a:tailEnd type="none" w="med" len="med"/>
+                    </a:lnR>
+                    <a:lnT w="12700" cap="flat" cmpd="sng" algn="ctr">
+                      <a:solidFill>
+                        <a:schemeClr val="tx1"/>
+                      </a:solidFill>
+                      <a:prstDash val="solid"/>
+                      <a:round/>
+                      <a:headEnd type="none" w="med" len="med"/>
+                      <a:tailEnd type="none" w="med" len="med"/>
+                    </a:lnT>
+                    <a:lnB w="12700" cap="flat" cmpd="sng" algn="ctr">
+                      <a:noFill/>
+                      <a:prstDash val="solid"/>
+                      <a:round/>
+                      <a:headEnd type="none" w="med" len="med"/>
+                      <a:tailEnd type="none" w="med" len="med"/>
+                    </a:lnB>
+                    <a:lnTlToBr w="12700" cmpd="sng">
+                      <a:noFill/>
+                      <a:prstDash val="solid"/>
+                    </a:lnTlToBr>
+                    <a:lnBlToTr w="12700" cmpd="sng">
+                      <a:noFill/>
+                      <a:prstDash val="solid"/>
+                    </a:lnBlToTr>
+                    <a:noFill/>
+                  </a:tcPr>
+                </a:tc>
+                <a:extLst>
+                  <a:ext uri="{0D108BD9-81ED-4DB2-BD59-A6C34878D82A}">
+                    <a16:rowId xmlns:a16="http://schemas.microsoft.com/office/drawing/2014/main" val="3054139548"/>
+                  </a:ext>
+                </a:extLst>
+              </a:tr>
+              <a:tr h="198120">
+                <a:tc gridSpan="2">
+                  <a:txBody>
+                    <a:bodyPr/>
+                    <a:lstStyle/>
+                    <a:p>
+                      <a:pPr algn="ctr"/>
+                      <a:r>
+                        <a:rPr lang="es-ES" sz="1400" b="0" i="1" dirty="0"/>
+                        <a:t>Server, es dónde se programa el funcionamiento de todos los elementos definidos en </a:t>
+                      </a:r>
+                      <a:r>
+                        <a:rPr lang="es-ES" sz="1400" b="0" i="1" dirty="0" err="1"/>
+                        <a:t>ui</a:t>
+                      </a:r>
+                      <a:r>
+                        <a:rPr lang="es-ES" sz="1400" b="0" i="1" dirty="0"/>
+                        <a:t> (forma y el estilo de gráficos, tablas, etc.)</a:t>
+                      </a:r>
+                      <a:endParaRPr lang="en-US" sz="1400" b="0" i="1" dirty="0">
+                        <a:solidFill>
+                          <a:schemeClr val="tx1"/>
+                        </a:solidFill>
+                      </a:endParaRPr>
+                    </a:p>
+                  </a:txBody>
+                  <a:tcPr>
+                    <a:lnL w="12700" cap="flat" cmpd="sng" algn="ctr">
+                      <a:solidFill>
+                        <a:schemeClr val="tx1"/>
+                      </a:solidFill>
+                      <a:prstDash val="solid"/>
+                      <a:round/>
+                      <a:headEnd type="none" w="med" len="med"/>
+                      <a:tailEnd type="none" w="med" len="med"/>
+                    </a:lnL>
+                    <a:lnR w="12700" cap="flat" cmpd="sng" algn="ctr">
+                      <a:solidFill>
+                        <a:schemeClr val="tx1"/>
+                      </a:solidFill>
+                      <a:prstDash val="solid"/>
+                      <a:round/>
+                      <a:headEnd type="none" w="med" len="med"/>
+                      <a:tailEnd type="none" w="med" len="med"/>
+                    </a:lnR>
+                    <a:lnT w="12700" cap="flat" cmpd="sng" algn="ctr">
+                      <a:noFill/>
+                      <a:prstDash val="solid"/>
+                      <a:round/>
+                      <a:headEnd type="none" w="med" len="med"/>
+                      <a:tailEnd type="none" w="med" len="med"/>
+                    </a:lnT>
+                    <a:lnB w="12700" cap="flat" cmpd="sng" algn="ctr">
+                      <a:solidFill>
+                        <a:schemeClr val="tx1"/>
+                      </a:solidFill>
+                      <a:prstDash val="solid"/>
+                      <a:round/>
+                      <a:headEnd type="none" w="med" len="med"/>
+                      <a:tailEnd type="none" w="med" len="med"/>
+                    </a:lnB>
+                    <a:lnTlToBr w="12700" cmpd="sng">
+                      <a:noFill/>
+                      <a:prstDash val="solid"/>
+                    </a:lnTlToBr>
+                    <a:lnBlToTr w="12700" cmpd="sng">
+                      <a:noFill/>
+                      <a:prstDash val="solid"/>
+                    </a:lnBlToTr>
+                    <a:noFill/>
+                  </a:tcPr>
+                </a:tc>
+                <a:tc hMerge="1">
+                  <a:txBody>
+                    <a:bodyPr/>
+                    <a:lstStyle/>
+                    <a:p>
                       <a:endParaRPr lang="en-US" sz="2000" b="0" dirty="0">
                         <a:solidFill>
                           <a:schemeClr val="tx1"/>
@@ -3458,117 +5191,7 @@
                 </a:tc>
                 <a:extLst>
                   <a:ext uri="{0D108BD9-81ED-4DB2-BD59-A6C34878D82A}">
-                    <a16:rowId xmlns:a16="http://schemas.microsoft.com/office/drawing/2014/main" val="2848244332"/>
-                  </a:ext>
-                </a:extLst>
-              </a:tr>
-              <a:tr h="370840">
-                <a:tc>
-                  <a:txBody>
-                    <a:bodyPr/>
-                    <a:lstStyle/>
-                    <a:p>
-                      <a:pPr algn="r"/>
-                      <a:r>
-                        <a:rPr lang="es-UY" sz="2000" b="0" dirty="0">
-                          <a:solidFill>
-                            <a:schemeClr val="tx1"/>
-                          </a:solidFill>
-                        </a:rPr>
-                        <a:t>server:</a:t>
-                      </a:r>
-                      <a:endParaRPr lang="en-US" sz="2000" b="0" dirty="0">
-                        <a:solidFill>
-                          <a:schemeClr val="tx1"/>
-                        </a:solidFill>
-                      </a:endParaRPr>
-                    </a:p>
-                  </a:txBody>
-                  <a:tcPr>
-                    <a:lnL w="12700" cap="flat" cmpd="sng" algn="ctr">
-                      <a:solidFill>
-                        <a:schemeClr val="tx1"/>
-                      </a:solidFill>
-                      <a:prstDash val="solid"/>
-                      <a:round/>
-                      <a:headEnd type="none" w="med" len="med"/>
-                      <a:tailEnd type="none" w="med" len="med"/>
-                    </a:lnL>
-                    <a:lnT w="12700" cap="flat" cmpd="sng" algn="ctr">
-                      <a:solidFill>
-                        <a:schemeClr val="tx1"/>
-                      </a:solidFill>
-                      <a:prstDash val="solid"/>
-                      <a:round/>
-                      <a:headEnd type="none" w="med" len="med"/>
-                      <a:tailEnd type="none" w="med" len="med"/>
-                    </a:lnT>
-                    <a:lnB w="12700" cap="flat" cmpd="sng" algn="ctr">
-                      <a:solidFill>
-                        <a:schemeClr val="tx1"/>
-                      </a:solidFill>
-                      <a:prstDash val="solid"/>
-                      <a:round/>
-                      <a:headEnd type="none" w="med" len="med"/>
-                      <a:tailEnd type="none" w="med" len="med"/>
-                    </a:lnB>
-                    <a:noFill/>
-                  </a:tcPr>
-                </a:tc>
-                <a:tc>
-                  <a:txBody>
-                    <a:bodyPr/>
-                    <a:lstStyle/>
-                    <a:p>
-                      <a:r>
-                        <a:rPr lang="es-UY" sz="2000" b="0" dirty="0">
-                          <a:solidFill>
-                            <a:schemeClr val="tx1"/>
-                          </a:solidFill>
-                        </a:rPr>
-                        <a:t>instrucciones</a:t>
-                      </a:r>
-                      <a:endParaRPr lang="en-US" sz="2000" b="0" dirty="0">
-                        <a:solidFill>
-                          <a:schemeClr val="tx1"/>
-                        </a:solidFill>
-                      </a:endParaRPr>
-                    </a:p>
-                  </a:txBody>
-                  <a:tcPr>
-                    <a:lnR w="12700" cap="flat" cmpd="sng" algn="ctr">
-                      <a:solidFill>
-                        <a:schemeClr val="tx1"/>
-                      </a:solidFill>
-                      <a:prstDash val="solid"/>
-                      <a:round/>
-                      <a:headEnd type="none" w="med" len="med"/>
-                      <a:tailEnd type="none" w="med" len="med"/>
-                    </a:lnR>
-                    <a:lnT w="12700" cap="flat" cmpd="sng" algn="ctr">
-                      <a:solidFill>
-                        <a:schemeClr val="tx1"/>
-                      </a:solidFill>
-                      <a:prstDash val="solid"/>
-                      <a:round/>
-                      <a:headEnd type="none" w="med" len="med"/>
-                      <a:tailEnd type="none" w="med" len="med"/>
-                    </a:lnT>
-                    <a:lnB w="12700" cap="flat" cmpd="sng" algn="ctr">
-                      <a:solidFill>
-                        <a:schemeClr val="tx1"/>
-                      </a:solidFill>
-                      <a:prstDash val="solid"/>
-                      <a:round/>
-                      <a:headEnd type="none" w="med" len="med"/>
-                      <a:tailEnd type="none" w="med" len="med"/>
-                    </a:lnB>
-                    <a:noFill/>
-                  </a:tcPr>
-                </a:tc>
-                <a:extLst>
-                  <a:ext uri="{0D108BD9-81ED-4DB2-BD59-A6C34878D82A}">
-                    <a16:rowId xmlns:a16="http://schemas.microsoft.com/office/drawing/2014/main" val="3054139548"/>
+                    <a16:rowId xmlns:a16="http://schemas.microsoft.com/office/drawing/2014/main" val="3868390880"/>
                   </a:ext>
                 </a:extLst>
               </a:tr>
@@ -3675,268 +5298,6 @@
 </file>
 
 <file path=ppt/slides/slide4.xml><?xml version="1.0" encoding="utf-8"?>
-<p:sld xmlns:a="http://schemas.openxmlformats.org/drawingml/2006/main" xmlns:r="http://schemas.openxmlformats.org/officeDocument/2006/relationships" xmlns:p="http://schemas.openxmlformats.org/presentationml/2006/main">
-  <p:cSld>
-    <p:spTree>
-      <p:nvGrpSpPr>
-        <p:cNvPr id="1" name=""/>
-        <p:cNvGrpSpPr/>
-        <p:nvPr/>
-      </p:nvGrpSpPr>
-      <p:grpSpPr>
-        <a:xfrm>
-          <a:off x="0" y="0"/>
-          <a:ext cx="0" cy="0"/>
-          <a:chOff x="0" y="0"/>
-          <a:chExt cx="0" cy="0"/>
-        </a:xfrm>
-      </p:grpSpPr>
-      <p:sp>
-        <p:nvSpPr>
-          <p:cNvPr id="14" name="CuadroTexto 13">
-            <a:extLst>
-              <a:ext uri="{FF2B5EF4-FFF2-40B4-BE49-F238E27FC236}">
-                <a16:creationId xmlns:a16="http://schemas.microsoft.com/office/drawing/2014/main" id="{26E6359F-1F26-486F-A306-BE73DD774636}"/>
-              </a:ext>
-            </a:extLst>
-          </p:cNvPr>
-          <p:cNvSpPr txBox="1"/>
-          <p:nvPr/>
-        </p:nvSpPr>
-        <p:spPr>
-          <a:xfrm>
-            <a:off x="1705720" y="1156028"/>
-            <a:ext cx="1224136" cy="523220"/>
-          </a:xfrm>
-          <a:prstGeom prst="rect">
-            <a:avLst/>
-          </a:prstGeom>
-          <a:noFill/>
-        </p:spPr>
-        <p:txBody>
-          <a:bodyPr wrap="square" rtlCol="0">
-            <a:spAutoFit/>
-          </a:bodyPr>
-          <a:lstStyle/>
-          <a:p>
-            <a:pPr algn="ctr"/>
-            <a:r>
-              <a:rPr lang="en-US" sz="2800" dirty="0">
-                <a:solidFill>
-                  <a:srgbClr val="00B050"/>
-                </a:solidFill>
-              </a:rPr>
-              <a:t>app 1</a:t>
-            </a:r>
-          </a:p>
-        </p:txBody>
-      </p:sp>
-      <p:sp>
-        <p:nvSpPr>
-          <p:cNvPr id="16" name="CuadroTexto 15">
-            <a:extLst>
-              <a:ext uri="{FF2B5EF4-FFF2-40B4-BE49-F238E27FC236}">
-                <a16:creationId xmlns:a16="http://schemas.microsoft.com/office/drawing/2014/main" id="{25DD32D8-A48F-4473-8A08-048C8EEAE989}"/>
-              </a:ext>
-            </a:extLst>
-          </p:cNvPr>
-          <p:cNvSpPr txBox="1"/>
-          <p:nvPr/>
-        </p:nvSpPr>
-        <p:spPr>
-          <a:xfrm>
-            <a:off x="6340358" y="1120079"/>
-            <a:ext cx="1224136" cy="523220"/>
-          </a:xfrm>
-          <a:prstGeom prst="rect">
-            <a:avLst/>
-          </a:prstGeom>
-          <a:noFill/>
-        </p:spPr>
-        <p:txBody>
-          <a:bodyPr wrap="square" rtlCol="0">
-            <a:spAutoFit/>
-          </a:bodyPr>
-          <a:lstStyle/>
-          <a:p>
-            <a:pPr algn="ctr"/>
-            <a:r>
-              <a:rPr lang="en-US" sz="2800" dirty="0">
-                <a:solidFill>
-                  <a:srgbClr val="00B050"/>
-                </a:solidFill>
-              </a:rPr>
-              <a:t>app 2</a:t>
-            </a:r>
-          </a:p>
-        </p:txBody>
-      </p:sp>
-      <p:sp>
-        <p:nvSpPr>
-          <p:cNvPr id="17" name="1 Título">
-            <a:extLst>
-              <a:ext uri="{FF2B5EF4-FFF2-40B4-BE49-F238E27FC236}">
-                <a16:creationId xmlns:a16="http://schemas.microsoft.com/office/drawing/2014/main" id="{15BF2BC3-C5AF-4914-BB03-205EB69AD216}"/>
-              </a:ext>
-            </a:extLst>
-          </p:cNvPr>
-          <p:cNvSpPr>
-            <a:spLocks noGrp="1"/>
-          </p:cNvSpPr>
-          <p:nvPr>
-            <p:ph type="title"/>
-          </p:nvPr>
-        </p:nvSpPr>
-        <p:spPr>
-          <a:xfrm>
-            <a:off x="446856" y="274638"/>
-            <a:ext cx="8229600" cy="1143000"/>
-          </a:xfrm>
-        </p:spPr>
-        <p:txBody>
-          <a:bodyPr>
-            <a:normAutofit/>
-          </a:bodyPr>
-          <a:lstStyle/>
-          <a:p>
-            <a:pPr algn="l"/>
-            <a:r>
-              <a:rPr lang="es-UY" sz="3600" dirty="0"/>
-              <a:t>Argumentos</a:t>
-            </a:r>
-          </a:p>
-        </p:txBody>
-      </p:sp>
-      <p:sp>
-        <p:nvSpPr>
-          <p:cNvPr id="11" name="Flecha: a la derecha 10">
-            <a:extLst>
-              <a:ext uri="{FF2B5EF4-FFF2-40B4-BE49-F238E27FC236}">
-                <a16:creationId xmlns:a16="http://schemas.microsoft.com/office/drawing/2014/main" id="{0143F0A0-396D-4AB5-825A-269CEC285AD7}"/>
-              </a:ext>
-            </a:extLst>
-          </p:cNvPr>
-          <p:cNvSpPr/>
-          <p:nvPr/>
-        </p:nvSpPr>
-        <p:spPr>
-          <a:xfrm>
-            <a:off x="4455087" y="3637311"/>
-            <a:ext cx="360040" cy="263935"/>
-          </a:xfrm>
-          <a:prstGeom prst="rightArrow">
-            <a:avLst/>
-          </a:prstGeom>
-        </p:spPr>
-        <p:style>
-          <a:lnRef idx="2">
-            <a:schemeClr val="accent1"/>
-          </a:lnRef>
-          <a:fillRef idx="1">
-            <a:schemeClr val="lt1"/>
-          </a:fillRef>
-          <a:effectRef idx="0">
-            <a:schemeClr val="accent1"/>
-          </a:effectRef>
-          <a:fontRef idx="minor">
-            <a:schemeClr val="dk1"/>
-          </a:fontRef>
-        </p:style>
-        <p:txBody>
-          <a:bodyPr rtlCol="0" anchor="ctr"/>
-          <a:lstStyle/>
-          <a:p>
-            <a:pPr algn="ctr"/>
-            <a:endParaRPr lang="en-US"/>
-          </a:p>
-        </p:txBody>
-      </p:sp>
-      <p:pic>
-        <p:nvPicPr>
-          <p:cNvPr id="3" name="Imagen 2">
-            <a:extLst>
-              <a:ext uri="{FF2B5EF4-FFF2-40B4-BE49-F238E27FC236}">
-                <a16:creationId xmlns:a16="http://schemas.microsoft.com/office/drawing/2014/main" id="{A15549A5-2ECC-4525-B012-9A608EA2FA27}"/>
-              </a:ext>
-            </a:extLst>
-          </p:cNvPr>
-          <p:cNvPicPr>
-            <a:picLocks noChangeAspect="1"/>
-          </p:cNvPicPr>
-          <p:nvPr/>
-        </p:nvPicPr>
-        <p:blipFill>
-          <a:blip r:embed="rId2">
-            <a:extLst>
-              <a:ext uri="{28A0092B-C50C-407E-A947-70E740481C1C}">
-                <a14:useLocalDpi xmlns:a14="http://schemas.microsoft.com/office/drawing/2010/main" val="0"/>
-              </a:ext>
-            </a:extLst>
-          </a:blip>
-          <a:stretch>
-            <a:fillRect/>
-          </a:stretch>
-        </p:blipFill>
-        <p:spPr>
-          <a:xfrm>
-            <a:off x="233718" y="1646747"/>
-            <a:ext cx="4168140" cy="4251960"/>
-          </a:xfrm>
-          <a:prstGeom prst="rect">
-            <a:avLst/>
-          </a:prstGeom>
-        </p:spPr>
-      </p:pic>
-      <p:pic>
-        <p:nvPicPr>
-          <p:cNvPr id="5" name="Imagen 4">
-            <a:extLst>
-              <a:ext uri="{FF2B5EF4-FFF2-40B4-BE49-F238E27FC236}">
-                <a16:creationId xmlns:a16="http://schemas.microsoft.com/office/drawing/2014/main" id="{B0445566-D0AB-4AC6-AF76-90D3E187F49D}"/>
-              </a:ext>
-            </a:extLst>
-          </p:cNvPr>
-          <p:cNvPicPr>
-            <a:picLocks noChangeAspect="1"/>
-          </p:cNvPicPr>
-          <p:nvPr/>
-        </p:nvPicPr>
-        <p:blipFill>
-          <a:blip r:embed="rId3">
-            <a:extLst>
-              <a:ext uri="{28A0092B-C50C-407E-A947-70E740481C1C}">
-                <a14:useLocalDpi xmlns:a14="http://schemas.microsoft.com/office/drawing/2010/main" val="0"/>
-              </a:ext>
-            </a:extLst>
-          </a:blip>
-          <a:stretch>
-            <a:fillRect/>
-          </a:stretch>
-        </p:blipFill>
-        <p:spPr>
-          <a:xfrm>
-            <a:off x="4868356" y="1643299"/>
-            <a:ext cx="4168140" cy="4251960"/>
-          </a:xfrm>
-          <a:prstGeom prst="rect">
-            <a:avLst/>
-          </a:prstGeom>
-        </p:spPr>
-      </p:pic>
-    </p:spTree>
-    <p:extLst>
-      <p:ext uri="{BB962C8B-B14F-4D97-AF65-F5344CB8AC3E}">
-        <p14:creationId xmlns:p14="http://schemas.microsoft.com/office/powerpoint/2010/main" val="1824433231"/>
-      </p:ext>
-    </p:extLst>
-  </p:cSld>
-  <p:clrMapOvr>
-    <a:masterClrMapping/>
-  </p:clrMapOvr>
-</p:sld>
-</file>
-
-<file path=ppt/slides/slide5.xml><?xml version="1.0" encoding="utf-8"?>
 <p:sld xmlns:a="http://schemas.openxmlformats.org/drawingml/2006/main" xmlns:r="http://schemas.openxmlformats.org/officeDocument/2006/relationships" xmlns:p="http://schemas.openxmlformats.org/presentationml/2006/main">
   <p:cSld>
     <p:spTree>
@@ -4576,6 +5937,272 @@
 </p:sld>
 </file>
 
+<file path=ppt/slides/slide5.xml><?xml version="1.0" encoding="utf-8"?>
+<p:sld xmlns:a="http://schemas.openxmlformats.org/drawingml/2006/main" xmlns:r="http://schemas.openxmlformats.org/officeDocument/2006/relationships" xmlns:p="http://schemas.openxmlformats.org/presentationml/2006/main">
+  <p:cSld>
+    <p:spTree>
+      <p:nvGrpSpPr>
+        <p:cNvPr id="1" name=""/>
+        <p:cNvGrpSpPr/>
+        <p:nvPr/>
+      </p:nvGrpSpPr>
+      <p:grpSpPr>
+        <a:xfrm>
+          <a:off x="0" y="0"/>
+          <a:ext cx="0" cy="0"/>
+          <a:chOff x="0" y="0"/>
+          <a:chExt cx="0" cy="0"/>
+        </a:xfrm>
+      </p:grpSpPr>
+      <p:sp>
+        <p:nvSpPr>
+          <p:cNvPr id="14" name="CuadroTexto 13">
+            <a:extLst>
+              <a:ext uri="{FF2B5EF4-FFF2-40B4-BE49-F238E27FC236}">
+                <a16:creationId xmlns:a16="http://schemas.microsoft.com/office/drawing/2014/main" id="{26E6359F-1F26-486F-A306-BE73DD774636}"/>
+              </a:ext>
+            </a:extLst>
+          </p:cNvPr>
+          <p:cNvSpPr txBox="1"/>
+          <p:nvPr/>
+        </p:nvSpPr>
+        <p:spPr>
+          <a:xfrm>
+            <a:off x="1705720" y="1156028"/>
+            <a:ext cx="1224136" cy="523220"/>
+          </a:xfrm>
+          <a:prstGeom prst="rect">
+            <a:avLst/>
+          </a:prstGeom>
+          <a:noFill/>
+        </p:spPr>
+        <p:txBody>
+          <a:bodyPr wrap="square" rtlCol="0">
+            <a:spAutoFit/>
+          </a:bodyPr>
+          <a:lstStyle/>
+          <a:p>
+            <a:pPr algn="ctr"/>
+            <a:r>
+              <a:rPr lang="en-US" sz="2800" dirty="0">
+                <a:solidFill>
+                  <a:srgbClr val="00B050"/>
+                </a:solidFill>
+              </a:rPr>
+              <a:t>app 1</a:t>
+            </a:r>
+          </a:p>
+        </p:txBody>
+      </p:sp>
+      <p:sp>
+        <p:nvSpPr>
+          <p:cNvPr id="16" name="CuadroTexto 15">
+            <a:extLst>
+              <a:ext uri="{FF2B5EF4-FFF2-40B4-BE49-F238E27FC236}">
+                <a16:creationId xmlns:a16="http://schemas.microsoft.com/office/drawing/2014/main" id="{25DD32D8-A48F-4473-8A08-048C8EEAE989}"/>
+              </a:ext>
+            </a:extLst>
+          </p:cNvPr>
+          <p:cNvSpPr txBox="1"/>
+          <p:nvPr/>
+        </p:nvSpPr>
+        <p:spPr>
+          <a:xfrm>
+            <a:off x="6340358" y="1120079"/>
+            <a:ext cx="1224136" cy="523220"/>
+          </a:xfrm>
+          <a:prstGeom prst="rect">
+            <a:avLst/>
+          </a:prstGeom>
+          <a:noFill/>
+        </p:spPr>
+        <p:txBody>
+          <a:bodyPr wrap="square" rtlCol="0">
+            <a:spAutoFit/>
+          </a:bodyPr>
+          <a:lstStyle/>
+          <a:p>
+            <a:pPr algn="ctr"/>
+            <a:r>
+              <a:rPr lang="en-US" sz="2800" dirty="0">
+                <a:solidFill>
+                  <a:srgbClr val="00B050"/>
+                </a:solidFill>
+              </a:rPr>
+              <a:t>app 2</a:t>
+            </a:r>
+          </a:p>
+        </p:txBody>
+      </p:sp>
+      <p:sp>
+        <p:nvSpPr>
+          <p:cNvPr id="17" name="1 Título">
+            <a:extLst>
+              <a:ext uri="{FF2B5EF4-FFF2-40B4-BE49-F238E27FC236}">
+                <a16:creationId xmlns:a16="http://schemas.microsoft.com/office/drawing/2014/main" id="{15BF2BC3-C5AF-4914-BB03-205EB69AD216}"/>
+              </a:ext>
+            </a:extLst>
+          </p:cNvPr>
+          <p:cNvSpPr>
+            <a:spLocks noGrp="1"/>
+          </p:cNvSpPr>
+          <p:nvPr>
+            <p:ph type="title"/>
+          </p:nvPr>
+        </p:nvSpPr>
+        <p:spPr>
+          <a:xfrm>
+            <a:off x="446856" y="274638"/>
+            <a:ext cx="8229600" cy="1143000"/>
+          </a:xfrm>
+        </p:spPr>
+        <p:txBody>
+          <a:bodyPr>
+            <a:normAutofit/>
+          </a:bodyPr>
+          <a:lstStyle/>
+          <a:p>
+            <a:pPr algn="l"/>
+            <a:r>
+              <a:rPr lang="es-UY" sz="3600" dirty="0" err="1"/>
+              <a:t>shinyApp</a:t>
+            </a:r>
+            <a:r>
+              <a:rPr lang="es-UY" sz="3600" dirty="0"/>
+              <a:t>: Argumentos</a:t>
+            </a:r>
+          </a:p>
+        </p:txBody>
+      </p:sp>
+      <p:sp>
+        <p:nvSpPr>
+          <p:cNvPr id="11" name="Flecha: a la derecha 10">
+            <a:extLst>
+              <a:ext uri="{FF2B5EF4-FFF2-40B4-BE49-F238E27FC236}">
+                <a16:creationId xmlns:a16="http://schemas.microsoft.com/office/drawing/2014/main" id="{0143F0A0-396D-4AB5-825A-269CEC285AD7}"/>
+              </a:ext>
+            </a:extLst>
+          </p:cNvPr>
+          <p:cNvSpPr/>
+          <p:nvPr/>
+        </p:nvSpPr>
+        <p:spPr>
+          <a:xfrm>
+            <a:off x="4455087" y="3637311"/>
+            <a:ext cx="360040" cy="263935"/>
+          </a:xfrm>
+          <a:prstGeom prst="rightArrow">
+            <a:avLst/>
+          </a:prstGeom>
+        </p:spPr>
+        <p:style>
+          <a:lnRef idx="2">
+            <a:schemeClr val="accent1"/>
+          </a:lnRef>
+          <a:fillRef idx="1">
+            <a:schemeClr val="lt1"/>
+          </a:fillRef>
+          <a:effectRef idx="0">
+            <a:schemeClr val="accent1"/>
+          </a:effectRef>
+          <a:fontRef idx="minor">
+            <a:schemeClr val="dk1"/>
+          </a:fontRef>
+        </p:style>
+        <p:txBody>
+          <a:bodyPr rtlCol="0" anchor="ctr"/>
+          <a:lstStyle/>
+          <a:p>
+            <a:pPr algn="ctr"/>
+            <a:endParaRPr lang="en-US"/>
+          </a:p>
+        </p:txBody>
+      </p:sp>
+      <p:pic>
+        <p:nvPicPr>
+          <p:cNvPr id="3" name="Imagen 2">
+            <a:extLst>
+              <a:ext uri="{FF2B5EF4-FFF2-40B4-BE49-F238E27FC236}">
+                <a16:creationId xmlns:a16="http://schemas.microsoft.com/office/drawing/2014/main" id="{A15549A5-2ECC-4525-B012-9A608EA2FA27}"/>
+              </a:ext>
+            </a:extLst>
+          </p:cNvPr>
+          <p:cNvPicPr>
+            <a:picLocks noChangeAspect="1"/>
+          </p:cNvPicPr>
+          <p:nvPr/>
+        </p:nvPicPr>
+        <p:blipFill>
+          <a:blip r:embed="rId2">
+            <a:extLst>
+              <a:ext uri="{28A0092B-C50C-407E-A947-70E740481C1C}">
+                <a14:useLocalDpi xmlns:a14="http://schemas.microsoft.com/office/drawing/2010/main" val="0"/>
+              </a:ext>
+            </a:extLst>
+          </a:blip>
+          <a:stretch>
+            <a:fillRect/>
+          </a:stretch>
+        </p:blipFill>
+        <p:spPr>
+          <a:xfrm>
+            <a:off x="233718" y="1646747"/>
+            <a:ext cx="4168140" cy="4251960"/>
+          </a:xfrm>
+          <a:prstGeom prst="rect">
+            <a:avLst/>
+          </a:prstGeom>
+        </p:spPr>
+      </p:pic>
+      <p:pic>
+        <p:nvPicPr>
+          <p:cNvPr id="5" name="Imagen 4">
+            <a:extLst>
+              <a:ext uri="{FF2B5EF4-FFF2-40B4-BE49-F238E27FC236}">
+                <a16:creationId xmlns:a16="http://schemas.microsoft.com/office/drawing/2014/main" id="{B0445566-D0AB-4AC6-AF76-90D3E187F49D}"/>
+              </a:ext>
+            </a:extLst>
+          </p:cNvPr>
+          <p:cNvPicPr>
+            <a:picLocks noChangeAspect="1"/>
+          </p:cNvPicPr>
+          <p:nvPr/>
+        </p:nvPicPr>
+        <p:blipFill>
+          <a:blip r:embed="rId3">
+            <a:extLst>
+              <a:ext uri="{28A0092B-C50C-407E-A947-70E740481C1C}">
+                <a14:useLocalDpi xmlns:a14="http://schemas.microsoft.com/office/drawing/2010/main" val="0"/>
+              </a:ext>
+            </a:extLst>
+          </a:blip>
+          <a:stretch>
+            <a:fillRect/>
+          </a:stretch>
+        </p:blipFill>
+        <p:spPr>
+          <a:xfrm>
+            <a:off x="4868356" y="1643299"/>
+            <a:ext cx="4168140" cy="4251960"/>
+          </a:xfrm>
+          <a:prstGeom prst="rect">
+            <a:avLst/>
+          </a:prstGeom>
+        </p:spPr>
+      </p:pic>
+    </p:spTree>
+    <p:extLst>
+      <p:ext uri="{BB962C8B-B14F-4D97-AF65-F5344CB8AC3E}">
+        <p14:creationId xmlns:p14="http://schemas.microsoft.com/office/powerpoint/2010/main" val="1824433231"/>
+      </p:ext>
+    </p:extLst>
+  </p:cSld>
+  <p:clrMapOvr>
+    <a:masterClrMapping/>
+  </p:clrMapOvr>
+</p:sld>
+</file>
+
 <file path=ppt/slides/slide6.xml><?xml version="1.0" encoding="utf-8"?>
 <p:sld xmlns:a="http://schemas.openxmlformats.org/drawingml/2006/main" xmlns:r="http://schemas.openxmlformats.org/officeDocument/2006/relationships" xmlns:p="http://schemas.openxmlformats.org/presentationml/2006/main">
   <p:cSld>
@@ -4609,8 +6236,8 @@
         </p:nvSpPr>
         <p:spPr>
           <a:xfrm>
-            <a:off x="446856" y="274638"/>
-            <a:ext cx="8229600" cy="1143000"/>
+            <a:off x="107504" y="86617"/>
+            <a:ext cx="8229600" cy="634082"/>
           </a:xfrm>
           <a:prstGeom prst="rect">
             <a:avLst/>
@@ -4618,7 +6245,7 @@
         </p:spPr>
         <p:txBody>
           <a:bodyPr vert="horz" lIns="91440" tIns="45720" rIns="91440" bIns="45720" rtlCol="0" anchor="ctr">
-            <a:normAutofit/>
+            <a:normAutofit lnSpcReduction="10000"/>
           </a:bodyPr>
           <a:lstStyle>
             <a:lvl1pPr>
@@ -4641,6 +6268,82 @@
             <a:r>
               <a:rPr lang="es-UY" dirty="0"/>
               <a:t>()</a:t>
+            </a:r>
+          </a:p>
+        </p:txBody>
+      </p:sp>
+      <p:pic>
+        <p:nvPicPr>
+          <p:cNvPr id="6" name="Imagen 5">
+            <a:extLst>
+              <a:ext uri="{FF2B5EF4-FFF2-40B4-BE49-F238E27FC236}">
+                <a16:creationId xmlns:a16="http://schemas.microsoft.com/office/drawing/2014/main" id="{D9042A93-DC13-41F4-B27E-2DAAE70E1600}"/>
+              </a:ext>
+            </a:extLst>
+          </p:cNvPr>
+          <p:cNvPicPr>
+            <a:picLocks noChangeAspect="1"/>
+          </p:cNvPicPr>
+          <p:nvPr/>
+        </p:nvPicPr>
+        <p:blipFill>
+          <a:blip r:embed="rId2">
+            <a:extLst>
+              <a:ext uri="{28A0092B-C50C-407E-A947-70E740481C1C}">
+                <a14:useLocalDpi xmlns:a14="http://schemas.microsoft.com/office/drawing/2010/main" val="0"/>
+              </a:ext>
+            </a:extLst>
+          </a:blip>
+          <a:stretch>
+            <a:fillRect/>
+          </a:stretch>
+        </p:blipFill>
+        <p:spPr>
+          <a:xfrm>
+            <a:off x="1763688" y="775672"/>
+            <a:ext cx="6256020" cy="5821680"/>
+          </a:xfrm>
+          <a:prstGeom prst="rect">
+            <a:avLst/>
+          </a:prstGeom>
+        </p:spPr>
+      </p:pic>
+      <p:sp>
+        <p:nvSpPr>
+          <p:cNvPr id="7" name="CuadroTexto 6">
+            <a:extLst>
+              <a:ext uri="{FF2B5EF4-FFF2-40B4-BE49-F238E27FC236}">
+                <a16:creationId xmlns:a16="http://schemas.microsoft.com/office/drawing/2014/main" id="{2E0C58D9-660A-427E-8AA1-05E750640B3D}"/>
+              </a:ext>
+            </a:extLst>
+          </p:cNvPr>
+          <p:cNvSpPr txBox="1"/>
+          <p:nvPr/>
+        </p:nvSpPr>
+        <p:spPr>
+          <a:xfrm>
+            <a:off x="323528" y="3167390"/>
+            <a:ext cx="1224136" cy="523220"/>
+          </a:xfrm>
+          <a:prstGeom prst="rect">
+            <a:avLst/>
+          </a:prstGeom>
+          <a:noFill/>
+        </p:spPr>
+        <p:txBody>
+          <a:bodyPr wrap="square" rtlCol="0">
+            <a:spAutoFit/>
+          </a:bodyPr>
+          <a:lstStyle/>
+          <a:p>
+            <a:pPr algn="ctr"/>
+            <a:r>
+              <a:rPr lang="en-US" sz="2800" dirty="0">
+                <a:solidFill>
+                  <a:srgbClr val="00B050"/>
+                </a:solidFill>
+              </a:rPr>
+              <a:t>app 3</a:t>
             </a:r>
           </a:p>
         </p:txBody>
@@ -4691,8 +6394,8 @@
         </p:nvSpPr>
         <p:spPr>
           <a:xfrm>
-            <a:off x="446856" y="274638"/>
-            <a:ext cx="8229600" cy="1143000"/>
+            <a:off x="179512" y="104254"/>
+            <a:ext cx="8229600" cy="634082"/>
           </a:xfrm>
           <a:prstGeom prst="rect">
             <a:avLst/>
@@ -4700,7 +6403,7 @@
         </p:spPr>
         <p:txBody>
           <a:bodyPr vert="horz" lIns="91440" tIns="45720" rIns="91440" bIns="45720" rtlCol="0" anchor="ctr">
-            <a:normAutofit/>
+            <a:normAutofit lnSpcReduction="10000"/>
           </a:bodyPr>
           <a:lstStyle>
             <a:lvl1pPr>
@@ -4723,6 +6426,82 @@
             <a:r>
               <a:rPr lang="es-UY" dirty="0"/>
               <a:t>()</a:t>
+            </a:r>
+          </a:p>
+        </p:txBody>
+      </p:sp>
+      <p:pic>
+        <p:nvPicPr>
+          <p:cNvPr id="3" name="Imagen 2">
+            <a:extLst>
+              <a:ext uri="{FF2B5EF4-FFF2-40B4-BE49-F238E27FC236}">
+                <a16:creationId xmlns:a16="http://schemas.microsoft.com/office/drawing/2014/main" id="{CE92B09C-B615-4CDC-ADA4-9EE8B1E6626A}"/>
+              </a:ext>
+            </a:extLst>
+          </p:cNvPr>
+          <p:cNvPicPr>
+            <a:picLocks noChangeAspect="1"/>
+          </p:cNvPicPr>
+          <p:nvPr/>
+        </p:nvPicPr>
+        <p:blipFill>
+          <a:blip r:embed="rId2">
+            <a:extLst>
+              <a:ext uri="{28A0092B-C50C-407E-A947-70E740481C1C}">
+                <a14:useLocalDpi xmlns:a14="http://schemas.microsoft.com/office/drawing/2010/main" val="0"/>
+              </a:ext>
+            </a:extLst>
+          </a:blip>
+          <a:stretch>
+            <a:fillRect/>
+          </a:stretch>
+        </p:blipFill>
+        <p:spPr>
+          <a:xfrm>
+            <a:off x="1403648" y="738336"/>
+            <a:ext cx="7315200" cy="5715000"/>
+          </a:xfrm>
+          <a:prstGeom prst="rect">
+            <a:avLst/>
+          </a:prstGeom>
+        </p:spPr>
+      </p:pic>
+      <p:sp>
+        <p:nvSpPr>
+          <p:cNvPr id="6" name="CuadroTexto 5">
+            <a:extLst>
+              <a:ext uri="{FF2B5EF4-FFF2-40B4-BE49-F238E27FC236}">
+                <a16:creationId xmlns:a16="http://schemas.microsoft.com/office/drawing/2014/main" id="{16CA681C-1922-4CB8-ADD6-98C743B35E1B}"/>
+              </a:ext>
+            </a:extLst>
+          </p:cNvPr>
+          <p:cNvSpPr txBox="1"/>
+          <p:nvPr/>
+        </p:nvSpPr>
+        <p:spPr>
+          <a:xfrm>
+            <a:off x="179512" y="3167390"/>
+            <a:ext cx="1224136" cy="523220"/>
+          </a:xfrm>
+          <a:prstGeom prst="rect">
+            <a:avLst/>
+          </a:prstGeom>
+          <a:noFill/>
+        </p:spPr>
+        <p:txBody>
+          <a:bodyPr wrap="square" rtlCol="0">
+            <a:spAutoFit/>
+          </a:bodyPr>
+          <a:lstStyle/>
+          <a:p>
+            <a:pPr algn="ctr"/>
+            <a:r>
+              <a:rPr lang="en-US" sz="2800" dirty="0">
+                <a:solidFill>
+                  <a:srgbClr val="00B050"/>
+                </a:solidFill>
+              </a:rPr>
+              <a:t>app 4</a:t>
             </a:r>
           </a:p>
         </p:txBody>
@@ -4775,7 +6554,7 @@
         </p:nvSpPr>
         <p:spPr>
           <a:xfrm>
-            <a:off x="457200" y="273050"/>
+            <a:off x="107504" y="101081"/>
             <a:ext cx="8229600" cy="635670"/>
           </a:xfrm>
         </p:spPr>
@@ -4785,10 +6564,6 @@
           </a:bodyPr>
           <a:lstStyle/>
           <a:p>
-            <a:r>
-              <a:rPr lang="es-UY" sz="3600" b="0" dirty="0"/>
-              <a:t>Componentes: </a:t>
-            </a:r>
             <a:r>
               <a:rPr lang="es-UY" sz="3600" b="0" dirty="0" err="1"/>
               <a:t>dashboardBody</a:t>
@@ -4852,7 +6627,7 @@
           <p:nvPr>
             <p:extLst>
               <p:ext uri="{D42A27DB-BD31-4B8C-83A1-F6EECF244321}">
-                <p14:modId xmlns:p14="http://schemas.microsoft.com/office/powerpoint/2010/main" val="1380134370"/>
+                <p14:modId xmlns:p14="http://schemas.microsoft.com/office/powerpoint/2010/main" val="1878812223"/>
               </p:ext>
             </p:extLst>
           </p:nvPr>
@@ -5019,7 +6794,7 @@
                     <a:bodyPr/>
                     <a:lstStyle/>
                     <a:p>
-                      <a:endParaRPr lang="en-US" b="0"/>
+                      <a:endParaRPr lang="en-US" b="0" dirty="0"/>
                     </a:p>
                   </a:txBody>
                   <a:tcPr>
@@ -5199,7 +6974,7 @@
                     <a:bodyPr/>
                     <a:lstStyle/>
                     <a:p>
-                      <a:endParaRPr lang="en-US" b="0"/>
+                      <a:endParaRPr lang="en-US" b="0" dirty="0"/>
                     </a:p>
                   </a:txBody>
                   <a:tcPr>
@@ -5379,7 +7154,7 @@
                     <a:bodyPr/>
                     <a:lstStyle/>
                     <a:p>
-                      <a:endParaRPr lang="en-US" b="0"/>
+                      <a:endParaRPr lang="en-US" b="0" dirty="0"/>
                     </a:p>
                   </a:txBody>
                   <a:tcPr>
@@ -5686,7 +7461,127 @@
                     <a:bodyPr/>
                     <a:lstStyle/>
                     <a:p>
-                      <a:endParaRPr lang="en-US" b="0"/>
+                      <a:endParaRPr lang="en-US" b="0" dirty="0"/>
+                    </a:p>
+                  </a:txBody>
+                  <a:tcPr>
+                    <a:lnL w="12700" cap="flat" cmpd="sng" algn="ctr">
+                      <a:solidFill>
+                        <a:schemeClr val="tx1"/>
+                      </a:solidFill>
+                      <a:prstDash val="solid"/>
+                      <a:round/>
+                      <a:headEnd type="none" w="med" len="med"/>
+                      <a:tailEnd type="none" w="med" len="med"/>
+                    </a:lnL>
+                    <a:lnR w="12700" cap="flat" cmpd="sng" algn="ctr">
+                      <a:solidFill>
+                        <a:schemeClr val="tx1"/>
+                      </a:solidFill>
+                      <a:prstDash val="solid"/>
+                      <a:round/>
+                      <a:headEnd type="none" w="med" len="med"/>
+                      <a:tailEnd type="none" w="med" len="med"/>
+                    </a:lnR>
+                    <a:lnT w="12700" cap="flat" cmpd="sng" algn="ctr">
+                      <a:solidFill>
+                        <a:schemeClr val="tx1"/>
+                      </a:solidFill>
+                      <a:prstDash val="solid"/>
+                      <a:round/>
+                      <a:headEnd type="none" w="med" len="med"/>
+                      <a:tailEnd type="none" w="med" len="med"/>
+                    </a:lnT>
+                    <a:lnB w="12700" cap="flat" cmpd="sng" algn="ctr">
+                      <a:solidFill>
+                        <a:schemeClr val="tx1"/>
+                      </a:solidFill>
+                      <a:prstDash val="solid"/>
+                      <a:round/>
+                      <a:headEnd type="none" w="med" len="med"/>
+                      <a:tailEnd type="none" w="med" len="med"/>
+                    </a:lnB>
+                    <a:lnTlToBr w="12700" cmpd="sng">
+                      <a:noFill/>
+                      <a:prstDash val="solid"/>
+                    </a:lnTlToBr>
+                    <a:lnBlToTr w="12700" cmpd="sng">
+                      <a:noFill/>
+                      <a:prstDash val="solid"/>
+                    </a:lnBlToTr>
+                    <a:solidFill>
+                      <a:schemeClr val="bg1">
+                        <a:lumMod val="95000"/>
+                      </a:schemeClr>
+                    </a:solidFill>
+                  </a:tcPr>
+                </a:tc>
+                <a:tc>
+                  <a:txBody>
+                    <a:bodyPr/>
+                    <a:lstStyle/>
+                    <a:p>
+                      <a:endParaRPr lang="en-US" b="0" dirty="0"/>
+                    </a:p>
+                  </a:txBody>
+                  <a:tcPr>
+                    <a:lnL w="12700" cap="flat" cmpd="sng" algn="ctr">
+                      <a:solidFill>
+                        <a:schemeClr val="tx1"/>
+                      </a:solidFill>
+                      <a:prstDash val="solid"/>
+                      <a:round/>
+                      <a:headEnd type="none" w="med" len="med"/>
+                      <a:tailEnd type="none" w="med" len="med"/>
+                    </a:lnL>
+                    <a:lnR w="12700" cap="flat" cmpd="sng" algn="ctr">
+                      <a:solidFill>
+                        <a:schemeClr val="tx1"/>
+                      </a:solidFill>
+                      <a:prstDash val="solid"/>
+                      <a:round/>
+                      <a:headEnd type="none" w="med" len="med"/>
+                      <a:tailEnd type="none" w="med" len="med"/>
+                    </a:lnR>
+                    <a:lnT w="12700" cap="flat" cmpd="sng" algn="ctr">
+                      <a:solidFill>
+                        <a:schemeClr val="tx1"/>
+                      </a:solidFill>
+                      <a:prstDash val="solid"/>
+                      <a:round/>
+                      <a:headEnd type="none" w="med" len="med"/>
+                      <a:tailEnd type="none" w="med" len="med"/>
+                    </a:lnT>
+                    <a:lnB w="12700" cap="flat" cmpd="sng" algn="ctr">
+                      <a:solidFill>
+                        <a:schemeClr val="tx1"/>
+                      </a:solidFill>
+                      <a:prstDash val="solid"/>
+                      <a:round/>
+                      <a:headEnd type="none" w="med" len="med"/>
+                      <a:tailEnd type="none" w="med" len="med"/>
+                    </a:lnB>
+                    <a:lnTlToBr w="12700" cmpd="sng">
+                      <a:noFill/>
+                      <a:prstDash val="solid"/>
+                    </a:lnTlToBr>
+                    <a:lnBlToTr w="12700" cmpd="sng">
+                      <a:noFill/>
+                      <a:prstDash val="solid"/>
+                    </a:lnBlToTr>
+                    <a:solidFill>
+                      <a:schemeClr val="bg1">
+                        <a:lumMod val="95000"/>
+                      </a:schemeClr>
+                    </a:solidFill>
+                  </a:tcPr>
+                </a:tc>
+                <a:tc>
+                  <a:txBody>
+                    <a:bodyPr/>
+                    <a:lstStyle/>
+                    <a:p>
+                      <a:endParaRPr lang="en-US" b="0" dirty="0"/>
                     </a:p>
                   </a:txBody>
                   <a:tcPr>
@@ -5806,187 +7701,7 @@
                     <a:bodyPr/>
                     <a:lstStyle/>
                     <a:p>
-                      <a:endParaRPr lang="en-US" b="0"/>
-                    </a:p>
-                  </a:txBody>
-                  <a:tcPr>
-                    <a:lnL w="12700" cap="flat" cmpd="sng" algn="ctr">
-                      <a:solidFill>
-                        <a:schemeClr val="tx1"/>
-                      </a:solidFill>
-                      <a:prstDash val="solid"/>
-                      <a:round/>
-                      <a:headEnd type="none" w="med" len="med"/>
-                      <a:tailEnd type="none" w="med" len="med"/>
-                    </a:lnL>
-                    <a:lnR w="12700" cap="flat" cmpd="sng" algn="ctr">
-                      <a:solidFill>
-                        <a:schemeClr val="tx1"/>
-                      </a:solidFill>
-                      <a:prstDash val="solid"/>
-                      <a:round/>
-                      <a:headEnd type="none" w="med" len="med"/>
-                      <a:tailEnd type="none" w="med" len="med"/>
-                    </a:lnR>
-                    <a:lnT w="12700" cap="flat" cmpd="sng" algn="ctr">
-                      <a:solidFill>
-                        <a:schemeClr val="tx1"/>
-                      </a:solidFill>
-                      <a:prstDash val="solid"/>
-                      <a:round/>
-                      <a:headEnd type="none" w="med" len="med"/>
-                      <a:tailEnd type="none" w="med" len="med"/>
-                    </a:lnT>
-                    <a:lnB w="12700" cap="flat" cmpd="sng" algn="ctr">
-                      <a:solidFill>
-                        <a:schemeClr val="tx1"/>
-                      </a:solidFill>
-                      <a:prstDash val="solid"/>
-                      <a:round/>
-                      <a:headEnd type="none" w="med" len="med"/>
-                      <a:tailEnd type="none" w="med" len="med"/>
-                    </a:lnB>
-                    <a:lnTlToBr w="12700" cmpd="sng">
-                      <a:noFill/>
-                      <a:prstDash val="solid"/>
-                    </a:lnTlToBr>
-                    <a:lnBlToTr w="12700" cmpd="sng">
-                      <a:noFill/>
-                      <a:prstDash val="solid"/>
-                    </a:lnBlToTr>
-                    <a:solidFill>
-                      <a:schemeClr val="bg1">
-                        <a:lumMod val="95000"/>
-                      </a:schemeClr>
-                    </a:solidFill>
-                  </a:tcPr>
-                </a:tc>
-                <a:tc>
-                  <a:txBody>
-                    <a:bodyPr/>
-                    <a:lstStyle/>
-                    <a:p>
-                      <a:endParaRPr lang="en-US" b="0"/>
-                    </a:p>
-                  </a:txBody>
-                  <a:tcPr>
-                    <a:lnL w="12700" cap="flat" cmpd="sng" algn="ctr">
-                      <a:solidFill>
-                        <a:schemeClr val="tx1"/>
-                      </a:solidFill>
-                      <a:prstDash val="solid"/>
-                      <a:round/>
-                      <a:headEnd type="none" w="med" len="med"/>
-                      <a:tailEnd type="none" w="med" len="med"/>
-                    </a:lnL>
-                    <a:lnR w="12700" cap="flat" cmpd="sng" algn="ctr">
-                      <a:solidFill>
-                        <a:schemeClr val="tx1"/>
-                      </a:solidFill>
-                      <a:prstDash val="solid"/>
-                      <a:round/>
-                      <a:headEnd type="none" w="med" len="med"/>
-                      <a:tailEnd type="none" w="med" len="med"/>
-                    </a:lnR>
-                    <a:lnT w="12700" cap="flat" cmpd="sng" algn="ctr">
-                      <a:solidFill>
-                        <a:schemeClr val="tx1"/>
-                      </a:solidFill>
-                      <a:prstDash val="solid"/>
-                      <a:round/>
-                      <a:headEnd type="none" w="med" len="med"/>
-                      <a:tailEnd type="none" w="med" len="med"/>
-                    </a:lnT>
-                    <a:lnB w="12700" cap="flat" cmpd="sng" algn="ctr">
-                      <a:solidFill>
-                        <a:schemeClr val="tx1"/>
-                      </a:solidFill>
-                      <a:prstDash val="solid"/>
-                      <a:round/>
-                      <a:headEnd type="none" w="med" len="med"/>
-                      <a:tailEnd type="none" w="med" len="med"/>
-                    </a:lnB>
-                    <a:lnTlToBr w="12700" cmpd="sng">
-                      <a:noFill/>
-                      <a:prstDash val="solid"/>
-                    </a:lnTlToBr>
-                    <a:lnBlToTr w="12700" cmpd="sng">
-                      <a:noFill/>
-                      <a:prstDash val="solid"/>
-                    </a:lnBlToTr>
-                    <a:solidFill>
-                      <a:schemeClr val="bg1">
-                        <a:lumMod val="95000"/>
-                      </a:schemeClr>
-                    </a:solidFill>
-                  </a:tcPr>
-                </a:tc>
-                <a:tc>
-                  <a:txBody>
-                    <a:bodyPr/>
-                    <a:lstStyle/>
-                    <a:p>
-                      <a:endParaRPr lang="en-US" b="0"/>
-                    </a:p>
-                  </a:txBody>
-                  <a:tcPr>
-                    <a:lnL w="12700" cap="flat" cmpd="sng" algn="ctr">
-                      <a:solidFill>
-                        <a:schemeClr val="tx1"/>
-                      </a:solidFill>
-                      <a:prstDash val="solid"/>
-                      <a:round/>
-                      <a:headEnd type="none" w="med" len="med"/>
-                      <a:tailEnd type="none" w="med" len="med"/>
-                    </a:lnL>
-                    <a:lnR w="12700" cap="flat" cmpd="sng" algn="ctr">
-                      <a:solidFill>
-                        <a:schemeClr val="tx1"/>
-                      </a:solidFill>
-                      <a:prstDash val="solid"/>
-                      <a:round/>
-                      <a:headEnd type="none" w="med" len="med"/>
-                      <a:tailEnd type="none" w="med" len="med"/>
-                    </a:lnR>
-                    <a:lnT w="12700" cap="flat" cmpd="sng" algn="ctr">
-                      <a:solidFill>
-                        <a:schemeClr val="tx1"/>
-                      </a:solidFill>
-                      <a:prstDash val="solid"/>
-                      <a:round/>
-                      <a:headEnd type="none" w="med" len="med"/>
-                      <a:tailEnd type="none" w="med" len="med"/>
-                    </a:lnT>
-                    <a:lnB w="12700" cap="flat" cmpd="sng" algn="ctr">
-                      <a:solidFill>
-                        <a:schemeClr val="tx1"/>
-                      </a:solidFill>
-                      <a:prstDash val="solid"/>
-                      <a:round/>
-                      <a:headEnd type="none" w="med" len="med"/>
-                      <a:tailEnd type="none" w="med" len="med"/>
-                    </a:lnB>
-                    <a:lnTlToBr w="12700" cmpd="sng">
-                      <a:noFill/>
-                      <a:prstDash val="solid"/>
-                    </a:lnTlToBr>
-                    <a:lnBlToTr w="12700" cmpd="sng">
-                      <a:noFill/>
-                      <a:prstDash val="solid"/>
-                    </a:lnBlToTr>
-                    <a:solidFill>
-                      <a:schemeClr val="bg1">
-                        <a:lumMod val="95000"/>
-                      </a:schemeClr>
-                    </a:solidFill>
-                  </a:tcPr>
-                </a:tc>
-                <a:tc>
-                  <a:txBody>
-                    <a:bodyPr/>
-                    <a:lstStyle/>
-                    <a:p>
-                      <a:endParaRPr lang="en-US" b="0"/>
+                      <a:endParaRPr lang="en-US" b="0" dirty="0"/>
                     </a:p>
                   </a:txBody>
                   <a:tcPr>
@@ -6166,7 +7881,7 @@
                     <a:bodyPr/>
                     <a:lstStyle/>
                     <a:p>
-                      <a:endParaRPr lang="en-US" b="0"/>
+                      <a:endParaRPr lang="en-US" b="0" dirty="0"/>
                     </a:p>
                   </a:txBody>
                   <a:tcPr>
@@ -6226,7 +7941,67 @@
                     <a:bodyPr/>
                     <a:lstStyle/>
                     <a:p>
-                      <a:endParaRPr lang="en-US" b="0"/>
+                      <a:endParaRPr lang="en-US" b="0" dirty="0"/>
+                    </a:p>
+                  </a:txBody>
+                  <a:tcPr>
+                    <a:lnL w="12700" cap="flat" cmpd="sng" algn="ctr">
+                      <a:solidFill>
+                        <a:schemeClr val="tx1"/>
+                      </a:solidFill>
+                      <a:prstDash val="solid"/>
+                      <a:round/>
+                      <a:headEnd type="none" w="med" len="med"/>
+                      <a:tailEnd type="none" w="med" len="med"/>
+                    </a:lnL>
+                    <a:lnR w="12700" cap="flat" cmpd="sng" algn="ctr">
+                      <a:solidFill>
+                        <a:schemeClr val="tx1"/>
+                      </a:solidFill>
+                      <a:prstDash val="solid"/>
+                      <a:round/>
+                      <a:headEnd type="none" w="med" len="med"/>
+                      <a:tailEnd type="none" w="med" len="med"/>
+                    </a:lnR>
+                    <a:lnT w="12700" cap="flat" cmpd="sng" algn="ctr">
+                      <a:solidFill>
+                        <a:schemeClr val="tx1"/>
+                      </a:solidFill>
+                      <a:prstDash val="solid"/>
+                      <a:round/>
+                      <a:headEnd type="none" w="med" len="med"/>
+                      <a:tailEnd type="none" w="med" len="med"/>
+                    </a:lnT>
+                    <a:lnB w="12700" cap="flat" cmpd="sng" algn="ctr">
+                      <a:solidFill>
+                        <a:schemeClr val="tx1"/>
+                      </a:solidFill>
+                      <a:prstDash val="solid"/>
+                      <a:round/>
+                      <a:headEnd type="none" w="med" len="med"/>
+                      <a:tailEnd type="none" w="med" len="med"/>
+                    </a:lnB>
+                    <a:lnTlToBr w="12700" cmpd="sng">
+                      <a:noFill/>
+                      <a:prstDash val="solid"/>
+                    </a:lnTlToBr>
+                    <a:lnBlToTr w="12700" cmpd="sng">
+                      <a:noFill/>
+                      <a:prstDash val="solid"/>
+                    </a:lnBlToTr>
+                    <a:solidFill>
+                      <a:schemeClr val="bg1">
+                        <a:lumMod val="95000"/>
+                      </a:schemeClr>
+                    </a:solidFill>
+                  </a:tcPr>
+                </a:tc>
+                <a:tc>
+                  <a:txBody>
+                    <a:bodyPr/>
+                    <a:lstStyle/>
+                    <a:p>
+                      <a:endParaRPr lang="en-US" b="0" dirty="0"/>
                     </a:p>
                   </a:txBody>
                   <a:tcPr>
@@ -6473,7 +8248,127 @@
                     <a:bodyPr/>
                     <a:lstStyle/>
                     <a:p>
-                      <a:endParaRPr lang="en-US" b="0"/>
+                      <a:endParaRPr lang="en-US" b="0" dirty="0"/>
+                    </a:p>
+                  </a:txBody>
+                  <a:tcPr>
+                    <a:lnL w="12700" cap="flat" cmpd="sng" algn="ctr">
+                      <a:solidFill>
+                        <a:schemeClr val="tx1"/>
+                      </a:solidFill>
+                      <a:prstDash val="solid"/>
+                      <a:round/>
+                      <a:headEnd type="none" w="med" len="med"/>
+                      <a:tailEnd type="none" w="med" len="med"/>
+                    </a:lnL>
+                    <a:lnR w="12700" cap="flat" cmpd="sng" algn="ctr">
+                      <a:solidFill>
+                        <a:schemeClr val="tx1"/>
+                      </a:solidFill>
+                      <a:prstDash val="solid"/>
+                      <a:round/>
+                      <a:headEnd type="none" w="med" len="med"/>
+                      <a:tailEnd type="none" w="med" len="med"/>
+                    </a:lnR>
+                    <a:lnT w="12700" cap="flat" cmpd="sng" algn="ctr">
+                      <a:solidFill>
+                        <a:schemeClr val="tx1"/>
+                      </a:solidFill>
+                      <a:prstDash val="solid"/>
+                      <a:round/>
+                      <a:headEnd type="none" w="med" len="med"/>
+                      <a:tailEnd type="none" w="med" len="med"/>
+                    </a:lnT>
+                    <a:lnB w="12700" cap="flat" cmpd="sng" algn="ctr">
+                      <a:solidFill>
+                        <a:schemeClr val="tx1"/>
+                      </a:solidFill>
+                      <a:prstDash val="solid"/>
+                      <a:round/>
+                      <a:headEnd type="none" w="med" len="med"/>
+                      <a:tailEnd type="none" w="med" len="med"/>
+                    </a:lnB>
+                    <a:lnTlToBr w="12700" cmpd="sng">
+                      <a:noFill/>
+                      <a:prstDash val="solid"/>
+                    </a:lnTlToBr>
+                    <a:lnBlToTr w="12700" cmpd="sng">
+                      <a:noFill/>
+                      <a:prstDash val="solid"/>
+                    </a:lnBlToTr>
+                    <a:solidFill>
+                      <a:schemeClr val="bg1">
+                        <a:lumMod val="95000"/>
+                      </a:schemeClr>
+                    </a:solidFill>
+                  </a:tcPr>
+                </a:tc>
+                <a:tc>
+                  <a:txBody>
+                    <a:bodyPr/>
+                    <a:lstStyle/>
+                    <a:p>
+                      <a:endParaRPr lang="en-US" b="0" dirty="0"/>
+                    </a:p>
+                  </a:txBody>
+                  <a:tcPr>
+                    <a:lnL w="12700" cap="flat" cmpd="sng" algn="ctr">
+                      <a:solidFill>
+                        <a:schemeClr val="tx1"/>
+                      </a:solidFill>
+                      <a:prstDash val="solid"/>
+                      <a:round/>
+                      <a:headEnd type="none" w="med" len="med"/>
+                      <a:tailEnd type="none" w="med" len="med"/>
+                    </a:lnL>
+                    <a:lnR w="12700" cap="flat" cmpd="sng" algn="ctr">
+                      <a:solidFill>
+                        <a:schemeClr val="tx1"/>
+                      </a:solidFill>
+                      <a:prstDash val="solid"/>
+                      <a:round/>
+                      <a:headEnd type="none" w="med" len="med"/>
+                      <a:tailEnd type="none" w="med" len="med"/>
+                    </a:lnR>
+                    <a:lnT w="12700" cap="flat" cmpd="sng" algn="ctr">
+                      <a:solidFill>
+                        <a:schemeClr val="tx1"/>
+                      </a:solidFill>
+                      <a:prstDash val="solid"/>
+                      <a:round/>
+                      <a:headEnd type="none" w="med" len="med"/>
+                      <a:tailEnd type="none" w="med" len="med"/>
+                    </a:lnT>
+                    <a:lnB w="12700" cap="flat" cmpd="sng" algn="ctr">
+                      <a:solidFill>
+                        <a:schemeClr val="tx1"/>
+                      </a:solidFill>
+                      <a:prstDash val="solid"/>
+                      <a:round/>
+                      <a:headEnd type="none" w="med" len="med"/>
+                      <a:tailEnd type="none" w="med" len="med"/>
+                    </a:lnB>
+                    <a:lnTlToBr w="12700" cmpd="sng">
+                      <a:noFill/>
+                      <a:prstDash val="solid"/>
+                    </a:lnTlToBr>
+                    <a:lnBlToTr w="12700" cmpd="sng">
+                      <a:noFill/>
+                      <a:prstDash val="solid"/>
+                    </a:lnBlToTr>
+                    <a:solidFill>
+                      <a:schemeClr val="bg1">
+                        <a:lumMod val="95000"/>
+                      </a:schemeClr>
+                    </a:solidFill>
+                  </a:tcPr>
+                </a:tc>
+                <a:tc>
+                  <a:txBody>
+                    <a:bodyPr/>
+                    <a:lstStyle/>
+                    <a:p>
+                      <a:endParaRPr lang="en-US" b="0" dirty="0"/>
                     </a:p>
                   </a:txBody>
                   <a:tcPr>
@@ -6593,127 +8488,7 @@
                     <a:bodyPr/>
                     <a:lstStyle/>
                     <a:p>
-                      <a:endParaRPr lang="en-US" b="0"/>
-                    </a:p>
-                  </a:txBody>
-                  <a:tcPr>
-                    <a:lnL w="12700" cap="flat" cmpd="sng" algn="ctr">
-                      <a:solidFill>
-                        <a:schemeClr val="tx1"/>
-                      </a:solidFill>
-                      <a:prstDash val="solid"/>
-                      <a:round/>
-                      <a:headEnd type="none" w="med" len="med"/>
-                      <a:tailEnd type="none" w="med" len="med"/>
-                    </a:lnL>
-                    <a:lnR w="12700" cap="flat" cmpd="sng" algn="ctr">
-                      <a:solidFill>
-                        <a:schemeClr val="tx1"/>
-                      </a:solidFill>
-                      <a:prstDash val="solid"/>
-                      <a:round/>
-                      <a:headEnd type="none" w="med" len="med"/>
-                      <a:tailEnd type="none" w="med" len="med"/>
-                    </a:lnR>
-                    <a:lnT w="12700" cap="flat" cmpd="sng" algn="ctr">
-                      <a:solidFill>
-                        <a:schemeClr val="tx1"/>
-                      </a:solidFill>
-                      <a:prstDash val="solid"/>
-                      <a:round/>
-                      <a:headEnd type="none" w="med" len="med"/>
-                      <a:tailEnd type="none" w="med" len="med"/>
-                    </a:lnT>
-                    <a:lnB w="12700" cap="flat" cmpd="sng" algn="ctr">
-                      <a:solidFill>
-                        <a:schemeClr val="tx1"/>
-                      </a:solidFill>
-                      <a:prstDash val="solid"/>
-                      <a:round/>
-                      <a:headEnd type="none" w="med" len="med"/>
-                      <a:tailEnd type="none" w="med" len="med"/>
-                    </a:lnB>
-                    <a:lnTlToBr w="12700" cmpd="sng">
-                      <a:noFill/>
-                      <a:prstDash val="solid"/>
-                    </a:lnTlToBr>
-                    <a:lnBlToTr w="12700" cmpd="sng">
-                      <a:noFill/>
-                      <a:prstDash val="solid"/>
-                    </a:lnBlToTr>
-                    <a:solidFill>
-                      <a:schemeClr val="bg1">
-                        <a:lumMod val="95000"/>
-                      </a:schemeClr>
-                    </a:solidFill>
-                  </a:tcPr>
-                </a:tc>
-                <a:tc>
-                  <a:txBody>
-                    <a:bodyPr/>
-                    <a:lstStyle/>
-                    <a:p>
-                      <a:endParaRPr lang="en-US" b="0"/>
-                    </a:p>
-                  </a:txBody>
-                  <a:tcPr>
-                    <a:lnL w="12700" cap="flat" cmpd="sng" algn="ctr">
-                      <a:solidFill>
-                        <a:schemeClr val="tx1"/>
-                      </a:solidFill>
-                      <a:prstDash val="solid"/>
-                      <a:round/>
-                      <a:headEnd type="none" w="med" len="med"/>
-                      <a:tailEnd type="none" w="med" len="med"/>
-                    </a:lnL>
-                    <a:lnR w="12700" cap="flat" cmpd="sng" algn="ctr">
-                      <a:solidFill>
-                        <a:schemeClr val="tx1"/>
-                      </a:solidFill>
-                      <a:prstDash val="solid"/>
-                      <a:round/>
-                      <a:headEnd type="none" w="med" len="med"/>
-                      <a:tailEnd type="none" w="med" len="med"/>
-                    </a:lnR>
-                    <a:lnT w="12700" cap="flat" cmpd="sng" algn="ctr">
-                      <a:solidFill>
-                        <a:schemeClr val="tx1"/>
-                      </a:solidFill>
-                      <a:prstDash val="solid"/>
-                      <a:round/>
-                      <a:headEnd type="none" w="med" len="med"/>
-                      <a:tailEnd type="none" w="med" len="med"/>
-                    </a:lnT>
-                    <a:lnB w="12700" cap="flat" cmpd="sng" algn="ctr">
-                      <a:solidFill>
-                        <a:schemeClr val="tx1"/>
-                      </a:solidFill>
-                      <a:prstDash val="solid"/>
-                      <a:round/>
-                      <a:headEnd type="none" w="med" len="med"/>
-                      <a:tailEnd type="none" w="med" len="med"/>
-                    </a:lnB>
-                    <a:lnTlToBr w="12700" cmpd="sng">
-                      <a:noFill/>
-                      <a:prstDash val="solid"/>
-                    </a:lnTlToBr>
-                    <a:lnBlToTr w="12700" cmpd="sng">
-                      <a:noFill/>
-                      <a:prstDash val="solid"/>
-                    </a:lnBlToTr>
-                    <a:solidFill>
-                      <a:schemeClr val="bg1">
-                        <a:lumMod val="95000"/>
-                      </a:schemeClr>
-                    </a:solidFill>
-                  </a:tcPr>
-                </a:tc>
-                <a:tc>
-                  <a:txBody>
-                    <a:bodyPr/>
-                    <a:lstStyle/>
-                    <a:p>
-                      <a:endParaRPr lang="en-US" b="0"/>
+                      <a:endParaRPr lang="en-US" b="0" dirty="0"/>
                     </a:p>
                   </a:txBody>
                   <a:tcPr>
@@ -6953,7 +8728,7 @@
                     <a:bodyPr/>
                     <a:lstStyle/>
                     <a:p>
-                      <a:endParaRPr lang="en-US" b="0"/>
+                      <a:endParaRPr lang="en-US" b="0" dirty="0"/>
                     </a:p>
                   </a:txBody>
                   <a:tcPr>
@@ -7013,7 +8788,7 @@
                     <a:bodyPr/>
                     <a:lstStyle/>
                     <a:p>
-                      <a:endParaRPr lang="en-US" b="0"/>
+                      <a:endParaRPr lang="en-US" b="0" dirty="0"/>
                     </a:p>
                   </a:txBody>
                   <a:tcPr>
@@ -7200,7 +8975,7 @@
                     <a:bodyPr/>
                     <a:lstStyle/>
                     <a:p>
-                      <a:endParaRPr lang="en-US" b="0"/>
+                      <a:endParaRPr lang="en-US" b="0" dirty="0"/>
                     </a:p>
                   </a:txBody>
                   <a:tcPr>
@@ -7260,7 +9035,7 @@
                     <a:bodyPr/>
                     <a:lstStyle/>
                     <a:p>
-                      <a:endParaRPr lang="en-US" b="0"/>
+                      <a:endParaRPr lang="en-US" b="0" dirty="0"/>
                     </a:p>
                   </a:txBody>
                   <a:tcPr>
@@ -7320,7 +9095,7 @@
                     <a:bodyPr/>
                     <a:lstStyle/>
                     <a:p>
-                      <a:endParaRPr lang="en-US" b="0"/>
+                      <a:endParaRPr lang="en-US" b="0" dirty="0"/>
                     </a:p>
                   </a:txBody>
                   <a:tcPr>
@@ -7380,7 +9155,7 @@
                     <a:bodyPr/>
                     <a:lstStyle/>
                     <a:p>
-                      <a:endParaRPr lang="en-US" b="0"/>
+                      <a:endParaRPr lang="en-US" b="0" dirty="0"/>
                     </a:p>
                   </a:txBody>
                   <a:tcPr>
@@ -7440,7 +9215,7 @@
                     <a:bodyPr/>
                     <a:lstStyle/>
                     <a:p>
-                      <a:endParaRPr lang="en-US" b="0"/>
+                      <a:endParaRPr lang="en-US" b="0" dirty="0"/>
                     </a:p>
                   </a:txBody>
                   <a:tcPr>
@@ -7500,7 +9275,7 @@
                     <a:bodyPr/>
                     <a:lstStyle/>
                     <a:p>
-                      <a:endParaRPr lang="en-US" b="0"/>
+                      <a:endParaRPr lang="en-US" b="0" dirty="0"/>
                     </a:p>
                   </a:txBody>
                   <a:tcPr>
@@ -7987,7 +9762,67 @@
                     <a:bodyPr/>
                     <a:lstStyle/>
                     <a:p>
-                      <a:endParaRPr lang="en-US" b="0"/>
+                      <a:endParaRPr lang="en-US" b="0" dirty="0"/>
+                    </a:p>
+                  </a:txBody>
+                  <a:tcPr>
+                    <a:lnL w="12700" cap="flat" cmpd="sng" algn="ctr">
+                      <a:solidFill>
+                        <a:schemeClr val="tx1"/>
+                      </a:solidFill>
+                      <a:prstDash val="solid"/>
+                      <a:round/>
+                      <a:headEnd type="none" w="med" len="med"/>
+                      <a:tailEnd type="none" w="med" len="med"/>
+                    </a:lnL>
+                    <a:lnR w="12700" cap="flat" cmpd="sng" algn="ctr">
+                      <a:solidFill>
+                        <a:schemeClr val="tx1"/>
+                      </a:solidFill>
+                      <a:prstDash val="solid"/>
+                      <a:round/>
+                      <a:headEnd type="none" w="med" len="med"/>
+                      <a:tailEnd type="none" w="med" len="med"/>
+                    </a:lnR>
+                    <a:lnT w="12700" cap="flat" cmpd="sng" algn="ctr">
+                      <a:solidFill>
+                        <a:schemeClr val="tx1"/>
+                      </a:solidFill>
+                      <a:prstDash val="solid"/>
+                      <a:round/>
+                      <a:headEnd type="none" w="med" len="med"/>
+                      <a:tailEnd type="none" w="med" len="med"/>
+                    </a:lnT>
+                    <a:lnB w="12700" cap="flat" cmpd="sng" algn="ctr">
+                      <a:solidFill>
+                        <a:schemeClr val="tx1"/>
+                      </a:solidFill>
+                      <a:prstDash val="solid"/>
+                      <a:round/>
+                      <a:headEnd type="none" w="med" len="med"/>
+                      <a:tailEnd type="none" w="med" len="med"/>
+                    </a:lnB>
+                    <a:lnTlToBr w="12700" cmpd="sng">
+                      <a:noFill/>
+                      <a:prstDash val="solid"/>
+                    </a:lnTlToBr>
+                    <a:lnBlToTr w="12700" cmpd="sng">
+                      <a:noFill/>
+                      <a:prstDash val="solid"/>
+                    </a:lnBlToTr>
+                    <a:solidFill>
+                      <a:schemeClr val="bg1">
+                        <a:lumMod val="95000"/>
+                      </a:schemeClr>
+                    </a:solidFill>
+                  </a:tcPr>
+                </a:tc>
+                <a:tc>
+                  <a:txBody>
+                    <a:bodyPr/>
+                    <a:lstStyle/>
+                    <a:p>
+                      <a:endParaRPr lang="en-US" b="0" dirty="0"/>
                     </a:p>
                   </a:txBody>
                   <a:tcPr>
@@ -8107,7 +9942,7 @@
                     <a:bodyPr/>
                     <a:lstStyle/>
                     <a:p>
-                      <a:endParaRPr lang="en-US" b="0"/>
+                      <a:endParaRPr lang="en-US" b="0" dirty="0"/>
                     </a:p>
                   </a:txBody>
                   <a:tcPr>
@@ -8167,7 +10002,7 @@
                     <a:bodyPr/>
                     <a:lstStyle/>
                     <a:p>
-                      <a:endParaRPr lang="en-US" b="0"/>
+                      <a:endParaRPr lang="en-US" b="0" dirty="0"/>
                     </a:p>
                   </a:txBody>
                   <a:tcPr>
@@ -8227,67 +10062,7 @@
                     <a:bodyPr/>
                     <a:lstStyle/>
                     <a:p>
-                      <a:endParaRPr lang="en-US" b="0"/>
-                    </a:p>
-                  </a:txBody>
-                  <a:tcPr>
-                    <a:lnL w="12700" cap="flat" cmpd="sng" algn="ctr">
-                      <a:solidFill>
-                        <a:schemeClr val="tx1"/>
-                      </a:solidFill>
-                      <a:prstDash val="solid"/>
-                      <a:round/>
-                      <a:headEnd type="none" w="med" len="med"/>
-                      <a:tailEnd type="none" w="med" len="med"/>
-                    </a:lnL>
-                    <a:lnR w="12700" cap="flat" cmpd="sng" algn="ctr">
-                      <a:solidFill>
-                        <a:schemeClr val="tx1"/>
-                      </a:solidFill>
-                      <a:prstDash val="solid"/>
-                      <a:round/>
-                      <a:headEnd type="none" w="med" len="med"/>
-                      <a:tailEnd type="none" w="med" len="med"/>
-                    </a:lnR>
-                    <a:lnT w="12700" cap="flat" cmpd="sng" algn="ctr">
-                      <a:solidFill>
-                        <a:schemeClr val="tx1"/>
-                      </a:solidFill>
-                      <a:prstDash val="solid"/>
-                      <a:round/>
-                      <a:headEnd type="none" w="med" len="med"/>
-                      <a:tailEnd type="none" w="med" len="med"/>
-                    </a:lnT>
-                    <a:lnB w="12700" cap="flat" cmpd="sng" algn="ctr">
-                      <a:solidFill>
-                        <a:schemeClr val="tx1"/>
-                      </a:solidFill>
-                      <a:prstDash val="solid"/>
-                      <a:round/>
-                      <a:headEnd type="none" w="med" len="med"/>
-                      <a:tailEnd type="none" w="med" len="med"/>
-                    </a:lnB>
-                    <a:lnTlToBr w="12700" cmpd="sng">
-                      <a:noFill/>
-                      <a:prstDash val="solid"/>
-                    </a:lnTlToBr>
-                    <a:lnBlToTr w="12700" cmpd="sng">
-                      <a:noFill/>
-                      <a:prstDash val="solid"/>
-                    </a:lnBlToTr>
-                    <a:solidFill>
-                      <a:schemeClr val="bg1">
-                        <a:lumMod val="95000"/>
-                      </a:schemeClr>
-                    </a:solidFill>
-                  </a:tcPr>
-                </a:tc>
-                <a:tc>
-                  <a:txBody>
-                    <a:bodyPr/>
-                    <a:lstStyle/>
-                    <a:p>
-                      <a:endParaRPr lang="en-US" b="0"/>
+                      <a:endParaRPr lang="en-US" b="0" dirty="0"/>
                     </a:p>
                   </a:txBody>
                   <a:tcPr>
@@ -8654,7 +10429,67 @@
                     <a:bodyPr/>
                     <a:lstStyle/>
                     <a:p>
-                      <a:endParaRPr lang="en-US" b="0"/>
+                      <a:endParaRPr lang="en-US" b="0" dirty="0"/>
+                    </a:p>
+                  </a:txBody>
+                  <a:tcPr>
+                    <a:lnL w="12700" cap="flat" cmpd="sng" algn="ctr">
+                      <a:solidFill>
+                        <a:schemeClr val="tx1"/>
+                      </a:solidFill>
+                      <a:prstDash val="solid"/>
+                      <a:round/>
+                      <a:headEnd type="none" w="med" len="med"/>
+                      <a:tailEnd type="none" w="med" len="med"/>
+                    </a:lnL>
+                    <a:lnR w="12700" cap="flat" cmpd="sng" algn="ctr">
+                      <a:solidFill>
+                        <a:schemeClr val="tx1"/>
+                      </a:solidFill>
+                      <a:prstDash val="solid"/>
+                      <a:round/>
+                      <a:headEnd type="none" w="med" len="med"/>
+                      <a:tailEnd type="none" w="med" len="med"/>
+                    </a:lnR>
+                    <a:lnT w="12700" cap="flat" cmpd="sng" algn="ctr">
+                      <a:solidFill>
+                        <a:schemeClr val="tx1"/>
+                      </a:solidFill>
+                      <a:prstDash val="solid"/>
+                      <a:round/>
+                      <a:headEnd type="none" w="med" len="med"/>
+                      <a:tailEnd type="none" w="med" len="med"/>
+                    </a:lnT>
+                    <a:lnB w="12700" cap="flat" cmpd="sng" algn="ctr">
+                      <a:solidFill>
+                        <a:schemeClr val="tx1"/>
+                      </a:solidFill>
+                      <a:prstDash val="solid"/>
+                      <a:round/>
+                      <a:headEnd type="none" w="med" len="med"/>
+                      <a:tailEnd type="none" w="med" len="med"/>
+                    </a:lnB>
+                    <a:lnTlToBr w="12700" cmpd="sng">
+                      <a:noFill/>
+                      <a:prstDash val="solid"/>
+                    </a:lnTlToBr>
+                    <a:lnBlToTr w="12700" cmpd="sng">
+                      <a:noFill/>
+                      <a:prstDash val="solid"/>
+                    </a:lnBlToTr>
+                    <a:solidFill>
+                      <a:schemeClr val="bg1">
+                        <a:lumMod val="95000"/>
+                      </a:schemeClr>
+                    </a:solidFill>
+                  </a:tcPr>
+                </a:tc>
+                <a:tc>
+                  <a:txBody>
+                    <a:bodyPr/>
+                    <a:lstStyle/>
+                    <a:p>
+                      <a:endParaRPr lang="en-US" b="0" dirty="0"/>
                     </a:p>
                   </a:txBody>
                   <a:tcPr>
@@ -8774,7 +10609,7 @@
                     <a:bodyPr/>
                     <a:lstStyle/>
                     <a:p>
-                      <a:endParaRPr lang="en-US" b="0"/>
+                      <a:endParaRPr lang="en-US" b="0" dirty="0"/>
                     </a:p>
                   </a:txBody>
                   <a:tcPr>
@@ -8954,67 +10789,7 @@
                     <a:bodyPr/>
                     <a:lstStyle/>
                     <a:p>
-                      <a:endParaRPr lang="en-US" b="0"/>
-                    </a:p>
-                  </a:txBody>
-                  <a:tcPr>
-                    <a:lnL w="12700" cap="flat" cmpd="sng" algn="ctr">
-                      <a:solidFill>
-                        <a:schemeClr val="tx1"/>
-                      </a:solidFill>
-                      <a:prstDash val="solid"/>
-                      <a:round/>
-                      <a:headEnd type="none" w="med" len="med"/>
-                      <a:tailEnd type="none" w="med" len="med"/>
-                    </a:lnL>
-                    <a:lnR w="12700" cap="flat" cmpd="sng" algn="ctr">
-                      <a:solidFill>
-                        <a:schemeClr val="tx1"/>
-                      </a:solidFill>
-                      <a:prstDash val="solid"/>
-                      <a:round/>
-                      <a:headEnd type="none" w="med" len="med"/>
-                      <a:tailEnd type="none" w="med" len="med"/>
-                    </a:lnR>
-                    <a:lnT w="12700" cap="flat" cmpd="sng" algn="ctr">
-                      <a:solidFill>
-                        <a:schemeClr val="tx1"/>
-                      </a:solidFill>
-                      <a:prstDash val="solid"/>
-                      <a:round/>
-                      <a:headEnd type="none" w="med" len="med"/>
-                      <a:tailEnd type="none" w="med" len="med"/>
-                    </a:lnT>
-                    <a:lnB w="12700" cap="flat" cmpd="sng" algn="ctr">
-                      <a:solidFill>
-                        <a:schemeClr val="tx1"/>
-                      </a:solidFill>
-                      <a:prstDash val="solid"/>
-                      <a:round/>
-                      <a:headEnd type="none" w="med" len="med"/>
-                      <a:tailEnd type="none" w="med" len="med"/>
-                    </a:lnB>
-                    <a:lnTlToBr w="12700" cmpd="sng">
-                      <a:noFill/>
-                      <a:prstDash val="solid"/>
-                    </a:lnTlToBr>
-                    <a:lnBlToTr w="12700" cmpd="sng">
-                      <a:noFill/>
-                      <a:prstDash val="solid"/>
-                    </a:lnBlToTr>
-                    <a:solidFill>
-                      <a:schemeClr val="bg1">
-                        <a:lumMod val="95000"/>
-                      </a:schemeClr>
-                    </a:solidFill>
-                  </a:tcPr>
-                </a:tc>
-                <a:tc>
-                  <a:txBody>
-                    <a:bodyPr/>
-                    <a:lstStyle/>
-                    <a:p>
-                      <a:endParaRPr lang="en-US" b="0"/>
+                      <a:endParaRPr lang="en-US" b="0" dirty="0"/>
                     </a:p>
                   </a:txBody>
                   <a:tcPr>
@@ -9381,7 +11156,67 @@
                     <a:bodyPr/>
                     <a:lstStyle/>
                     <a:p>
-                      <a:endParaRPr lang="en-US" b="0"/>
+                      <a:endParaRPr lang="en-US" b="0" dirty="0"/>
+                    </a:p>
+                  </a:txBody>
+                  <a:tcPr>
+                    <a:lnL w="12700" cap="flat" cmpd="sng" algn="ctr">
+                      <a:solidFill>
+                        <a:schemeClr val="tx1"/>
+                      </a:solidFill>
+                      <a:prstDash val="solid"/>
+                      <a:round/>
+                      <a:headEnd type="none" w="med" len="med"/>
+                      <a:tailEnd type="none" w="med" len="med"/>
+                    </a:lnL>
+                    <a:lnR w="12700" cap="flat" cmpd="sng" algn="ctr">
+                      <a:solidFill>
+                        <a:schemeClr val="tx1"/>
+                      </a:solidFill>
+                      <a:prstDash val="solid"/>
+                      <a:round/>
+                      <a:headEnd type="none" w="med" len="med"/>
+                      <a:tailEnd type="none" w="med" len="med"/>
+                    </a:lnR>
+                    <a:lnT w="12700" cap="flat" cmpd="sng" algn="ctr">
+                      <a:solidFill>
+                        <a:schemeClr val="tx1"/>
+                      </a:solidFill>
+                      <a:prstDash val="solid"/>
+                      <a:round/>
+                      <a:headEnd type="none" w="med" len="med"/>
+                      <a:tailEnd type="none" w="med" len="med"/>
+                    </a:lnT>
+                    <a:lnB w="12700" cap="flat" cmpd="sng" algn="ctr">
+                      <a:solidFill>
+                        <a:schemeClr val="tx1"/>
+                      </a:solidFill>
+                      <a:prstDash val="solid"/>
+                      <a:round/>
+                      <a:headEnd type="none" w="med" len="med"/>
+                      <a:tailEnd type="none" w="med" len="med"/>
+                    </a:lnB>
+                    <a:lnTlToBr w="12700" cmpd="sng">
+                      <a:noFill/>
+                      <a:prstDash val="solid"/>
+                    </a:lnTlToBr>
+                    <a:lnBlToTr w="12700" cmpd="sng">
+                      <a:noFill/>
+                      <a:prstDash val="solid"/>
+                    </a:lnBlToTr>
+                    <a:solidFill>
+                      <a:schemeClr val="bg1">
+                        <a:lumMod val="95000"/>
+                      </a:schemeClr>
+                    </a:solidFill>
+                  </a:tcPr>
+                </a:tc>
+                <a:tc>
+                  <a:txBody>
+                    <a:bodyPr/>
+                    <a:lstStyle/>
+                    <a:p>
+                      <a:endParaRPr lang="en-US" b="0" dirty="0"/>
                     </a:p>
                   </a:txBody>
                   <a:tcPr>
@@ -9501,7 +11336,7 @@
                     <a:bodyPr/>
                     <a:lstStyle/>
                     <a:p>
-                      <a:endParaRPr lang="en-US" b="0"/>
+                      <a:endParaRPr lang="en-US" b="0" dirty="0"/>
                     </a:p>
                   </a:txBody>
                   <a:tcPr>
@@ -9681,7 +11516,7 @@
                     <a:bodyPr/>
                     <a:lstStyle/>
                     <a:p>
-                      <a:endParaRPr lang="en-US" b="0"/>
+                      <a:endParaRPr lang="en-US" b="0" dirty="0"/>
                     </a:p>
                   </a:txBody>
                   <a:tcPr>
@@ -9741,67 +11576,7 @@
                     <a:bodyPr/>
                     <a:lstStyle/>
                     <a:p>
-                      <a:endParaRPr lang="en-US" b="0"/>
-                    </a:p>
-                  </a:txBody>
-                  <a:tcPr>
-                    <a:lnL w="12700" cap="flat" cmpd="sng" algn="ctr">
-                      <a:solidFill>
-                        <a:schemeClr val="tx1"/>
-                      </a:solidFill>
-                      <a:prstDash val="solid"/>
-                      <a:round/>
-                      <a:headEnd type="none" w="med" len="med"/>
-                      <a:tailEnd type="none" w="med" len="med"/>
-                    </a:lnL>
-                    <a:lnR w="12700" cap="flat" cmpd="sng" algn="ctr">
-                      <a:solidFill>
-                        <a:schemeClr val="tx1"/>
-                      </a:solidFill>
-                      <a:prstDash val="solid"/>
-                      <a:round/>
-                      <a:headEnd type="none" w="med" len="med"/>
-                      <a:tailEnd type="none" w="med" len="med"/>
-                    </a:lnR>
-                    <a:lnT w="12700" cap="flat" cmpd="sng" algn="ctr">
-                      <a:solidFill>
-                        <a:schemeClr val="tx1"/>
-                      </a:solidFill>
-                      <a:prstDash val="solid"/>
-                      <a:round/>
-                      <a:headEnd type="none" w="med" len="med"/>
-                      <a:tailEnd type="none" w="med" len="med"/>
-                    </a:lnT>
-                    <a:lnB w="12700" cap="flat" cmpd="sng" algn="ctr">
-                      <a:solidFill>
-                        <a:schemeClr val="tx1"/>
-                      </a:solidFill>
-                      <a:prstDash val="solid"/>
-                      <a:round/>
-                      <a:headEnd type="none" w="med" len="med"/>
-                      <a:tailEnd type="none" w="med" len="med"/>
-                    </a:lnB>
-                    <a:lnTlToBr w="12700" cmpd="sng">
-                      <a:noFill/>
-                      <a:prstDash val="solid"/>
-                    </a:lnTlToBr>
-                    <a:lnBlToTr w="12700" cmpd="sng">
-                      <a:noFill/>
-                      <a:prstDash val="solid"/>
-                    </a:lnBlToTr>
-                    <a:solidFill>
-                      <a:schemeClr val="bg1">
-                        <a:lumMod val="95000"/>
-                      </a:schemeClr>
-                    </a:solidFill>
-                  </a:tcPr>
-                </a:tc>
-                <a:tc>
-                  <a:txBody>
-                    <a:bodyPr/>
-                    <a:lstStyle/>
-                    <a:p>
-                      <a:endParaRPr lang="en-US" b="0"/>
+                      <a:endParaRPr lang="en-US" b="0" dirty="0"/>
                     </a:p>
                   </a:txBody>
                   <a:tcPr>
@@ -10168,7 +11943,7 @@
                     <a:bodyPr/>
                     <a:lstStyle/>
                     <a:p>
-                      <a:endParaRPr lang="en-US" b="0"/>
+                      <a:endParaRPr lang="en-US" b="0" dirty="0"/>
                     </a:p>
                   </a:txBody>
                   <a:tcPr>
@@ -10288,7 +12063,7 @@
                     <a:bodyPr/>
                     <a:lstStyle/>
                     <a:p>
-                      <a:endParaRPr lang="en-US" b="0"/>
+                      <a:endParaRPr lang="en-US" b="0" dirty="0"/>
                     </a:p>
                   </a:txBody>
                   <a:tcPr>
@@ -10528,7 +12303,7 @@
                     <a:bodyPr/>
                     <a:lstStyle/>
                     <a:p>
-                      <a:endParaRPr lang="en-US" b="0"/>
+                      <a:endParaRPr lang="en-US" b="0" dirty="0"/>
                     </a:p>
                   </a:txBody>
                   <a:tcPr>
@@ -10879,71 +12654,830 @@
           <a:chExt cx="0" cy="0"/>
         </a:xfrm>
       </p:grpSpPr>
+      <p:sp>
+        <p:nvSpPr>
+          <p:cNvPr id="5" name="1 Título">
+            <a:extLst>
+              <a:ext uri="{FF2B5EF4-FFF2-40B4-BE49-F238E27FC236}">
+                <a16:creationId xmlns:a16="http://schemas.microsoft.com/office/drawing/2014/main" id="{17E9A9A5-95AA-4A37-983B-A38431DCFE27}"/>
+              </a:ext>
+            </a:extLst>
+          </p:cNvPr>
+          <p:cNvSpPr txBox="1">
+            <a:spLocks/>
+          </p:cNvSpPr>
+          <p:nvPr/>
+        </p:nvSpPr>
+        <p:spPr>
+          <a:xfrm>
+            <a:off x="0" y="47755"/>
+            <a:ext cx="8229600" cy="745533"/>
+          </a:xfrm>
+          <a:prstGeom prst="rect">
+            <a:avLst/>
+          </a:prstGeom>
+        </p:spPr>
+        <p:txBody>
+          <a:bodyPr vert="horz" lIns="91440" tIns="45720" rIns="91440" bIns="45720" rtlCol="0" anchor="ctr">
+            <a:normAutofit/>
+          </a:bodyPr>
+          <a:lstStyle>
+            <a:lvl1pPr>
+              <a:spcBef>
+                <a:spcPct val="0"/>
+              </a:spcBef>
+              <a:buNone/>
+              <a:defRPr sz="3600">
+                <a:latin typeface="+mj-lt"/>
+                <a:ea typeface="+mj-ea"/>
+                <a:cs typeface="+mj-cs"/>
+              </a:defRPr>
+            </a:lvl1pPr>
+          </a:lstStyle>
+          <a:p>
+            <a:r>
+              <a:rPr lang="es-UY" dirty="0"/>
+              <a:t>Diseño: </a:t>
+            </a:r>
+            <a:r>
+              <a:rPr lang="es-UY" dirty="0" err="1"/>
+              <a:t>dashboardBody</a:t>
+            </a:r>
+            <a:r>
+              <a:rPr lang="es-UY" dirty="0"/>
+              <a:t>()</a:t>
+            </a:r>
+          </a:p>
+        </p:txBody>
+      </p:sp>
       <p:pic>
         <p:nvPicPr>
-          <p:cNvPr id="4098" name="Picture 2"/>
+          <p:cNvPr id="10" name="Imagen 9">
+            <a:extLst>
+              <a:ext uri="{FF2B5EF4-FFF2-40B4-BE49-F238E27FC236}">
+                <a16:creationId xmlns:a16="http://schemas.microsoft.com/office/drawing/2014/main" id="{33013945-D1DF-4013-9A14-35F84BFBA2E5}"/>
+              </a:ext>
+            </a:extLst>
+          </p:cNvPr>
           <p:cNvPicPr>
-            <a:picLocks noChangeAspect="1" noChangeArrowheads="1"/>
+            <a:picLocks noChangeAspect="1"/>
           </p:cNvPicPr>
           <p:nvPr/>
         </p:nvPicPr>
         <p:blipFill>
-          <a:blip r:embed="rId2" cstate="print"/>
-          <a:srcRect l="5474" t="20228" r="34650" b="17373"/>
+          <a:blip r:embed="rId2">
+            <a:extLst>
+              <a:ext uri="{28A0092B-C50C-407E-A947-70E740481C1C}">
+                <a14:useLocalDpi xmlns:a14="http://schemas.microsoft.com/office/drawing/2010/main" val="0"/>
+              </a:ext>
+            </a:extLst>
+          </a:blip>
           <a:stretch>
             <a:fillRect/>
           </a:stretch>
         </p:blipFill>
-        <p:spPr bwMode="auto">
+        <p:spPr>
           <a:xfrm>
-            <a:off x="467544" y="692696"/>
-            <a:ext cx="8352928" cy="4896544"/>
+            <a:off x="1671599" y="836712"/>
+            <a:ext cx="2880321" cy="2685806"/>
           </a:xfrm>
           <a:prstGeom prst="rect">
             <a:avLst/>
           </a:prstGeom>
-          <a:noFill/>
-          <a:ln w="9525">
-            <a:noFill/>
-            <a:miter lim="800000"/>
-            <a:headEnd/>
-            <a:tailEnd/>
+        </p:spPr>
+      </p:pic>
+      <p:pic>
+        <p:nvPicPr>
+          <p:cNvPr id="12" name="Imagen 11">
+            <a:extLst>
+              <a:ext uri="{FF2B5EF4-FFF2-40B4-BE49-F238E27FC236}">
+                <a16:creationId xmlns:a16="http://schemas.microsoft.com/office/drawing/2014/main" id="{FD2D7E97-AE37-41E4-BD2A-2D4B8D1F8509}"/>
+              </a:ext>
+            </a:extLst>
+          </p:cNvPr>
+          <p:cNvPicPr>
+            <a:picLocks noChangeAspect="1"/>
+          </p:cNvPicPr>
+          <p:nvPr/>
+        </p:nvPicPr>
+        <p:blipFill>
+          <a:blip r:embed="rId3">
+            <a:extLst>
+              <a:ext uri="{28A0092B-C50C-407E-A947-70E740481C1C}">
+                <a14:useLocalDpi xmlns:a14="http://schemas.microsoft.com/office/drawing/2010/main" val="0"/>
+              </a:ext>
+            </a:extLst>
+          </a:blip>
+          <a:stretch>
+            <a:fillRect/>
+          </a:stretch>
+        </p:blipFill>
+        <p:spPr>
+          <a:xfrm>
+            <a:off x="5148063" y="2488332"/>
+            <a:ext cx="2880321" cy="2685806"/>
+          </a:xfrm>
+          <a:prstGeom prst="rect">
+            <a:avLst/>
+          </a:prstGeom>
+        </p:spPr>
+      </p:pic>
+      <p:pic>
+        <p:nvPicPr>
+          <p:cNvPr id="14" name="Imagen 13">
+            <a:extLst>
+              <a:ext uri="{FF2B5EF4-FFF2-40B4-BE49-F238E27FC236}">
+                <a16:creationId xmlns:a16="http://schemas.microsoft.com/office/drawing/2014/main" id="{01666365-BF16-4F57-BFEE-5046F757393C}"/>
+              </a:ext>
+            </a:extLst>
+          </p:cNvPr>
+          <p:cNvPicPr>
+            <a:picLocks noChangeAspect="1"/>
+          </p:cNvPicPr>
+          <p:nvPr/>
+        </p:nvPicPr>
+        <p:blipFill>
+          <a:blip r:embed="rId4">
+            <a:extLst>
+              <a:ext uri="{28A0092B-C50C-407E-A947-70E740481C1C}">
+                <a14:useLocalDpi xmlns:a14="http://schemas.microsoft.com/office/drawing/2010/main" val="0"/>
+              </a:ext>
+            </a:extLst>
+          </a:blip>
+          <a:stretch>
+            <a:fillRect/>
+          </a:stretch>
+        </p:blipFill>
+        <p:spPr>
+          <a:xfrm>
+            <a:off x="1673017" y="3836732"/>
+            <a:ext cx="2880322" cy="2760620"/>
+          </a:xfrm>
+          <a:prstGeom prst="rect">
+            <a:avLst/>
+          </a:prstGeom>
+        </p:spPr>
+      </p:pic>
+      <p:cxnSp>
+        <p:nvCxnSpPr>
+          <p:cNvPr id="17" name="Conector: curvado 16">
+            <a:extLst>
+              <a:ext uri="{FF2B5EF4-FFF2-40B4-BE49-F238E27FC236}">
+                <a16:creationId xmlns:a16="http://schemas.microsoft.com/office/drawing/2014/main" id="{B845D7C6-CECA-42D7-A209-8409DE26C7B3}"/>
+              </a:ext>
+            </a:extLst>
+          </p:cNvPr>
+          <p:cNvCxnSpPr>
+            <a:cxnSpLocks/>
+          </p:cNvCxnSpPr>
+          <p:nvPr/>
+        </p:nvCxnSpPr>
+        <p:spPr>
+          <a:xfrm>
+            <a:off x="867170" y="5255488"/>
+            <a:ext cx="648072" cy="621784"/>
+          </a:xfrm>
+          <a:prstGeom prst="curvedConnector3">
+            <a:avLst>
+              <a:gd name="adj1" fmla="val 48560"/>
+            </a:avLst>
+          </a:prstGeom>
+          <a:ln w="28575">
+            <a:tailEnd type="triangle"/>
           </a:ln>
         </p:spPr>
-      </p:pic>
+        <p:style>
+          <a:lnRef idx="1">
+            <a:schemeClr val="accent1"/>
+          </a:lnRef>
+          <a:fillRef idx="0">
+            <a:schemeClr val="accent1"/>
+          </a:fillRef>
+          <a:effectRef idx="0">
+            <a:schemeClr val="accent1"/>
+          </a:effectRef>
+          <a:fontRef idx="minor">
+            <a:schemeClr val="tx1"/>
+          </a:fontRef>
+        </p:style>
+      </p:cxnSp>
       <p:sp>
         <p:nvSpPr>
-          <p:cNvPr id="6" name="2 Marcador de contenido"/>
-          <p:cNvSpPr>
-            <a:spLocks noGrp="1"/>
+          <p:cNvPr id="18" name="Marcador de texto 3">
+            <a:extLst>
+              <a:ext uri="{FF2B5EF4-FFF2-40B4-BE49-F238E27FC236}">
+                <a16:creationId xmlns:a16="http://schemas.microsoft.com/office/drawing/2014/main" id="{CC4FB009-4827-47E6-A2C8-735F3C73B95D}"/>
+              </a:ext>
+            </a:extLst>
+          </p:cNvPr>
+          <p:cNvSpPr txBox="1">
+            <a:spLocks/>
           </p:cNvSpPr>
-          <p:nvPr>
-            <p:ph idx="1"/>
-          </p:nvPr>
+          <p:nvPr/>
         </p:nvSpPr>
         <p:spPr>
           <a:xfrm>
-            <a:off x="251520" y="6021289"/>
-            <a:ext cx="8712968" cy="288032"/>
+            <a:off x="107503" y="4890215"/>
+            <a:ext cx="1656183" cy="326827"/>
           </a:xfrm>
+          <a:prstGeom prst="rect">
+            <a:avLst/>
+          </a:prstGeom>
         </p:spPr>
         <p:txBody>
-          <a:bodyPr>
-            <a:normAutofit/>
+          <a:bodyPr vert="horz" lIns="91440" tIns="45720" rIns="91440" bIns="45720" rtlCol="0">
+            <a:noAutofit/>
           </a:bodyPr>
-          <a:lstStyle/>
+          <a:lstStyle>
+            <a:lvl1pPr marL="0" indent="0" algn="l" defTabSz="914400" rtl="0" eaLnBrk="1" latinLnBrk="0" hangingPunct="1">
+              <a:spcBef>
+                <a:spcPct val="20000"/>
+              </a:spcBef>
+              <a:buFont typeface="Arial" pitchFamily="34" charset="0"/>
+              <a:buNone/>
+              <a:defRPr sz="1400" kern="1200">
+                <a:solidFill>
+                  <a:schemeClr val="tx1"/>
+                </a:solidFill>
+                <a:latin typeface="+mn-lt"/>
+                <a:ea typeface="+mn-ea"/>
+                <a:cs typeface="+mn-cs"/>
+              </a:defRPr>
+            </a:lvl1pPr>
+            <a:lvl2pPr marL="457200" indent="0" algn="l" defTabSz="914400" rtl="0" eaLnBrk="1" latinLnBrk="0" hangingPunct="1">
+              <a:spcBef>
+                <a:spcPct val="20000"/>
+              </a:spcBef>
+              <a:buFont typeface="Arial" pitchFamily="34" charset="0"/>
+              <a:buNone/>
+              <a:defRPr sz="1200" kern="1200">
+                <a:solidFill>
+                  <a:schemeClr val="tx1"/>
+                </a:solidFill>
+                <a:latin typeface="+mn-lt"/>
+                <a:ea typeface="+mn-ea"/>
+                <a:cs typeface="+mn-cs"/>
+              </a:defRPr>
+            </a:lvl2pPr>
+            <a:lvl3pPr marL="914400" indent="0" algn="l" defTabSz="914400" rtl="0" eaLnBrk="1" latinLnBrk="0" hangingPunct="1">
+              <a:spcBef>
+                <a:spcPct val="20000"/>
+              </a:spcBef>
+              <a:buFont typeface="Arial" pitchFamily="34" charset="0"/>
+              <a:buNone/>
+              <a:defRPr sz="1000" kern="1200">
+                <a:solidFill>
+                  <a:schemeClr val="tx1"/>
+                </a:solidFill>
+                <a:latin typeface="+mn-lt"/>
+                <a:ea typeface="+mn-ea"/>
+                <a:cs typeface="+mn-cs"/>
+              </a:defRPr>
+            </a:lvl3pPr>
+            <a:lvl4pPr marL="1371600" indent="0" algn="l" defTabSz="914400" rtl="0" eaLnBrk="1" latinLnBrk="0" hangingPunct="1">
+              <a:spcBef>
+                <a:spcPct val="20000"/>
+              </a:spcBef>
+              <a:buFont typeface="Arial" pitchFamily="34" charset="0"/>
+              <a:buNone/>
+              <a:defRPr sz="900" kern="1200">
+                <a:solidFill>
+                  <a:schemeClr val="tx1"/>
+                </a:solidFill>
+                <a:latin typeface="+mn-lt"/>
+                <a:ea typeface="+mn-ea"/>
+                <a:cs typeface="+mn-cs"/>
+              </a:defRPr>
+            </a:lvl4pPr>
+            <a:lvl5pPr marL="1828800" indent="0" algn="l" defTabSz="914400" rtl="0" eaLnBrk="1" latinLnBrk="0" hangingPunct="1">
+              <a:spcBef>
+                <a:spcPct val="20000"/>
+              </a:spcBef>
+              <a:buFont typeface="Arial" pitchFamily="34" charset="0"/>
+              <a:buNone/>
+              <a:defRPr sz="900" kern="1200">
+                <a:solidFill>
+                  <a:schemeClr val="tx1"/>
+                </a:solidFill>
+                <a:latin typeface="+mn-lt"/>
+                <a:ea typeface="+mn-ea"/>
+                <a:cs typeface="+mn-cs"/>
+              </a:defRPr>
+            </a:lvl5pPr>
+            <a:lvl6pPr marL="2286000" indent="0" algn="l" defTabSz="914400" rtl="0" eaLnBrk="1" latinLnBrk="0" hangingPunct="1">
+              <a:spcBef>
+                <a:spcPct val="20000"/>
+              </a:spcBef>
+              <a:buFont typeface="Arial" pitchFamily="34" charset="0"/>
+              <a:buNone/>
+              <a:defRPr sz="900" kern="1200">
+                <a:solidFill>
+                  <a:schemeClr val="tx1"/>
+                </a:solidFill>
+                <a:latin typeface="+mn-lt"/>
+                <a:ea typeface="+mn-ea"/>
+                <a:cs typeface="+mn-cs"/>
+              </a:defRPr>
+            </a:lvl6pPr>
+            <a:lvl7pPr marL="2743200" indent="0" algn="l" defTabSz="914400" rtl="0" eaLnBrk="1" latinLnBrk="0" hangingPunct="1">
+              <a:spcBef>
+                <a:spcPct val="20000"/>
+              </a:spcBef>
+              <a:buFont typeface="Arial" pitchFamily="34" charset="0"/>
+              <a:buNone/>
+              <a:defRPr sz="900" kern="1200">
+                <a:solidFill>
+                  <a:schemeClr val="tx1"/>
+                </a:solidFill>
+                <a:latin typeface="+mn-lt"/>
+                <a:ea typeface="+mn-ea"/>
+                <a:cs typeface="+mn-cs"/>
+              </a:defRPr>
+            </a:lvl7pPr>
+            <a:lvl8pPr marL="3200400" indent="0" algn="l" defTabSz="914400" rtl="0" eaLnBrk="1" latinLnBrk="0" hangingPunct="1">
+              <a:spcBef>
+                <a:spcPct val="20000"/>
+              </a:spcBef>
+              <a:buFont typeface="Arial" pitchFamily="34" charset="0"/>
+              <a:buNone/>
+              <a:defRPr sz="900" kern="1200">
+                <a:solidFill>
+                  <a:schemeClr val="tx1"/>
+                </a:solidFill>
+                <a:latin typeface="+mn-lt"/>
+                <a:ea typeface="+mn-ea"/>
+                <a:cs typeface="+mn-cs"/>
+              </a:defRPr>
+            </a:lvl8pPr>
+            <a:lvl9pPr marL="3657600" indent="0" algn="l" defTabSz="914400" rtl="0" eaLnBrk="1" latinLnBrk="0" hangingPunct="1">
+              <a:spcBef>
+                <a:spcPct val="20000"/>
+              </a:spcBef>
+              <a:buFont typeface="Arial" pitchFamily="34" charset="0"/>
+              <a:buNone/>
+              <a:defRPr sz="900" kern="1200">
+                <a:solidFill>
+                  <a:schemeClr val="tx1"/>
+                </a:solidFill>
+                <a:latin typeface="+mn-lt"/>
+                <a:ea typeface="+mn-ea"/>
+                <a:cs typeface="+mn-cs"/>
+              </a:defRPr>
+            </a:lvl9pPr>
+          </a:lstStyle>
           <a:p>
-            <a:pPr>
-              <a:buNone/>
-            </a:pPr>
             <a:r>
-              <a:rPr lang="es-UY" sz="1200" dirty="0"/>
-              <a:t>http://shiny.rstudio.com/gallery/widget-gallery.html</a:t>
+              <a:rPr lang="en-US" sz="1600" dirty="0"/>
+              <a:t>Por </a:t>
             </a:r>
+            <a:r>
+              <a:rPr lang="en-US" sz="1600" dirty="0" err="1"/>
+              <a:t>filas</a:t>
+            </a:r>
+            <a:endParaRPr lang="en-US" sz="1600" dirty="0"/>
           </a:p>
         </p:txBody>
       </p:sp>
+      <p:sp>
+        <p:nvSpPr>
+          <p:cNvPr id="19" name="Marcador de texto 3">
+            <a:extLst>
+              <a:ext uri="{FF2B5EF4-FFF2-40B4-BE49-F238E27FC236}">
+                <a16:creationId xmlns:a16="http://schemas.microsoft.com/office/drawing/2014/main" id="{AEA11376-A09F-48AF-8652-CCB915162234}"/>
+              </a:ext>
+            </a:extLst>
+          </p:cNvPr>
+          <p:cNvSpPr txBox="1">
+            <a:spLocks/>
+          </p:cNvSpPr>
+          <p:nvPr/>
+        </p:nvSpPr>
+        <p:spPr>
+          <a:xfrm>
+            <a:off x="6588223" y="1647161"/>
+            <a:ext cx="1584176" cy="326827"/>
+          </a:xfrm>
+          <a:prstGeom prst="rect">
+            <a:avLst/>
+          </a:prstGeom>
+        </p:spPr>
+        <p:txBody>
+          <a:bodyPr vert="horz" lIns="91440" tIns="45720" rIns="91440" bIns="45720" rtlCol="0">
+            <a:noAutofit/>
+          </a:bodyPr>
+          <a:lstStyle>
+            <a:lvl1pPr marL="0" indent="0" algn="l" defTabSz="914400" rtl="0" eaLnBrk="1" latinLnBrk="0" hangingPunct="1">
+              <a:spcBef>
+                <a:spcPct val="20000"/>
+              </a:spcBef>
+              <a:buFont typeface="Arial" pitchFamily="34" charset="0"/>
+              <a:buNone/>
+              <a:defRPr sz="1400" kern="1200">
+                <a:solidFill>
+                  <a:schemeClr val="tx1"/>
+                </a:solidFill>
+                <a:latin typeface="+mn-lt"/>
+                <a:ea typeface="+mn-ea"/>
+                <a:cs typeface="+mn-cs"/>
+              </a:defRPr>
+            </a:lvl1pPr>
+            <a:lvl2pPr marL="457200" indent="0" algn="l" defTabSz="914400" rtl="0" eaLnBrk="1" latinLnBrk="0" hangingPunct="1">
+              <a:spcBef>
+                <a:spcPct val="20000"/>
+              </a:spcBef>
+              <a:buFont typeface="Arial" pitchFamily="34" charset="0"/>
+              <a:buNone/>
+              <a:defRPr sz="1200" kern="1200">
+                <a:solidFill>
+                  <a:schemeClr val="tx1"/>
+                </a:solidFill>
+                <a:latin typeface="+mn-lt"/>
+                <a:ea typeface="+mn-ea"/>
+                <a:cs typeface="+mn-cs"/>
+              </a:defRPr>
+            </a:lvl2pPr>
+            <a:lvl3pPr marL="914400" indent="0" algn="l" defTabSz="914400" rtl="0" eaLnBrk="1" latinLnBrk="0" hangingPunct="1">
+              <a:spcBef>
+                <a:spcPct val="20000"/>
+              </a:spcBef>
+              <a:buFont typeface="Arial" pitchFamily="34" charset="0"/>
+              <a:buNone/>
+              <a:defRPr sz="1000" kern="1200">
+                <a:solidFill>
+                  <a:schemeClr val="tx1"/>
+                </a:solidFill>
+                <a:latin typeface="+mn-lt"/>
+                <a:ea typeface="+mn-ea"/>
+                <a:cs typeface="+mn-cs"/>
+              </a:defRPr>
+            </a:lvl3pPr>
+            <a:lvl4pPr marL="1371600" indent="0" algn="l" defTabSz="914400" rtl="0" eaLnBrk="1" latinLnBrk="0" hangingPunct="1">
+              <a:spcBef>
+                <a:spcPct val="20000"/>
+              </a:spcBef>
+              <a:buFont typeface="Arial" pitchFamily="34" charset="0"/>
+              <a:buNone/>
+              <a:defRPr sz="900" kern="1200">
+                <a:solidFill>
+                  <a:schemeClr val="tx1"/>
+                </a:solidFill>
+                <a:latin typeface="+mn-lt"/>
+                <a:ea typeface="+mn-ea"/>
+                <a:cs typeface="+mn-cs"/>
+              </a:defRPr>
+            </a:lvl4pPr>
+            <a:lvl5pPr marL="1828800" indent="0" algn="l" defTabSz="914400" rtl="0" eaLnBrk="1" latinLnBrk="0" hangingPunct="1">
+              <a:spcBef>
+                <a:spcPct val="20000"/>
+              </a:spcBef>
+              <a:buFont typeface="Arial" pitchFamily="34" charset="0"/>
+              <a:buNone/>
+              <a:defRPr sz="900" kern="1200">
+                <a:solidFill>
+                  <a:schemeClr val="tx1"/>
+                </a:solidFill>
+                <a:latin typeface="+mn-lt"/>
+                <a:ea typeface="+mn-ea"/>
+                <a:cs typeface="+mn-cs"/>
+              </a:defRPr>
+            </a:lvl5pPr>
+            <a:lvl6pPr marL="2286000" indent="0" algn="l" defTabSz="914400" rtl="0" eaLnBrk="1" latinLnBrk="0" hangingPunct="1">
+              <a:spcBef>
+                <a:spcPct val="20000"/>
+              </a:spcBef>
+              <a:buFont typeface="Arial" pitchFamily="34" charset="0"/>
+              <a:buNone/>
+              <a:defRPr sz="900" kern="1200">
+                <a:solidFill>
+                  <a:schemeClr val="tx1"/>
+                </a:solidFill>
+                <a:latin typeface="+mn-lt"/>
+                <a:ea typeface="+mn-ea"/>
+                <a:cs typeface="+mn-cs"/>
+              </a:defRPr>
+            </a:lvl6pPr>
+            <a:lvl7pPr marL="2743200" indent="0" algn="l" defTabSz="914400" rtl="0" eaLnBrk="1" latinLnBrk="0" hangingPunct="1">
+              <a:spcBef>
+                <a:spcPct val="20000"/>
+              </a:spcBef>
+              <a:buFont typeface="Arial" pitchFamily="34" charset="0"/>
+              <a:buNone/>
+              <a:defRPr sz="900" kern="1200">
+                <a:solidFill>
+                  <a:schemeClr val="tx1"/>
+                </a:solidFill>
+                <a:latin typeface="+mn-lt"/>
+                <a:ea typeface="+mn-ea"/>
+                <a:cs typeface="+mn-cs"/>
+              </a:defRPr>
+            </a:lvl7pPr>
+            <a:lvl8pPr marL="3200400" indent="0" algn="l" defTabSz="914400" rtl="0" eaLnBrk="1" latinLnBrk="0" hangingPunct="1">
+              <a:spcBef>
+                <a:spcPct val="20000"/>
+              </a:spcBef>
+              <a:buFont typeface="Arial" pitchFamily="34" charset="0"/>
+              <a:buNone/>
+              <a:defRPr sz="900" kern="1200">
+                <a:solidFill>
+                  <a:schemeClr val="tx1"/>
+                </a:solidFill>
+                <a:latin typeface="+mn-lt"/>
+                <a:ea typeface="+mn-ea"/>
+                <a:cs typeface="+mn-cs"/>
+              </a:defRPr>
+            </a:lvl8pPr>
+            <a:lvl9pPr marL="3657600" indent="0" algn="l" defTabSz="914400" rtl="0" eaLnBrk="1" latinLnBrk="0" hangingPunct="1">
+              <a:spcBef>
+                <a:spcPct val="20000"/>
+              </a:spcBef>
+              <a:buFont typeface="Arial" pitchFamily="34" charset="0"/>
+              <a:buNone/>
+              <a:defRPr sz="900" kern="1200">
+                <a:solidFill>
+                  <a:schemeClr val="tx1"/>
+                </a:solidFill>
+                <a:latin typeface="+mn-lt"/>
+                <a:ea typeface="+mn-ea"/>
+                <a:cs typeface="+mn-cs"/>
+              </a:defRPr>
+            </a:lvl9pPr>
+          </a:lstStyle>
+          <a:p>
+            <a:r>
+              <a:rPr lang="es-UY" sz="1600" dirty="0"/>
+              <a:t>Combinado </a:t>
+            </a:r>
+            <a:endParaRPr lang="en-US" sz="1600" dirty="0"/>
+          </a:p>
+        </p:txBody>
+      </p:sp>
+      <p:sp>
+        <p:nvSpPr>
+          <p:cNvPr id="21" name="Marcador de texto 3">
+            <a:extLst>
+              <a:ext uri="{FF2B5EF4-FFF2-40B4-BE49-F238E27FC236}">
+                <a16:creationId xmlns:a16="http://schemas.microsoft.com/office/drawing/2014/main" id="{B06E1F94-9EC4-47D5-AE3E-8F9EB8FC9895}"/>
+              </a:ext>
+            </a:extLst>
+          </p:cNvPr>
+          <p:cNvSpPr txBox="1">
+            <a:spLocks/>
+          </p:cNvSpPr>
+          <p:nvPr/>
+        </p:nvSpPr>
+        <p:spPr>
+          <a:xfrm>
+            <a:off x="107504" y="1217227"/>
+            <a:ext cx="1656183" cy="326827"/>
+          </a:xfrm>
+          <a:prstGeom prst="rect">
+            <a:avLst/>
+          </a:prstGeom>
+        </p:spPr>
+        <p:txBody>
+          <a:bodyPr vert="horz" lIns="91440" tIns="45720" rIns="91440" bIns="45720" rtlCol="0">
+            <a:normAutofit lnSpcReduction="10000"/>
+          </a:bodyPr>
+          <a:lstStyle>
+            <a:lvl1pPr marL="0" indent="0" algn="l" defTabSz="914400" rtl="0" eaLnBrk="1" latinLnBrk="0" hangingPunct="1">
+              <a:spcBef>
+                <a:spcPct val="20000"/>
+              </a:spcBef>
+              <a:buFont typeface="Arial" pitchFamily="34" charset="0"/>
+              <a:buNone/>
+              <a:defRPr sz="1400" kern="1200">
+                <a:solidFill>
+                  <a:schemeClr val="tx1"/>
+                </a:solidFill>
+                <a:latin typeface="+mn-lt"/>
+                <a:ea typeface="+mn-ea"/>
+                <a:cs typeface="+mn-cs"/>
+              </a:defRPr>
+            </a:lvl1pPr>
+            <a:lvl2pPr marL="457200" indent="0" algn="l" defTabSz="914400" rtl="0" eaLnBrk="1" latinLnBrk="0" hangingPunct="1">
+              <a:spcBef>
+                <a:spcPct val="20000"/>
+              </a:spcBef>
+              <a:buFont typeface="Arial" pitchFamily="34" charset="0"/>
+              <a:buNone/>
+              <a:defRPr sz="1200" kern="1200">
+                <a:solidFill>
+                  <a:schemeClr val="tx1"/>
+                </a:solidFill>
+                <a:latin typeface="+mn-lt"/>
+                <a:ea typeface="+mn-ea"/>
+                <a:cs typeface="+mn-cs"/>
+              </a:defRPr>
+            </a:lvl2pPr>
+            <a:lvl3pPr marL="914400" indent="0" algn="l" defTabSz="914400" rtl="0" eaLnBrk="1" latinLnBrk="0" hangingPunct="1">
+              <a:spcBef>
+                <a:spcPct val="20000"/>
+              </a:spcBef>
+              <a:buFont typeface="Arial" pitchFamily="34" charset="0"/>
+              <a:buNone/>
+              <a:defRPr sz="1000" kern="1200">
+                <a:solidFill>
+                  <a:schemeClr val="tx1"/>
+                </a:solidFill>
+                <a:latin typeface="+mn-lt"/>
+                <a:ea typeface="+mn-ea"/>
+                <a:cs typeface="+mn-cs"/>
+              </a:defRPr>
+            </a:lvl3pPr>
+            <a:lvl4pPr marL="1371600" indent="0" algn="l" defTabSz="914400" rtl="0" eaLnBrk="1" latinLnBrk="0" hangingPunct="1">
+              <a:spcBef>
+                <a:spcPct val="20000"/>
+              </a:spcBef>
+              <a:buFont typeface="Arial" pitchFamily="34" charset="0"/>
+              <a:buNone/>
+              <a:defRPr sz="900" kern="1200">
+                <a:solidFill>
+                  <a:schemeClr val="tx1"/>
+                </a:solidFill>
+                <a:latin typeface="+mn-lt"/>
+                <a:ea typeface="+mn-ea"/>
+                <a:cs typeface="+mn-cs"/>
+              </a:defRPr>
+            </a:lvl4pPr>
+            <a:lvl5pPr marL="1828800" indent="0" algn="l" defTabSz="914400" rtl="0" eaLnBrk="1" latinLnBrk="0" hangingPunct="1">
+              <a:spcBef>
+                <a:spcPct val="20000"/>
+              </a:spcBef>
+              <a:buFont typeface="Arial" pitchFamily="34" charset="0"/>
+              <a:buNone/>
+              <a:defRPr sz="900" kern="1200">
+                <a:solidFill>
+                  <a:schemeClr val="tx1"/>
+                </a:solidFill>
+                <a:latin typeface="+mn-lt"/>
+                <a:ea typeface="+mn-ea"/>
+                <a:cs typeface="+mn-cs"/>
+              </a:defRPr>
+            </a:lvl5pPr>
+            <a:lvl6pPr marL="2286000" indent="0" algn="l" defTabSz="914400" rtl="0" eaLnBrk="1" latinLnBrk="0" hangingPunct="1">
+              <a:spcBef>
+                <a:spcPct val="20000"/>
+              </a:spcBef>
+              <a:buFont typeface="Arial" pitchFamily="34" charset="0"/>
+              <a:buNone/>
+              <a:defRPr sz="900" kern="1200">
+                <a:solidFill>
+                  <a:schemeClr val="tx1"/>
+                </a:solidFill>
+                <a:latin typeface="+mn-lt"/>
+                <a:ea typeface="+mn-ea"/>
+                <a:cs typeface="+mn-cs"/>
+              </a:defRPr>
+            </a:lvl6pPr>
+            <a:lvl7pPr marL="2743200" indent="0" algn="l" defTabSz="914400" rtl="0" eaLnBrk="1" latinLnBrk="0" hangingPunct="1">
+              <a:spcBef>
+                <a:spcPct val="20000"/>
+              </a:spcBef>
+              <a:buFont typeface="Arial" pitchFamily="34" charset="0"/>
+              <a:buNone/>
+              <a:defRPr sz="900" kern="1200">
+                <a:solidFill>
+                  <a:schemeClr val="tx1"/>
+                </a:solidFill>
+                <a:latin typeface="+mn-lt"/>
+                <a:ea typeface="+mn-ea"/>
+                <a:cs typeface="+mn-cs"/>
+              </a:defRPr>
+            </a:lvl7pPr>
+            <a:lvl8pPr marL="3200400" indent="0" algn="l" defTabSz="914400" rtl="0" eaLnBrk="1" latinLnBrk="0" hangingPunct="1">
+              <a:spcBef>
+                <a:spcPct val="20000"/>
+              </a:spcBef>
+              <a:buFont typeface="Arial" pitchFamily="34" charset="0"/>
+              <a:buNone/>
+              <a:defRPr sz="900" kern="1200">
+                <a:solidFill>
+                  <a:schemeClr val="tx1"/>
+                </a:solidFill>
+                <a:latin typeface="+mn-lt"/>
+                <a:ea typeface="+mn-ea"/>
+                <a:cs typeface="+mn-cs"/>
+              </a:defRPr>
+            </a:lvl8pPr>
+            <a:lvl9pPr marL="3657600" indent="0" algn="l" defTabSz="914400" rtl="0" eaLnBrk="1" latinLnBrk="0" hangingPunct="1">
+              <a:spcBef>
+                <a:spcPct val="20000"/>
+              </a:spcBef>
+              <a:buFont typeface="Arial" pitchFamily="34" charset="0"/>
+              <a:buNone/>
+              <a:defRPr sz="900" kern="1200">
+                <a:solidFill>
+                  <a:schemeClr val="tx1"/>
+                </a:solidFill>
+                <a:latin typeface="+mn-lt"/>
+                <a:ea typeface="+mn-ea"/>
+                <a:cs typeface="+mn-cs"/>
+              </a:defRPr>
+            </a:lvl9pPr>
+          </a:lstStyle>
+          <a:p>
+            <a:r>
+              <a:rPr lang="en-US" sz="1600" dirty="0"/>
+              <a:t>Por </a:t>
+            </a:r>
+            <a:r>
+              <a:rPr lang="en-US" sz="1600" dirty="0" err="1"/>
+              <a:t>columnas</a:t>
+            </a:r>
+            <a:endParaRPr lang="en-US" sz="1600" dirty="0"/>
+          </a:p>
+        </p:txBody>
+      </p:sp>
+      <p:cxnSp>
+        <p:nvCxnSpPr>
+          <p:cNvPr id="22" name="Conector: curvado 21">
+            <a:extLst>
+              <a:ext uri="{FF2B5EF4-FFF2-40B4-BE49-F238E27FC236}">
+                <a16:creationId xmlns:a16="http://schemas.microsoft.com/office/drawing/2014/main" id="{514C0768-9D0E-4345-A58A-5EBD80375BF2}"/>
+              </a:ext>
+            </a:extLst>
+          </p:cNvPr>
+          <p:cNvCxnSpPr>
+            <a:cxnSpLocks/>
+          </p:cNvCxnSpPr>
+          <p:nvPr/>
+        </p:nvCxnSpPr>
+        <p:spPr>
+          <a:xfrm rot="5400000">
+            <a:off x="6223041" y="2051140"/>
+            <a:ext cx="514343" cy="360040"/>
+          </a:xfrm>
+          <a:prstGeom prst="curvedConnector3">
+            <a:avLst/>
+          </a:prstGeom>
+          <a:ln w="28575">
+            <a:tailEnd type="triangle"/>
+          </a:ln>
+        </p:spPr>
+        <p:style>
+          <a:lnRef idx="1">
+            <a:schemeClr val="accent1"/>
+          </a:lnRef>
+          <a:fillRef idx="0">
+            <a:schemeClr val="accent1"/>
+          </a:fillRef>
+          <a:effectRef idx="0">
+            <a:schemeClr val="accent1"/>
+          </a:effectRef>
+          <a:fontRef idx="minor">
+            <a:schemeClr val="tx1"/>
+          </a:fontRef>
+        </p:style>
+      </p:cxnSp>
+      <p:cxnSp>
+        <p:nvCxnSpPr>
+          <p:cNvPr id="28" name="Conector: curvado 27">
+            <a:extLst>
+              <a:ext uri="{FF2B5EF4-FFF2-40B4-BE49-F238E27FC236}">
+                <a16:creationId xmlns:a16="http://schemas.microsoft.com/office/drawing/2014/main" id="{BDE9DD8D-FF2F-4C1A-B8FD-8A8DB2D7E744}"/>
+              </a:ext>
+            </a:extLst>
+          </p:cNvPr>
+          <p:cNvCxnSpPr>
+            <a:cxnSpLocks/>
+          </p:cNvCxnSpPr>
+          <p:nvPr/>
+        </p:nvCxnSpPr>
+        <p:spPr>
+          <a:xfrm>
+            <a:off x="843507" y="1544054"/>
+            <a:ext cx="648072" cy="621784"/>
+          </a:xfrm>
+          <a:prstGeom prst="curvedConnector3">
+            <a:avLst>
+              <a:gd name="adj1" fmla="val 48560"/>
+            </a:avLst>
+          </a:prstGeom>
+          <a:ln w="28575">
+            <a:tailEnd type="triangle"/>
+          </a:ln>
+        </p:spPr>
+        <p:style>
+          <a:lnRef idx="1">
+            <a:schemeClr val="accent1"/>
+          </a:lnRef>
+          <a:fillRef idx="0">
+            <a:schemeClr val="accent1"/>
+          </a:fillRef>
+          <a:effectRef idx="0">
+            <a:schemeClr val="accent1"/>
+          </a:effectRef>
+          <a:fontRef idx="minor">
+            <a:schemeClr val="tx1"/>
+          </a:fontRef>
+        </p:style>
+      </p:cxnSp>
     </p:spTree>
+    <p:extLst>
+      <p:ext uri="{BB962C8B-B14F-4D97-AF65-F5344CB8AC3E}">
+        <p14:creationId xmlns:p14="http://schemas.microsoft.com/office/powerpoint/2010/main" val="1564551663"/>
+      </p:ext>
+    </p:extLst>
   </p:cSld>
   <p:clrMapOvr>
     <a:masterClrMapping/>

--- a/documentation/Shiny.pptx
+++ b/documentation/Shiny.pptx
@@ -17,7 +17,11 @@
     <p:sldId id="271" r:id="rId11"/>
     <p:sldId id="258" r:id="rId12"/>
     <p:sldId id="272" r:id="rId13"/>
-    <p:sldId id="273" r:id="rId14"/>
+    <p:sldId id="275" r:id="rId14"/>
+    <p:sldId id="274" r:id="rId15"/>
+    <p:sldId id="276" r:id="rId16"/>
+    <p:sldId id="278" r:id="rId17"/>
+    <p:sldId id="277" r:id="rId18"/>
   </p:sldIdLst>
   <p:sldSz cx="9144000" cy="6858000" type="screen4x3"/>
   <p:notesSz cx="6858000" cy="9144000"/>
@@ -317,7 +321,7 @@
             <a:fld id="{DA86119D-A5F8-4BD8-B646-2D19C09EA7F8}" type="datetimeFigureOut">
               <a:rPr lang="es-UY" smtClean="0"/>
               <a:pPr/>
-              <a:t>27/5/2019</a:t>
+              <a:t>28/5/2019</a:t>
             </a:fld>
             <a:endParaRPr lang="es-UY"/>
           </a:p>
@@ -484,7 +488,7 @@
             <a:fld id="{DA86119D-A5F8-4BD8-B646-2D19C09EA7F8}" type="datetimeFigureOut">
               <a:rPr lang="es-UY" smtClean="0"/>
               <a:pPr/>
-              <a:t>27/5/2019</a:t>
+              <a:t>28/5/2019</a:t>
             </a:fld>
             <a:endParaRPr lang="es-UY"/>
           </a:p>
@@ -661,7 +665,7 @@
             <a:fld id="{DA86119D-A5F8-4BD8-B646-2D19C09EA7F8}" type="datetimeFigureOut">
               <a:rPr lang="es-UY" smtClean="0"/>
               <a:pPr/>
-              <a:t>27/5/2019</a:t>
+              <a:t>28/5/2019</a:t>
             </a:fld>
             <a:endParaRPr lang="es-UY"/>
           </a:p>
@@ -828,7 +832,7 @@
             <a:fld id="{DA86119D-A5F8-4BD8-B646-2D19C09EA7F8}" type="datetimeFigureOut">
               <a:rPr lang="es-UY" smtClean="0"/>
               <a:pPr/>
-              <a:t>27/5/2019</a:t>
+              <a:t>28/5/2019</a:t>
             </a:fld>
             <a:endParaRPr lang="es-UY"/>
           </a:p>
@@ -1071,7 +1075,7 @@
             <a:fld id="{DA86119D-A5F8-4BD8-B646-2D19C09EA7F8}" type="datetimeFigureOut">
               <a:rPr lang="es-UY" smtClean="0"/>
               <a:pPr/>
-              <a:t>27/5/2019</a:t>
+              <a:t>28/5/2019</a:t>
             </a:fld>
             <a:endParaRPr lang="es-UY"/>
           </a:p>
@@ -1356,7 +1360,7 @@
             <a:fld id="{DA86119D-A5F8-4BD8-B646-2D19C09EA7F8}" type="datetimeFigureOut">
               <a:rPr lang="es-UY" smtClean="0"/>
               <a:pPr/>
-              <a:t>27/5/2019</a:t>
+              <a:t>28/5/2019</a:t>
             </a:fld>
             <a:endParaRPr lang="es-UY"/>
           </a:p>
@@ -1775,7 +1779,7 @@
             <a:fld id="{DA86119D-A5F8-4BD8-B646-2D19C09EA7F8}" type="datetimeFigureOut">
               <a:rPr lang="es-UY" smtClean="0"/>
               <a:pPr/>
-              <a:t>27/5/2019</a:t>
+              <a:t>28/5/2019</a:t>
             </a:fld>
             <a:endParaRPr lang="es-UY"/>
           </a:p>
@@ -1890,7 +1894,7 @@
             <a:fld id="{DA86119D-A5F8-4BD8-B646-2D19C09EA7F8}" type="datetimeFigureOut">
               <a:rPr lang="es-UY" smtClean="0"/>
               <a:pPr/>
-              <a:t>27/5/2019</a:t>
+              <a:t>28/5/2019</a:t>
             </a:fld>
             <a:endParaRPr lang="es-UY"/>
           </a:p>
@@ -1982,7 +1986,7 @@
             <a:fld id="{DA86119D-A5F8-4BD8-B646-2D19C09EA7F8}" type="datetimeFigureOut">
               <a:rPr lang="es-UY" smtClean="0"/>
               <a:pPr/>
-              <a:t>27/5/2019</a:t>
+              <a:t>28/5/2019</a:t>
             </a:fld>
             <a:endParaRPr lang="es-UY"/>
           </a:p>
@@ -2256,7 +2260,7 @@
             <a:fld id="{DA86119D-A5F8-4BD8-B646-2D19C09EA7F8}" type="datetimeFigureOut">
               <a:rPr lang="es-UY" smtClean="0"/>
               <a:pPr/>
-              <a:t>27/5/2019</a:t>
+              <a:t>28/5/2019</a:t>
             </a:fld>
             <a:endParaRPr lang="es-UY"/>
           </a:p>
@@ -2506,7 +2510,7 @@
             <a:fld id="{DA86119D-A5F8-4BD8-B646-2D19C09EA7F8}" type="datetimeFigureOut">
               <a:rPr lang="es-UY" smtClean="0"/>
               <a:pPr/>
-              <a:t>27/5/2019</a:t>
+              <a:t>28/5/2019</a:t>
             </a:fld>
             <a:endParaRPr lang="es-UY"/>
           </a:p>
@@ -2716,7 +2720,7 @@
             <a:fld id="{DA86119D-A5F8-4BD8-B646-2D19C09EA7F8}" type="datetimeFigureOut">
               <a:rPr lang="es-UY" smtClean="0"/>
               <a:pPr/>
-              <a:t>27/5/2019</a:t>
+              <a:t>28/5/2019</a:t>
             </a:fld>
             <a:endParaRPr lang="es-UY"/>
           </a:p>
@@ -3136,46 +3140,6 @@
           <a:chExt cx="0" cy="0"/>
         </a:xfrm>
       </p:grpSpPr>
-      <p:sp>
-        <p:nvSpPr>
-          <p:cNvPr id="6" name="CuadroTexto 5">
-            <a:extLst>
-              <a:ext uri="{FF2B5EF4-FFF2-40B4-BE49-F238E27FC236}">
-                <a16:creationId xmlns:a16="http://schemas.microsoft.com/office/drawing/2014/main" id="{16CA681C-1922-4CB8-ADD6-98C743B35E1B}"/>
-              </a:ext>
-            </a:extLst>
-          </p:cNvPr>
-          <p:cNvSpPr txBox="1"/>
-          <p:nvPr/>
-        </p:nvSpPr>
-        <p:spPr>
-          <a:xfrm>
-            <a:off x="201508" y="3148729"/>
-            <a:ext cx="1224136" cy="523220"/>
-          </a:xfrm>
-          <a:prstGeom prst="rect">
-            <a:avLst/>
-          </a:prstGeom>
-          <a:noFill/>
-        </p:spPr>
-        <p:txBody>
-          <a:bodyPr wrap="square" rtlCol="0">
-            <a:spAutoFit/>
-          </a:bodyPr>
-          <a:lstStyle/>
-          <a:p>
-            <a:pPr algn="ctr"/>
-            <a:r>
-              <a:rPr lang="en-US" sz="2800" dirty="0">
-                <a:solidFill>
-                  <a:srgbClr val="00B050"/>
-                </a:solidFill>
-              </a:rPr>
-              <a:t>app 5</a:t>
-            </a:r>
-          </a:p>
-        </p:txBody>
-      </p:sp>
       <p:pic>
         <p:nvPicPr>
           <p:cNvPr id="11" name="Imagen 10">
@@ -3212,6 +3176,334 @@
           </a:prstGeom>
         </p:spPr>
       </p:pic>
+      <p:sp>
+        <p:nvSpPr>
+          <p:cNvPr id="6" name="CuadroTexto 5">
+            <a:extLst>
+              <a:ext uri="{FF2B5EF4-FFF2-40B4-BE49-F238E27FC236}">
+                <a16:creationId xmlns:a16="http://schemas.microsoft.com/office/drawing/2014/main" id="{16CA681C-1922-4CB8-ADD6-98C743B35E1B}"/>
+              </a:ext>
+            </a:extLst>
+          </p:cNvPr>
+          <p:cNvSpPr txBox="1"/>
+          <p:nvPr/>
+        </p:nvSpPr>
+        <p:spPr>
+          <a:xfrm>
+            <a:off x="179512" y="262890"/>
+            <a:ext cx="1224136" cy="523220"/>
+          </a:xfrm>
+          <a:prstGeom prst="rect">
+            <a:avLst/>
+          </a:prstGeom>
+          <a:noFill/>
+        </p:spPr>
+        <p:txBody>
+          <a:bodyPr wrap="square" rtlCol="0">
+            <a:spAutoFit/>
+          </a:bodyPr>
+          <a:lstStyle/>
+          <a:p>
+            <a:pPr algn="ctr"/>
+            <a:r>
+              <a:rPr lang="en-US" sz="2800" dirty="0">
+                <a:solidFill>
+                  <a:srgbClr val="00B050"/>
+                </a:solidFill>
+              </a:rPr>
+              <a:t>app 5</a:t>
+            </a:r>
+          </a:p>
+        </p:txBody>
+      </p:sp>
+      <p:sp>
+        <p:nvSpPr>
+          <p:cNvPr id="5" name="Rectángulo 4">
+            <a:extLst>
+              <a:ext uri="{FF2B5EF4-FFF2-40B4-BE49-F238E27FC236}">
+                <a16:creationId xmlns:a16="http://schemas.microsoft.com/office/drawing/2014/main" id="{2141F872-8CC4-487B-A32D-75F7D16F015B}"/>
+              </a:ext>
+            </a:extLst>
+          </p:cNvPr>
+          <p:cNvSpPr/>
+          <p:nvPr/>
+        </p:nvSpPr>
+        <p:spPr>
+          <a:xfrm>
+            <a:off x="2555776" y="4293096"/>
+            <a:ext cx="3096344" cy="1224136"/>
+          </a:xfrm>
+          <a:prstGeom prst="rect">
+            <a:avLst/>
+          </a:prstGeom>
+          <a:noFill/>
+          <a:ln w="9525"/>
+        </p:spPr>
+        <p:style>
+          <a:lnRef idx="2">
+            <a:schemeClr val="accent6"/>
+          </a:lnRef>
+          <a:fillRef idx="1">
+            <a:schemeClr val="lt1"/>
+          </a:fillRef>
+          <a:effectRef idx="0">
+            <a:schemeClr val="accent6"/>
+          </a:effectRef>
+          <a:fontRef idx="minor">
+            <a:schemeClr val="dk1"/>
+          </a:fontRef>
+        </p:style>
+        <p:txBody>
+          <a:bodyPr rtlCol="0" anchor="ctr"/>
+          <a:lstStyle/>
+          <a:p>
+            <a:pPr algn="ctr"/>
+            <a:endParaRPr lang="en-US">
+              <a:ln w="6350">
+                <a:solidFill>
+                  <a:schemeClr val="tx1"/>
+                </a:solidFill>
+              </a:ln>
+            </a:endParaRPr>
+          </a:p>
+        </p:txBody>
+      </p:sp>
+      <p:sp>
+        <p:nvSpPr>
+          <p:cNvPr id="8" name="Rectángulo 7">
+            <a:extLst>
+              <a:ext uri="{FF2B5EF4-FFF2-40B4-BE49-F238E27FC236}">
+                <a16:creationId xmlns:a16="http://schemas.microsoft.com/office/drawing/2014/main" id="{C4D7E344-F2EF-478F-9C53-E7A5C80689F8}"/>
+              </a:ext>
+            </a:extLst>
+          </p:cNvPr>
+          <p:cNvSpPr/>
+          <p:nvPr/>
+        </p:nvSpPr>
+        <p:spPr>
+          <a:xfrm>
+            <a:off x="2555776" y="3284984"/>
+            <a:ext cx="3096344" cy="789846"/>
+          </a:xfrm>
+          <a:prstGeom prst="rect">
+            <a:avLst/>
+          </a:prstGeom>
+          <a:noFill/>
+          <a:ln w="9525"/>
+        </p:spPr>
+        <p:style>
+          <a:lnRef idx="2">
+            <a:schemeClr val="accent6"/>
+          </a:lnRef>
+          <a:fillRef idx="1">
+            <a:schemeClr val="lt1"/>
+          </a:fillRef>
+          <a:effectRef idx="0">
+            <a:schemeClr val="accent6"/>
+          </a:effectRef>
+          <a:fontRef idx="minor">
+            <a:schemeClr val="dk1"/>
+          </a:fontRef>
+        </p:style>
+        <p:txBody>
+          <a:bodyPr rtlCol="0" anchor="ctr"/>
+          <a:lstStyle/>
+          <a:p>
+            <a:pPr algn="ctr"/>
+            <a:endParaRPr lang="en-US">
+              <a:ln w="6350">
+                <a:solidFill>
+                  <a:schemeClr val="tx1"/>
+                </a:solidFill>
+              </a:ln>
+            </a:endParaRPr>
+          </a:p>
+        </p:txBody>
+      </p:sp>
+      <p:sp>
+        <p:nvSpPr>
+          <p:cNvPr id="10" name="CuadroTexto 9">
+            <a:extLst>
+              <a:ext uri="{FF2B5EF4-FFF2-40B4-BE49-F238E27FC236}">
+                <a16:creationId xmlns:a16="http://schemas.microsoft.com/office/drawing/2014/main" id="{CF4350E8-8B7D-4DD0-87E8-F658D5937CA0}"/>
+              </a:ext>
+            </a:extLst>
+          </p:cNvPr>
+          <p:cNvSpPr txBox="1"/>
+          <p:nvPr/>
+        </p:nvSpPr>
+        <p:spPr>
+          <a:xfrm>
+            <a:off x="5949954" y="5363343"/>
+            <a:ext cx="1008112" cy="307777"/>
+          </a:xfrm>
+          <a:prstGeom prst="rect">
+            <a:avLst/>
+          </a:prstGeom>
+          <a:noFill/>
+        </p:spPr>
+        <p:txBody>
+          <a:bodyPr wrap="square" rtlCol="0">
+            <a:spAutoFit/>
+          </a:bodyPr>
+          <a:lstStyle/>
+          <a:p>
+            <a:r>
+              <a:rPr lang="en-US" sz="1400" dirty="0">
+                <a:solidFill>
+                  <a:srgbClr val="FFC000"/>
+                </a:solidFill>
+              </a:rPr>
+              <a:t>por </a:t>
+            </a:r>
+            <a:r>
+              <a:rPr lang="en-US" sz="1400" dirty="0" err="1">
+                <a:solidFill>
+                  <a:srgbClr val="FFC000"/>
+                </a:solidFill>
+              </a:rPr>
+              <a:t>filas</a:t>
+            </a:r>
+            <a:endParaRPr lang="en-US" sz="1400" dirty="0">
+              <a:solidFill>
+                <a:srgbClr val="FFC000"/>
+              </a:solidFill>
+            </a:endParaRPr>
+          </a:p>
+        </p:txBody>
+      </p:sp>
+      <p:sp>
+        <p:nvSpPr>
+          <p:cNvPr id="14" name="CuadroTexto 13">
+            <a:extLst>
+              <a:ext uri="{FF2B5EF4-FFF2-40B4-BE49-F238E27FC236}">
+                <a16:creationId xmlns:a16="http://schemas.microsoft.com/office/drawing/2014/main" id="{28D62BFF-7E73-4964-9282-514C5B3FE970}"/>
+              </a:ext>
+            </a:extLst>
+          </p:cNvPr>
+          <p:cNvSpPr txBox="1"/>
+          <p:nvPr/>
+        </p:nvSpPr>
+        <p:spPr>
+          <a:xfrm>
+            <a:off x="5948714" y="2854771"/>
+            <a:ext cx="1008112" cy="307777"/>
+          </a:xfrm>
+          <a:prstGeom prst="rect">
+            <a:avLst/>
+          </a:prstGeom>
+          <a:noFill/>
+        </p:spPr>
+        <p:txBody>
+          <a:bodyPr wrap="square" rtlCol="0">
+            <a:spAutoFit/>
+          </a:bodyPr>
+          <a:lstStyle/>
+          <a:p>
+            <a:r>
+              <a:rPr lang="es-UY" sz="1400" dirty="0">
+                <a:solidFill>
+                  <a:srgbClr val="FFC000"/>
+                </a:solidFill>
+              </a:rPr>
+              <a:t>c</a:t>
+            </a:r>
+            <a:r>
+              <a:rPr lang="en-US" sz="1400" dirty="0" err="1">
+                <a:solidFill>
+                  <a:srgbClr val="FFC000"/>
+                </a:solidFill>
+              </a:rPr>
+              <a:t>ombinado</a:t>
+            </a:r>
+            <a:endParaRPr lang="en-US" sz="1400" dirty="0">
+              <a:solidFill>
+                <a:srgbClr val="FFC000"/>
+              </a:solidFill>
+            </a:endParaRPr>
+          </a:p>
+        </p:txBody>
+      </p:sp>
+      <p:cxnSp>
+        <p:nvCxnSpPr>
+          <p:cNvPr id="4" name="Conector: curvado 3">
+            <a:extLst>
+              <a:ext uri="{FF2B5EF4-FFF2-40B4-BE49-F238E27FC236}">
+                <a16:creationId xmlns:a16="http://schemas.microsoft.com/office/drawing/2014/main" id="{168B0888-D149-4B2D-A5D2-A1AAFD8D44B3}"/>
+              </a:ext>
+            </a:extLst>
+          </p:cNvPr>
+          <p:cNvCxnSpPr>
+            <a:cxnSpLocks/>
+          </p:cNvCxnSpPr>
+          <p:nvPr/>
+        </p:nvCxnSpPr>
+        <p:spPr>
+          <a:xfrm flipV="1">
+            <a:off x="5652120" y="3040110"/>
+            <a:ext cx="360040" cy="244876"/>
+          </a:xfrm>
+          <a:prstGeom prst="curvedConnector3">
+            <a:avLst/>
+          </a:prstGeom>
+          <a:ln w="28575">
+            <a:tailEnd type="triangle"/>
+          </a:ln>
+        </p:spPr>
+        <p:style>
+          <a:lnRef idx="1">
+            <a:schemeClr val="accent1"/>
+          </a:lnRef>
+          <a:fillRef idx="0">
+            <a:schemeClr val="accent1"/>
+          </a:fillRef>
+          <a:effectRef idx="0">
+            <a:schemeClr val="accent1"/>
+          </a:effectRef>
+          <a:fontRef idx="minor">
+            <a:schemeClr val="tx1"/>
+          </a:fontRef>
+        </p:style>
+      </p:cxnSp>
+      <p:cxnSp>
+        <p:nvCxnSpPr>
+          <p:cNvPr id="18" name="Conector: curvado 17">
+            <a:extLst>
+              <a:ext uri="{FF2B5EF4-FFF2-40B4-BE49-F238E27FC236}">
+                <a16:creationId xmlns:a16="http://schemas.microsoft.com/office/drawing/2014/main" id="{E2D971B9-C5A5-4F84-97EF-1333B49EBFDA}"/>
+              </a:ext>
+            </a:extLst>
+          </p:cNvPr>
+          <p:cNvCxnSpPr/>
+          <p:nvPr/>
+        </p:nvCxnSpPr>
+        <p:spPr>
+          <a:xfrm>
+            <a:off x="5652120" y="5229200"/>
+            <a:ext cx="360040" cy="288031"/>
+          </a:xfrm>
+          <a:prstGeom prst="curvedConnector3">
+            <a:avLst/>
+          </a:prstGeom>
+          <a:ln w="28575">
+            <a:tailEnd type="triangle"/>
+          </a:ln>
+        </p:spPr>
+        <p:style>
+          <a:lnRef idx="1">
+            <a:schemeClr val="accent1"/>
+          </a:lnRef>
+          <a:fillRef idx="0">
+            <a:schemeClr val="accent1"/>
+          </a:fillRef>
+          <a:effectRef idx="0">
+            <a:schemeClr val="accent1"/>
+          </a:effectRef>
+          <a:fontRef idx="minor">
+            <a:schemeClr val="tx1"/>
+          </a:fontRef>
+        </p:style>
+      </p:cxnSp>
     </p:spTree>
     <p:extLst>
       <p:ext uri="{BB962C8B-B14F-4D97-AF65-F5344CB8AC3E}">
@@ -3320,7 +3612,7 @@
         </p:nvSpPr>
         <p:spPr>
           <a:xfrm>
-            <a:off x="107504" y="332656"/>
+            <a:off x="107504" y="127375"/>
             <a:ext cx="8229600" cy="634082"/>
           </a:xfrm>
           <a:prstGeom prst="rect">
@@ -3419,11 +3711,11 @@
           </a:lstStyle>
           <a:p>
             <a:r>
-              <a:rPr lang="es-UY" sz="3200" dirty="0" err="1"/>
+              <a:rPr lang="es-UY" sz="2800" dirty="0" err="1"/>
               <a:t>validStatus</a:t>
             </a:r>
             <a:r>
-              <a:rPr lang="es-UY" sz="3200" dirty="0"/>
+              <a:rPr lang="es-UY" sz="2800" dirty="0"/>
               <a:t>()</a:t>
             </a:r>
           </a:p>
@@ -3507,11 +3799,11 @@
           </a:lstStyle>
           <a:p>
             <a:r>
-              <a:rPr lang="es-UY" sz="3200" dirty="0" err="1"/>
+              <a:rPr lang="es-UY" sz="2800" dirty="0" err="1"/>
               <a:t>validColors</a:t>
             </a:r>
             <a:r>
-              <a:rPr lang="es-UY" sz="3200" dirty="0"/>
+              <a:rPr lang="es-UY" sz="2800" dirty="0"/>
               <a:t>()</a:t>
             </a:r>
           </a:p>
@@ -3583,12 +3875,49 @@
           <a:chExt cx="0" cy="0"/>
         </a:xfrm>
       </p:grpSpPr>
+      <p:sp>
+        <p:nvSpPr>
+          <p:cNvPr id="2" name="Título 1">
+            <a:extLst>
+              <a:ext uri="{FF2B5EF4-FFF2-40B4-BE49-F238E27FC236}">
+                <a16:creationId xmlns:a16="http://schemas.microsoft.com/office/drawing/2014/main" id="{53C3559A-3CF0-40B8-8D98-9E17967C6F66}"/>
+              </a:ext>
+            </a:extLst>
+          </p:cNvPr>
+          <p:cNvSpPr>
+            <a:spLocks noGrp="1"/>
+          </p:cNvSpPr>
+          <p:nvPr>
+            <p:ph type="title"/>
+          </p:nvPr>
+        </p:nvSpPr>
+        <p:spPr>
+          <a:xfrm>
+            <a:off x="107504" y="116632"/>
+            <a:ext cx="8229600" cy="490066"/>
+          </a:xfrm>
+        </p:spPr>
+        <p:txBody>
+          <a:bodyPr>
+            <a:normAutofit fontScale="90000"/>
+          </a:bodyPr>
+          <a:lstStyle/>
+          <a:p>
+            <a:pPr algn="l"/>
+            <a:r>
+              <a:rPr lang="es-UY" sz="3200"/>
+              <a:t>Reactividad</a:t>
+            </a:r>
+            <a:endParaRPr lang="en-US" sz="3200" dirty="0"/>
+          </a:p>
+        </p:txBody>
+      </p:sp>
       <p:graphicFrame>
         <p:nvGraphicFramePr>
-          <p:cNvPr id="5" name="Tabla 4">
+          <p:cNvPr id="7" name="Tabla 6">
             <a:extLst>
               <a:ext uri="{FF2B5EF4-FFF2-40B4-BE49-F238E27FC236}">
-                <a16:creationId xmlns:a16="http://schemas.microsoft.com/office/drawing/2014/main" id="{F1E60E52-FCDD-436A-8725-2ABA50702AE7}"/>
+                <a16:creationId xmlns:a16="http://schemas.microsoft.com/office/drawing/2014/main" id="{CD39AD49-1D44-463B-8F01-4F7AA14503D7}"/>
               </a:ext>
             </a:extLst>
           </p:cNvPr>
@@ -3598,13 +3927,3733 @@
           <p:nvPr>
             <p:extLst>
               <p:ext uri="{D42A27DB-BD31-4B8C-83A1-F6EECF244321}">
-                <p14:modId xmlns:p14="http://schemas.microsoft.com/office/powerpoint/2010/main" val="1736488459"/>
+                <p14:modId xmlns:p14="http://schemas.microsoft.com/office/powerpoint/2010/main" val="3752910014"/>
               </p:ext>
             </p:extLst>
           </p:nvPr>
         </p:nvGraphicFramePr>
         <p:xfrm>
-          <a:off x="5220072" y="870629"/>
+          <a:off x="251520" y="836712"/>
+          <a:ext cx="2471936" cy="1080120"/>
+        </p:xfrm>
+        <a:graphic>
+          <a:graphicData uri="http://schemas.openxmlformats.org/drawingml/2006/table">
+            <a:tbl>
+              <a:tblPr firstRow="1" bandRow="1">
+                <a:tableStyleId>{5C22544A-7EE6-4342-B048-85BDC9FD1C3A}</a:tableStyleId>
+              </a:tblPr>
+              <a:tblGrid>
+                <a:gridCol w="2471936">
+                  <a:extLst>
+                    <a:ext uri="{9D8B030D-6E8A-4147-A177-3AD203B41FA5}">
+                      <a16:colId xmlns:a16="http://schemas.microsoft.com/office/drawing/2014/main" val="1137539109"/>
+                    </a:ext>
+                  </a:extLst>
+                </a:gridCol>
+              </a:tblGrid>
+              <a:tr h="1080120">
+                <a:tc>
+                  <a:txBody>
+                    <a:bodyPr/>
+                    <a:lstStyle/>
+                    <a:p>
+                      <a:pPr algn="ctr"/>
+                      <a:r>
+                        <a:rPr lang="es-ES" sz="1400" b="0" i="1" u="none" dirty="0">
+                          <a:solidFill>
+                            <a:schemeClr val="tx1"/>
+                          </a:solidFill>
+                          <a:latin typeface="+mj-lt"/>
+                        </a:rPr>
+                        <a:t>Cuando una entrada (input) cambia, el servidor reconstruye cada salida (output) que depende de ella.</a:t>
+                      </a:r>
+                      <a:endParaRPr lang="en-US" sz="1400" b="0" i="1" u="none" dirty="0">
+                        <a:solidFill>
+                          <a:schemeClr val="tx1"/>
+                        </a:solidFill>
+                        <a:latin typeface="+mj-lt"/>
+                      </a:endParaRPr>
+                    </a:p>
+                  </a:txBody>
+                  <a:tcPr>
+                    <a:lnL w="12700" cap="flat" cmpd="sng" algn="ctr">
+                      <a:solidFill>
+                        <a:schemeClr val="tx1"/>
+                      </a:solidFill>
+                      <a:prstDash val="solid"/>
+                      <a:round/>
+                      <a:headEnd type="none" w="med" len="med"/>
+                      <a:tailEnd type="none" w="med" len="med"/>
+                    </a:lnL>
+                    <a:lnR w="12700" cap="flat" cmpd="sng" algn="ctr">
+                      <a:solidFill>
+                        <a:schemeClr val="tx1"/>
+                      </a:solidFill>
+                      <a:prstDash val="solid"/>
+                      <a:round/>
+                      <a:headEnd type="none" w="med" len="med"/>
+                      <a:tailEnd type="none" w="med" len="med"/>
+                    </a:lnR>
+                    <a:lnT w="12700" cap="flat" cmpd="sng" algn="ctr">
+                      <a:solidFill>
+                        <a:schemeClr val="tx1"/>
+                      </a:solidFill>
+                      <a:prstDash val="solid"/>
+                      <a:round/>
+                      <a:headEnd type="none" w="med" len="med"/>
+                      <a:tailEnd type="none" w="med" len="med"/>
+                    </a:lnT>
+                    <a:lnB w="12700" cap="flat" cmpd="sng" algn="ctr">
+                      <a:solidFill>
+                        <a:schemeClr val="tx1"/>
+                      </a:solidFill>
+                      <a:prstDash val="solid"/>
+                      <a:round/>
+                      <a:headEnd type="none" w="med" len="med"/>
+                      <a:tailEnd type="none" w="med" len="med"/>
+                    </a:lnB>
+                    <a:lnTlToBr w="12700" cmpd="sng">
+                      <a:noFill/>
+                      <a:prstDash val="solid"/>
+                    </a:lnTlToBr>
+                    <a:lnBlToTr w="12700" cmpd="sng">
+                      <a:noFill/>
+                      <a:prstDash val="solid"/>
+                    </a:lnBlToTr>
+                    <a:noFill/>
+                  </a:tcPr>
+                </a:tc>
+                <a:extLst>
+                  <a:ext uri="{0D108BD9-81ED-4DB2-BD59-A6C34878D82A}">
+                    <a16:rowId xmlns:a16="http://schemas.microsoft.com/office/drawing/2014/main" val="3855113162"/>
+                  </a:ext>
+                </a:extLst>
+              </a:tr>
+            </a:tbl>
+          </a:graphicData>
+        </a:graphic>
+      </p:graphicFrame>
+      <p:pic>
+        <p:nvPicPr>
+          <p:cNvPr id="13" name="Imagen 12">
+            <a:extLst>
+              <a:ext uri="{FF2B5EF4-FFF2-40B4-BE49-F238E27FC236}">
+                <a16:creationId xmlns:a16="http://schemas.microsoft.com/office/drawing/2014/main" id="{9B8CCC96-FED4-4877-8780-B82763A439DA}"/>
+              </a:ext>
+            </a:extLst>
+          </p:cNvPr>
+          <p:cNvPicPr>
+            <a:picLocks noChangeAspect="1"/>
+          </p:cNvPicPr>
+          <p:nvPr/>
+        </p:nvPicPr>
+        <p:blipFill>
+          <a:blip r:embed="rId2">
+            <a:extLst>
+              <a:ext uri="{28A0092B-C50C-407E-A947-70E740481C1C}">
+                <a14:useLocalDpi xmlns:a14="http://schemas.microsoft.com/office/drawing/2010/main" val="0"/>
+              </a:ext>
+            </a:extLst>
+          </a:blip>
+          <a:stretch>
+            <a:fillRect/>
+          </a:stretch>
+        </p:blipFill>
+        <p:spPr>
+          <a:xfrm>
+            <a:off x="107504" y="2695912"/>
+            <a:ext cx="2278380" cy="1828800"/>
+          </a:xfrm>
+          <a:prstGeom prst="rect">
+            <a:avLst/>
+          </a:prstGeom>
+        </p:spPr>
+      </p:pic>
+      <p:pic>
+        <p:nvPicPr>
+          <p:cNvPr id="11" name="Imagen 10">
+            <a:extLst>
+              <a:ext uri="{FF2B5EF4-FFF2-40B4-BE49-F238E27FC236}">
+                <a16:creationId xmlns:a16="http://schemas.microsoft.com/office/drawing/2014/main" id="{62201FA1-7F69-4E93-9142-8ADC2D0AA8E8}"/>
+              </a:ext>
+            </a:extLst>
+          </p:cNvPr>
+          <p:cNvPicPr>
+            <a:picLocks noChangeAspect="1"/>
+          </p:cNvPicPr>
+          <p:nvPr/>
+        </p:nvPicPr>
+        <p:blipFill>
+          <a:blip r:embed="rId3">
+            <a:extLst>
+              <a:ext uri="{28A0092B-C50C-407E-A947-70E740481C1C}">
+                <a14:useLocalDpi xmlns:a14="http://schemas.microsoft.com/office/drawing/2010/main" val="0"/>
+              </a:ext>
+            </a:extLst>
+          </a:blip>
+          <a:stretch>
+            <a:fillRect/>
+          </a:stretch>
+        </p:blipFill>
+        <p:spPr>
+          <a:xfrm>
+            <a:off x="4140264" y="237019"/>
+            <a:ext cx="4968240" cy="5974080"/>
+          </a:xfrm>
+          <a:prstGeom prst="rect">
+            <a:avLst/>
+          </a:prstGeom>
+        </p:spPr>
+      </p:pic>
+      <p:cxnSp>
+        <p:nvCxnSpPr>
+          <p:cNvPr id="51" name="Conector recto de flecha 50">
+            <a:extLst>
+              <a:ext uri="{FF2B5EF4-FFF2-40B4-BE49-F238E27FC236}">
+                <a16:creationId xmlns:a16="http://schemas.microsoft.com/office/drawing/2014/main" id="{403056AE-DC5D-4DBC-BF12-E34815395E74}"/>
+              </a:ext>
+            </a:extLst>
+          </p:cNvPr>
+          <p:cNvCxnSpPr>
+            <a:cxnSpLocks/>
+          </p:cNvCxnSpPr>
+          <p:nvPr/>
+        </p:nvCxnSpPr>
+        <p:spPr>
+          <a:xfrm flipV="1">
+            <a:off x="2397612" y="909419"/>
+            <a:ext cx="1824692" cy="2441918"/>
+          </a:xfrm>
+          <a:prstGeom prst="straightConnector1">
+            <a:avLst/>
+          </a:prstGeom>
+          <a:ln w="28575">
+            <a:tailEnd type="triangle"/>
+          </a:ln>
+        </p:spPr>
+        <p:style>
+          <a:lnRef idx="1">
+            <a:schemeClr val="accent1"/>
+          </a:lnRef>
+          <a:fillRef idx="0">
+            <a:schemeClr val="accent1"/>
+          </a:fillRef>
+          <a:effectRef idx="0">
+            <a:schemeClr val="accent1"/>
+          </a:effectRef>
+          <a:fontRef idx="minor">
+            <a:schemeClr val="tx1"/>
+          </a:fontRef>
+        </p:style>
+      </p:cxnSp>
+      <p:cxnSp>
+        <p:nvCxnSpPr>
+          <p:cNvPr id="52" name="Conector recto de flecha 51">
+            <a:extLst>
+              <a:ext uri="{FF2B5EF4-FFF2-40B4-BE49-F238E27FC236}">
+                <a16:creationId xmlns:a16="http://schemas.microsoft.com/office/drawing/2014/main" id="{0AF71405-E3F7-42D3-8B73-C5E8ABB4488E}"/>
+              </a:ext>
+            </a:extLst>
+          </p:cNvPr>
+          <p:cNvCxnSpPr>
+            <a:cxnSpLocks/>
+          </p:cNvCxnSpPr>
+          <p:nvPr/>
+        </p:nvCxnSpPr>
+        <p:spPr>
+          <a:xfrm>
+            <a:off x="2411818" y="3431667"/>
+            <a:ext cx="1965483" cy="0"/>
+          </a:xfrm>
+          <a:prstGeom prst="straightConnector1">
+            <a:avLst/>
+          </a:prstGeom>
+          <a:ln w="28575">
+            <a:tailEnd type="triangle"/>
+          </a:ln>
+        </p:spPr>
+        <p:style>
+          <a:lnRef idx="1">
+            <a:schemeClr val="accent1"/>
+          </a:lnRef>
+          <a:fillRef idx="0">
+            <a:schemeClr val="accent1"/>
+          </a:fillRef>
+          <a:effectRef idx="0">
+            <a:schemeClr val="accent1"/>
+          </a:effectRef>
+          <a:fontRef idx="minor">
+            <a:schemeClr val="tx1"/>
+          </a:fontRef>
+        </p:style>
+      </p:cxnSp>
+      <p:cxnSp>
+        <p:nvCxnSpPr>
+          <p:cNvPr id="53" name="Conector recto de flecha 52">
+            <a:extLst>
+              <a:ext uri="{FF2B5EF4-FFF2-40B4-BE49-F238E27FC236}">
+                <a16:creationId xmlns:a16="http://schemas.microsoft.com/office/drawing/2014/main" id="{BC1178B8-E2DA-49F6-9461-AE64BF06AC6C}"/>
+              </a:ext>
+            </a:extLst>
+          </p:cNvPr>
+          <p:cNvCxnSpPr>
+            <a:cxnSpLocks/>
+          </p:cNvCxnSpPr>
+          <p:nvPr/>
+        </p:nvCxnSpPr>
+        <p:spPr>
+          <a:xfrm flipH="1" flipV="1">
+            <a:off x="2488044" y="3573016"/>
+            <a:ext cx="2250564" cy="1615713"/>
+          </a:xfrm>
+          <a:prstGeom prst="straightConnector1">
+            <a:avLst/>
+          </a:prstGeom>
+          <a:ln w="28575">
+            <a:tailEnd type="triangle"/>
+          </a:ln>
+        </p:spPr>
+        <p:style>
+          <a:lnRef idx="1">
+            <a:schemeClr val="accent1"/>
+          </a:lnRef>
+          <a:fillRef idx="0">
+            <a:schemeClr val="accent1"/>
+          </a:fillRef>
+          <a:effectRef idx="0">
+            <a:schemeClr val="accent1"/>
+          </a:effectRef>
+          <a:fontRef idx="minor">
+            <a:schemeClr val="tx1"/>
+          </a:fontRef>
+        </p:style>
+      </p:cxnSp>
+      <p:sp>
+        <p:nvSpPr>
+          <p:cNvPr id="57" name="CuadroTexto 56">
+            <a:extLst>
+              <a:ext uri="{FF2B5EF4-FFF2-40B4-BE49-F238E27FC236}">
+                <a16:creationId xmlns:a16="http://schemas.microsoft.com/office/drawing/2014/main" id="{49C1FEC8-5AB7-4EBF-A5E9-2695318FCA18}"/>
+              </a:ext>
+            </a:extLst>
+          </p:cNvPr>
+          <p:cNvSpPr txBox="1"/>
+          <p:nvPr/>
+        </p:nvSpPr>
+        <p:spPr>
+          <a:xfrm rot="18427965">
+            <a:off x="2353698" y="1829493"/>
+            <a:ext cx="1625687" cy="276999"/>
+          </a:xfrm>
+          <a:prstGeom prst="rect">
+            <a:avLst/>
+          </a:prstGeom>
+          <a:noFill/>
+        </p:spPr>
+        <p:txBody>
+          <a:bodyPr wrap="square" rtlCol="0">
+            <a:spAutoFit/>
+          </a:bodyPr>
+          <a:lstStyle/>
+          <a:p>
+            <a:pPr algn="ctr"/>
+            <a:r>
+              <a:rPr lang="es-UY" sz="1200" dirty="0" err="1"/>
+              <a:t>uiOutput</a:t>
+            </a:r>
+            <a:r>
+              <a:rPr lang="es-UY" sz="1200" dirty="0"/>
+              <a:t>(“nota”)</a:t>
+            </a:r>
+            <a:endParaRPr lang="en-US" sz="1200" dirty="0"/>
+          </a:p>
+        </p:txBody>
+      </p:sp>
+      <p:sp>
+        <p:nvSpPr>
+          <p:cNvPr id="58" name="CuadroTexto 57">
+            <a:extLst>
+              <a:ext uri="{FF2B5EF4-FFF2-40B4-BE49-F238E27FC236}">
+                <a16:creationId xmlns:a16="http://schemas.microsoft.com/office/drawing/2014/main" id="{9FF8F622-4F23-4F47-8D15-283703811D38}"/>
+              </a:ext>
+            </a:extLst>
+          </p:cNvPr>
+          <p:cNvSpPr txBox="1"/>
+          <p:nvPr/>
+        </p:nvSpPr>
+        <p:spPr>
+          <a:xfrm rot="2206498">
+            <a:off x="2901791" y="4237164"/>
+            <a:ext cx="1883292" cy="276999"/>
+          </a:xfrm>
+          <a:prstGeom prst="rect">
+            <a:avLst/>
+          </a:prstGeom>
+          <a:noFill/>
+        </p:spPr>
+        <p:txBody>
+          <a:bodyPr wrap="square" rtlCol="0">
+            <a:spAutoFit/>
+          </a:bodyPr>
+          <a:lstStyle/>
+          <a:p>
+            <a:pPr algn="ctr"/>
+            <a:r>
+              <a:rPr lang="en-US" sz="1200" dirty="0" err="1"/>
+              <a:t>dataTableOutput</a:t>
+            </a:r>
+            <a:r>
+              <a:rPr lang="en-US" sz="1200" dirty="0"/>
+              <a:t>("</a:t>
+            </a:r>
+            <a:r>
+              <a:rPr lang="en-US" sz="1200" dirty="0" err="1"/>
+              <a:t>tabla</a:t>
+            </a:r>
+            <a:r>
+              <a:rPr lang="en-US" sz="1200" dirty="0"/>
+              <a:t>")</a:t>
+            </a:r>
+          </a:p>
+        </p:txBody>
+      </p:sp>
+      <p:sp>
+        <p:nvSpPr>
+          <p:cNvPr id="59" name="CuadroTexto 58">
+            <a:extLst>
+              <a:ext uri="{FF2B5EF4-FFF2-40B4-BE49-F238E27FC236}">
+                <a16:creationId xmlns:a16="http://schemas.microsoft.com/office/drawing/2014/main" id="{3D7AC853-D921-47D3-8C37-D23F732DC0E0}"/>
+              </a:ext>
+            </a:extLst>
+          </p:cNvPr>
+          <p:cNvSpPr txBox="1"/>
+          <p:nvPr/>
+        </p:nvSpPr>
+        <p:spPr>
+          <a:xfrm>
+            <a:off x="2699792" y="3140968"/>
+            <a:ext cx="1519197" cy="276999"/>
+          </a:xfrm>
+          <a:prstGeom prst="rect">
+            <a:avLst/>
+          </a:prstGeom>
+          <a:noFill/>
+        </p:spPr>
+        <p:txBody>
+          <a:bodyPr wrap="square" rtlCol="0">
+            <a:spAutoFit/>
+          </a:bodyPr>
+          <a:lstStyle/>
+          <a:p>
+            <a:pPr algn="ctr"/>
+            <a:r>
+              <a:rPr lang="es-UY" sz="1200" dirty="0" err="1"/>
+              <a:t>plotOutput</a:t>
+            </a:r>
+            <a:r>
+              <a:rPr lang="es-UY" sz="1200" dirty="0"/>
+              <a:t>(“</a:t>
+            </a:r>
+            <a:r>
+              <a:rPr lang="es-UY" sz="1200" dirty="0" err="1"/>
+              <a:t>plot</a:t>
+            </a:r>
+            <a:r>
+              <a:rPr lang="es-UY" sz="1200" dirty="0"/>
+              <a:t>”)</a:t>
+            </a:r>
+            <a:endParaRPr lang="en-US" sz="1200" dirty="0"/>
+          </a:p>
+        </p:txBody>
+      </p:sp>
+      <p:sp>
+        <p:nvSpPr>
+          <p:cNvPr id="67" name="CuadroTexto 66">
+            <a:extLst>
+              <a:ext uri="{FF2B5EF4-FFF2-40B4-BE49-F238E27FC236}">
+                <a16:creationId xmlns:a16="http://schemas.microsoft.com/office/drawing/2014/main" id="{AE306F04-1016-41EC-9C2F-7A7D6C4562BC}"/>
+              </a:ext>
+            </a:extLst>
+          </p:cNvPr>
+          <p:cNvSpPr txBox="1"/>
+          <p:nvPr/>
+        </p:nvSpPr>
+        <p:spPr>
+          <a:xfrm>
+            <a:off x="2683490" y="116632"/>
+            <a:ext cx="1224136" cy="523220"/>
+          </a:xfrm>
+          <a:prstGeom prst="rect">
+            <a:avLst/>
+          </a:prstGeom>
+          <a:noFill/>
+        </p:spPr>
+        <p:txBody>
+          <a:bodyPr wrap="square" rtlCol="0">
+            <a:spAutoFit/>
+          </a:bodyPr>
+          <a:lstStyle/>
+          <a:p>
+            <a:pPr algn="ctr"/>
+            <a:r>
+              <a:rPr lang="en-US" sz="2800" dirty="0">
+                <a:solidFill>
+                  <a:srgbClr val="00B050"/>
+                </a:solidFill>
+              </a:rPr>
+              <a:t>app 6</a:t>
+            </a:r>
+          </a:p>
+        </p:txBody>
+      </p:sp>
+      <p:sp>
+        <p:nvSpPr>
+          <p:cNvPr id="70" name="CuadroTexto 69">
+            <a:extLst>
+              <a:ext uri="{FF2B5EF4-FFF2-40B4-BE49-F238E27FC236}">
+                <a16:creationId xmlns:a16="http://schemas.microsoft.com/office/drawing/2014/main" id="{A07E82F7-1D94-4D85-8372-36948EB3DB4C}"/>
+              </a:ext>
+            </a:extLst>
+          </p:cNvPr>
+          <p:cNvSpPr txBox="1"/>
+          <p:nvPr/>
+        </p:nvSpPr>
+        <p:spPr>
+          <a:xfrm rot="18416646">
+            <a:off x="2341994" y="2058881"/>
+            <a:ext cx="2092354" cy="276999"/>
+          </a:xfrm>
+          <a:prstGeom prst="rect">
+            <a:avLst/>
+          </a:prstGeom>
+          <a:noFill/>
+        </p:spPr>
+        <p:txBody>
+          <a:bodyPr wrap="square" rtlCol="0">
+            <a:spAutoFit/>
+          </a:bodyPr>
+          <a:lstStyle/>
+          <a:p>
+            <a:pPr algn="ctr"/>
+            <a:r>
+              <a:rPr lang="es-UY" sz="1200" dirty="0" err="1"/>
+              <a:t>output$nota</a:t>
+            </a:r>
+            <a:r>
+              <a:rPr lang="es-UY" sz="1200" dirty="0"/>
+              <a:t>&lt;-</a:t>
+            </a:r>
+            <a:r>
+              <a:rPr lang="es-UY" sz="1200" dirty="0" err="1"/>
+              <a:t>renderUI</a:t>
+            </a:r>
+            <a:r>
+              <a:rPr lang="es-UY" sz="1200" dirty="0"/>
+              <a:t>()</a:t>
+            </a:r>
+            <a:endParaRPr lang="en-US" sz="1200" dirty="0"/>
+          </a:p>
+        </p:txBody>
+      </p:sp>
+      <p:sp>
+        <p:nvSpPr>
+          <p:cNvPr id="71" name="CuadroTexto 70">
+            <a:extLst>
+              <a:ext uri="{FF2B5EF4-FFF2-40B4-BE49-F238E27FC236}">
+                <a16:creationId xmlns:a16="http://schemas.microsoft.com/office/drawing/2014/main" id="{E9080F63-385F-4D91-8FB4-EBB831154812}"/>
+              </a:ext>
+            </a:extLst>
+          </p:cNvPr>
+          <p:cNvSpPr txBox="1"/>
+          <p:nvPr/>
+        </p:nvSpPr>
+        <p:spPr>
+          <a:xfrm>
+            <a:off x="2488044" y="3381299"/>
+            <a:ext cx="1965483" cy="276999"/>
+          </a:xfrm>
+          <a:prstGeom prst="rect">
+            <a:avLst/>
+          </a:prstGeom>
+          <a:noFill/>
+        </p:spPr>
+        <p:txBody>
+          <a:bodyPr wrap="square" rtlCol="0">
+            <a:spAutoFit/>
+          </a:bodyPr>
+          <a:lstStyle/>
+          <a:p>
+            <a:pPr algn="ctr"/>
+            <a:r>
+              <a:rPr lang="es-UY" sz="1200" dirty="0" err="1"/>
+              <a:t>output$plot</a:t>
+            </a:r>
+            <a:r>
+              <a:rPr lang="es-UY" sz="1200" dirty="0"/>
+              <a:t>&lt;-</a:t>
+            </a:r>
+            <a:r>
+              <a:rPr lang="es-UY" sz="1200" dirty="0" err="1"/>
+              <a:t>renderPlot</a:t>
+            </a:r>
+            <a:r>
+              <a:rPr lang="es-UY" sz="1200" dirty="0"/>
+              <a:t>()</a:t>
+            </a:r>
+            <a:endParaRPr lang="en-US" sz="1200" dirty="0"/>
+          </a:p>
+        </p:txBody>
+      </p:sp>
+      <p:sp>
+        <p:nvSpPr>
+          <p:cNvPr id="72" name="CuadroTexto 71">
+            <a:extLst>
+              <a:ext uri="{FF2B5EF4-FFF2-40B4-BE49-F238E27FC236}">
+                <a16:creationId xmlns:a16="http://schemas.microsoft.com/office/drawing/2014/main" id="{2C08138F-8DBD-4EA9-8D7F-DB3A508FBC3C}"/>
+              </a:ext>
+            </a:extLst>
+          </p:cNvPr>
+          <p:cNvSpPr txBox="1"/>
+          <p:nvPr/>
+        </p:nvSpPr>
+        <p:spPr>
+          <a:xfrm rot="2134296">
+            <a:off x="2410698" y="4476060"/>
+            <a:ext cx="2405255" cy="276999"/>
+          </a:xfrm>
+          <a:prstGeom prst="rect">
+            <a:avLst/>
+          </a:prstGeom>
+          <a:noFill/>
+        </p:spPr>
+        <p:txBody>
+          <a:bodyPr wrap="square" rtlCol="0">
+            <a:spAutoFit/>
+          </a:bodyPr>
+          <a:lstStyle/>
+          <a:p>
+            <a:pPr algn="ctr"/>
+            <a:r>
+              <a:rPr lang="es-UY" sz="1200" dirty="0" err="1"/>
+              <a:t>output$tabla</a:t>
+            </a:r>
+            <a:r>
+              <a:rPr lang="es-UY" sz="1200" dirty="0"/>
+              <a:t> &lt;- </a:t>
+            </a:r>
+            <a:r>
+              <a:rPr lang="es-UY" sz="1200" dirty="0" err="1"/>
+              <a:t>renderDataTable</a:t>
+            </a:r>
+            <a:r>
+              <a:rPr lang="es-UY" sz="1200" dirty="0"/>
+              <a:t>()</a:t>
+            </a:r>
+            <a:endParaRPr lang="en-US" sz="1200" dirty="0"/>
+          </a:p>
+        </p:txBody>
+      </p:sp>
+      <p:cxnSp>
+        <p:nvCxnSpPr>
+          <p:cNvPr id="73" name="Conector recto de flecha 72">
+            <a:extLst>
+              <a:ext uri="{FF2B5EF4-FFF2-40B4-BE49-F238E27FC236}">
+                <a16:creationId xmlns:a16="http://schemas.microsoft.com/office/drawing/2014/main" id="{C9AC3A82-6CF5-47AC-BF50-EEBE2BFFFE28}"/>
+              </a:ext>
+            </a:extLst>
+          </p:cNvPr>
+          <p:cNvCxnSpPr>
+            <a:cxnSpLocks/>
+          </p:cNvCxnSpPr>
+          <p:nvPr/>
+        </p:nvCxnSpPr>
+        <p:spPr>
+          <a:xfrm flipH="1">
+            <a:off x="2402887" y="941431"/>
+            <a:ext cx="1686640" cy="2276083"/>
+          </a:xfrm>
+          <a:prstGeom prst="straightConnector1">
+            <a:avLst/>
+          </a:prstGeom>
+          <a:ln w="28575">
+            <a:tailEnd type="triangle"/>
+          </a:ln>
+        </p:spPr>
+        <p:style>
+          <a:lnRef idx="1">
+            <a:schemeClr val="accent1"/>
+          </a:lnRef>
+          <a:fillRef idx="0">
+            <a:schemeClr val="accent1"/>
+          </a:fillRef>
+          <a:effectRef idx="0">
+            <a:schemeClr val="accent1"/>
+          </a:effectRef>
+          <a:fontRef idx="minor">
+            <a:schemeClr val="tx1"/>
+          </a:fontRef>
+        </p:style>
+      </p:cxnSp>
+      <p:cxnSp>
+        <p:nvCxnSpPr>
+          <p:cNvPr id="76" name="Conector recto de flecha 75">
+            <a:extLst>
+              <a:ext uri="{FF2B5EF4-FFF2-40B4-BE49-F238E27FC236}">
+                <a16:creationId xmlns:a16="http://schemas.microsoft.com/office/drawing/2014/main" id="{565F1614-CD03-486F-A04E-E8010DF0C5AD}"/>
+              </a:ext>
+            </a:extLst>
+          </p:cNvPr>
+          <p:cNvCxnSpPr>
+            <a:cxnSpLocks/>
+          </p:cNvCxnSpPr>
+          <p:nvPr/>
+        </p:nvCxnSpPr>
+        <p:spPr>
+          <a:xfrm flipH="1">
+            <a:off x="2488044" y="3364078"/>
+            <a:ext cx="1734260" cy="0"/>
+          </a:xfrm>
+          <a:prstGeom prst="straightConnector1">
+            <a:avLst/>
+          </a:prstGeom>
+          <a:ln w="28575">
+            <a:tailEnd type="triangle"/>
+          </a:ln>
+        </p:spPr>
+        <p:style>
+          <a:lnRef idx="1">
+            <a:schemeClr val="accent1"/>
+          </a:lnRef>
+          <a:fillRef idx="0">
+            <a:schemeClr val="accent1"/>
+          </a:fillRef>
+          <a:effectRef idx="0">
+            <a:schemeClr val="accent1"/>
+          </a:effectRef>
+          <a:fontRef idx="minor">
+            <a:schemeClr val="tx1"/>
+          </a:fontRef>
+        </p:style>
+      </p:cxnSp>
+      <p:cxnSp>
+        <p:nvCxnSpPr>
+          <p:cNvPr id="82" name="Conector recto de flecha 81">
+            <a:extLst>
+              <a:ext uri="{FF2B5EF4-FFF2-40B4-BE49-F238E27FC236}">
+                <a16:creationId xmlns:a16="http://schemas.microsoft.com/office/drawing/2014/main" id="{F25EF6B7-00E1-428C-B155-E1012D4ED603}"/>
+              </a:ext>
+            </a:extLst>
+          </p:cNvPr>
+          <p:cNvCxnSpPr>
+            <a:cxnSpLocks/>
+          </p:cNvCxnSpPr>
+          <p:nvPr/>
+        </p:nvCxnSpPr>
+        <p:spPr>
+          <a:xfrm>
+            <a:off x="2396503" y="3586717"/>
+            <a:ext cx="2524005" cy="1810279"/>
+          </a:xfrm>
+          <a:prstGeom prst="straightConnector1">
+            <a:avLst/>
+          </a:prstGeom>
+          <a:ln w="28575">
+            <a:tailEnd type="triangle"/>
+          </a:ln>
+        </p:spPr>
+        <p:style>
+          <a:lnRef idx="1">
+            <a:schemeClr val="accent1"/>
+          </a:lnRef>
+          <a:fillRef idx="0">
+            <a:schemeClr val="accent1"/>
+          </a:fillRef>
+          <a:effectRef idx="0">
+            <a:schemeClr val="accent1"/>
+          </a:effectRef>
+          <a:fontRef idx="minor">
+            <a:schemeClr val="tx1"/>
+          </a:fontRef>
+        </p:style>
+      </p:cxnSp>
+    </p:spTree>
+    <p:extLst>
+      <p:ext uri="{BB962C8B-B14F-4D97-AF65-F5344CB8AC3E}">
+        <p14:creationId xmlns:p14="http://schemas.microsoft.com/office/powerpoint/2010/main" val="3693952552"/>
+      </p:ext>
+    </p:extLst>
+  </p:cSld>
+  <p:clrMapOvr>
+    <a:masterClrMapping/>
+  </p:clrMapOvr>
+</p:sld>
+</file>
+
+<file path=ppt/slides/slide14.xml><?xml version="1.0" encoding="utf-8"?>
+<p:sld xmlns:a="http://schemas.openxmlformats.org/drawingml/2006/main" xmlns:r="http://schemas.openxmlformats.org/officeDocument/2006/relationships" xmlns:p="http://schemas.openxmlformats.org/presentationml/2006/main">
+  <p:cSld>
+    <p:spTree>
+      <p:nvGrpSpPr>
+        <p:cNvPr id="1" name=""/>
+        <p:cNvGrpSpPr/>
+        <p:nvPr/>
+      </p:nvGrpSpPr>
+      <p:grpSpPr>
+        <a:xfrm>
+          <a:off x="0" y="0"/>
+          <a:ext cx="0" cy="0"/>
+          <a:chOff x="0" y="0"/>
+          <a:chExt cx="0" cy="0"/>
+        </a:xfrm>
+      </p:grpSpPr>
+      <p:sp>
+        <p:nvSpPr>
+          <p:cNvPr id="2" name="Título 1">
+            <a:extLst>
+              <a:ext uri="{FF2B5EF4-FFF2-40B4-BE49-F238E27FC236}">
+                <a16:creationId xmlns:a16="http://schemas.microsoft.com/office/drawing/2014/main" id="{53C3559A-3CF0-40B8-8D98-9E17967C6F66}"/>
+              </a:ext>
+            </a:extLst>
+          </p:cNvPr>
+          <p:cNvSpPr>
+            <a:spLocks noGrp="1"/>
+          </p:cNvSpPr>
+          <p:nvPr>
+            <p:ph type="title"/>
+          </p:nvPr>
+        </p:nvSpPr>
+        <p:spPr>
+          <a:xfrm>
+            <a:off x="107504" y="116632"/>
+            <a:ext cx="8229600" cy="490066"/>
+          </a:xfrm>
+        </p:spPr>
+        <p:txBody>
+          <a:bodyPr>
+            <a:normAutofit fontScale="90000"/>
+          </a:bodyPr>
+          <a:lstStyle/>
+          <a:p>
+            <a:pPr algn="l"/>
+            <a:r>
+              <a:rPr lang="es-UY" sz="3200" dirty="0"/>
+              <a:t>Reactividad</a:t>
+            </a:r>
+            <a:endParaRPr lang="en-US" sz="3200" dirty="0"/>
+          </a:p>
+        </p:txBody>
+      </p:sp>
+      <p:sp>
+        <p:nvSpPr>
+          <p:cNvPr id="5" name="Rectangle 2">
+            <a:extLst>
+              <a:ext uri="{FF2B5EF4-FFF2-40B4-BE49-F238E27FC236}">
+                <a16:creationId xmlns:a16="http://schemas.microsoft.com/office/drawing/2014/main" id="{D06FD525-7E89-4BCC-8FF8-ADA0E272F1AC}"/>
+              </a:ext>
+            </a:extLst>
+          </p:cNvPr>
+          <p:cNvSpPr>
+            <a:spLocks noGrp="1" noChangeArrowheads="1"/>
+          </p:cNvSpPr>
+          <p:nvPr>
+            <p:ph idx="1"/>
+          </p:nvPr>
+        </p:nvSpPr>
+        <p:spPr bwMode="auto">
+          <a:xfrm>
+            <a:off x="2793247" y="1473222"/>
+            <a:ext cx="6117059" cy="1384995"/>
+          </a:xfrm>
+          <a:prstGeom prst="rect">
+            <a:avLst/>
+          </a:prstGeom>
+          <a:ln w="9525">
+            <a:solidFill>
+              <a:schemeClr val="tx1"/>
+            </a:solidFill>
+            <a:miter lim="800000"/>
+            <a:headEnd/>
+            <a:tailEnd/>
+          </a:ln>
+          <a:extLst>
+            <a:ext uri="{AF507438-7753-43E0-B8FC-AC1667EBCBE1}">
+              <a14:hiddenEffects xmlns:a14="http://schemas.microsoft.com/office/drawing/2010/main">
+                <a:effectLst>
+                  <a:outerShdw dist="35921" dir="2700000" algn="ctr" rotWithShape="0">
+                    <a:schemeClr val="bg2"/>
+                  </a:outerShdw>
+                </a:effectLst>
+              </a14:hiddenEffects>
+            </a:ext>
+          </a:extLst>
+        </p:spPr>
+        <p:style>
+          <a:lnRef idx="2">
+            <a:schemeClr val="dk1"/>
+          </a:lnRef>
+          <a:fillRef idx="1">
+            <a:schemeClr val="lt1"/>
+          </a:fillRef>
+          <a:effectRef idx="0">
+            <a:schemeClr val="dk1"/>
+          </a:effectRef>
+          <a:fontRef idx="minor">
+            <a:schemeClr val="dk1"/>
+          </a:fontRef>
+        </p:style>
+        <p:txBody>
+          <a:bodyPr vert="horz" wrap="none" lIns="0" tIns="0" rIns="0" bIns="0" numCol="1" anchor="ctr" anchorCtr="0" compatLnSpc="1">
+            <a:prstTxWarp prst="textNoShape">
+              <a:avLst/>
+            </a:prstTxWarp>
+            <a:spAutoFit/>
+          </a:bodyPr>
+          <a:lstStyle/>
+          <a:p>
+            <a:pPr marR="0" lvl="0" algn="l" defTabSz="914400" rtl="0" eaLnBrk="0" fontAlgn="base" latinLnBrk="0" hangingPunct="0">
+              <a:lnSpc>
+                <a:spcPct val="100000"/>
+              </a:lnSpc>
+              <a:spcBef>
+                <a:spcPct val="0"/>
+              </a:spcBef>
+              <a:spcAft>
+                <a:spcPct val="0"/>
+              </a:spcAft>
+              <a:buClrTx/>
+              <a:buSzTx/>
+              <a:buFont typeface="Wingdings" panose="05000000000000000000" pitchFamily="2" charset="2"/>
+              <a:buChar char="Ø"/>
+              <a:tabLst/>
+            </a:pPr>
+            <a:r>
+              <a:rPr kumimoji="0" lang="en-US" altLang="en-US" sz="1000" b="0" i="0" u="none" strike="noStrike" cap="none" normalizeH="0" baseline="0" dirty="0">
+                <a:ln>
+                  <a:noFill/>
+                </a:ln>
+                <a:solidFill>
+                  <a:srgbClr val="0000FF"/>
+                </a:solidFill>
+                <a:effectLst/>
+                <a:latin typeface="Lucida Console" panose="020B0609040504020204" pitchFamily="49" charset="0"/>
+              </a:rPr>
+              <a:t>bd </a:t>
+            </a:r>
+          </a:p>
+          <a:p>
+            <a:pPr marR="0" lvl="0" algn="l" defTabSz="914400" rtl="0" eaLnBrk="0" fontAlgn="base" latinLnBrk="0" hangingPunct="0">
+              <a:lnSpc>
+                <a:spcPct val="100000"/>
+              </a:lnSpc>
+              <a:spcBef>
+                <a:spcPct val="0"/>
+              </a:spcBef>
+              <a:spcAft>
+                <a:spcPct val="0"/>
+              </a:spcAft>
+              <a:buClrTx/>
+              <a:buSzTx/>
+              <a:buFont typeface="Wingdings" panose="05000000000000000000" pitchFamily="2" charset="2"/>
+              <a:buChar char="Ø"/>
+              <a:tabLst/>
+            </a:pPr>
+            <a:r>
+              <a:rPr kumimoji="0" lang="en-US" altLang="en-US" sz="1000" b="0" i="0" u="none" strike="noStrike" cap="none" normalizeH="0" baseline="0" dirty="0">
+                <a:ln>
+                  <a:noFill/>
+                </a:ln>
+                <a:solidFill>
+                  <a:srgbClr val="949494"/>
+                </a:solidFill>
+                <a:effectLst/>
+                <a:latin typeface="Lucida Console" panose="020B0609040504020204" pitchFamily="49" charset="0"/>
+              </a:rPr>
+              <a:t># A </a:t>
+            </a:r>
+            <a:r>
+              <a:rPr kumimoji="0" lang="en-US" altLang="en-US" sz="1000" b="0" i="0" u="none" strike="noStrike" cap="none" normalizeH="0" baseline="0" dirty="0" err="1">
+                <a:ln>
+                  <a:noFill/>
+                </a:ln>
+                <a:solidFill>
+                  <a:srgbClr val="949494"/>
+                </a:solidFill>
+                <a:effectLst/>
+                <a:latin typeface="Lucida Console" panose="020B0609040504020204" pitchFamily="49" charset="0"/>
+              </a:rPr>
+              <a:t>tibble</a:t>
+            </a:r>
+            <a:r>
+              <a:rPr kumimoji="0" lang="en-US" altLang="en-US" sz="1000" b="0" i="0" u="none" strike="noStrike" cap="none" normalizeH="0" baseline="0" dirty="0">
+                <a:ln>
+                  <a:noFill/>
+                </a:ln>
+                <a:solidFill>
+                  <a:srgbClr val="949494"/>
+                </a:solidFill>
+                <a:effectLst/>
+                <a:latin typeface="Lucida Console" panose="020B0609040504020204" pitchFamily="49" charset="0"/>
+              </a:rPr>
+              <a:t>: 977,976 x 7</a:t>
+            </a:r>
+            <a:r>
+              <a:rPr kumimoji="0" lang="en-US" altLang="en-US" sz="1000" b="0" i="0" u="none" strike="noStrike" cap="none" normalizeH="0" baseline="0" dirty="0">
+                <a:ln>
+                  <a:noFill/>
+                </a:ln>
+                <a:solidFill>
+                  <a:srgbClr val="000000"/>
+                </a:solidFill>
+                <a:effectLst/>
+                <a:latin typeface="Lucida Console" panose="020B0609040504020204" pitchFamily="49" charset="0"/>
+              </a:rPr>
+              <a:t> </a:t>
+            </a:r>
+          </a:p>
+          <a:p>
+            <a:pPr marR="0" lvl="0" algn="l" defTabSz="914400" rtl="0" eaLnBrk="0" fontAlgn="base" latinLnBrk="0" hangingPunct="0">
+              <a:lnSpc>
+                <a:spcPct val="100000"/>
+              </a:lnSpc>
+              <a:spcBef>
+                <a:spcPct val="0"/>
+              </a:spcBef>
+              <a:spcAft>
+                <a:spcPct val="0"/>
+              </a:spcAft>
+              <a:buClrTx/>
+              <a:buSzTx/>
+              <a:buFont typeface="Wingdings" panose="05000000000000000000" pitchFamily="2" charset="2"/>
+              <a:buChar char="Ø"/>
+              <a:tabLst/>
+            </a:pPr>
+            <a:r>
+              <a:rPr kumimoji="0" lang="en-US" altLang="en-US" sz="1000" b="0" i="0" u="none" strike="noStrike" cap="none" normalizeH="0" baseline="0" dirty="0">
+                <a:ln>
+                  <a:noFill/>
+                </a:ln>
+                <a:solidFill>
+                  <a:srgbClr val="000000"/>
+                </a:solidFill>
+                <a:effectLst/>
+                <a:latin typeface="Lucida Console" panose="020B0609040504020204" pitchFamily="49" charset="0"/>
+              </a:rPr>
+              <a:t>   id            </a:t>
+            </a:r>
+            <a:r>
+              <a:rPr kumimoji="0" lang="en-US" altLang="en-US" sz="1000" b="0" i="0" u="none" strike="noStrike" cap="none" normalizeH="0" baseline="0" dirty="0" err="1">
+                <a:ln>
+                  <a:noFill/>
+                </a:ln>
+                <a:solidFill>
+                  <a:srgbClr val="000000"/>
+                </a:solidFill>
+                <a:effectLst/>
+                <a:latin typeface="Lucida Console" panose="020B0609040504020204" pitchFamily="49" charset="0"/>
+              </a:rPr>
+              <a:t>anio</a:t>
+            </a:r>
+            <a:r>
+              <a:rPr kumimoji="0" lang="en-US" altLang="en-US" sz="1000" b="0" i="0" u="none" strike="noStrike" cap="none" normalizeH="0" baseline="0" dirty="0">
+                <a:ln>
+                  <a:noFill/>
+                </a:ln>
+                <a:solidFill>
+                  <a:srgbClr val="000000"/>
+                </a:solidFill>
+                <a:effectLst/>
+                <a:latin typeface="Lucida Console" panose="020B0609040504020204" pitchFamily="49" charset="0"/>
+              </a:rPr>
+              <a:t> </a:t>
+            </a:r>
+            <a:r>
+              <a:rPr kumimoji="0" lang="en-US" altLang="en-US" sz="1000" b="0" i="0" u="none" strike="noStrike" cap="none" normalizeH="0" baseline="0" dirty="0" err="1">
+                <a:ln>
+                  <a:noFill/>
+                </a:ln>
+                <a:solidFill>
+                  <a:srgbClr val="000000"/>
+                </a:solidFill>
+                <a:effectLst/>
+                <a:latin typeface="Lucida Console" panose="020B0609040504020204" pitchFamily="49" charset="0"/>
+              </a:rPr>
+              <a:t>ponderador</a:t>
+            </a:r>
+            <a:r>
+              <a:rPr kumimoji="0" lang="en-US" altLang="en-US" sz="1000" b="0" i="0" u="none" strike="noStrike" cap="none" normalizeH="0" baseline="0" dirty="0">
+                <a:ln>
+                  <a:noFill/>
+                </a:ln>
+                <a:solidFill>
+                  <a:srgbClr val="000000"/>
+                </a:solidFill>
+                <a:effectLst/>
+                <a:latin typeface="Lucida Console" panose="020B0609040504020204" pitchFamily="49" charset="0"/>
+              </a:rPr>
+              <a:t> </a:t>
+            </a:r>
+            <a:r>
+              <a:rPr kumimoji="0" lang="en-US" altLang="en-US" sz="1000" b="0" i="0" u="none" strike="noStrike" cap="none" normalizeH="0" baseline="0" dirty="0" err="1">
+                <a:ln>
+                  <a:noFill/>
+                </a:ln>
+                <a:solidFill>
+                  <a:srgbClr val="000000"/>
+                </a:solidFill>
+                <a:effectLst/>
+                <a:latin typeface="Lucida Console" panose="020B0609040504020204" pitchFamily="49" charset="0"/>
+              </a:rPr>
+              <a:t>departamento</a:t>
+            </a:r>
+            <a:r>
+              <a:rPr kumimoji="0" lang="en-US" altLang="en-US" sz="1000" b="0" i="0" u="none" strike="noStrike" cap="none" normalizeH="0" baseline="0" dirty="0">
+                <a:ln>
+                  <a:noFill/>
+                </a:ln>
+                <a:solidFill>
+                  <a:srgbClr val="000000"/>
+                </a:solidFill>
+                <a:effectLst/>
+                <a:latin typeface="Lucida Console" panose="020B0609040504020204" pitchFamily="49" charset="0"/>
+              </a:rPr>
+              <a:t>  </a:t>
+            </a:r>
+            <a:r>
+              <a:rPr kumimoji="0" lang="en-US" altLang="en-US" sz="1000" b="0" i="0" u="none" strike="noStrike" cap="none" normalizeH="0" baseline="0" dirty="0" err="1">
+                <a:ln>
+                  <a:noFill/>
+                </a:ln>
+                <a:solidFill>
+                  <a:srgbClr val="000000"/>
+                </a:solidFill>
+                <a:effectLst/>
+                <a:latin typeface="Lucida Console" panose="020B0609040504020204" pitchFamily="49" charset="0"/>
+              </a:rPr>
+              <a:t>genero</a:t>
+            </a:r>
+            <a:r>
+              <a:rPr kumimoji="0" lang="en-US" altLang="en-US" sz="1000" b="0" i="0" u="none" strike="noStrike" cap="none" normalizeH="0" baseline="0" dirty="0">
+                <a:ln>
+                  <a:noFill/>
+                </a:ln>
+                <a:solidFill>
+                  <a:srgbClr val="000000"/>
+                </a:solidFill>
+                <a:effectLst/>
+                <a:latin typeface="Lucida Console" panose="020B0609040504020204" pitchFamily="49" charset="0"/>
+              </a:rPr>
+              <a:t>  </a:t>
+            </a:r>
+            <a:r>
+              <a:rPr kumimoji="0" lang="en-US" altLang="en-US" sz="1000" b="0" i="0" u="none" strike="noStrike" cap="none" normalizeH="0" baseline="0" dirty="0" err="1">
+                <a:ln>
+                  <a:noFill/>
+                </a:ln>
+                <a:solidFill>
+                  <a:srgbClr val="000000"/>
+                </a:solidFill>
+                <a:effectLst/>
+                <a:latin typeface="Lucida Console" panose="020B0609040504020204" pitchFamily="49" charset="0"/>
+              </a:rPr>
+              <a:t>edad</a:t>
+            </a:r>
+            <a:r>
+              <a:rPr kumimoji="0" lang="en-US" altLang="en-US" sz="1000" b="0" i="0" u="none" strike="noStrike" cap="none" normalizeH="0" baseline="0" dirty="0">
+                <a:ln>
+                  <a:noFill/>
+                </a:ln>
+                <a:solidFill>
+                  <a:srgbClr val="000000"/>
+                </a:solidFill>
+                <a:effectLst/>
+                <a:latin typeface="Lucida Console" panose="020B0609040504020204" pitchFamily="49" charset="0"/>
+              </a:rPr>
+              <a:t> </a:t>
+            </a:r>
+            <a:r>
+              <a:rPr kumimoji="0" lang="en-US" altLang="en-US" sz="1000" b="0" i="0" u="none" strike="noStrike" cap="none" normalizeH="0" baseline="0" dirty="0" err="1">
+                <a:ln>
+                  <a:noFill/>
+                </a:ln>
+                <a:solidFill>
+                  <a:srgbClr val="000000"/>
+                </a:solidFill>
+                <a:effectLst/>
+                <a:latin typeface="Lucida Console" panose="020B0609040504020204" pitchFamily="49" charset="0"/>
+              </a:rPr>
+              <a:t>edad_categoria</a:t>
+            </a:r>
+            <a:r>
+              <a:rPr kumimoji="0" lang="en-US" altLang="en-US" sz="1000" b="0" i="0" u="none" strike="noStrike" cap="none" normalizeH="0" baseline="0" dirty="0">
+                <a:ln>
+                  <a:noFill/>
+                </a:ln>
+                <a:solidFill>
+                  <a:srgbClr val="000000"/>
+                </a:solidFill>
+                <a:effectLst/>
+                <a:latin typeface="Lucida Console" panose="020B0609040504020204" pitchFamily="49" charset="0"/>
+              </a:rPr>
+              <a:t> </a:t>
+            </a:r>
+          </a:p>
+          <a:p>
+            <a:pPr marR="0" lvl="0" algn="l" defTabSz="914400" rtl="0" eaLnBrk="0" fontAlgn="base" latinLnBrk="0" hangingPunct="0">
+              <a:lnSpc>
+                <a:spcPct val="100000"/>
+              </a:lnSpc>
+              <a:spcBef>
+                <a:spcPct val="0"/>
+              </a:spcBef>
+              <a:spcAft>
+                <a:spcPct val="0"/>
+              </a:spcAft>
+              <a:buClrTx/>
+              <a:buSzTx/>
+              <a:buFont typeface="Wingdings" panose="05000000000000000000" pitchFamily="2" charset="2"/>
+              <a:buChar char="Ø"/>
+              <a:tabLst/>
+            </a:pPr>
+            <a:r>
+              <a:rPr kumimoji="0" lang="en-US" altLang="en-US" sz="1000" b="0" i="1" u="none" strike="noStrike" cap="none" normalizeH="0" baseline="0" dirty="0">
+                <a:ln>
+                  <a:noFill/>
+                </a:ln>
+                <a:solidFill>
+                  <a:srgbClr val="949494"/>
+                </a:solidFill>
+                <a:effectLst/>
+                <a:latin typeface="Lucida Console" panose="020B0609040504020204" pitchFamily="49" charset="0"/>
+              </a:rPr>
+              <a:t>   &lt;</a:t>
+            </a:r>
+            <a:r>
+              <a:rPr kumimoji="0" lang="en-US" altLang="en-US" sz="1000" b="0" i="1" u="none" strike="noStrike" cap="none" normalizeH="0" baseline="0" dirty="0" err="1">
+                <a:ln>
+                  <a:noFill/>
+                </a:ln>
+                <a:solidFill>
+                  <a:srgbClr val="949494"/>
+                </a:solidFill>
+                <a:effectLst/>
+                <a:latin typeface="Lucida Console" panose="020B0609040504020204" pitchFamily="49" charset="0"/>
+              </a:rPr>
+              <a:t>chr</a:t>
+            </a:r>
+            <a:r>
+              <a:rPr kumimoji="0" lang="en-US" altLang="en-US" sz="1000" b="0" i="1" u="none" strike="noStrike" cap="none" normalizeH="0" baseline="0" dirty="0">
+                <a:ln>
+                  <a:noFill/>
+                </a:ln>
+                <a:solidFill>
+                  <a:srgbClr val="949494"/>
+                </a:solidFill>
+                <a:effectLst/>
+                <a:latin typeface="Lucida Console" panose="020B0609040504020204" pitchFamily="49" charset="0"/>
+              </a:rPr>
+              <a:t>&gt;</a:t>
+            </a:r>
+            <a:r>
+              <a:rPr kumimoji="0" lang="en-US" altLang="en-US" sz="1000" b="0" i="0" u="none" strike="noStrike" cap="none" normalizeH="0" baseline="0" dirty="0">
+                <a:ln>
+                  <a:noFill/>
+                </a:ln>
+                <a:solidFill>
+                  <a:srgbClr val="000000"/>
+                </a:solidFill>
+                <a:effectLst/>
+                <a:latin typeface="Lucida Console" panose="020B0609040504020204" pitchFamily="49" charset="0"/>
+              </a:rPr>
+              <a:t>         </a:t>
+            </a:r>
+            <a:r>
+              <a:rPr kumimoji="0" lang="en-US" altLang="en-US" sz="1000" b="0" i="1" u="none" strike="noStrike" cap="none" normalizeH="0" baseline="0" dirty="0">
+                <a:ln>
+                  <a:noFill/>
+                </a:ln>
+                <a:solidFill>
+                  <a:srgbClr val="949494"/>
+                </a:solidFill>
+                <a:effectLst/>
+                <a:latin typeface="Lucida Console" panose="020B0609040504020204" pitchFamily="49" charset="0"/>
+              </a:rPr>
+              <a:t>&lt;</a:t>
+            </a:r>
+            <a:r>
+              <a:rPr kumimoji="0" lang="en-US" altLang="en-US" sz="1000" b="0" i="1" u="none" strike="noStrike" cap="none" normalizeH="0" baseline="0" dirty="0" err="1">
+                <a:ln>
+                  <a:noFill/>
+                </a:ln>
+                <a:solidFill>
+                  <a:srgbClr val="949494"/>
+                </a:solidFill>
+                <a:effectLst/>
+                <a:latin typeface="Lucida Console" panose="020B0609040504020204" pitchFamily="49" charset="0"/>
+              </a:rPr>
+              <a:t>chr</a:t>
+            </a:r>
+            <a:r>
+              <a:rPr kumimoji="0" lang="en-US" altLang="en-US" sz="1000" b="0" i="1" u="none" strike="noStrike" cap="none" normalizeH="0" baseline="0" dirty="0">
+                <a:ln>
+                  <a:noFill/>
+                </a:ln>
+                <a:solidFill>
+                  <a:srgbClr val="949494"/>
+                </a:solidFill>
+                <a:effectLst/>
+                <a:latin typeface="Lucida Console" panose="020B0609040504020204" pitchFamily="49" charset="0"/>
+              </a:rPr>
+              <a:t>&gt;</a:t>
+            </a:r>
+            <a:r>
+              <a:rPr kumimoji="0" lang="en-US" altLang="en-US" sz="1000" b="0" i="0" u="none" strike="noStrike" cap="none" normalizeH="0" baseline="0" dirty="0">
+                <a:ln>
+                  <a:noFill/>
+                </a:ln>
+                <a:solidFill>
+                  <a:srgbClr val="000000"/>
+                </a:solidFill>
+                <a:effectLst/>
+                <a:latin typeface="Lucida Console" panose="020B0609040504020204" pitchFamily="49" charset="0"/>
+              </a:rPr>
+              <a:t>     </a:t>
+            </a:r>
+            <a:r>
+              <a:rPr kumimoji="0" lang="en-US" altLang="en-US" sz="1000" b="0" i="1" u="none" strike="noStrike" cap="none" normalizeH="0" baseline="0" dirty="0">
+                <a:ln>
+                  <a:noFill/>
+                </a:ln>
+                <a:solidFill>
+                  <a:srgbClr val="949494"/>
+                </a:solidFill>
+                <a:effectLst/>
+                <a:latin typeface="Lucida Console" panose="020B0609040504020204" pitchFamily="49" charset="0"/>
+              </a:rPr>
+              <a:t>&lt;</a:t>
+            </a:r>
+            <a:r>
+              <a:rPr kumimoji="0" lang="en-US" altLang="en-US" sz="1000" b="0" i="1" u="none" strike="noStrike" cap="none" normalizeH="0" baseline="0" dirty="0" err="1">
+                <a:ln>
+                  <a:noFill/>
+                </a:ln>
+                <a:solidFill>
+                  <a:srgbClr val="949494"/>
+                </a:solidFill>
+                <a:effectLst/>
+                <a:latin typeface="Lucida Console" panose="020B0609040504020204" pitchFamily="49" charset="0"/>
+              </a:rPr>
+              <a:t>dbl</a:t>
+            </a:r>
+            <a:r>
+              <a:rPr kumimoji="0" lang="en-US" altLang="en-US" sz="1000" b="0" i="1" u="none" strike="noStrike" cap="none" normalizeH="0" baseline="0" dirty="0">
+                <a:ln>
+                  <a:noFill/>
+                </a:ln>
+                <a:solidFill>
+                  <a:srgbClr val="949494"/>
+                </a:solidFill>
+                <a:effectLst/>
+                <a:latin typeface="Lucida Console" panose="020B0609040504020204" pitchFamily="49" charset="0"/>
+              </a:rPr>
+              <a:t>&gt;</a:t>
+            </a:r>
+            <a:r>
+              <a:rPr kumimoji="0" lang="en-US" altLang="en-US" sz="1000" b="0" i="0" u="none" strike="noStrike" cap="none" normalizeH="0" baseline="0" dirty="0">
+                <a:ln>
+                  <a:noFill/>
+                </a:ln>
+                <a:solidFill>
+                  <a:srgbClr val="000000"/>
+                </a:solidFill>
+                <a:effectLst/>
+                <a:latin typeface="Lucida Console" panose="020B0609040504020204" pitchFamily="49" charset="0"/>
+              </a:rPr>
+              <a:t> </a:t>
+            </a:r>
+            <a:r>
+              <a:rPr kumimoji="0" lang="en-US" altLang="en-US" sz="1000" b="0" i="1" u="none" strike="noStrike" cap="none" normalizeH="0" baseline="0" dirty="0" err="1">
+                <a:ln>
+                  <a:noFill/>
+                </a:ln>
+                <a:solidFill>
+                  <a:srgbClr val="949494"/>
+                </a:solidFill>
+                <a:effectLst/>
+                <a:latin typeface="Lucida Console" panose="020B0609040504020204" pitchFamily="49" charset="0"/>
+              </a:rPr>
+              <a:t>chr</a:t>
+            </a:r>
+            <a:r>
+              <a:rPr kumimoji="0" lang="en-US" altLang="en-US" sz="1000" b="0" i="1" u="none" strike="noStrike" cap="none" normalizeH="0" baseline="0" dirty="0">
+                <a:ln>
+                  <a:noFill/>
+                </a:ln>
+                <a:solidFill>
+                  <a:srgbClr val="949494"/>
+                </a:solidFill>
+                <a:effectLst/>
+                <a:latin typeface="Lucida Console" panose="020B0609040504020204" pitchFamily="49" charset="0"/>
+              </a:rPr>
+              <a:t>&gt;</a:t>
+            </a:r>
+            <a:r>
+              <a:rPr kumimoji="0" lang="en-US" altLang="en-US" sz="1000" b="0" i="0" u="none" strike="noStrike" cap="none" normalizeH="0" baseline="0" dirty="0">
+                <a:ln>
+                  <a:noFill/>
+                </a:ln>
+                <a:solidFill>
+                  <a:srgbClr val="000000"/>
+                </a:solidFill>
+                <a:effectLst/>
+                <a:latin typeface="Lucida Console" panose="020B0609040504020204" pitchFamily="49" charset="0"/>
+              </a:rPr>
+              <a:t>          </a:t>
+            </a:r>
+            <a:r>
+              <a:rPr kumimoji="0" lang="en-US" altLang="en-US" sz="1000" b="0" i="1" u="none" strike="noStrike" cap="none" normalizeH="0" baseline="0" dirty="0">
+                <a:ln>
+                  <a:noFill/>
+                </a:ln>
+                <a:solidFill>
+                  <a:srgbClr val="949494"/>
+                </a:solidFill>
+                <a:effectLst/>
+                <a:latin typeface="Lucida Console" panose="020B0609040504020204" pitchFamily="49" charset="0"/>
+              </a:rPr>
+              <a:t>&lt;</a:t>
+            </a:r>
+            <a:r>
+              <a:rPr kumimoji="0" lang="en-US" altLang="en-US" sz="1000" b="0" i="1" u="none" strike="noStrike" cap="none" normalizeH="0" baseline="0" dirty="0" err="1">
+                <a:ln>
+                  <a:noFill/>
+                </a:ln>
+                <a:solidFill>
+                  <a:srgbClr val="949494"/>
+                </a:solidFill>
+                <a:effectLst/>
+                <a:latin typeface="Lucida Console" panose="020B0609040504020204" pitchFamily="49" charset="0"/>
+              </a:rPr>
+              <a:t>chr</a:t>
+            </a:r>
+            <a:r>
+              <a:rPr kumimoji="0" lang="en-US" altLang="en-US" sz="1000" b="0" i="1" u="none" strike="noStrike" cap="none" normalizeH="0" baseline="0" dirty="0">
+                <a:ln>
+                  <a:noFill/>
+                </a:ln>
+                <a:solidFill>
+                  <a:srgbClr val="949494"/>
+                </a:solidFill>
+                <a:effectLst/>
+                <a:latin typeface="Lucida Console" panose="020B0609040504020204" pitchFamily="49" charset="0"/>
+              </a:rPr>
+              <a:t>&gt;</a:t>
+            </a:r>
+            <a:r>
+              <a:rPr kumimoji="0" lang="en-US" altLang="en-US" sz="1000" b="0" i="0" u="none" strike="noStrike" cap="none" normalizeH="0" baseline="0" dirty="0">
+                <a:ln>
+                  <a:noFill/>
+                </a:ln>
+                <a:solidFill>
+                  <a:srgbClr val="000000"/>
+                </a:solidFill>
+                <a:effectLst/>
+                <a:latin typeface="Lucida Console" panose="020B0609040504020204" pitchFamily="49" charset="0"/>
+              </a:rPr>
+              <a:t>  </a:t>
+            </a:r>
+            <a:r>
+              <a:rPr kumimoji="0" lang="en-US" altLang="en-US" sz="1000" b="0" i="1" u="none" strike="noStrike" cap="none" normalizeH="0" baseline="0" dirty="0">
+                <a:ln>
+                  <a:noFill/>
+                </a:ln>
+                <a:solidFill>
+                  <a:srgbClr val="949494"/>
+                </a:solidFill>
+                <a:effectLst/>
+                <a:latin typeface="Lucida Console" panose="020B0609040504020204" pitchFamily="49" charset="0"/>
+              </a:rPr>
+              <a:t>&lt;</a:t>
+            </a:r>
+            <a:r>
+              <a:rPr kumimoji="0" lang="en-US" altLang="en-US" sz="1000" b="0" i="1" u="none" strike="noStrike" cap="none" normalizeH="0" baseline="0" dirty="0" err="1">
+                <a:ln>
+                  <a:noFill/>
+                </a:ln>
+                <a:solidFill>
+                  <a:srgbClr val="949494"/>
+                </a:solidFill>
+                <a:effectLst/>
+                <a:latin typeface="Lucida Console" panose="020B0609040504020204" pitchFamily="49" charset="0"/>
+              </a:rPr>
+              <a:t>dbl</a:t>
+            </a:r>
+            <a:r>
+              <a:rPr kumimoji="0" lang="en-US" altLang="en-US" sz="1000" b="0" i="1" u="none" strike="noStrike" cap="none" normalizeH="0" baseline="0" dirty="0">
+                <a:ln>
+                  <a:noFill/>
+                </a:ln>
+                <a:solidFill>
+                  <a:srgbClr val="949494"/>
+                </a:solidFill>
+                <a:effectLst/>
+                <a:latin typeface="Lucida Console" panose="020B0609040504020204" pitchFamily="49" charset="0"/>
+              </a:rPr>
+              <a:t>&gt; &lt;</a:t>
+            </a:r>
+            <a:r>
+              <a:rPr kumimoji="0" lang="en-US" altLang="en-US" sz="1000" b="0" i="1" u="none" strike="noStrike" cap="none" normalizeH="0" baseline="0" dirty="0" err="1">
+                <a:ln>
+                  <a:noFill/>
+                </a:ln>
+                <a:solidFill>
+                  <a:srgbClr val="949494"/>
+                </a:solidFill>
+                <a:effectLst/>
+                <a:latin typeface="Lucida Console" panose="020B0609040504020204" pitchFamily="49" charset="0"/>
+              </a:rPr>
+              <a:t>chr</a:t>
+            </a:r>
+            <a:r>
+              <a:rPr kumimoji="0" lang="en-US" altLang="en-US" sz="1000" b="0" i="1" u="none" strike="noStrike" cap="none" normalizeH="0" baseline="0" dirty="0">
+                <a:ln>
+                  <a:noFill/>
+                </a:ln>
+                <a:solidFill>
+                  <a:srgbClr val="949494"/>
+                </a:solidFill>
+                <a:effectLst/>
+                <a:latin typeface="Lucida Console" panose="020B0609040504020204" pitchFamily="49" charset="0"/>
+              </a:rPr>
+              <a:t>&gt;</a:t>
+            </a:r>
+            <a:r>
+              <a:rPr kumimoji="0" lang="en-US" altLang="en-US" sz="1000" b="0" i="0" u="none" strike="noStrike" cap="none" normalizeH="0" baseline="0" dirty="0">
+                <a:ln>
+                  <a:noFill/>
+                </a:ln>
+                <a:solidFill>
+                  <a:srgbClr val="000000"/>
+                </a:solidFill>
+                <a:effectLst/>
+                <a:latin typeface="Lucida Console" panose="020B0609040504020204" pitchFamily="49" charset="0"/>
+              </a:rPr>
+              <a:t> </a:t>
+            </a:r>
+          </a:p>
+          <a:p>
+            <a:pPr marR="0" lvl="0" algn="l" defTabSz="914400" rtl="0" eaLnBrk="0" fontAlgn="base" latinLnBrk="0" hangingPunct="0">
+              <a:lnSpc>
+                <a:spcPct val="100000"/>
+              </a:lnSpc>
+              <a:spcBef>
+                <a:spcPct val="0"/>
+              </a:spcBef>
+              <a:spcAft>
+                <a:spcPct val="0"/>
+              </a:spcAft>
+              <a:buClrTx/>
+              <a:buSzTx/>
+              <a:buFont typeface="Wingdings" panose="05000000000000000000" pitchFamily="2" charset="2"/>
+              <a:buChar char="Ø"/>
+              <a:tabLst/>
+            </a:pPr>
+            <a:r>
+              <a:rPr kumimoji="0" lang="en-US" altLang="en-US" sz="1000" b="0" i="0" u="none" strike="noStrike" cap="none" normalizeH="0" baseline="0" dirty="0">
+                <a:ln>
+                  <a:noFill/>
+                </a:ln>
+                <a:solidFill>
+                  <a:srgbClr val="BCBCBC"/>
+                </a:solidFill>
+                <a:effectLst/>
+                <a:latin typeface="Lucida Console" panose="020B0609040504020204" pitchFamily="49" charset="0"/>
+              </a:rPr>
+              <a:t> 1</a:t>
+            </a:r>
+            <a:r>
+              <a:rPr kumimoji="0" lang="en-US" altLang="en-US" sz="1000" b="0" i="0" u="none" strike="noStrike" cap="none" normalizeH="0" baseline="0" dirty="0">
+                <a:ln>
+                  <a:noFill/>
+                </a:ln>
+                <a:solidFill>
+                  <a:srgbClr val="000000"/>
+                </a:solidFill>
+                <a:effectLst/>
+                <a:latin typeface="Lucida Console" panose="020B0609040504020204" pitchFamily="49" charset="0"/>
+              </a:rPr>
+              <a:t> 2011000002001 2011        33  Artigas       hombre    44 30 a 49 </a:t>
+            </a:r>
+          </a:p>
+          <a:p>
+            <a:pPr lvl="0" eaLnBrk="0" fontAlgn="base" hangingPunct="0">
+              <a:spcBef>
+                <a:spcPct val="0"/>
+              </a:spcBef>
+              <a:spcAft>
+                <a:spcPct val="0"/>
+              </a:spcAft>
+              <a:buFont typeface="Wingdings" panose="05000000000000000000" pitchFamily="2" charset="2"/>
+              <a:buChar char="Ø"/>
+            </a:pPr>
+            <a:r>
+              <a:rPr kumimoji="0" lang="en-US" altLang="en-US" sz="1000" b="0" i="0" u="none" strike="noStrike" cap="none" normalizeH="0" baseline="0" dirty="0">
+                <a:ln>
+                  <a:noFill/>
+                </a:ln>
+                <a:solidFill>
+                  <a:srgbClr val="BCBCBC"/>
+                </a:solidFill>
+                <a:effectLst/>
+                <a:latin typeface="Lucida Console" panose="020B0609040504020204" pitchFamily="49" charset="0"/>
+              </a:rPr>
+              <a:t> 2</a:t>
+            </a:r>
+            <a:r>
+              <a:rPr kumimoji="0" lang="en-US" altLang="en-US" sz="1000" b="0" i="0" u="none" strike="noStrike" cap="none" normalizeH="0" baseline="0" dirty="0">
+                <a:ln>
+                  <a:noFill/>
+                </a:ln>
+                <a:solidFill>
+                  <a:srgbClr val="000000"/>
+                </a:solidFill>
+                <a:effectLst/>
+                <a:latin typeface="Lucida Console" panose="020B0609040504020204" pitchFamily="49" charset="0"/>
+              </a:rPr>
+              <a:t> 2011000002002 2011      </a:t>
+            </a:r>
+            <a:r>
+              <a:rPr lang="en-US" altLang="en-US" sz="1000" dirty="0">
+                <a:solidFill>
+                  <a:srgbClr val="000000"/>
+                </a:solidFill>
+                <a:latin typeface="Lucida Console" panose="020B0609040504020204" pitchFamily="49" charset="0"/>
+              </a:rPr>
+              <a:t> </a:t>
+            </a:r>
+            <a:r>
+              <a:rPr kumimoji="0" lang="en-US" altLang="en-US" sz="1000" b="0" i="0" u="none" strike="noStrike" cap="none" normalizeH="0" baseline="0" dirty="0">
+                <a:ln>
+                  <a:noFill/>
+                </a:ln>
+                <a:solidFill>
+                  <a:srgbClr val="000000"/>
+                </a:solidFill>
+                <a:effectLst/>
+                <a:latin typeface="Lucida Console" panose="020B0609040504020204" pitchFamily="49" charset="0"/>
+              </a:rPr>
+              <a:t> 33  Artigas       </a:t>
+            </a:r>
+            <a:r>
+              <a:rPr kumimoji="0" lang="en-US" altLang="en-US" sz="1000" b="0" i="0" u="none" strike="noStrike" cap="none" normalizeH="0" baseline="0" dirty="0" err="1">
+                <a:ln>
+                  <a:noFill/>
+                </a:ln>
+                <a:solidFill>
+                  <a:srgbClr val="000000"/>
+                </a:solidFill>
+                <a:effectLst/>
+                <a:latin typeface="Lucida Console" panose="020B0609040504020204" pitchFamily="49" charset="0"/>
+              </a:rPr>
+              <a:t>mujer</a:t>
+            </a:r>
+            <a:r>
+              <a:rPr kumimoji="0" lang="en-US" altLang="en-US" sz="1000" b="0" i="0" u="none" strike="noStrike" cap="none" normalizeH="0" baseline="0" dirty="0">
+                <a:ln>
+                  <a:noFill/>
+                </a:ln>
+                <a:solidFill>
+                  <a:srgbClr val="000000"/>
+                </a:solidFill>
+                <a:effectLst/>
+                <a:latin typeface="Lucida Console" panose="020B0609040504020204" pitchFamily="49" charset="0"/>
+              </a:rPr>
+              <a:t>     41 30 a 49 </a:t>
+            </a:r>
+          </a:p>
+          <a:p>
+            <a:pPr marR="0" lvl="0" algn="l" defTabSz="914400" rtl="0" eaLnBrk="0" fontAlgn="base" latinLnBrk="0" hangingPunct="0">
+              <a:lnSpc>
+                <a:spcPct val="100000"/>
+              </a:lnSpc>
+              <a:spcBef>
+                <a:spcPct val="0"/>
+              </a:spcBef>
+              <a:spcAft>
+                <a:spcPct val="0"/>
+              </a:spcAft>
+              <a:buClrTx/>
+              <a:buSzTx/>
+              <a:buFont typeface="Wingdings" panose="05000000000000000000" pitchFamily="2" charset="2"/>
+              <a:buChar char="Ø"/>
+              <a:tabLst/>
+            </a:pPr>
+            <a:r>
+              <a:rPr kumimoji="0" lang="en-US" altLang="en-US" sz="1000" b="0" i="0" u="none" strike="noStrike" cap="none" normalizeH="0" baseline="0" dirty="0">
+                <a:ln>
+                  <a:noFill/>
+                </a:ln>
+                <a:solidFill>
+                  <a:srgbClr val="BCBCBC"/>
+                </a:solidFill>
+                <a:effectLst/>
+                <a:latin typeface="Lucida Console" panose="020B0609040504020204" pitchFamily="49" charset="0"/>
+              </a:rPr>
+              <a:t> 3</a:t>
+            </a:r>
+            <a:r>
+              <a:rPr kumimoji="0" lang="en-US" altLang="en-US" sz="1000" b="0" i="0" u="none" strike="noStrike" cap="none" normalizeH="0" baseline="0" dirty="0">
+                <a:ln>
+                  <a:noFill/>
+                </a:ln>
+                <a:solidFill>
+                  <a:srgbClr val="000000"/>
+                </a:solidFill>
+                <a:effectLst/>
+                <a:latin typeface="Lucida Console" panose="020B0609040504020204" pitchFamily="49" charset="0"/>
+              </a:rPr>
+              <a:t> 2011000002003 2011        33  Artigas       hombre    12 </a:t>
+            </a:r>
+            <a:r>
+              <a:rPr kumimoji="0" lang="en-US" altLang="en-US" sz="1000" b="0" i="0" u="none" strike="noStrike" cap="none" normalizeH="0" baseline="0" dirty="0" err="1">
+                <a:ln>
+                  <a:noFill/>
+                </a:ln>
+                <a:solidFill>
+                  <a:srgbClr val="000000"/>
+                </a:solidFill>
+                <a:effectLst/>
+                <a:latin typeface="Lucida Console" panose="020B0609040504020204" pitchFamily="49" charset="0"/>
+              </a:rPr>
+              <a:t>menor</a:t>
+            </a:r>
+            <a:r>
+              <a:rPr kumimoji="0" lang="en-US" altLang="en-US" sz="1000" b="0" i="0" u="none" strike="noStrike" cap="none" normalizeH="0" baseline="0" dirty="0">
+                <a:ln>
+                  <a:noFill/>
+                </a:ln>
+                <a:solidFill>
+                  <a:srgbClr val="000000"/>
+                </a:solidFill>
+                <a:effectLst/>
+                <a:latin typeface="Lucida Console" panose="020B0609040504020204" pitchFamily="49" charset="0"/>
+              </a:rPr>
+              <a:t> 14 </a:t>
+            </a:r>
+          </a:p>
+          <a:p>
+            <a:pPr marR="0" lvl="0" algn="l" defTabSz="914400" rtl="0" eaLnBrk="0" fontAlgn="base" latinLnBrk="0" hangingPunct="0">
+              <a:lnSpc>
+                <a:spcPct val="100000"/>
+              </a:lnSpc>
+              <a:spcBef>
+                <a:spcPct val="0"/>
+              </a:spcBef>
+              <a:spcAft>
+                <a:spcPct val="0"/>
+              </a:spcAft>
+              <a:buClrTx/>
+              <a:buSzTx/>
+              <a:buFont typeface="Wingdings" panose="05000000000000000000" pitchFamily="2" charset="2"/>
+              <a:buChar char="Ø"/>
+              <a:tabLst/>
+            </a:pPr>
+            <a:r>
+              <a:rPr kumimoji="0" lang="en-US" altLang="en-US" sz="1000" b="0" i="0" u="none" strike="noStrike" cap="none" normalizeH="0" baseline="0" dirty="0">
+                <a:ln>
+                  <a:noFill/>
+                </a:ln>
+                <a:solidFill>
+                  <a:srgbClr val="BCBCBC"/>
+                </a:solidFill>
+                <a:effectLst/>
+                <a:latin typeface="Lucida Console" panose="020B0609040504020204" pitchFamily="49" charset="0"/>
+              </a:rPr>
+              <a:t> 4</a:t>
+            </a:r>
+            <a:r>
+              <a:rPr kumimoji="0" lang="en-US" altLang="en-US" sz="1000" b="0" i="0" u="none" strike="noStrike" cap="none" normalizeH="0" baseline="0" dirty="0">
+                <a:ln>
+                  <a:noFill/>
+                </a:ln>
+                <a:solidFill>
+                  <a:srgbClr val="000000"/>
+                </a:solidFill>
+                <a:effectLst/>
+                <a:latin typeface="Lucida Console" panose="020B0609040504020204" pitchFamily="49" charset="0"/>
+              </a:rPr>
+              <a:t> 2011000005001 2011        33  Montevideo    hombre    27 14 a 29 </a:t>
+            </a:r>
+          </a:p>
+          <a:p>
+            <a:pPr marR="0" lvl="0" algn="l" defTabSz="914400" rtl="0" eaLnBrk="0" fontAlgn="base" latinLnBrk="0" hangingPunct="0">
+              <a:lnSpc>
+                <a:spcPct val="100000"/>
+              </a:lnSpc>
+              <a:spcBef>
+                <a:spcPct val="0"/>
+              </a:spcBef>
+              <a:spcAft>
+                <a:spcPct val="0"/>
+              </a:spcAft>
+              <a:buClrTx/>
+              <a:buSzTx/>
+              <a:buFont typeface="Wingdings" panose="05000000000000000000" pitchFamily="2" charset="2"/>
+              <a:buChar char="Ø"/>
+              <a:tabLst/>
+            </a:pPr>
+            <a:endParaRPr kumimoji="0" lang="en-US" altLang="en-US" sz="1000" b="0" i="0" u="none" strike="noStrike" cap="none" normalizeH="0" baseline="0" dirty="0">
+              <a:ln>
+                <a:noFill/>
+              </a:ln>
+              <a:solidFill>
+                <a:srgbClr val="000000"/>
+              </a:solidFill>
+              <a:effectLst/>
+              <a:latin typeface="Lucida Console" panose="020B0609040504020204" pitchFamily="49" charset="0"/>
+            </a:endParaRPr>
+          </a:p>
+        </p:txBody>
+      </p:sp>
+      <p:sp>
+        <p:nvSpPr>
+          <p:cNvPr id="61" name="Rectangle 2">
+            <a:extLst>
+              <a:ext uri="{FF2B5EF4-FFF2-40B4-BE49-F238E27FC236}">
+                <a16:creationId xmlns:a16="http://schemas.microsoft.com/office/drawing/2014/main" id="{37CBD856-FC17-4B25-AAF5-5BFD8DBD6777}"/>
+              </a:ext>
+            </a:extLst>
+          </p:cNvPr>
+          <p:cNvSpPr txBox="1">
+            <a:spLocks noChangeArrowheads="1"/>
+          </p:cNvSpPr>
+          <p:nvPr/>
+        </p:nvSpPr>
+        <p:spPr bwMode="auto">
+          <a:xfrm>
+            <a:off x="2793247" y="3906341"/>
+            <a:ext cx="6117059" cy="1538883"/>
+          </a:xfrm>
+          <a:prstGeom prst="rect">
+            <a:avLst/>
+          </a:prstGeom>
+          <a:ln w="9525" cap="flat" cmpd="sng" algn="ctr">
+            <a:solidFill>
+              <a:schemeClr val="tx1"/>
+            </a:solidFill>
+            <a:prstDash val="solid"/>
+            <a:miter lim="800000"/>
+            <a:headEnd/>
+            <a:tailEnd/>
+          </a:ln>
+          <a:extLst>
+            <a:ext uri="{AF507438-7753-43E0-B8FC-AC1667EBCBE1}">
+              <a14:hiddenEffects xmlns:a14="http://schemas.microsoft.com/office/drawing/2010/main">
+                <a:effectLst>
+                  <a:outerShdw dist="35921" dir="2700000" algn="ctr" rotWithShape="0">
+                    <a:schemeClr val="bg2"/>
+                  </a:outerShdw>
+                </a:effectLst>
+              </a14:hiddenEffects>
+            </a:ext>
+          </a:extLst>
+        </p:spPr>
+        <p:style>
+          <a:lnRef idx="2">
+            <a:schemeClr val="dk1"/>
+          </a:lnRef>
+          <a:fillRef idx="1">
+            <a:schemeClr val="lt1"/>
+          </a:fillRef>
+          <a:effectRef idx="0">
+            <a:schemeClr val="dk1"/>
+          </a:effectRef>
+          <a:fontRef idx="minor">
+            <a:schemeClr val="dk1"/>
+          </a:fontRef>
+        </p:style>
+        <p:txBody>
+          <a:bodyPr vert="horz" wrap="none" lIns="0" tIns="0" rIns="0" bIns="0" numCol="1" rtlCol="0" anchor="ctr" anchorCtr="0" compatLnSpc="1">
+            <a:prstTxWarp prst="textNoShape">
+              <a:avLst/>
+            </a:prstTxWarp>
+            <a:spAutoFit/>
+          </a:bodyPr>
+          <a:lstStyle>
+            <a:lvl1pPr marL="342900" indent="-342900" algn="l" defTabSz="914400" rtl="0" eaLnBrk="1" latinLnBrk="0" hangingPunct="1">
+              <a:spcBef>
+                <a:spcPct val="20000"/>
+              </a:spcBef>
+              <a:buFont typeface="Arial" pitchFamily="34" charset="0"/>
+              <a:buChar char="•"/>
+              <a:defRPr sz="3200" kern="1200">
+                <a:solidFill>
+                  <a:schemeClr val="dk1"/>
+                </a:solidFill>
+                <a:latin typeface="+mn-lt"/>
+                <a:ea typeface="+mn-ea"/>
+                <a:cs typeface="+mn-cs"/>
+              </a:defRPr>
+            </a:lvl1pPr>
+            <a:lvl2pPr marL="742950" indent="-285750" algn="l" defTabSz="914400" rtl="0" eaLnBrk="1" latinLnBrk="0" hangingPunct="1">
+              <a:spcBef>
+                <a:spcPct val="20000"/>
+              </a:spcBef>
+              <a:buFont typeface="Arial" pitchFamily="34" charset="0"/>
+              <a:buChar char="–"/>
+              <a:defRPr sz="2800" kern="1200">
+                <a:solidFill>
+                  <a:schemeClr val="dk1"/>
+                </a:solidFill>
+                <a:latin typeface="+mn-lt"/>
+                <a:ea typeface="+mn-ea"/>
+                <a:cs typeface="+mn-cs"/>
+              </a:defRPr>
+            </a:lvl2pPr>
+            <a:lvl3pPr marL="1143000" indent="-228600" algn="l" defTabSz="914400" rtl="0" eaLnBrk="1" latinLnBrk="0" hangingPunct="1">
+              <a:spcBef>
+                <a:spcPct val="20000"/>
+              </a:spcBef>
+              <a:buFont typeface="Arial" pitchFamily="34" charset="0"/>
+              <a:buChar char="•"/>
+              <a:defRPr sz="2400" kern="1200">
+                <a:solidFill>
+                  <a:schemeClr val="dk1"/>
+                </a:solidFill>
+                <a:latin typeface="+mn-lt"/>
+                <a:ea typeface="+mn-ea"/>
+                <a:cs typeface="+mn-cs"/>
+              </a:defRPr>
+            </a:lvl3pPr>
+            <a:lvl4pPr marL="1600200" indent="-228600" algn="l" defTabSz="914400" rtl="0" eaLnBrk="1" latinLnBrk="0" hangingPunct="1">
+              <a:spcBef>
+                <a:spcPct val="20000"/>
+              </a:spcBef>
+              <a:buFont typeface="Arial" pitchFamily="34" charset="0"/>
+              <a:buChar char="–"/>
+              <a:defRPr sz="2000" kern="1200">
+                <a:solidFill>
+                  <a:schemeClr val="dk1"/>
+                </a:solidFill>
+                <a:latin typeface="+mn-lt"/>
+                <a:ea typeface="+mn-ea"/>
+                <a:cs typeface="+mn-cs"/>
+              </a:defRPr>
+            </a:lvl4pPr>
+            <a:lvl5pPr marL="2057400" indent="-228600" algn="l" defTabSz="914400" rtl="0" eaLnBrk="1" latinLnBrk="0" hangingPunct="1">
+              <a:spcBef>
+                <a:spcPct val="20000"/>
+              </a:spcBef>
+              <a:buFont typeface="Arial" pitchFamily="34" charset="0"/>
+              <a:buChar char="»"/>
+              <a:defRPr sz="2000" kern="1200">
+                <a:solidFill>
+                  <a:schemeClr val="dk1"/>
+                </a:solidFill>
+                <a:latin typeface="+mn-lt"/>
+                <a:ea typeface="+mn-ea"/>
+                <a:cs typeface="+mn-cs"/>
+              </a:defRPr>
+            </a:lvl5pPr>
+            <a:lvl6pPr marL="2514600" indent="-228600" algn="l" defTabSz="914400" rtl="0" eaLnBrk="1" latinLnBrk="0" hangingPunct="1">
+              <a:spcBef>
+                <a:spcPct val="20000"/>
+              </a:spcBef>
+              <a:buFont typeface="Arial" pitchFamily="34" charset="0"/>
+              <a:buChar char="•"/>
+              <a:defRPr sz="2000" kern="1200">
+                <a:solidFill>
+                  <a:schemeClr val="dk1"/>
+                </a:solidFill>
+                <a:latin typeface="+mn-lt"/>
+                <a:ea typeface="+mn-ea"/>
+                <a:cs typeface="+mn-cs"/>
+              </a:defRPr>
+            </a:lvl6pPr>
+            <a:lvl7pPr marL="2971800" indent="-228600" algn="l" defTabSz="914400" rtl="0" eaLnBrk="1" latinLnBrk="0" hangingPunct="1">
+              <a:spcBef>
+                <a:spcPct val="20000"/>
+              </a:spcBef>
+              <a:buFont typeface="Arial" pitchFamily="34" charset="0"/>
+              <a:buChar char="•"/>
+              <a:defRPr sz="2000" kern="1200">
+                <a:solidFill>
+                  <a:schemeClr val="dk1"/>
+                </a:solidFill>
+                <a:latin typeface="+mn-lt"/>
+                <a:ea typeface="+mn-ea"/>
+                <a:cs typeface="+mn-cs"/>
+              </a:defRPr>
+            </a:lvl7pPr>
+            <a:lvl8pPr marL="3429000" indent="-228600" algn="l" defTabSz="914400" rtl="0" eaLnBrk="1" latinLnBrk="0" hangingPunct="1">
+              <a:spcBef>
+                <a:spcPct val="20000"/>
+              </a:spcBef>
+              <a:buFont typeface="Arial" pitchFamily="34" charset="0"/>
+              <a:buChar char="•"/>
+              <a:defRPr sz="2000" kern="1200">
+                <a:solidFill>
+                  <a:schemeClr val="dk1"/>
+                </a:solidFill>
+                <a:latin typeface="+mn-lt"/>
+                <a:ea typeface="+mn-ea"/>
+                <a:cs typeface="+mn-cs"/>
+              </a:defRPr>
+            </a:lvl8pPr>
+            <a:lvl9pPr marL="3886200" indent="-228600" algn="l" defTabSz="914400" rtl="0" eaLnBrk="1" latinLnBrk="0" hangingPunct="1">
+              <a:spcBef>
+                <a:spcPct val="20000"/>
+              </a:spcBef>
+              <a:buFont typeface="Arial" pitchFamily="34" charset="0"/>
+              <a:buChar char="•"/>
+              <a:defRPr sz="2000" kern="1200">
+                <a:solidFill>
+                  <a:schemeClr val="dk1"/>
+                </a:solidFill>
+                <a:latin typeface="+mn-lt"/>
+                <a:ea typeface="+mn-ea"/>
+                <a:cs typeface="+mn-cs"/>
+              </a:defRPr>
+            </a:lvl9pPr>
+          </a:lstStyle>
+          <a:p>
+            <a:pPr marL="171450" lvl="0" indent="-171450" eaLnBrk="0" fontAlgn="base" hangingPunct="0">
+              <a:spcBef>
+                <a:spcPct val="0"/>
+              </a:spcBef>
+              <a:spcAft>
+                <a:spcPct val="0"/>
+              </a:spcAft>
+              <a:buFont typeface="Wingdings" panose="05000000000000000000" pitchFamily="2" charset="2"/>
+              <a:buChar char="Ø"/>
+            </a:pPr>
+            <a:r>
+              <a:rPr lang="en-US" altLang="en-US" sz="1000" dirty="0">
+                <a:solidFill>
+                  <a:srgbClr val="0000FF"/>
+                </a:solidFill>
+                <a:latin typeface="Lucida Console" panose="020B0609040504020204" pitchFamily="49" charset="0"/>
+              </a:rPr>
+              <a:t>bd %&gt;% filter(</a:t>
+            </a:r>
+            <a:r>
+              <a:rPr lang="en-US" altLang="en-US" sz="1000" dirty="0" err="1">
+                <a:solidFill>
+                  <a:srgbClr val="0000FF"/>
+                </a:solidFill>
+                <a:latin typeface="Lucida Console" panose="020B0609040504020204" pitchFamily="49" charset="0"/>
+              </a:rPr>
+              <a:t>anio</a:t>
+            </a:r>
+            <a:r>
+              <a:rPr lang="en-US" altLang="en-US" sz="1000" dirty="0">
+                <a:solidFill>
+                  <a:srgbClr val="0000FF"/>
+                </a:solidFill>
+                <a:latin typeface="Lucida Console" panose="020B0609040504020204" pitchFamily="49" charset="0"/>
+              </a:rPr>
+              <a:t> == "2014", </a:t>
+            </a:r>
+          </a:p>
+          <a:p>
+            <a:pPr marL="171450" lvl="0" indent="-171450" eaLnBrk="0" fontAlgn="base" hangingPunct="0">
+              <a:spcBef>
+                <a:spcPct val="0"/>
+              </a:spcBef>
+              <a:spcAft>
+                <a:spcPct val="0"/>
+              </a:spcAft>
+              <a:buFont typeface="Wingdings" panose="05000000000000000000" pitchFamily="2" charset="2"/>
+              <a:buChar char="Ø"/>
+            </a:pPr>
+            <a:r>
+              <a:rPr lang="en-US" altLang="en-US" sz="1000" dirty="0">
+                <a:solidFill>
+                  <a:srgbClr val="0000FF"/>
+                </a:solidFill>
+                <a:latin typeface="Lucida Console" panose="020B0609040504020204" pitchFamily="49" charset="0"/>
+              </a:rPr>
+              <a:t>              </a:t>
+            </a:r>
+            <a:r>
+              <a:rPr lang="en-US" altLang="en-US" sz="1000" dirty="0" err="1">
+                <a:solidFill>
+                  <a:srgbClr val="0000FF"/>
+                </a:solidFill>
+                <a:latin typeface="Lucida Console" panose="020B0609040504020204" pitchFamily="49" charset="0"/>
+              </a:rPr>
+              <a:t>departamento</a:t>
+            </a:r>
+            <a:r>
+              <a:rPr lang="en-US" altLang="en-US" sz="1000" dirty="0">
+                <a:solidFill>
+                  <a:srgbClr val="0000FF"/>
+                </a:solidFill>
+                <a:latin typeface="Lucida Console" panose="020B0609040504020204" pitchFamily="49" charset="0"/>
+              </a:rPr>
+              <a:t> == "Artigas") </a:t>
+            </a:r>
+          </a:p>
+          <a:p>
+            <a:pPr eaLnBrk="0" fontAlgn="base" hangingPunct="0">
+              <a:spcBef>
+                <a:spcPct val="0"/>
+              </a:spcBef>
+              <a:spcAft>
+                <a:spcPct val="0"/>
+              </a:spcAft>
+              <a:buFont typeface="Wingdings" panose="05000000000000000000" pitchFamily="2" charset="2"/>
+              <a:buChar char="Ø"/>
+            </a:pPr>
+            <a:r>
+              <a:rPr lang="en-US" altLang="en-US" sz="1000" dirty="0">
+                <a:solidFill>
+                  <a:srgbClr val="949494"/>
+                </a:solidFill>
+                <a:latin typeface="Lucida Console" panose="020B0609040504020204" pitchFamily="49" charset="0"/>
+              </a:rPr>
+              <a:t># A </a:t>
+            </a:r>
+            <a:r>
+              <a:rPr lang="en-US" altLang="en-US" sz="1000" dirty="0" err="1">
+                <a:solidFill>
+                  <a:srgbClr val="949494"/>
+                </a:solidFill>
+                <a:latin typeface="Lucida Console" panose="020B0609040504020204" pitchFamily="49" charset="0"/>
+              </a:rPr>
+              <a:t>tibble</a:t>
+            </a:r>
+            <a:r>
+              <a:rPr lang="en-US" altLang="en-US" sz="1000" dirty="0">
+                <a:solidFill>
+                  <a:srgbClr val="949494"/>
+                </a:solidFill>
+                <a:latin typeface="Lucida Console" panose="020B0609040504020204" pitchFamily="49" charset="0"/>
+              </a:rPr>
+              <a:t>: 3,033 x 7</a:t>
+            </a:r>
+            <a:endParaRPr lang="en-US" altLang="en-US" sz="1000" dirty="0">
+              <a:solidFill>
+                <a:srgbClr val="000000"/>
+              </a:solidFill>
+              <a:latin typeface="Lucida Console" panose="020B0609040504020204" pitchFamily="49" charset="0"/>
+            </a:endParaRPr>
+          </a:p>
+          <a:p>
+            <a:pPr eaLnBrk="0" fontAlgn="base" hangingPunct="0">
+              <a:spcBef>
+                <a:spcPct val="0"/>
+              </a:spcBef>
+              <a:spcAft>
+                <a:spcPct val="0"/>
+              </a:spcAft>
+              <a:buFont typeface="Wingdings" panose="05000000000000000000" pitchFamily="2" charset="2"/>
+              <a:buChar char="Ø"/>
+            </a:pPr>
+            <a:r>
+              <a:rPr lang="en-US" altLang="en-US" sz="1000" dirty="0">
+                <a:solidFill>
+                  <a:srgbClr val="000000"/>
+                </a:solidFill>
+                <a:latin typeface="Lucida Console" panose="020B0609040504020204" pitchFamily="49" charset="0"/>
+              </a:rPr>
+              <a:t>   id            </a:t>
+            </a:r>
+            <a:r>
+              <a:rPr lang="en-US" altLang="en-US" sz="1000" dirty="0" err="1">
+                <a:solidFill>
+                  <a:srgbClr val="000000"/>
+                </a:solidFill>
+                <a:latin typeface="Lucida Console" panose="020B0609040504020204" pitchFamily="49" charset="0"/>
+              </a:rPr>
+              <a:t>anio</a:t>
+            </a:r>
+            <a:r>
+              <a:rPr lang="en-US" altLang="en-US" sz="1000" dirty="0">
+                <a:solidFill>
+                  <a:srgbClr val="000000"/>
+                </a:solidFill>
+                <a:latin typeface="Lucida Console" panose="020B0609040504020204" pitchFamily="49" charset="0"/>
+              </a:rPr>
+              <a:t> </a:t>
+            </a:r>
+            <a:r>
+              <a:rPr lang="en-US" altLang="en-US" sz="1000" dirty="0" err="1">
+                <a:solidFill>
+                  <a:srgbClr val="000000"/>
+                </a:solidFill>
+                <a:latin typeface="Lucida Console" panose="020B0609040504020204" pitchFamily="49" charset="0"/>
+              </a:rPr>
+              <a:t>ponderador</a:t>
+            </a:r>
+            <a:r>
+              <a:rPr lang="en-US" altLang="en-US" sz="1000" dirty="0">
+                <a:solidFill>
+                  <a:srgbClr val="000000"/>
+                </a:solidFill>
+                <a:latin typeface="Lucida Console" panose="020B0609040504020204" pitchFamily="49" charset="0"/>
+              </a:rPr>
+              <a:t> </a:t>
+            </a:r>
+            <a:r>
+              <a:rPr lang="en-US" altLang="en-US" sz="1000" dirty="0" err="1">
+                <a:solidFill>
+                  <a:srgbClr val="000000"/>
+                </a:solidFill>
+                <a:latin typeface="Lucida Console" panose="020B0609040504020204" pitchFamily="49" charset="0"/>
+              </a:rPr>
+              <a:t>departamento</a:t>
+            </a:r>
+            <a:r>
+              <a:rPr lang="en-US" altLang="en-US" sz="1000" dirty="0">
+                <a:solidFill>
+                  <a:srgbClr val="000000"/>
+                </a:solidFill>
+                <a:latin typeface="Lucida Console" panose="020B0609040504020204" pitchFamily="49" charset="0"/>
+              </a:rPr>
+              <a:t>  </a:t>
+            </a:r>
+            <a:r>
+              <a:rPr lang="en-US" altLang="en-US" sz="1000" dirty="0" err="1">
+                <a:solidFill>
+                  <a:srgbClr val="000000"/>
+                </a:solidFill>
+                <a:latin typeface="Lucida Console" panose="020B0609040504020204" pitchFamily="49" charset="0"/>
+              </a:rPr>
+              <a:t>genero</a:t>
+            </a:r>
+            <a:r>
+              <a:rPr lang="en-US" altLang="en-US" sz="1000" dirty="0">
+                <a:solidFill>
+                  <a:srgbClr val="000000"/>
+                </a:solidFill>
+                <a:latin typeface="Lucida Console" panose="020B0609040504020204" pitchFamily="49" charset="0"/>
+              </a:rPr>
+              <a:t>  </a:t>
+            </a:r>
+            <a:r>
+              <a:rPr lang="en-US" altLang="en-US" sz="1000" dirty="0" err="1">
+                <a:solidFill>
+                  <a:srgbClr val="000000"/>
+                </a:solidFill>
+                <a:latin typeface="Lucida Console" panose="020B0609040504020204" pitchFamily="49" charset="0"/>
+              </a:rPr>
+              <a:t>edad</a:t>
+            </a:r>
+            <a:r>
+              <a:rPr lang="en-US" altLang="en-US" sz="1000" dirty="0">
+                <a:solidFill>
+                  <a:srgbClr val="000000"/>
+                </a:solidFill>
+                <a:latin typeface="Lucida Console" panose="020B0609040504020204" pitchFamily="49" charset="0"/>
+              </a:rPr>
+              <a:t> </a:t>
+            </a:r>
+            <a:r>
+              <a:rPr lang="en-US" altLang="en-US" sz="1000" dirty="0" err="1">
+                <a:solidFill>
+                  <a:srgbClr val="000000"/>
+                </a:solidFill>
+                <a:latin typeface="Lucida Console" panose="020B0609040504020204" pitchFamily="49" charset="0"/>
+              </a:rPr>
+              <a:t>edad_categoria</a:t>
+            </a:r>
+            <a:r>
+              <a:rPr lang="en-US" altLang="en-US" sz="1000" dirty="0">
+                <a:solidFill>
+                  <a:srgbClr val="000000"/>
+                </a:solidFill>
+                <a:latin typeface="Lucida Console" panose="020B0609040504020204" pitchFamily="49" charset="0"/>
+              </a:rPr>
+              <a:t> </a:t>
+            </a:r>
+          </a:p>
+          <a:p>
+            <a:pPr eaLnBrk="0" fontAlgn="base" hangingPunct="0">
+              <a:spcBef>
+                <a:spcPct val="0"/>
+              </a:spcBef>
+              <a:spcAft>
+                <a:spcPct val="0"/>
+              </a:spcAft>
+              <a:buFont typeface="Wingdings" panose="05000000000000000000" pitchFamily="2" charset="2"/>
+              <a:buChar char="Ø"/>
+            </a:pPr>
+            <a:r>
+              <a:rPr lang="en-US" altLang="en-US" sz="1000" i="1" dirty="0">
+                <a:solidFill>
+                  <a:srgbClr val="949494"/>
+                </a:solidFill>
+                <a:latin typeface="Lucida Console" panose="020B0609040504020204" pitchFamily="49" charset="0"/>
+              </a:rPr>
+              <a:t>   &lt;</a:t>
+            </a:r>
+            <a:r>
+              <a:rPr lang="en-US" altLang="en-US" sz="1000" i="1" dirty="0" err="1">
+                <a:solidFill>
+                  <a:srgbClr val="949494"/>
+                </a:solidFill>
+                <a:latin typeface="Lucida Console" panose="020B0609040504020204" pitchFamily="49" charset="0"/>
+              </a:rPr>
+              <a:t>chr</a:t>
+            </a:r>
+            <a:r>
+              <a:rPr lang="en-US" altLang="en-US" sz="1000" i="1" dirty="0">
+                <a:solidFill>
+                  <a:srgbClr val="949494"/>
+                </a:solidFill>
+                <a:latin typeface="Lucida Console" panose="020B0609040504020204" pitchFamily="49" charset="0"/>
+              </a:rPr>
+              <a:t>&gt;</a:t>
+            </a:r>
+            <a:r>
+              <a:rPr lang="en-US" altLang="en-US" sz="1000" dirty="0">
+                <a:solidFill>
+                  <a:srgbClr val="000000"/>
+                </a:solidFill>
+                <a:latin typeface="Lucida Console" panose="020B0609040504020204" pitchFamily="49" charset="0"/>
+              </a:rPr>
+              <a:t>         </a:t>
+            </a:r>
+            <a:r>
+              <a:rPr lang="en-US" altLang="en-US" sz="1000" i="1" dirty="0">
+                <a:solidFill>
+                  <a:srgbClr val="949494"/>
+                </a:solidFill>
+                <a:latin typeface="Lucida Console" panose="020B0609040504020204" pitchFamily="49" charset="0"/>
+              </a:rPr>
+              <a:t>&lt;</a:t>
+            </a:r>
+            <a:r>
+              <a:rPr lang="en-US" altLang="en-US" sz="1000" i="1" dirty="0" err="1">
+                <a:solidFill>
+                  <a:srgbClr val="949494"/>
+                </a:solidFill>
+                <a:latin typeface="Lucida Console" panose="020B0609040504020204" pitchFamily="49" charset="0"/>
+              </a:rPr>
+              <a:t>chr</a:t>
+            </a:r>
+            <a:r>
+              <a:rPr lang="en-US" altLang="en-US" sz="1000" i="1" dirty="0">
+                <a:solidFill>
+                  <a:srgbClr val="949494"/>
+                </a:solidFill>
+                <a:latin typeface="Lucida Console" panose="020B0609040504020204" pitchFamily="49" charset="0"/>
+              </a:rPr>
+              <a:t>&gt;</a:t>
+            </a:r>
+            <a:r>
+              <a:rPr lang="en-US" altLang="en-US" sz="1000" dirty="0">
+                <a:solidFill>
+                  <a:srgbClr val="000000"/>
+                </a:solidFill>
+                <a:latin typeface="Lucida Console" panose="020B0609040504020204" pitchFamily="49" charset="0"/>
+              </a:rPr>
+              <a:t>     </a:t>
+            </a:r>
+            <a:r>
+              <a:rPr lang="en-US" altLang="en-US" sz="1000" i="1" dirty="0">
+                <a:solidFill>
+                  <a:srgbClr val="949494"/>
+                </a:solidFill>
+                <a:latin typeface="Lucida Console" panose="020B0609040504020204" pitchFamily="49" charset="0"/>
+              </a:rPr>
+              <a:t>&lt;</a:t>
+            </a:r>
+            <a:r>
+              <a:rPr lang="en-US" altLang="en-US" sz="1000" i="1" dirty="0" err="1">
+                <a:solidFill>
+                  <a:srgbClr val="949494"/>
+                </a:solidFill>
+                <a:latin typeface="Lucida Console" panose="020B0609040504020204" pitchFamily="49" charset="0"/>
+              </a:rPr>
+              <a:t>dbl</a:t>
+            </a:r>
+            <a:r>
+              <a:rPr lang="en-US" altLang="en-US" sz="1000" i="1" dirty="0">
+                <a:solidFill>
+                  <a:srgbClr val="949494"/>
+                </a:solidFill>
+                <a:latin typeface="Lucida Console" panose="020B0609040504020204" pitchFamily="49" charset="0"/>
+              </a:rPr>
+              <a:t>&gt;</a:t>
+            </a:r>
+            <a:r>
+              <a:rPr lang="en-US" altLang="en-US" sz="1000" dirty="0">
+                <a:solidFill>
+                  <a:srgbClr val="000000"/>
+                </a:solidFill>
+                <a:latin typeface="Lucida Console" panose="020B0609040504020204" pitchFamily="49" charset="0"/>
+              </a:rPr>
+              <a:t> </a:t>
+            </a:r>
+            <a:r>
+              <a:rPr lang="en-US" altLang="en-US" sz="1000" i="1" dirty="0" err="1">
+                <a:solidFill>
+                  <a:srgbClr val="949494"/>
+                </a:solidFill>
+                <a:latin typeface="Lucida Console" panose="020B0609040504020204" pitchFamily="49" charset="0"/>
+              </a:rPr>
+              <a:t>chr</a:t>
+            </a:r>
+            <a:r>
+              <a:rPr lang="en-US" altLang="en-US" sz="1000" i="1" dirty="0">
+                <a:solidFill>
+                  <a:srgbClr val="949494"/>
+                </a:solidFill>
+                <a:latin typeface="Lucida Console" panose="020B0609040504020204" pitchFamily="49" charset="0"/>
+              </a:rPr>
+              <a:t>&gt;</a:t>
+            </a:r>
+            <a:r>
+              <a:rPr lang="en-US" altLang="en-US" sz="1000" dirty="0">
+                <a:solidFill>
+                  <a:srgbClr val="000000"/>
+                </a:solidFill>
+                <a:latin typeface="Lucida Console" panose="020B0609040504020204" pitchFamily="49" charset="0"/>
+              </a:rPr>
+              <a:t>          </a:t>
+            </a:r>
+            <a:r>
+              <a:rPr lang="en-US" altLang="en-US" sz="1000" i="1" dirty="0">
+                <a:solidFill>
+                  <a:srgbClr val="949494"/>
+                </a:solidFill>
+                <a:latin typeface="Lucida Console" panose="020B0609040504020204" pitchFamily="49" charset="0"/>
+              </a:rPr>
+              <a:t>&lt;</a:t>
+            </a:r>
+            <a:r>
+              <a:rPr lang="en-US" altLang="en-US" sz="1000" i="1" dirty="0" err="1">
+                <a:solidFill>
+                  <a:srgbClr val="949494"/>
+                </a:solidFill>
+                <a:latin typeface="Lucida Console" panose="020B0609040504020204" pitchFamily="49" charset="0"/>
+              </a:rPr>
+              <a:t>chr</a:t>
+            </a:r>
+            <a:r>
+              <a:rPr lang="en-US" altLang="en-US" sz="1000" i="1" dirty="0">
+                <a:solidFill>
+                  <a:srgbClr val="949494"/>
+                </a:solidFill>
+                <a:latin typeface="Lucida Console" panose="020B0609040504020204" pitchFamily="49" charset="0"/>
+              </a:rPr>
+              <a:t>&gt;</a:t>
+            </a:r>
+            <a:r>
+              <a:rPr lang="en-US" altLang="en-US" sz="1000" dirty="0">
+                <a:solidFill>
+                  <a:srgbClr val="000000"/>
+                </a:solidFill>
+                <a:latin typeface="Lucida Console" panose="020B0609040504020204" pitchFamily="49" charset="0"/>
+              </a:rPr>
+              <a:t>  </a:t>
+            </a:r>
+            <a:r>
+              <a:rPr lang="en-US" altLang="en-US" sz="1000" i="1" dirty="0">
+                <a:solidFill>
+                  <a:srgbClr val="949494"/>
+                </a:solidFill>
+                <a:latin typeface="Lucida Console" panose="020B0609040504020204" pitchFamily="49" charset="0"/>
+              </a:rPr>
+              <a:t>&lt;</a:t>
+            </a:r>
+            <a:r>
+              <a:rPr lang="en-US" altLang="en-US" sz="1000" i="1" dirty="0" err="1">
+                <a:solidFill>
+                  <a:srgbClr val="949494"/>
+                </a:solidFill>
+                <a:latin typeface="Lucida Console" panose="020B0609040504020204" pitchFamily="49" charset="0"/>
+              </a:rPr>
+              <a:t>dbl</a:t>
+            </a:r>
+            <a:r>
+              <a:rPr lang="en-US" altLang="en-US" sz="1000" i="1" dirty="0">
+                <a:solidFill>
+                  <a:srgbClr val="949494"/>
+                </a:solidFill>
+                <a:latin typeface="Lucida Console" panose="020B0609040504020204" pitchFamily="49" charset="0"/>
+              </a:rPr>
+              <a:t>&gt; &lt;</a:t>
+            </a:r>
+            <a:r>
+              <a:rPr lang="en-US" altLang="en-US" sz="1000" i="1" dirty="0" err="1">
+                <a:solidFill>
+                  <a:srgbClr val="949494"/>
+                </a:solidFill>
+                <a:latin typeface="Lucida Console" panose="020B0609040504020204" pitchFamily="49" charset="0"/>
+              </a:rPr>
+              <a:t>chr</a:t>
+            </a:r>
+            <a:r>
+              <a:rPr lang="en-US" altLang="en-US" sz="1000" i="1" dirty="0">
+                <a:solidFill>
+                  <a:srgbClr val="949494"/>
+                </a:solidFill>
+                <a:latin typeface="Lucida Console" panose="020B0609040504020204" pitchFamily="49" charset="0"/>
+              </a:rPr>
+              <a:t>&gt;</a:t>
+            </a:r>
+            <a:r>
+              <a:rPr lang="en-US" altLang="en-US" sz="1000" dirty="0">
+                <a:solidFill>
+                  <a:srgbClr val="000000"/>
+                </a:solidFill>
+                <a:latin typeface="Lucida Console" panose="020B0609040504020204" pitchFamily="49" charset="0"/>
+              </a:rPr>
+              <a:t> </a:t>
+            </a:r>
+          </a:p>
+          <a:p>
+            <a:pPr eaLnBrk="0" fontAlgn="base" hangingPunct="0">
+              <a:spcBef>
+                <a:spcPct val="0"/>
+              </a:spcBef>
+              <a:spcAft>
+                <a:spcPct val="0"/>
+              </a:spcAft>
+              <a:buFont typeface="Wingdings" panose="05000000000000000000" pitchFamily="2" charset="2"/>
+              <a:buChar char="Ø"/>
+            </a:pPr>
+            <a:r>
+              <a:rPr lang="en-US" altLang="en-US" sz="1000" dirty="0">
+                <a:solidFill>
+                  <a:srgbClr val="BCBCBC"/>
+                </a:solidFill>
+                <a:latin typeface="Lucida Console" panose="020B0609040504020204" pitchFamily="49" charset="0"/>
+              </a:rPr>
+              <a:t> 1</a:t>
+            </a:r>
+            <a:r>
+              <a:rPr lang="en-US" altLang="en-US" sz="1000" dirty="0">
+                <a:solidFill>
+                  <a:srgbClr val="000000"/>
+                </a:solidFill>
+                <a:latin typeface="Lucida Console" panose="020B0609040504020204" pitchFamily="49" charset="0"/>
+              </a:rPr>
+              <a:t> 2014000007001 2014        37  Artigas       </a:t>
+            </a:r>
+            <a:r>
+              <a:rPr lang="en-US" altLang="en-US" sz="1000" dirty="0" err="1">
+                <a:solidFill>
+                  <a:srgbClr val="000000"/>
+                </a:solidFill>
+                <a:latin typeface="Lucida Console" panose="020B0609040504020204" pitchFamily="49" charset="0"/>
+              </a:rPr>
+              <a:t>mujer</a:t>
+            </a:r>
+            <a:r>
+              <a:rPr lang="en-US" altLang="en-US" sz="1000" dirty="0">
+                <a:solidFill>
+                  <a:srgbClr val="000000"/>
+                </a:solidFill>
+                <a:latin typeface="Lucida Console" panose="020B0609040504020204" pitchFamily="49" charset="0"/>
+              </a:rPr>
+              <a:t>     53 50 a 64 </a:t>
+            </a:r>
+          </a:p>
+          <a:p>
+            <a:pPr eaLnBrk="0" fontAlgn="base" hangingPunct="0">
+              <a:spcBef>
+                <a:spcPct val="0"/>
+              </a:spcBef>
+              <a:spcAft>
+                <a:spcPct val="0"/>
+              </a:spcAft>
+              <a:buFont typeface="Wingdings" panose="05000000000000000000" pitchFamily="2" charset="2"/>
+              <a:buChar char="Ø"/>
+            </a:pPr>
+            <a:r>
+              <a:rPr lang="en-US" altLang="en-US" sz="1000" dirty="0">
+                <a:solidFill>
+                  <a:srgbClr val="BCBCBC"/>
+                </a:solidFill>
+                <a:latin typeface="Lucida Console" panose="020B0609040504020204" pitchFamily="49" charset="0"/>
+              </a:rPr>
+              <a:t> 2</a:t>
+            </a:r>
+            <a:r>
+              <a:rPr lang="en-US" altLang="en-US" sz="1000" dirty="0">
+                <a:solidFill>
+                  <a:srgbClr val="000000"/>
+                </a:solidFill>
+                <a:latin typeface="Lucida Console" panose="020B0609040504020204" pitchFamily="49" charset="0"/>
+              </a:rPr>
+              <a:t> 2014000007002 2014        37  Artigas       </a:t>
+            </a:r>
+            <a:r>
+              <a:rPr lang="en-US" altLang="en-US" sz="1000" dirty="0" err="1">
+                <a:solidFill>
+                  <a:srgbClr val="000000"/>
+                </a:solidFill>
+                <a:latin typeface="Lucida Console" panose="020B0609040504020204" pitchFamily="49" charset="0"/>
+              </a:rPr>
+              <a:t>mujer</a:t>
+            </a:r>
+            <a:r>
+              <a:rPr lang="en-US" altLang="en-US" sz="1000" dirty="0">
+                <a:solidFill>
+                  <a:srgbClr val="000000"/>
+                </a:solidFill>
+                <a:latin typeface="Lucida Console" panose="020B0609040504020204" pitchFamily="49" charset="0"/>
+              </a:rPr>
+              <a:t>     28 14 a 29 </a:t>
+            </a:r>
+          </a:p>
+          <a:p>
+            <a:pPr eaLnBrk="0" fontAlgn="base" hangingPunct="0">
+              <a:spcBef>
+                <a:spcPct val="0"/>
+              </a:spcBef>
+              <a:spcAft>
+                <a:spcPct val="0"/>
+              </a:spcAft>
+              <a:buFont typeface="Wingdings" panose="05000000000000000000" pitchFamily="2" charset="2"/>
+              <a:buChar char="Ø"/>
+            </a:pPr>
+            <a:r>
+              <a:rPr lang="en-US" altLang="en-US" sz="1000" dirty="0">
+                <a:solidFill>
+                  <a:srgbClr val="BCBCBC"/>
+                </a:solidFill>
+                <a:latin typeface="Lucida Console" panose="020B0609040504020204" pitchFamily="49" charset="0"/>
+              </a:rPr>
+              <a:t> 3</a:t>
+            </a:r>
+            <a:r>
+              <a:rPr lang="en-US" altLang="en-US" sz="1000" dirty="0">
+                <a:solidFill>
+                  <a:srgbClr val="000000"/>
+                </a:solidFill>
+                <a:latin typeface="Lucida Console" panose="020B0609040504020204" pitchFamily="49" charset="0"/>
+              </a:rPr>
+              <a:t> 2014000007003 2014        37  Artigas       hombre    24 14 a 29</a:t>
+            </a:r>
+          </a:p>
+          <a:p>
+            <a:pPr eaLnBrk="0" fontAlgn="base" hangingPunct="0">
+              <a:spcBef>
+                <a:spcPct val="0"/>
+              </a:spcBef>
+              <a:spcAft>
+                <a:spcPct val="0"/>
+              </a:spcAft>
+              <a:buFont typeface="Wingdings" panose="05000000000000000000" pitchFamily="2" charset="2"/>
+              <a:buChar char="Ø"/>
+            </a:pPr>
+            <a:r>
+              <a:rPr lang="en-US" altLang="en-US" sz="1000" dirty="0">
+                <a:solidFill>
+                  <a:srgbClr val="BCBCBC"/>
+                </a:solidFill>
+                <a:latin typeface="Lucida Console" panose="020B0609040504020204" pitchFamily="49" charset="0"/>
+              </a:rPr>
+              <a:t> 4</a:t>
+            </a:r>
+            <a:r>
+              <a:rPr lang="en-US" altLang="en-US" sz="1000" dirty="0">
+                <a:solidFill>
+                  <a:srgbClr val="000000"/>
+                </a:solidFill>
+                <a:latin typeface="Lucida Console" panose="020B0609040504020204" pitchFamily="49" charset="0"/>
+              </a:rPr>
+              <a:t> 2014000007004 2014        37  Artigas       hombre    16 14 a 29 </a:t>
+            </a:r>
+            <a:endParaRPr lang="es-UY" altLang="en-US" sz="1000" dirty="0">
+              <a:solidFill>
+                <a:srgbClr val="000000"/>
+              </a:solidFill>
+              <a:latin typeface="Lucida Console" panose="020B0609040504020204" pitchFamily="49" charset="0"/>
+            </a:endParaRPr>
+          </a:p>
+          <a:p>
+            <a:pPr eaLnBrk="0" fontAlgn="base" hangingPunct="0">
+              <a:spcBef>
+                <a:spcPct val="0"/>
+              </a:spcBef>
+              <a:spcAft>
+                <a:spcPct val="0"/>
+              </a:spcAft>
+              <a:buFont typeface="Wingdings" panose="05000000000000000000" pitchFamily="2" charset="2"/>
+              <a:buChar char="Ø"/>
+            </a:pPr>
+            <a:endParaRPr lang="en-US" altLang="en-US" sz="1000" dirty="0">
+              <a:solidFill>
+                <a:srgbClr val="000000"/>
+              </a:solidFill>
+              <a:latin typeface="Lucida Console" panose="020B0609040504020204" pitchFamily="49" charset="0"/>
+            </a:endParaRPr>
+          </a:p>
+        </p:txBody>
+      </p:sp>
+      <p:pic>
+        <p:nvPicPr>
+          <p:cNvPr id="13" name="Imagen 12">
+            <a:extLst>
+              <a:ext uri="{FF2B5EF4-FFF2-40B4-BE49-F238E27FC236}">
+                <a16:creationId xmlns:a16="http://schemas.microsoft.com/office/drawing/2014/main" id="{9B8CCC96-FED4-4877-8780-B82763A439DA}"/>
+              </a:ext>
+            </a:extLst>
+          </p:cNvPr>
+          <p:cNvPicPr>
+            <a:picLocks noChangeAspect="1"/>
+          </p:cNvPicPr>
+          <p:nvPr/>
+        </p:nvPicPr>
+        <p:blipFill>
+          <a:blip r:embed="rId2">
+            <a:extLst>
+              <a:ext uri="{28A0092B-C50C-407E-A947-70E740481C1C}">
+                <a14:useLocalDpi xmlns:a14="http://schemas.microsoft.com/office/drawing/2010/main" val="0"/>
+              </a:ext>
+            </a:extLst>
+          </a:blip>
+          <a:stretch>
+            <a:fillRect/>
+          </a:stretch>
+        </p:blipFill>
+        <p:spPr>
+          <a:xfrm>
+            <a:off x="233694" y="2445801"/>
+            <a:ext cx="2278380" cy="1828800"/>
+          </a:xfrm>
+          <a:prstGeom prst="rect">
+            <a:avLst/>
+          </a:prstGeom>
+        </p:spPr>
+      </p:pic>
+      <p:cxnSp>
+        <p:nvCxnSpPr>
+          <p:cNvPr id="90" name="Conector: curvado 89">
+            <a:extLst>
+              <a:ext uri="{FF2B5EF4-FFF2-40B4-BE49-F238E27FC236}">
+                <a16:creationId xmlns:a16="http://schemas.microsoft.com/office/drawing/2014/main" id="{DC2E6B1B-CD3E-4A3B-96E9-845822271846}"/>
+              </a:ext>
+            </a:extLst>
+          </p:cNvPr>
+          <p:cNvCxnSpPr>
+            <a:cxnSpLocks/>
+          </p:cNvCxnSpPr>
+          <p:nvPr/>
+        </p:nvCxnSpPr>
+        <p:spPr>
+          <a:xfrm rot="10800000" flipV="1">
+            <a:off x="1367415" y="2116763"/>
+            <a:ext cx="1420363" cy="329037"/>
+          </a:xfrm>
+          <a:prstGeom prst="curvedConnector2">
+            <a:avLst/>
+          </a:prstGeom>
+          <a:ln w="28575">
+            <a:tailEnd type="triangle"/>
+          </a:ln>
+        </p:spPr>
+        <p:style>
+          <a:lnRef idx="1">
+            <a:schemeClr val="accent1"/>
+          </a:lnRef>
+          <a:fillRef idx="0">
+            <a:schemeClr val="accent1"/>
+          </a:fillRef>
+          <a:effectRef idx="0">
+            <a:schemeClr val="accent1"/>
+          </a:effectRef>
+          <a:fontRef idx="minor">
+            <a:schemeClr val="tx1"/>
+          </a:fontRef>
+        </p:style>
+      </p:cxnSp>
+      <p:cxnSp>
+        <p:nvCxnSpPr>
+          <p:cNvPr id="98" name="Conector: curvado 97">
+            <a:extLst>
+              <a:ext uri="{FF2B5EF4-FFF2-40B4-BE49-F238E27FC236}">
+                <a16:creationId xmlns:a16="http://schemas.microsoft.com/office/drawing/2014/main" id="{CDE82A2F-E9A2-4078-BEF7-B0FB73E2175C}"/>
+              </a:ext>
+            </a:extLst>
+          </p:cNvPr>
+          <p:cNvCxnSpPr>
+            <a:cxnSpLocks/>
+          </p:cNvCxnSpPr>
+          <p:nvPr/>
+        </p:nvCxnSpPr>
+        <p:spPr>
+          <a:xfrm rot="16200000" flipH="1">
+            <a:off x="1889378" y="3752636"/>
+            <a:ext cx="376434" cy="1420363"/>
+          </a:xfrm>
+          <a:prstGeom prst="curvedConnector2">
+            <a:avLst/>
+          </a:prstGeom>
+          <a:ln w="28575">
+            <a:tailEnd type="triangle"/>
+          </a:ln>
+        </p:spPr>
+        <p:style>
+          <a:lnRef idx="1">
+            <a:schemeClr val="accent1"/>
+          </a:lnRef>
+          <a:fillRef idx="0">
+            <a:schemeClr val="accent1"/>
+          </a:fillRef>
+          <a:effectRef idx="0">
+            <a:schemeClr val="accent1"/>
+          </a:effectRef>
+          <a:fontRef idx="minor">
+            <a:schemeClr val="tx1"/>
+          </a:fontRef>
+        </p:style>
+      </p:cxnSp>
+      <p:sp>
+        <p:nvSpPr>
+          <p:cNvPr id="99" name="Rectángulo 98">
+            <a:extLst>
+              <a:ext uri="{FF2B5EF4-FFF2-40B4-BE49-F238E27FC236}">
+                <a16:creationId xmlns:a16="http://schemas.microsoft.com/office/drawing/2014/main" id="{DB3C6EC8-443F-43B8-B160-C5CD0DFB3C4F}"/>
+              </a:ext>
+            </a:extLst>
+          </p:cNvPr>
+          <p:cNvSpPr/>
+          <p:nvPr/>
+        </p:nvSpPr>
+        <p:spPr>
+          <a:xfrm>
+            <a:off x="4355975" y="1785044"/>
+            <a:ext cx="448857" cy="1052142"/>
+          </a:xfrm>
+          <a:prstGeom prst="rect">
+            <a:avLst/>
+          </a:prstGeom>
+          <a:noFill/>
+        </p:spPr>
+        <p:style>
+          <a:lnRef idx="2">
+            <a:schemeClr val="accent6"/>
+          </a:lnRef>
+          <a:fillRef idx="1">
+            <a:schemeClr val="lt1"/>
+          </a:fillRef>
+          <a:effectRef idx="0">
+            <a:schemeClr val="accent6"/>
+          </a:effectRef>
+          <a:fontRef idx="minor">
+            <a:schemeClr val="dk1"/>
+          </a:fontRef>
+        </p:style>
+        <p:txBody>
+          <a:bodyPr rtlCol="0" anchor="ctr"/>
+          <a:lstStyle/>
+          <a:p>
+            <a:pPr algn="ctr"/>
+            <a:endParaRPr lang="en-US"/>
+          </a:p>
+        </p:txBody>
+      </p:sp>
+      <p:sp>
+        <p:nvSpPr>
+          <p:cNvPr id="100" name="Rectángulo 99">
+            <a:extLst>
+              <a:ext uri="{FF2B5EF4-FFF2-40B4-BE49-F238E27FC236}">
+                <a16:creationId xmlns:a16="http://schemas.microsoft.com/office/drawing/2014/main" id="{8D864921-A1B7-437C-87C3-EE8EBA6039CF}"/>
+              </a:ext>
+            </a:extLst>
+          </p:cNvPr>
+          <p:cNvSpPr/>
+          <p:nvPr/>
+        </p:nvSpPr>
+        <p:spPr>
+          <a:xfrm>
+            <a:off x="5623816" y="1785044"/>
+            <a:ext cx="1008112" cy="1052142"/>
+          </a:xfrm>
+          <a:prstGeom prst="rect">
+            <a:avLst/>
+          </a:prstGeom>
+          <a:noFill/>
+        </p:spPr>
+        <p:style>
+          <a:lnRef idx="2">
+            <a:schemeClr val="accent6"/>
+          </a:lnRef>
+          <a:fillRef idx="1">
+            <a:schemeClr val="lt1"/>
+          </a:fillRef>
+          <a:effectRef idx="0">
+            <a:schemeClr val="accent6"/>
+          </a:effectRef>
+          <a:fontRef idx="minor">
+            <a:schemeClr val="dk1"/>
+          </a:fontRef>
+        </p:style>
+        <p:txBody>
+          <a:bodyPr rtlCol="0" anchor="ctr"/>
+          <a:lstStyle/>
+          <a:p>
+            <a:pPr algn="ctr"/>
+            <a:endParaRPr lang="en-US"/>
+          </a:p>
+        </p:txBody>
+      </p:sp>
+      <p:sp>
+        <p:nvSpPr>
+          <p:cNvPr id="101" name="Rectángulo 100">
+            <a:extLst>
+              <a:ext uri="{FF2B5EF4-FFF2-40B4-BE49-F238E27FC236}">
+                <a16:creationId xmlns:a16="http://schemas.microsoft.com/office/drawing/2014/main" id="{8744D2DE-0935-4C84-B0D2-D859FCC93964}"/>
+              </a:ext>
+            </a:extLst>
+          </p:cNvPr>
+          <p:cNvSpPr/>
+          <p:nvPr/>
+        </p:nvSpPr>
+        <p:spPr>
+          <a:xfrm>
+            <a:off x="4355975" y="4373432"/>
+            <a:ext cx="448857" cy="1052142"/>
+          </a:xfrm>
+          <a:prstGeom prst="rect">
+            <a:avLst/>
+          </a:prstGeom>
+          <a:noFill/>
+        </p:spPr>
+        <p:style>
+          <a:lnRef idx="2">
+            <a:schemeClr val="accent6"/>
+          </a:lnRef>
+          <a:fillRef idx="1">
+            <a:schemeClr val="lt1"/>
+          </a:fillRef>
+          <a:effectRef idx="0">
+            <a:schemeClr val="accent6"/>
+          </a:effectRef>
+          <a:fontRef idx="minor">
+            <a:schemeClr val="dk1"/>
+          </a:fontRef>
+        </p:style>
+        <p:txBody>
+          <a:bodyPr rtlCol="0" anchor="ctr"/>
+          <a:lstStyle/>
+          <a:p>
+            <a:pPr algn="ctr"/>
+            <a:endParaRPr lang="en-US"/>
+          </a:p>
+        </p:txBody>
+      </p:sp>
+      <p:sp>
+        <p:nvSpPr>
+          <p:cNvPr id="102" name="Rectángulo 101">
+            <a:extLst>
+              <a:ext uri="{FF2B5EF4-FFF2-40B4-BE49-F238E27FC236}">
+                <a16:creationId xmlns:a16="http://schemas.microsoft.com/office/drawing/2014/main" id="{FF12F9D9-9227-40CD-B906-BA0C358809AC}"/>
+              </a:ext>
+            </a:extLst>
+          </p:cNvPr>
+          <p:cNvSpPr/>
+          <p:nvPr/>
+        </p:nvSpPr>
+        <p:spPr>
+          <a:xfrm>
+            <a:off x="5623816" y="4373432"/>
+            <a:ext cx="1008112" cy="1052142"/>
+          </a:xfrm>
+          <a:prstGeom prst="rect">
+            <a:avLst/>
+          </a:prstGeom>
+          <a:noFill/>
+        </p:spPr>
+        <p:style>
+          <a:lnRef idx="2">
+            <a:schemeClr val="accent6"/>
+          </a:lnRef>
+          <a:fillRef idx="1">
+            <a:schemeClr val="lt1"/>
+          </a:fillRef>
+          <a:effectRef idx="0">
+            <a:schemeClr val="accent6"/>
+          </a:effectRef>
+          <a:fontRef idx="minor">
+            <a:schemeClr val="dk1"/>
+          </a:fontRef>
+        </p:style>
+        <p:txBody>
+          <a:bodyPr rtlCol="0" anchor="ctr"/>
+          <a:lstStyle/>
+          <a:p>
+            <a:pPr algn="ctr"/>
+            <a:endParaRPr lang="en-US"/>
+          </a:p>
+        </p:txBody>
+      </p:sp>
+      <p:sp>
+        <p:nvSpPr>
+          <p:cNvPr id="103" name="Título 1">
+            <a:extLst>
+              <a:ext uri="{FF2B5EF4-FFF2-40B4-BE49-F238E27FC236}">
+                <a16:creationId xmlns:a16="http://schemas.microsoft.com/office/drawing/2014/main" id="{E683573B-B6FA-4B9B-B4BD-A4FD010E7ADA}"/>
+              </a:ext>
+            </a:extLst>
+          </p:cNvPr>
+          <p:cNvSpPr txBox="1">
+            <a:spLocks/>
+          </p:cNvSpPr>
+          <p:nvPr/>
+        </p:nvSpPr>
+        <p:spPr>
+          <a:xfrm>
+            <a:off x="7236296" y="440558"/>
+            <a:ext cx="1800200" cy="692894"/>
+          </a:xfrm>
+          <a:prstGeom prst="rect">
+            <a:avLst/>
+          </a:prstGeom>
+        </p:spPr>
+        <p:txBody>
+          <a:bodyPr vert="horz" lIns="91440" tIns="45720" rIns="91440" bIns="45720" rtlCol="0" anchor="ctr">
+            <a:normAutofit fontScale="82500" lnSpcReduction="10000"/>
+          </a:bodyPr>
+          <a:lstStyle>
+            <a:lvl1pPr algn="ctr" defTabSz="914400" rtl="0" eaLnBrk="1" latinLnBrk="0" hangingPunct="1">
+              <a:spcBef>
+                <a:spcPct val="0"/>
+              </a:spcBef>
+              <a:buNone/>
+              <a:defRPr sz="4400" kern="1200">
+                <a:solidFill>
+                  <a:schemeClr val="tx1"/>
+                </a:solidFill>
+                <a:latin typeface="+mj-lt"/>
+                <a:ea typeface="+mj-ea"/>
+                <a:cs typeface="+mj-cs"/>
+              </a:defRPr>
+            </a:lvl1pPr>
+          </a:lstStyle>
+          <a:p>
+            <a:pPr algn="l"/>
+            <a:r>
+              <a:rPr lang="es-UY" sz="1600" dirty="0"/>
+              <a:t>Datos extraídos de la Encuesta Continua de Hogares (2011 a 2018)</a:t>
+            </a:r>
+            <a:endParaRPr lang="en-US" sz="1600" dirty="0"/>
+          </a:p>
+        </p:txBody>
+      </p:sp>
+      <p:sp>
+        <p:nvSpPr>
+          <p:cNvPr id="104" name="Flecha: a la derecha 103">
+            <a:extLst>
+              <a:ext uri="{FF2B5EF4-FFF2-40B4-BE49-F238E27FC236}">
+                <a16:creationId xmlns:a16="http://schemas.microsoft.com/office/drawing/2014/main" id="{A7452BD9-E4B5-42C5-8A4C-4344A44E112E}"/>
+              </a:ext>
+            </a:extLst>
+          </p:cNvPr>
+          <p:cNvSpPr/>
+          <p:nvPr/>
+        </p:nvSpPr>
+        <p:spPr>
+          <a:xfrm rot="19730665" flipH="1">
+            <a:off x="6801621" y="897970"/>
+            <a:ext cx="387143" cy="291678"/>
+          </a:xfrm>
+          <a:prstGeom prst="rightArrow">
+            <a:avLst/>
+          </a:prstGeom>
+        </p:spPr>
+        <p:style>
+          <a:lnRef idx="2">
+            <a:schemeClr val="accent1"/>
+          </a:lnRef>
+          <a:fillRef idx="1">
+            <a:schemeClr val="lt1"/>
+          </a:fillRef>
+          <a:effectRef idx="0">
+            <a:schemeClr val="accent1"/>
+          </a:effectRef>
+          <a:fontRef idx="minor">
+            <a:schemeClr val="dk1"/>
+          </a:fontRef>
+        </p:style>
+        <p:txBody>
+          <a:bodyPr rtlCol="0" anchor="ctr"/>
+          <a:lstStyle/>
+          <a:p>
+            <a:pPr algn="ctr"/>
+            <a:endParaRPr lang="en-US"/>
+          </a:p>
+        </p:txBody>
+      </p:sp>
+    </p:spTree>
+    <p:extLst>
+      <p:ext uri="{BB962C8B-B14F-4D97-AF65-F5344CB8AC3E}">
+        <p14:creationId xmlns:p14="http://schemas.microsoft.com/office/powerpoint/2010/main" val="1750567580"/>
+      </p:ext>
+    </p:extLst>
+  </p:cSld>
+  <p:clrMapOvr>
+    <a:masterClrMapping/>
+  </p:clrMapOvr>
+</p:sld>
+</file>
+
+<file path=ppt/slides/slide15.xml><?xml version="1.0" encoding="utf-8"?>
+<p:sld xmlns:a="http://schemas.openxmlformats.org/drawingml/2006/main" xmlns:r="http://schemas.openxmlformats.org/officeDocument/2006/relationships" xmlns:p="http://schemas.openxmlformats.org/presentationml/2006/main">
+  <p:cSld>
+    <p:spTree>
+      <p:nvGrpSpPr>
+        <p:cNvPr id="1" name=""/>
+        <p:cNvGrpSpPr/>
+        <p:nvPr/>
+      </p:nvGrpSpPr>
+      <p:grpSpPr>
+        <a:xfrm>
+          <a:off x="0" y="0"/>
+          <a:ext cx="0" cy="0"/>
+          <a:chOff x="0" y="0"/>
+          <a:chExt cx="0" cy="0"/>
+        </a:xfrm>
+      </p:grpSpPr>
+      <p:pic>
+        <p:nvPicPr>
+          <p:cNvPr id="4" name="Imagen 3">
+            <a:extLst>
+              <a:ext uri="{FF2B5EF4-FFF2-40B4-BE49-F238E27FC236}">
+                <a16:creationId xmlns:a16="http://schemas.microsoft.com/office/drawing/2014/main" id="{8E8842BB-E1E9-4AB1-9835-98B3C61EF0E3}"/>
+              </a:ext>
+            </a:extLst>
+          </p:cNvPr>
+          <p:cNvPicPr>
+            <a:picLocks noChangeAspect="1"/>
+          </p:cNvPicPr>
+          <p:nvPr/>
+        </p:nvPicPr>
+        <p:blipFill>
+          <a:blip r:embed="rId2">
+            <a:extLst>
+              <a:ext uri="{28A0092B-C50C-407E-A947-70E740481C1C}">
+                <a14:useLocalDpi xmlns:a14="http://schemas.microsoft.com/office/drawing/2010/main" val="0"/>
+              </a:ext>
+            </a:extLst>
+          </a:blip>
+          <a:stretch>
+            <a:fillRect/>
+          </a:stretch>
+        </p:blipFill>
+        <p:spPr>
+          <a:xfrm>
+            <a:off x="272348" y="836712"/>
+            <a:ext cx="8599304" cy="5535184"/>
+          </a:xfrm>
+          <a:prstGeom prst="rect">
+            <a:avLst/>
+          </a:prstGeom>
+        </p:spPr>
+      </p:pic>
+      <p:sp>
+        <p:nvSpPr>
+          <p:cNvPr id="5" name="CuadroTexto 4">
+            <a:extLst>
+              <a:ext uri="{FF2B5EF4-FFF2-40B4-BE49-F238E27FC236}">
+                <a16:creationId xmlns:a16="http://schemas.microsoft.com/office/drawing/2014/main" id="{20A7D0F1-7FBB-414C-970C-A185BD730D71}"/>
+              </a:ext>
+            </a:extLst>
+          </p:cNvPr>
+          <p:cNvSpPr txBox="1"/>
+          <p:nvPr/>
+        </p:nvSpPr>
+        <p:spPr>
+          <a:xfrm>
+            <a:off x="179512" y="224494"/>
+            <a:ext cx="1224136" cy="523220"/>
+          </a:xfrm>
+          <a:prstGeom prst="rect">
+            <a:avLst/>
+          </a:prstGeom>
+          <a:noFill/>
+        </p:spPr>
+        <p:txBody>
+          <a:bodyPr wrap="square" rtlCol="0">
+            <a:spAutoFit/>
+          </a:bodyPr>
+          <a:lstStyle/>
+          <a:p>
+            <a:pPr algn="ctr"/>
+            <a:r>
+              <a:rPr lang="en-US" sz="2800" dirty="0">
+                <a:solidFill>
+                  <a:srgbClr val="00B050"/>
+                </a:solidFill>
+              </a:rPr>
+              <a:t>app 7</a:t>
+            </a:r>
+          </a:p>
+        </p:txBody>
+      </p:sp>
+    </p:spTree>
+    <p:extLst>
+      <p:ext uri="{BB962C8B-B14F-4D97-AF65-F5344CB8AC3E}">
+        <p14:creationId xmlns:p14="http://schemas.microsoft.com/office/powerpoint/2010/main" val="551529608"/>
+      </p:ext>
+    </p:extLst>
+  </p:cSld>
+  <p:clrMapOvr>
+    <a:masterClrMapping/>
+  </p:clrMapOvr>
+</p:sld>
+</file>
+
+<file path=ppt/slides/slide16.xml><?xml version="1.0" encoding="utf-8"?>
+<p:sld xmlns:a="http://schemas.openxmlformats.org/drawingml/2006/main" xmlns:r="http://schemas.openxmlformats.org/officeDocument/2006/relationships" xmlns:p="http://schemas.openxmlformats.org/presentationml/2006/main">
+  <p:cSld>
+    <p:spTree>
+      <p:nvGrpSpPr>
+        <p:cNvPr id="1" name=""/>
+        <p:cNvGrpSpPr/>
+        <p:nvPr/>
+      </p:nvGrpSpPr>
+      <p:grpSpPr>
+        <a:xfrm>
+          <a:off x="0" y="0"/>
+          <a:ext cx="0" cy="0"/>
+          <a:chOff x="0" y="0"/>
+          <a:chExt cx="0" cy="0"/>
+        </a:xfrm>
+      </p:grpSpPr>
+      <p:sp>
+        <p:nvSpPr>
+          <p:cNvPr id="3" name="Marcador de contenido 2">
+            <a:extLst>
+              <a:ext uri="{FF2B5EF4-FFF2-40B4-BE49-F238E27FC236}">
+                <a16:creationId xmlns:a16="http://schemas.microsoft.com/office/drawing/2014/main" id="{A9C5027B-7507-41EA-8523-6A275727B9C7}"/>
+              </a:ext>
+            </a:extLst>
+          </p:cNvPr>
+          <p:cNvSpPr>
+            <a:spLocks noGrp="1"/>
+          </p:cNvSpPr>
+          <p:nvPr>
+            <p:ph idx="1"/>
+          </p:nvPr>
+        </p:nvSpPr>
+        <p:spPr>
+          <a:xfrm>
+            <a:off x="457200" y="1196752"/>
+            <a:ext cx="8229600" cy="4929411"/>
+          </a:xfrm>
+        </p:spPr>
+        <p:txBody>
+          <a:bodyPr>
+            <a:normAutofit/>
+          </a:bodyPr>
+          <a:lstStyle/>
+          <a:p>
+            <a:pPr marL="0" indent="0">
+              <a:buNone/>
+            </a:pPr>
+            <a:r>
+              <a:rPr lang="es-UY" sz="1800" dirty="0"/>
+              <a:t>Tutoriales:</a:t>
+            </a:r>
+          </a:p>
+          <a:p>
+            <a:pPr marL="0" indent="0">
+              <a:buNone/>
+            </a:pPr>
+            <a:r>
+              <a:rPr lang="en-US" sz="1800" dirty="0">
+                <a:hlinkClick r:id="rId2"/>
+              </a:rPr>
+              <a:t>https://rstudio.github.io/shinydashboard</a:t>
+            </a:r>
+            <a:endParaRPr lang="en-US" sz="1800" dirty="0"/>
+          </a:p>
+          <a:p>
+            <a:pPr marL="0" indent="0">
+              <a:buNone/>
+            </a:pPr>
+            <a:r>
+              <a:rPr lang="en-US" sz="1800" dirty="0">
+                <a:hlinkClick r:id="rId3"/>
+              </a:rPr>
+              <a:t>https://shiny.rstudio.com/articles/reactivity-overview.html</a:t>
+            </a:r>
+            <a:endParaRPr lang="en-US" sz="1800" dirty="0"/>
+          </a:p>
+          <a:p>
+            <a:pPr marL="0" indent="0">
+              <a:buNone/>
+            </a:pPr>
+            <a:endParaRPr lang="es-UY" sz="1800" dirty="0"/>
+          </a:p>
+          <a:p>
+            <a:pPr marL="0" indent="0">
+              <a:buNone/>
+            </a:pPr>
+            <a:r>
+              <a:rPr lang="es-UY" sz="1800" dirty="0" err="1"/>
+              <a:t>Cheetsheets</a:t>
+            </a:r>
+            <a:r>
+              <a:rPr lang="es-UY" sz="1800" dirty="0"/>
+              <a:t>:</a:t>
+            </a:r>
+          </a:p>
+          <a:p>
+            <a:pPr marL="0" indent="0">
+              <a:buNone/>
+            </a:pPr>
+            <a:r>
+              <a:rPr lang="en-US" sz="1800" dirty="0">
+                <a:hlinkClick r:id="rId4"/>
+              </a:rPr>
+              <a:t>https://shiny.rstudio.com/images/shiny-cheatsheet.pdf</a:t>
+            </a:r>
+            <a:endParaRPr lang="en-US" sz="1800" dirty="0"/>
+          </a:p>
+          <a:p>
+            <a:pPr marL="0" indent="0">
+              <a:buNone/>
+            </a:pPr>
+            <a:r>
+              <a:rPr lang="en-US" sz="1800" dirty="0">
+                <a:hlinkClick r:id="rId5"/>
+              </a:rPr>
+              <a:t>https://www.rstudio.com/wp-content/uploads/2015/03/shiny-spanish.pdf</a:t>
+            </a:r>
+            <a:endParaRPr lang="en-US" sz="1800" dirty="0"/>
+          </a:p>
+          <a:p>
+            <a:pPr marL="0" indent="0">
+              <a:buNone/>
+            </a:pPr>
+            <a:endParaRPr lang="es-UY" sz="1800" dirty="0"/>
+          </a:p>
+          <a:p>
+            <a:pPr marL="0" indent="0">
+              <a:buNone/>
+            </a:pPr>
+            <a:r>
+              <a:rPr lang="es-UY" sz="1800" dirty="0"/>
+              <a:t>Íconos:</a:t>
+            </a:r>
+          </a:p>
+          <a:p>
+            <a:pPr marL="0" indent="0">
+              <a:buNone/>
+            </a:pPr>
+            <a:r>
+              <a:rPr lang="en-US" sz="1800" dirty="0">
+                <a:hlinkClick r:id="rId6"/>
+              </a:rPr>
+              <a:t>https://glyphsearch.com/</a:t>
+            </a:r>
+            <a:endParaRPr lang="en-US" sz="1800" dirty="0"/>
+          </a:p>
+          <a:p>
+            <a:pPr marL="0" indent="0">
+              <a:buNone/>
+            </a:pPr>
+            <a:endParaRPr lang="es-UY" sz="1800" dirty="0"/>
+          </a:p>
+          <a:p>
+            <a:pPr marL="0" indent="0">
+              <a:buNone/>
+            </a:pPr>
+            <a:r>
+              <a:rPr lang="es-UY" sz="1800" dirty="0"/>
+              <a:t>Widgets:</a:t>
+            </a:r>
+          </a:p>
+          <a:p>
+            <a:pPr marL="0" indent="0">
+              <a:buNone/>
+            </a:pPr>
+            <a:r>
+              <a:rPr lang="es-UY" sz="1800" dirty="0">
+                <a:hlinkClick r:id="rId7"/>
+              </a:rPr>
+              <a:t>http://shiny.rstudio.com/gallery/widget-gallery.html</a:t>
+            </a:r>
+            <a:endParaRPr lang="es-UY" sz="1800" dirty="0"/>
+          </a:p>
+          <a:p>
+            <a:pPr marL="0" indent="0">
+              <a:buNone/>
+            </a:pPr>
+            <a:r>
+              <a:rPr lang="en-US" altLang="en-US" sz="1800" dirty="0" err="1">
+                <a:solidFill>
+                  <a:srgbClr val="0000FF"/>
+                </a:solidFill>
+                <a:latin typeface="Lucida Console" panose="020B0609040504020204" pitchFamily="49" charset="0"/>
+              </a:rPr>
+              <a:t>shinyWidgets</a:t>
+            </a:r>
+            <a:r>
+              <a:rPr lang="en-US" altLang="en-US" sz="1800" dirty="0">
+                <a:solidFill>
+                  <a:srgbClr val="0000FF"/>
+                </a:solidFill>
+                <a:latin typeface="Lucida Console" panose="020B0609040504020204" pitchFamily="49" charset="0"/>
+              </a:rPr>
+              <a:t>::</a:t>
+            </a:r>
+            <a:r>
+              <a:rPr lang="en-US" altLang="en-US" sz="1800" dirty="0" err="1">
+                <a:solidFill>
+                  <a:srgbClr val="0000FF"/>
+                </a:solidFill>
+                <a:latin typeface="Lucida Console" panose="020B0609040504020204" pitchFamily="49" charset="0"/>
+              </a:rPr>
+              <a:t>shinyWidgetsGallery</a:t>
+            </a:r>
+            <a:r>
+              <a:rPr lang="en-US" altLang="en-US" sz="1800" dirty="0">
+                <a:solidFill>
+                  <a:srgbClr val="0000FF"/>
+                </a:solidFill>
+                <a:latin typeface="Lucida Console" panose="020B0609040504020204" pitchFamily="49" charset="0"/>
+              </a:rPr>
+              <a:t>()</a:t>
+            </a:r>
+            <a:endParaRPr lang="en-US" altLang="en-US" sz="4000" dirty="0">
+              <a:latin typeface="Arial" panose="020B0604020202020204" pitchFamily="34" charset="0"/>
+            </a:endParaRPr>
+          </a:p>
+          <a:p>
+            <a:pPr marL="0" indent="0">
+              <a:buNone/>
+            </a:pPr>
+            <a:endParaRPr lang="en-US" sz="1800" dirty="0"/>
+          </a:p>
+        </p:txBody>
+      </p:sp>
+      <p:sp>
+        <p:nvSpPr>
+          <p:cNvPr id="6" name="Título 1">
+            <a:extLst>
+              <a:ext uri="{FF2B5EF4-FFF2-40B4-BE49-F238E27FC236}">
+                <a16:creationId xmlns:a16="http://schemas.microsoft.com/office/drawing/2014/main" id="{1DF6CCAC-13E1-4213-AE05-2C4979583FBD}"/>
+              </a:ext>
+            </a:extLst>
+          </p:cNvPr>
+          <p:cNvSpPr>
+            <a:spLocks noGrp="1"/>
+          </p:cNvSpPr>
+          <p:nvPr>
+            <p:ph type="title"/>
+          </p:nvPr>
+        </p:nvSpPr>
+        <p:spPr>
+          <a:xfrm>
+            <a:off x="107504" y="116632"/>
+            <a:ext cx="8229600" cy="490066"/>
+          </a:xfrm>
+        </p:spPr>
+        <p:txBody>
+          <a:bodyPr>
+            <a:normAutofit fontScale="90000"/>
+          </a:bodyPr>
+          <a:lstStyle/>
+          <a:p>
+            <a:pPr algn="l"/>
+            <a:r>
+              <a:rPr lang="es-UY" sz="3200" dirty="0"/>
+              <a:t>Links de interés:</a:t>
+            </a:r>
+            <a:endParaRPr lang="en-US" sz="3200" dirty="0"/>
+          </a:p>
+        </p:txBody>
+      </p:sp>
+    </p:spTree>
+    <p:extLst>
+      <p:ext uri="{BB962C8B-B14F-4D97-AF65-F5344CB8AC3E}">
+        <p14:creationId xmlns:p14="http://schemas.microsoft.com/office/powerpoint/2010/main" val="4057244066"/>
+      </p:ext>
+    </p:extLst>
+  </p:cSld>
+  <p:clrMapOvr>
+    <a:masterClrMapping/>
+  </p:clrMapOvr>
+</p:sld>
+</file>
+
+<file path=ppt/slides/slide17.xml><?xml version="1.0" encoding="utf-8"?>
+<p:sld xmlns:a="http://schemas.openxmlformats.org/drawingml/2006/main" xmlns:r="http://schemas.openxmlformats.org/officeDocument/2006/relationships" xmlns:p="http://schemas.openxmlformats.org/presentationml/2006/main">
+  <p:cSld>
+    <p:spTree>
+      <p:nvGrpSpPr>
+        <p:cNvPr id="1" name=""/>
+        <p:cNvGrpSpPr/>
+        <p:nvPr/>
+      </p:nvGrpSpPr>
+      <p:grpSpPr>
+        <a:xfrm>
+          <a:off x="0" y="0"/>
+          <a:ext cx="0" cy="0"/>
+          <a:chOff x="0" y="0"/>
+          <a:chExt cx="0" cy="0"/>
+        </a:xfrm>
+      </p:grpSpPr>
+      <p:sp>
+        <p:nvSpPr>
+          <p:cNvPr id="2" name="Título 1">
+            <a:extLst>
+              <a:ext uri="{FF2B5EF4-FFF2-40B4-BE49-F238E27FC236}">
+                <a16:creationId xmlns:a16="http://schemas.microsoft.com/office/drawing/2014/main" id="{7A687545-FCD6-4C2A-AAFB-786157EA9FE4}"/>
+              </a:ext>
+            </a:extLst>
+          </p:cNvPr>
+          <p:cNvSpPr>
+            <a:spLocks noGrp="1"/>
+          </p:cNvSpPr>
+          <p:nvPr>
+            <p:ph type="title"/>
+          </p:nvPr>
+        </p:nvSpPr>
+        <p:spPr>
+          <a:xfrm>
+            <a:off x="457200" y="2857500"/>
+            <a:ext cx="8229600" cy="1143000"/>
+          </a:xfrm>
+        </p:spPr>
+        <p:txBody>
+          <a:bodyPr/>
+          <a:lstStyle/>
+          <a:p>
+            <a:r>
+              <a:rPr lang="es-UY" dirty="0"/>
+              <a:t>¡Muchas gracias!</a:t>
+            </a:r>
+            <a:endParaRPr lang="en-US" dirty="0"/>
+          </a:p>
+        </p:txBody>
+      </p:sp>
+    </p:spTree>
+    <p:extLst>
+      <p:ext uri="{BB962C8B-B14F-4D97-AF65-F5344CB8AC3E}">
+        <p14:creationId xmlns:p14="http://schemas.microsoft.com/office/powerpoint/2010/main" val="2535380936"/>
+      </p:ext>
+    </p:extLst>
+  </p:cSld>
+  <p:clrMapOvr>
+    <a:masterClrMapping/>
+  </p:clrMapOvr>
+</p:sld>
+</file>
+
+<file path=ppt/slides/slide2.xml><?xml version="1.0" encoding="utf-8"?>
+<p:sld xmlns:a="http://schemas.openxmlformats.org/drawingml/2006/main" xmlns:r="http://schemas.openxmlformats.org/officeDocument/2006/relationships" xmlns:p="http://schemas.openxmlformats.org/presentationml/2006/main">
+  <p:cSld>
+    <p:spTree>
+      <p:nvGrpSpPr>
+        <p:cNvPr id="1" name=""/>
+        <p:cNvGrpSpPr/>
+        <p:nvPr/>
+      </p:nvGrpSpPr>
+      <p:grpSpPr>
+        <a:xfrm>
+          <a:off x="0" y="0"/>
+          <a:ext cx="0" cy="0"/>
+          <a:chOff x="0" y="0"/>
+          <a:chExt cx="0" cy="0"/>
+        </a:xfrm>
+      </p:grpSpPr>
+      <p:sp>
+        <p:nvSpPr>
+          <p:cNvPr id="2" name="Título 1">
+            <a:extLst>
+              <a:ext uri="{FF2B5EF4-FFF2-40B4-BE49-F238E27FC236}">
+                <a16:creationId xmlns:a16="http://schemas.microsoft.com/office/drawing/2014/main" id="{53C3559A-3CF0-40B8-8D98-9E17967C6F66}"/>
+              </a:ext>
+            </a:extLst>
+          </p:cNvPr>
+          <p:cNvSpPr>
+            <a:spLocks noGrp="1"/>
+          </p:cNvSpPr>
+          <p:nvPr>
+            <p:ph type="title"/>
+          </p:nvPr>
+        </p:nvSpPr>
+        <p:spPr/>
+        <p:txBody>
+          <a:bodyPr/>
+          <a:lstStyle/>
+          <a:p>
+            <a:r>
+              <a:rPr lang="es-UY" dirty="0"/>
+              <a:t>¿Qué es?</a:t>
+            </a:r>
+            <a:endParaRPr lang="en-US" dirty="0"/>
+          </a:p>
+        </p:txBody>
+      </p:sp>
+      <p:sp>
+        <p:nvSpPr>
+          <p:cNvPr id="3" name="Marcador de contenido 2">
+            <a:extLst>
+              <a:ext uri="{FF2B5EF4-FFF2-40B4-BE49-F238E27FC236}">
+                <a16:creationId xmlns:a16="http://schemas.microsoft.com/office/drawing/2014/main" id="{24E71357-780F-4267-B8BF-85E345196DB1}"/>
+              </a:ext>
+            </a:extLst>
+          </p:cNvPr>
+          <p:cNvSpPr>
+            <a:spLocks noGrp="1"/>
+          </p:cNvSpPr>
+          <p:nvPr>
+            <p:ph idx="1"/>
+          </p:nvPr>
+        </p:nvSpPr>
+        <p:spPr/>
+        <p:txBody>
+          <a:bodyPr>
+            <a:normAutofit/>
+          </a:bodyPr>
+          <a:lstStyle/>
+          <a:p>
+            <a:pPr marL="0" indent="0" algn="just">
+              <a:buNone/>
+            </a:pPr>
+            <a:r>
+              <a:rPr lang="es-UY" sz="2800" dirty="0" err="1"/>
+              <a:t>Shiny</a:t>
+            </a:r>
+            <a:r>
+              <a:rPr lang="es-UY" sz="2800" dirty="0"/>
+              <a:t> es una herramienta para crear aplicaciones web interactivas.</a:t>
+            </a:r>
+          </a:p>
+          <a:p>
+            <a:pPr marL="0" indent="0" algn="just">
+              <a:buNone/>
+            </a:pPr>
+            <a:endParaRPr lang="es-UY" sz="2800" dirty="0"/>
+          </a:p>
+          <a:p>
+            <a:pPr marL="0" indent="0" algn="just">
+              <a:buNone/>
+            </a:pPr>
+            <a:r>
+              <a:rPr lang="es-UY" sz="2800" dirty="0"/>
+              <a:t>Permite a los usuarios trabajar con los datos sin necesidad de tener conocimientos de programación.</a:t>
+            </a:r>
+            <a:endParaRPr lang="en-US" sz="2800" dirty="0"/>
+          </a:p>
+        </p:txBody>
+      </p:sp>
+    </p:spTree>
+    <p:extLst>
+      <p:ext uri="{BB962C8B-B14F-4D97-AF65-F5344CB8AC3E}">
+        <p14:creationId xmlns:p14="http://schemas.microsoft.com/office/powerpoint/2010/main" val="2593587931"/>
+      </p:ext>
+    </p:extLst>
+  </p:cSld>
+  <p:clrMapOvr>
+    <a:masterClrMapping/>
+  </p:clrMapOvr>
+</p:sld>
+</file>
+
+<file path=ppt/slides/slide3.xml><?xml version="1.0" encoding="utf-8"?>
+<p:sld xmlns:a="http://schemas.openxmlformats.org/drawingml/2006/main" xmlns:r="http://schemas.openxmlformats.org/officeDocument/2006/relationships" xmlns:p="http://schemas.openxmlformats.org/presentationml/2006/main">
+  <p:cSld>
+    <p:spTree>
+      <p:nvGrpSpPr>
+        <p:cNvPr id="1" name=""/>
+        <p:cNvGrpSpPr/>
+        <p:nvPr/>
+      </p:nvGrpSpPr>
+      <p:grpSpPr>
+        <a:xfrm>
+          <a:off x="0" y="0"/>
+          <a:ext cx="0" cy="0"/>
+          <a:chOff x="0" y="0"/>
+          <a:chExt cx="0" cy="0"/>
+        </a:xfrm>
+      </p:grpSpPr>
+      <p:sp>
+        <p:nvSpPr>
+          <p:cNvPr id="2" name="1 Título"/>
+          <p:cNvSpPr>
+            <a:spLocks noGrp="1"/>
+          </p:cNvSpPr>
+          <p:nvPr>
+            <p:ph type="title"/>
+          </p:nvPr>
+        </p:nvSpPr>
+        <p:spPr>
+          <a:xfrm>
+            <a:off x="97160" y="83451"/>
+            <a:ext cx="8229600" cy="706090"/>
+          </a:xfrm>
+        </p:spPr>
+        <p:txBody>
+          <a:bodyPr>
+            <a:normAutofit/>
+          </a:bodyPr>
+          <a:lstStyle/>
+          <a:p>
+            <a:pPr algn="l"/>
+            <a:r>
+              <a:rPr lang="es-UY" sz="3200" dirty="0" err="1"/>
+              <a:t>shinyApp</a:t>
+            </a:r>
+            <a:r>
+              <a:rPr lang="es-UY" sz="3200" dirty="0"/>
+              <a:t>: Componentes</a:t>
+            </a:r>
+          </a:p>
+        </p:txBody>
+      </p:sp>
+      <p:pic>
+        <p:nvPicPr>
+          <p:cNvPr id="12" name="Imagen 11">
+            <a:extLst>
+              <a:ext uri="{FF2B5EF4-FFF2-40B4-BE49-F238E27FC236}">
+                <a16:creationId xmlns:a16="http://schemas.microsoft.com/office/drawing/2014/main" id="{1BA8574E-3E2C-448F-94C3-8DCAD3E5DC2A}"/>
+              </a:ext>
+            </a:extLst>
+          </p:cNvPr>
+          <p:cNvPicPr>
+            <a:picLocks noChangeAspect="1"/>
+          </p:cNvPicPr>
+          <p:nvPr/>
+        </p:nvPicPr>
+        <p:blipFill rotWithShape="1">
+          <a:blip r:embed="rId2"/>
+          <a:srcRect t="2401" r="72837" b="62600"/>
+          <a:stretch/>
+        </p:blipFill>
+        <p:spPr>
+          <a:xfrm>
+            <a:off x="360040" y="1844824"/>
+            <a:ext cx="4967536" cy="3600400"/>
+          </a:xfrm>
+          <a:prstGeom prst="rect">
+            <a:avLst/>
+          </a:prstGeom>
+        </p:spPr>
+      </p:pic>
+      <p:graphicFrame>
+        <p:nvGraphicFramePr>
+          <p:cNvPr id="13" name="Tabla 12">
+            <a:extLst>
+              <a:ext uri="{FF2B5EF4-FFF2-40B4-BE49-F238E27FC236}">
+                <a16:creationId xmlns:a16="http://schemas.microsoft.com/office/drawing/2014/main" id="{6094B8FE-ECFC-4139-AAFA-D3C659985ACA}"/>
+              </a:ext>
+            </a:extLst>
+          </p:cNvPr>
+          <p:cNvGraphicFramePr>
+            <a:graphicFrameLocks noGrp="1"/>
+          </p:cNvGraphicFramePr>
+          <p:nvPr>
+            <p:extLst>
+              <p:ext uri="{D42A27DB-BD31-4B8C-83A1-F6EECF244321}">
+                <p14:modId xmlns:p14="http://schemas.microsoft.com/office/powerpoint/2010/main" val="3786847039"/>
+              </p:ext>
+            </p:extLst>
+          </p:nvPr>
+        </p:nvGraphicFramePr>
+        <p:xfrm>
+          <a:off x="5868144" y="2197224"/>
           <a:ext cx="2687960" cy="2895600"/>
         </p:xfrm>
         <a:graphic>
@@ -3710,7 +7759,7 @@
                             <a:schemeClr val="tx1"/>
                           </a:solidFill>
                         </a:rPr>
-                        <a:t>Estructura</a:t>
+                        <a:t>estructura</a:t>
                       </a:r>
                       <a:endParaRPr lang="en-US" sz="1200" b="0" u="none" dirty="0">
                         <a:solidFill>
@@ -3810,7 +7859,7 @@
                             <a:schemeClr val="tx1"/>
                           </a:solidFill>
                         </a:rPr>
-                        <a:t> de usuario, es donde se programan los elementos con los cuales interactúa el usuario (selectores, botones, cajas, controles, gráficas, etc.)</a:t>
+                        <a:t> de usuario, es dónde se programan los elementos con los cuales interactúa el usuario (selectores, botones, cajas, controles, gráficas, etc.)</a:t>
                       </a:r>
                       <a:endParaRPr lang="en-US" sz="1400" b="0" i="1" dirty="0">
                         <a:solidFill>
@@ -4060,7 +8109,7 @@
                       <a:pPr algn="ctr"/>
                       <a:r>
                         <a:rPr lang="es-ES" sz="1400" b="0" i="1" dirty="0"/>
-                        <a:t>Server, es dónde se programa el funcionamiento de todos los elementos definidos en </a:t>
+                        <a:t>Server, es dónde se programa el funcionamiento de los elementos definidos en la </a:t>
                       </a:r>
                       <a:r>
                         <a:rPr lang="es-ES" sz="1400" b="0" i="1" dirty="0" err="1"/>
@@ -4068,1030 +8117,7 @@
                       </a:r>
                       <a:r>
                         <a:rPr lang="es-ES" sz="1400" b="0" i="1" dirty="0"/>
-                        <a:t> (forma y el estilo de gráficos, tablas, etc.)</a:t>
-                      </a:r>
-                    </a:p>
-                  </a:txBody>
-                  <a:tcPr>
-                    <a:lnL w="12700" cap="flat" cmpd="sng" algn="ctr">
-                      <a:solidFill>
-                        <a:schemeClr val="tx1"/>
-                      </a:solidFill>
-                      <a:prstDash val="solid"/>
-                      <a:round/>
-                      <a:headEnd type="none" w="med" len="med"/>
-                      <a:tailEnd type="none" w="med" len="med"/>
-                    </a:lnL>
-                    <a:lnR w="12700" cap="flat" cmpd="sng" algn="ctr">
-                      <a:solidFill>
-                        <a:schemeClr val="tx1"/>
-                      </a:solidFill>
-                      <a:prstDash val="solid"/>
-                      <a:round/>
-                      <a:headEnd type="none" w="med" len="med"/>
-                      <a:tailEnd type="none" w="med" len="med"/>
-                    </a:lnR>
-                    <a:lnT w="12700" cap="flat" cmpd="sng" algn="ctr">
-                      <a:noFill/>
-                      <a:prstDash val="solid"/>
-                      <a:round/>
-                      <a:headEnd type="none" w="med" len="med"/>
-                      <a:tailEnd type="none" w="med" len="med"/>
-                    </a:lnT>
-                    <a:lnB w="12700" cap="flat" cmpd="sng" algn="ctr">
-                      <a:solidFill>
-                        <a:schemeClr val="tx1"/>
-                      </a:solidFill>
-                      <a:prstDash val="solid"/>
-                      <a:round/>
-                      <a:headEnd type="none" w="med" len="med"/>
-                      <a:tailEnd type="none" w="med" len="med"/>
-                    </a:lnB>
-                    <a:lnTlToBr w="12700" cmpd="sng">
-                      <a:noFill/>
-                      <a:prstDash val="solid"/>
-                    </a:lnTlToBr>
-                    <a:lnBlToTr w="12700" cmpd="sng">
-                      <a:noFill/>
-                      <a:prstDash val="solid"/>
-                    </a:lnBlToTr>
-                    <a:noFill/>
-                  </a:tcPr>
-                </a:tc>
-                <a:tc hMerge="1">
-                  <a:txBody>
-                    <a:bodyPr/>
-                    <a:lstStyle/>
-                    <a:p>
-                      <a:endParaRPr lang="en-US" sz="2000" b="0" dirty="0">
-                        <a:solidFill>
-                          <a:schemeClr val="tx1"/>
-                        </a:solidFill>
-                      </a:endParaRPr>
-                    </a:p>
-                  </a:txBody>
-                  <a:tcPr>
-                    <a:lnR w="12700" cap="flat" cmpd="sng" algn="ctr">
-                      <a:solidFill>
-                        <a:schemeClr val="tx1"/>
-                      </a:solidFill>
-                      <a:prstDash val="solid"/>
-                      <a:round/>
-                      <a:headEnd type="none" w="med" len="med"/>
-                      <a:tailEnd type="none" w="med" len="med"/>
-                    </a:lnR>
-                    <a:lnT w="12700" cap="flat" cmpd="sng" algn="ctr">
-                      <a:solidFill>
-                        <a:schemeClr val="tx1"/>
-                      </a:solidFill>
-                      <a:prstDash val="solid"/>
-                      <a:round/>
-                      <a:headEnd type="none" w="med" len="med"/>
-                      <a:tailEnd type="none" w="med" len="med"/>
-                    </a:lnT>
-                    <a:lnB w="12700" cap="flat" cmpd="sng" algn="ctr">
-                      <a:solidFill>
-                        <a:schemeClr val="tx1"/>
-                      </a:solidFill>
-                      <a:prstDash val="solid"/>
-                      <a:round/>
-                      <a:headEnd type="none" w="med" len="med"/>
-                      <a:tailEnd type="none" w="med" len="med"/>
-                    </a:lnB>
-                    <a:noFill/>
-                  </a:tcPr>
-                </a:tc>
-                <a:extLst>
-                  <a:ext uri="{0D108BD9-81ED-4DB2-BD59-A6C34878D82A}">
-                    <a16:rowId xmlns:a16="http://schemas.microsoft.com/office/drawing/2014/main" val="3868390880"/>
-                  </a:ext>
-                </a:extLst>
-              </a:tr>
-            </a:tbl>
-          </a:graphicData>
-        </a:graphic>
-      </p:graphicFrame>
-      <p:graphicFrame>
-        <p:nvGraphicFramePr>
-          <p:cNvPr id="6" name="Tabla 5">
-            <a:extLst>
-              <a:ext uri="{FF2B5EF4-FFF2-40B4-BE49-F238E27FC236}">
-                <a16:creationId xmlns:a16="http://schemas.microsoft.com/office/drawing/2014/main" id="{A2AADA93-A8F5-4A04-81A0-03FE2D3B17F8}"/>
-              </a:ext>
-            </a:extLst>
-          </p:cNvPr>
-          <p:cNvGraphicFramePr>
-            <a:graphicFrameLocks noGrp="1"/>
-          </p:cNvGraphicFramePr>
-          <p:nvPr>
-            <p:extLst>
-              <p:ext uri="{D42A27DB-BD31-4B8C-83A1-F6EECF244321}">
-                <p14:modId xmlns:p14="http://schemas.microsoft.com/office/powerpoint/2010/main" val="1793060263"/>
-              </p:ext>
-            </p:extLst>
-          </p:nvPr>
-        </p:nvGraphicFramePr>
-        <p:xfrm>
-          <a:off x="5220072" y="3766229"/>
-          <a:ext cx="2687960" cy="1981200"/>
-        </p:xfrm>
-        <a:graphic>
-          <a:graphicData uri="http://schemas.openxmlformats.org/drawingml/2006/table">
-            <a:tbl>
-              <a:tblPr firstRow="1" bandRow="1">
-                <a:tableStyleId>{5C22544A-7EE6-4342-B048-85BDC9FD1C3A}</a:tableStyleId>
-              </a:tblPr>
-              <a:tblGrid>
-                <a:gridCol w="2687960">
-                  <a:extLst>
-                    <a:ext uri="{9D8B030D-6E8A-4147-A177-3AD203B41FA5}">
-                      <a16:colId xmlns:a16="http://schemas.microsoft.com/office/drawing/2014/main" val="1137539109"/>
-                    </a:ext>
-                  </a:extLst>
-                </a:gridCol>
-              </a:tblGrid>
-              <a:tr h="198120">
-                <a:tc>
-                  <a:txBody>
-                    <a:bodyPr/>
-                    <a:lstStyle/>
-                    <a:p>
-                      <a:pPr algn="ctr"/>
-                      <a:r>
-                        <a:rPr lang="en-US" sz="2000" b="0" u="sng" dirty="0" err="1">
-                          <a:solidFill>
-                            <a:schemeClr val="tx1"/>
-                          </a:solidFill>
-                        </a:rPr>
-                        <a:t>reactividad</a:t>
-                      </a:r>
-                      <a:endParaRPr lang="en-US" sz="2000" b="0" u="sng" dirty="0">
-                        <a:solidFill>
-                          <a:schemeClr val="tx1"/>
-                        </a:solidFill>
-                      </a:endParaRPr>
-                    </a:p>
-                  </a:txBody>
-                  <a:tcPr>
-                    <a:lnL w="12700" cap="flat" cmpd="sng" algn="ctr">
-                      <a:solidFill>
-                        <a:schemeClr val="tx1"/>
-                      </a:solidFill>
-                      <a:prstDash val="solid"/>
-                      <a:round/>
-                      <a:headEnd type="none" w="med" len="med"/>
-                      <a:tailEnd type="none" w="med" len="med"/>
-                    </a:lnL>
-                    <a:lnR w="12700" cap="flat" cmpd="sng" algn="ctr">
-                      <a:solidFill>
-                        <a:schemeClr val="tx1"/>
-                      </a:solidFill>
-                      <a:prstDash val="solid"/>
-                      <a:round/>
-                      <a:headEnd type="none" w="med" len="med"/>
-                      <a:tailEnd type="none" w="med" len="med"/>
-                    </a:lnR>
-                    <a:lnT w="12700" cap="flat" cmpd="sng" algn="ctr">
-                      <a:solidFill>
-                        <a:schemeClr val="tx1"/>
-                      </a:solidFill>
-                      <a:prstDash val="solid"/>
-                      <a:round/>
-                      <a:headEnd type="none" w="med" len="med"/>
-                      <a:tailEnd type="none" w="med" len="med"/>
-                    </a:lnT>
-                    <a:lnB w="12700" cap="flat" cmpd="sng" algn="ctr">
-                      <a:noFill/>
-                      <a:prstDash val="solid"/>
-                      <a:round/>
-                      <a:headEnd type="none" w="med" len="med"/>
-                      <a:tailEnd type="none" w="med" len="med"/>
-                    </a:lnB>
-                    <a:lnTlToBr w="12700" cmpd="sng">
-                      <a:noFill/>
-                      <a:prstDash val="solid"/>
-                    </a:lnTlToBr>
-                    <a:lnBlToTr w="12700" cmpd="sng">
-                      <a:noFill/>
-                      <a:prstDash val="solid"/>
-                    </a:lnBlToTr>
-                    <a:noFill/>
-                  </a:tcPr>
-                </a:tc>
-                <a:extLst>
-                  <a:ext uri="{0D108BD9-81ED-4DB2-BD59-A6C34878D82A}">
-                    <a16:rowId xmlns:a16="http://schemas.microsoft.com/office/drawing/2014/main" val="3855113162"/>
-                  </a:ext>
-                </a:extLst>
-              </a:tr>
-              <a:tr h="198120">
-                <a:tc>
-                  <a:txBody>
-                    <a:bodyPr/>
-                    <a:lstStyle/>
-                    <a:p>
-                      <a:pPr algn="ctr"/>
-                      <a:r>
-                        <a:rPr lang="es-ES" sz="1400" dirty="0"/>
-                        <a:t>Cuando una entrada (input) cambia, el servidor reconstruye cada salida (output) que depende de ella (también si la dependencia es indirecta). Puedes controlar este comportamiento a través de la cadena de dependencias.</a:t>
-                      </a:r>
-                      <a:endParaRPr lang="en-US" sz="1400" b="0" i="1" dirty="0">
-                        <a:solidFill>
-                          <a:schemeClr val="tx1"/>
-                        </a:solidFill>
-                      </a:endParaRPr>
-                    </a:p>
-                  </a:txBody>
-                  <a:tcPr>
-                    <a:lnL w="12700" cap="flat" cmpd="sng" algn="ctr">
-                      <a:solidFill>
-                        <a:schemeClr val="tx1"/>
-                      </a:solidFill>
-                      <a:prstDash val="solid"/>
-                      <a:round/>
-                      <a:headEnd type="none" w="med" len="med"/>
-                      <a:tailEnd type="none" w="med" len="med"/>
-                    </a:lnL>
-                    <a:lnR w="12700" cap="flat" cmpd="sng" algn="ctr">
-                      <a:solidFill>
-                        <a:schemeClr val="tx1"/>
-                      </a:solidFill>
-                      <a:prstDash val="solid"/>
-                      <a:round/>
-                      <a:headEnd type="none" w="med" len="med"/>
-                      <a:tailEnd type="none" w="med" len="med"/>
-                    </a:lnR>
-                    <a:lnT w="12700" cap="flat" cmpd="sng" algn="ctr">
-                      <a:noFill/>
-                      <a:prstDash val="solid"/>
-                      <a:round/>
-                      <a:headEnd type="none" w="med" len="med"/>
-                      <a:tailEnd type="none" w="med" len="med"/>
-                    </a:lnT>
-                    <a:lnB w="12700" cap="flat" cmpd="sng" algn="ctr">
-                      <a:solidFill>
-                        <a:schemeClr val="tx1"/>
-                      </a:solidFill>
-                      <a:prstDash val="solid"/>
-                      <a:round/>
-                      <a:headEnd type="none" w="med" len="med"/>
-                      <a:tailEnd type="none" w="med" len="med"/>
-                    </a:lnB>
-                    <a:lnTlToBr w="12700" cmpd="sng">
-                      <a:noFill/>
-                      <a:prstDash val="solid"/>
-                    </a:lnTlToBr>
-                    <a:lnBlToTr w="12700" cmpd="sng">
-                      <a:noFill/>
-                      <a:prstDash val="solid"/>
-                    </a:lnBlToTr>
-                    <a:noFill/>
-                  </a:tcPr>
-                </a:tc>
-                <a:extLst>
-                  <a:ext uri="{0D108BD9-81ED-4DB2-BD59-A6C34878D82A}">
-                    <a16:rowId xmlns:a16="http://schemas.microsoft.com/office/drawing/2014/main" val="464134397"/>
-                  </a:ext>
-                </a:extLst>
-              </a:tr>
-            </a:tbl>
-          </a:graphicData>
-        </a:graphic>
-      </p:graphicFrame>
-      <p:sp>
-        <p:nvSpPr>
-          <p:cNvPr id="9" name="1 Título">
-            <a:extLst>
-              <a:ext uri="{FF2B5EF4-FFF2-40B4-BE49-F238E27FC236}">
-                <a16:creationId xmlns:a16="http://schemas.microsoft.com/office/drawing/2014/main" id="{F0D396BA-9000-4474-92C5-DF81178FAE3E}"/>
-              </a:ext>
-            </a:extLst>
-          </p:cNvPr>
-          <p:cNvSpPr txBox="1">
-            <a:spLocks/>
-          </p:cNvSpPr>
-          <p:nvPr/>
-        </p:nvSpPr>
-        <p:spPr>
-          <a:xfrm>
-            <a:off x="107504" y="332656"/>
-            <a:ext cx="8229600" cy="634082"/>
-          </a:xfrm>
-          <a:prstGeom prst="rect">
-            <a:avLst/>
-          </a:prstGeom>
-        </p:spPr>
-        <p:txBody>
-          <a:bodyPr vert="horz" lIns="91440" tIns="45720" rIns="91440" bIns="45720" rtlCol="0" anchor="ctr">
-            <a:normAutofit/>
-          </a:bodyPr>
-          <a:lstStyle>
-            <a:lvl1pPr>
-              <a:spcBef>
-                <a:spcPct val="0"/>
-              </a:spcBef>
-              <a:buNone/>
-              <a:defRPr sz="3600">
-                <a:latin typeface="+mj-lt"/>
-                <a:ea typeface="+mj-ea"/>
-                <a:cs typeface="+mj-cs"/>
-              </a:defRPr>
-            </a:lvl1pPr>
-          </a:lstStyle>
-          <a:p>
-            <a:r>
-              <a:rPr lang="es-UY" sz="3200" dirty="0"/>
-              <a:t>Reactividad</a:t>
-            </a:r>
-          </a:p>
-        </p:txBody>
-      </p:sp>
-    </p:spTree>
-    <p:extLst>
-      <p:ext uri="{BB962C8B-B14F-4D97-AF65-F5344CB8AC3E}">
-        <p14:creationId xmlns:p14="http://schemas.microsoft.com/office/powerpoint/2010/main" val="3883587652"/>
-      </p:ext>
-    </p:extLst>
-  </p:cSld>
-  <p:clrMapOvr>
-    <a:masterClrMapping/>
-  </p:clrMapOvr>
-</p:sld>
-</file>
-
-<file path=ppt/slides/slide2.xml><?xml version="1.0" encoding="utf-8"?>
-<p:sld xmlns:a="http://schemas.openxmlformats.org/drawingml/2006/main" xmlns:r="http://schemas.openxmlformats.org/officeDocument/2006/relationships" xmlns:p="http://schemas.openxmlformats.org/presentationml/2006/main">
-  <p:cSld>
-    <p:spTree>
-      <p:nvGrpSpPr>
-        <p:cNvPr id="1" name=""/>
-        <p:cNvGrpSpPr/>
-        <p:nvPr/>
-      </p:nvGrpSpPr>
-      <p:grpSpPr>
-        <a:xfrm>
-          <a:off x="0" y="0"/>
-          <a:ext cx="0" cy="0"/>
-          <a:chOff x="0" y="0"/>
-          <a:chExt cx="0" cy="0"/>
-        </a:xfrm>
-      </p:grpSpPr>
-      <p:sp>
-        <p:nvSpPr>
-          <p:cNvPr id="2" name="Título 1">
-            <a:extLst>
-              <a:ext uri="{FF2B5EF4-FFF2-40B4-BE49-F238E27FC236}">
-                <a16:creationId xmlns:a16="http://schemas.microsoft.com/office/drawing/2014/main" id="{53C3559A-3CF0-40B8-8D98-9E17967C6F66}"/>
-              </a:ext>
-            </a:extLst>
-          </p:cNvPr>
-          <p:cNvSpPr>
-            <a:spLocks noGrp="1"/>
-          </p:cNvSpPr>
-          <p:nvPr>
-            <p:ph type="title"/>
-          </p:nvPr>
-        </p:nvSpPr>
-        <p:spPr/>
-        <p:txBody>
-          <a:bodyPr/>
-          <a:lstStyle/>
-          <a:p>
-            <a:r>
-              <a:rPr lang="es-UY" dirty="0"/>
-              <a:t>¿Qué es?</a:t>
-            </a:r>
-            <a:endParaRPr lang="en-US" dirty="0"/>
-          </a:p>
-        </p:txBody>
-      </p:sp>
-      <p:sp>
-        <p:nvSpPr>
-          <p:cNvPr id="3" name="Marcador de contenido 2">
-            <a:extLst>
-              <a:ext uri="{FF2B5EF4-FFF2-40B4-BE49-F238E27FC236}">
-                <a16:creationId xmlns:a16="http://schemas.microsoft.com/office/drawing/2014/main" id="{24E71357-780F-4267-B8BF-85E345196DB1}"/>
-              </a:ext>
-            </a:extLst>
-          </p:cNvPr>
-          <p:cNvSpPr>
-            <a:spLocks noGrp="1"/>
-          </p:cNvSpPr>
-          <p:nvPr>
-            <p:ph idx="1"/>
-          </p:nvPr>
-        </p:nvSpPr>
-        <p:spPr/>
-        <p:txBody>
-          <a:bodyPr>
-            <a:normAutofit/>
-          </a:bodyPr>
-          <a:lstStyle/>
-          <a:p>
-            <a:pPr marL="0" indent="0" algn="just">
-              <a:buNone/>
-            </a:pPr>
-            <a:r>
-              <a:rPr lang="es-UY" sz="2800" dirty="0" err="1"/>
-              <a:t>Shiny</a:t>
-            </a:r>
-            <a:r>
-              <a:rPr lang="es-UY" sz="2800" dirty="0"/>
-              <a:t> es una herramienta para crear aplicaciones web interactivas.</a:t>
-            </a:r>
-          </a:p>
-          <a:p>
-            <a:pPr marL="0" indent="0" algn="just">
-              <a:buNone/>
-            </a:pPr>
-            <a:endParaRPr lang="es-UY" sz="2800" dirty="0"/>
-          </a:p>
-          <a:p>
-            <a:pPr marL="0" indent="0" algn="just">
-              <a:buNone/>
-            </a:pPr>
-            <a:r>
-              <a:rPr lang="es-UY" sz="2800" dirty="0"/>
-              <a:t>Permite a los usuarios trabajar con los datos sin necesidad de tener conocimientos de programación.</a:t>
-            </a:r>
-            <a:endParaRPr lang="en-US" sz="2800" dirty="0"/>
-          </a:p>
-        </p:txBody>
-      </p:sp>
-    </p:spTree>
-    <p:extLst>
-      <p:ext uri="{BB962C8B-B14F-4D97-AF65-F5344CB8AC3E}">
-        <p14:creationId xmlns:p14="http://schemas.microsoft.com/office/powerpoint/2010/main" val="2593587931"/>
-      </p:ext>
-    </p:extLst>
-  </p:cSld>
-  <p:clrMapOvr>
-    <a:masterClrMapping/>
-  </p:clrMapOvr>
-</p:sld>
-</file>
-
-<file path=ppt/slides/slide3.xml><?xml version="1.0" encoding="utf-8"?>
-<p:sld xmlns:a="http://schemas.openxmlformats.org/drawingml/2006/main" xmlns:r="http://schemas.openxmlformats.org/officeDocument/2006/relationships" xmlns:p="http://schemas.openxmlformats.org/presentationml/2006/main">
-  <p:cSld>
-    <p:spTree>
-      <p:nvGrpSpPr>
-        <p:cNvPr id="1" name=""/>
-        <p:cNvGrpSpPr/>
-        <p:nvPr/>
-      </p:nvGrpSpPr>
-      <p:grpSpPr>
-        <a:xfrm>
-          <a:off x="0" y="0"/>
-          <a:ext cx="0" cy="0"/>
-          <a:chOff x="0" y="0"/>
-          <a:chExt cx="0" cy="0"/>
-        </a:xfrm>
-      </p:grpSpPr>
-      <p:sp>
-        <p:nvSpPr>
-          <p:cNvPr id="2" name="1 Título"/>
-          <p:cNvSpPr>
-            <a:spLocks noGrp="1"/>
-          </p:cNvSpPr>
-          <p:nvPr>
-            <p:ph type="title"/>
-          </p:nvPr>
-        </p:nvSpPr>
-        <p:spPr/>
-        <p:txBody>
-          <a:bodyPr>
-            <a:normAutofit/>
-          </a:bodyPr>
-          <a:lstStyle/>
-          <a:p>
-            <a:pPr algn="l"/>
-            <a:r>
-              <a:rPr lang="es-UY" sz="3600" dirty="0" err="1"/>
-              <a:t>shinyApp</a:t>
-            </a:r>
-            <a:r>
-              <a:rPr lang="es-UY" sz="3600" dirty="0"/>
-              <a:t>: Componentes</a:t>
-            </a:r>
-          </a:p>
-        </p:txBody>
-      </p:sp>
-      <p:pic>
-        <p:nvPicPr>
-          <p:cNvPr id="12" name="Imagen 11">
-            <a:extLst>
-              <a:ext uri="{FF2B5EF4-FFF2-40B4-BE49-F238E27FC236}">
-                <a16:creationId xmlns:a16="http://schemas.microsoft.com/office/drawing/2014/main" id="{1BA8574E-3E2C-448F-94C3-8DCAD3E5DC2A}"/>
-              </a:ext>
-            </a:extLst>
-          </p:cNvPr>
-          <p:cNvPicPr>
-            <a:picLocks noChangeAspect="1"/>
-          </p:cNvPicPr>
-          <p:nvPr/>
-        </p:nvPicPr>
-        <p:blipFill rotWithShape="1">
-          <a:blip r:embed="rId2"/>
-          <a:srcRect t="2401" r="72837" b="62600"/>
-          <a:stretch/>
-        </p:blipFill>
-        <p:spPr>
-          <a:xfrm>
-            <a:off x="360040" y="1844824"/>
-            <a:ext cx="4967536" cy="3600400"/>
-          </a:xfrm>
-          <a:prstGeom prst="rect">
-            <a:avLst/>
-          </a:prstGeom>
-        </p:spPr>
-      </p:pic>
-      <p:graphicFrame>
-        <p:nvGraphicFramePr>
-          <p:cNvPr id="13" name="Tabla 12">
-            <a:extLst>
-              <a:ext uri="{FF2B5EF4-FFF2-40B4-BE49-F238E27FC236}">
-                <a16:creationId xmlns:a16="http://schemas.microsoft.com/office/drawing/2014/main" id="{6094B8FE-ECFC-4139-AAFA-D3C659985ACA}"/>
-              </a:ext>
-            </a:extLst>
-          </p:cNvPr>
-          <p:cNvGraphicFramePr>
-            <a:graphicFrameLocks noGrp="1"/>
-          </p:cNvGraphicFramePr>
-          <p:nvPr>
-            <p:extLst>
-              <p:ext uri="{D42A27DB-BD31-4B8C-83A1-F6EECF244321}">
-                <p14:modId xmlns:p14="http://schemas.microsoft.com/office/powerpoint/2010/main" val="3296177891"/>
-              </p:ext>
-            </p:extLst>
-          </p:nvPr>
-        </p:nvGraphicFramePr>
-        <p:xfrm>
-          <a:off x="5868144" y="2420300"/>
-          <a:ext cx="2687960" cy="2895600"/>
-        </p:xfrm>
-        <a:graphic>
-          <a:graphicData uri="http://schemas.openxmlformats.org/drawingml/2006/table">
-            <a:tbl>
-              <a:tblPr firstRow="1" bandRow="1">
-                <a:tableStyleId>{5C22544A-7EE6-4342-B048-85BDC9FD1C3A}</a:tableStyleId>
-              </a:tblPr>
-              <a:tblGrid>
-                <a:gridCol w="1080883">
-                  <a:extLst>
-                    <a:ext uri="{9D8B030D-6E8A-4147-A177-3AD203B41FA5}">
-                      <a16:colId xmlns:a16="http://schemas.microsoft.com/office/drawing/2014/main" val="3551289470"/>
-                    </a:ext>
-                  </a:extLst>
-                </a:gridCol>
-                <a:gridCol w="1607077">
-                  <a:extLst>
-                    <a:ext uri="{9D8B030D-6E8A-4147-A177-3AD203B41FA5}">
-                      <a16:colId xmlns:a16="http://schemas.microsoft.com/office/drawing/2014/main" val="3788555657"/>
-                    </a:ext>
-                  </a:extLst>
-                </a:gridCol>
-              </a:tblGrid>
-              <a:tr h="216612">
-                <a:tc>
-                  <a:txBody>
-                    <a:bodyPr/>
-                    <a:lstStyle/>
-                    <a:p>
-                      <a:pPr algn="r"/>
-                      <a:r>
-                        <a:rPr lang="es-UY" sz="2000" b="0" u="sng" dirty="0" err="1">
-                          <a:solidFill>
-                            <a:schemeClr val="tx1"/>
-                          </a:solidFill>
-                        </a:rPr>
-                        <a:t>ui</a:t>
-                      </a:r>
-                      <a:r>
-                        <a:rPr lang="es-UY" sz="2000" b="0" u="sng" dirty="0">
-                          <a:solidFill>
-                            <a:schemeClr val="tx1"/>
-                          </a:solidFill>
-                        </a:rPr>
-                        <a:t>:</a:t>
-                      </a:r>
-                      <a:endParaRPr lang="en-US" sz="2000" b="0" u="sng" dirty="0">
-                        <a:solidFill>
-                          <a:schemeClr val="tx1"/>
-                        </a:solidFill>
-                      </a:endParaRPr>
-                    </a:p>
-                  </a:txBody>
-                  <a:tcPr>
-                    <a:lnL w="12700" cap="flat" cmpd="sng" algn="ctr">
-                      <a:solidFill>
-                        <a:schemeClr val="tx1"/>
-                      </a:solidFill>
-                      <a:prstDash val="solid"/>
-                      <a:round/>
-                      <a:headEnd type="none" w="med" len="med"/>
-                      <a:tailEnd type="none" w="med" len="med"/>
-                    </a:lnL>
-                    <a:lnR w="12700" cmpd="sng">
-                      <a:noFill/>
-                    </a:lnR>
-                    <a:lnT w="12700" cap="flat" cmpd="sng" algn="ctr">
-                      <a:solidFill>
-                        <a:schemeClr val="tx1"/>
-                      </a:solidFill>
-                      <a:prstDash val="solid"/>
-                      <a:round/>
-                      <a:headEnd type="none" w="med" len="med"/>
-                      <a:tailEnd type="none" w="med" len="med"/>
-                    </a:lnT>
-                    <a:lnB w="12700" cap="flat" cmpd="sng" algn="ctr">
-                      <a:noFill/>
-                      <a:prstDash val="solid"/>
-                      <a:round/>
-                      <a:headEnd type="none" w="med" len="med"/>
-                      <a:tailEnd type="none" w="med" len="med"/>
-                    </a:lnB>
-                    <a:lnTlToBr w="12700" cmpd="sng">
-                      <a:noFill/>
-                      <a:prstDash val="solid"/>
-                    </a:lnTlToBr>
-                    <a:lnBlToTr w="12700" cmpd="sng">
-                      <a:noFill/>
-                      <a:prstDash val="solid"/>
-                    </a:lnBlToTr>
-                    <a:noFill/>
-                  </a:tcPr>
-                </a:tc>
-                <a:tc>
-                  <a:txBody>
-                    <a:bodyPr/>
-                    <a:lstStyle/>
-                    <a:p>
-                      <a:r>
-                        <a:rPr lang="es-UY" sz="2000" b="0" u="none" dirty="0">
-                          <a:solidFill>
-                            <a:schemeClr val="tx1"/>
-                          </a:solidFill>
-                        </a:rPr>
-                        <a:t>Estructura</a:t>
-                      </a:r>
-                      <a:endParaRPr lang="en-US" sz="1200" b="0" u="none" dirty="0">
-                        <a:solidFill>
-                          <a:schemeClr val="tx1"/>
-                        </a:solidFill>
-                      </a:endParaRPr>
-                    </a:p>
-                  </a:txBody>
-                  <a:tcPr>
-                    <a:lnL w="12700" cmpd="sng">
-                      <a:noFill/>
-                    </a:lnL>
-                    <a:lnR w="12700" cap="flat" cmpd="sng" algn="ctr">
-                      <a:solidFill>
-                        <a:schemeClr val="tx1"/>
-                      </a:solidFill>
-                      <a:prstDash val="solid"/>
-                      <a:round/>
-                      <a:headEnd type="none" w="med" len="med"/>
-                      <a:tailEnd type="none" w="med" len="med"/>
-                    </a:lnR>
-                    <a:lnT w="12700" cap="flat" cmpd="sng" algn="ctr">
-                      <a:solidFill>
-                        <a:schemeClr val="tx1"/>
-                      </a:solidFill>
-                      <a:prstDash val="solid"/>
-                      <a:round/>
-                      <a:headEnd type="none" w="med" len="med"/>
-                      <a:tailEnd type="none" w="med" len="med"/>
-                    </a:lnT>
-                    <a:lnB w="12700" cap="flat" cmpd="sng" algn="ctr">
-                      <a:noFill/>
-                      <a:prstDash val="solid"/>
-                      <a:round/>
-                      <a:headEnd type="none" w="med" len="med"/>
-                      <a:tailEnd type="none" w="med" len="med"/>
-                    </a:lnB>
-                    <a:lnTlToBr w="12700" cmpd="sng">
-                      <a:noFill/>
-                      <a:prstDash val="solid"/>
-                    </a:lnTlToBr>
-                    <a:lnBlToTr w="12700" cmpd="sng">
-                      <a:noFill/>
-                      <a:prstDash val="solid"/>
-                    </a:lnBlToTr>
-                    <a:noFill/>
-                  </a:tcPr>
-                </a:tc>
-                <a:extLst>
-                  <a:ext uri="{0D108BD9-81ED-4DB2-BD59-A6C34878D82A}">
-                    <a16:rowId xmlns:a16="http://schemas.microsoft.com/office/drawing/2014/main" val="2848244332"/>
-                  </a:ext>
-                </a:extLst>
-              </a:tr>
-              <a:tr h="0">
-                <a:tc gridSpan="2">
-                  <a:txBody>
-                    <a:bodyPr/>
-                    <a:lstStyle/>
-                    <a:p>
-                      <a:pPr marL="0" marR="0" lvl="0" indent="0" algn="ctr" defTabSz="914400" rtl="0" eaLnBrk="1" fontAlgn="auto" latinLnBrk="0" hangingPunct="1">
-                        <a:lnSpc>
-                          <a:spcPct val="100000"/>
-                        </a:lnSpc>
-                        <a:spcBef>
-                          <a:spcPts val="0"/>
-                        </a:spcBef>
-                        <a:spcAft>
-                          <a:spcPts val="0"/>
-                        </a:spcAft>
-                        <a:buClrTx/>
-                        <a:buSzTx/>
-                        <a:buFontTx/>
-                        <a:buNone/>
-                        <a:tabLst/>
-                        <a:defRPr/>
-                      </a:pPr>
-                      <a:r>
-                        <a:rPr lang="es-UY" sz="1400" b="0" i="1" dirty="0">
-                          <a:solidFill>
-                            <a:schemeClr val="tx1"/>
-                          </a:solidFill>
-                        </a:rPr>
-                        <a:t>I</a:t>
-                      </a:r>
-                      <a:r>
-                        <a:rPr lang="es-ES" sz="1400" b="0" i="1" dirty="0" err="1">
-                          <a:solidFill>
-                            <a:schemeClr val="tx1"/>
-                          </a:solidFill>
-                        </a:rPr>
-                        <a:t>nterfaz</a:t>
-                      </a:r>
-                      <a:r>
-                        <a:rPr lang="es-ES" sz="1400" b="0" i="1" dirty="0">
-                          <a:solidFill>
-                            <a:schemeClr val="tx1"/>
-                          </a:solidFill>
-                        </a:rPr>
-                        <a:t> de usuario, es donde se programan los elementos con los cuales interactúa el usuario (selectores, botones, cajas, controles, gráficas, etc.)</a:t>
-                      </a:r>
-                      <a:endParaRPr lang="en-US" sz="1400" b="0" i="1" dirty="0">
-                        <a:solidFill>
-                          <a:schemeClr val="tx1"/>
-                        </a:solidFill>
-                      </a:endParaRPr>
-                    </a:p>
-                  </a:txBody>
-                  <a:tcPr>
-                    <a:lnL w="12700" cap="flat" cmpd="sng" algn="ctr">
-                      <a:solidFill>
-                        <a:schemeClr val="tx1"/>
-                      </a:solidFill>
-                      <a:prstDash val="solid"/>
-                      <a:round/>
-                      <a:headEnd type="none" w="med" len="med"/>
-                      <a:tailEnd type="none" w="med" len="med"/>
-                    </a:lnL>
-                    <a:lnR w="12700" cap="flat" cmpd="sng" algn="ctr">
-                      <a:solidFill>
-                        <a:schemeClr val="tx1"/>
-                      </a:solidFill>
-                      <a:prstDash val="solid"/>
-                      <a:round/>
-                      <a:headEnd type="none" w="med" len="med"/>
-                      <a:tailEnd type="none" w="med" len="med"/>
-                    </a:lnR>
-                    <a:lnT w="12700" cap="flat" cmpd="sng" algn="ctr">
-                      <a:noFill/>
-                      <a:prstDash val="solid"/>
-                      <a:round/>
-                      <a:headEnd type="none" w="med" len="med"/>
-                      <a:tailEnd type="none" w="med" len="med"/>
-                    </a:lnT>
-                    <a:lnB w="12700" cap="flat" cmpd="sng" algn="ctr">
-                      <a:solidFill>
-                        <a:schemeClr val="tx1"/>
-                      </a:solidFill>
-                      <a:prstDash val="solid"/>
-                      <a:round/>
-                      <a:headEnd type="none" w="med" len="med"/>
-                      <a:tailEnd type="none" w="med" len="med"/>
-                    </a:lnB>
-                    <a:lnTlToBr w="12700" cmpd="sng">
-                      <a:noFill/>
-                      <a:prstDash val="solid"/>
-                    </a:lnTlToBr>
-                    <a:lnBlToTr w="12700" cmpd="sng">
-                      <a:noFill/>
-                      <a:prstDash val="solid"/>
-                    </a:lnBlToTr>
-                    <a:noFill/>
-                  </a:tcPr>
-                </a:tc>
-                <a:tc hMerge="1">
-                  <a:txBody>
-                    <a:bodyPr/>
-                    <a:lstStyle/>
-                    <a:p>
-                      <a:endParaRPr lang="en-US" sz="1200" b="0" dirty="0">
-                        <a:solidFill>
-                          <a:schemeClr val="tx1"/>
-                        </a:solidFill>
-                      </a:endParaRPr>
-                    </a:p>
-                  </a:txBody>
-                  <a:tcPr>
-                    <a:lnL w="12700" cmpd="sng">
-                      <a:noFill/>
-                    </a:lnL>
-                    <a:lnR w="12700" cap="flat" cmpd="sng" algn="ctr">
-                      <a:solidFill>
-                        <a:schemeClr val="tx1"/>
-                      </a:solidFill>
-                      <a:prstDash val="solid"/>
-                      <a:round/>
-                      <a:headEnd type="none" w="med" len="med"/>
-                      <a:tailEnd type="none" w="med" len="med"/>
-                    </a:lnR>
-                    <a:lnT w="12700" cap="flat" cmpd="sng" algn="ctr">
-                      <a:noFill/>
-                      <a:prstDash val="solid"/>
-                      <a:round/>
-                      <a:headEnd type="none" w="med" len="med"/>
-                      <a:tailEnd type="none" w="med" len="med"/>
-                    </a:lnT>
-                    <a:lnB w="12700" cap="flat" cmpd="sng" algn="ctr">
-                      <a:solidFill>
-                        <a:schemeClr val="tx1"/>
-                      </a:solidFill>
-                      <a:prstDash val="solid"/>
-                      <a:round/>
-                      <a:headEnd type="none" w="med" len="med"/>
-                      <a:tailEnd type="none" w="med" len="med"/>
-                    </a:lnB>
-                    <a:lnTlToBr w="12700" cmpd="sng">
-                      <a:noFill/>
-                      <a:prstDash val="solid"/>
-                    </a:lnTlToBr>
-                    <a:lnBlToTr w="12700" cmpd="sng">
-                      <a:noFill/>
-                      <a:prstDash val="solid"/>
-                    </a:lnBlToTr>
-                    <a:noFill/>
-                  </a:tcPr>
-                </a:tc>
-                <a:extLst>
-                  <a:ext uri="{0D108BD9-81ED-4DB2-BD59-A6C34878D82A}">
-                    <a16:rowId xmlns:a16="http://schemas.microsoft.com/office/drawing/2014/main" val="4275476288"/>
-                  </a:ext>
-                </a:extLst>
-              </a:tr>
-              <a:tr h="198120">
-                <a:tc>
-                  <a:txBody>
-                    <a:bodyPr/>
-                    <a:lstStyle/>
-                    <a:p>
-                      <a:pPr algn="r"/>
-                      <a:r>
-                        <a:rPr lang="es-UY" sz="2000" b="0" u="sng" dirty="0">
-                          <a:solidFill>
-                            <a:schemeClr val="tx1"/>
-                          </a:solidFill>
-                        </a:rPr>
-                        <a:t>server:</a:t>
-                      </a:r>
-                      <a:endParaRPr lang="en-US" sz="2000" b="0" u="sng" dirty="0">
-                        <a:solidFill>
-                          <a:schemeClr val="tx1"/>
-                        </a:solidFill>
-                      </a:endParaRPr>
-                    </a:p>
-                  </a:txBody>
-                  <a:tcPr>
-                    <a:lnL w="12700" cap="flat" cmpd="sng" algn="ctr">
-                      <a:solidFill>
-                        <a:schemeClr val="tx1"/>
-                      </a:solidFill>
-                      <a:prstDash val="solid"/>
-                      <a:round/>
-                      <a:headEnd type="none" w="med" len="med"/>
-                      <a:tailEnd type="none" w="med" len="med"/>
-                    </a:lnL>
-                    <a:lnR w="12700" cmpd="sng">
-                      <a:noFill/>
-                    </a:lnR>
-                    <a:lnT w="12700" cap="flat" cmpd="sng" algn="ctr">
-                      <a:solidFill>
-                        <a:schemeClr val="tx1"/>
-                      </a:solidFill>
-                      <a:prstDash val="solid"/>
-                      <a:round/>
-                      <a:headEnd type="none" w="med" len="med"/>
-                      <a:tailEnd type="none" w="med" len="med"/>
-                    </a:lnT>
-                    <a:lnB w="12700" cap="flat" cmpd="sng" algn="ctr">
-                      <a:noFill/>
-                      <a:prstDash val="solid"/>
-                      <a:round/>
-                      <a:headEnd type="none" w="med" len="med"/>
-                      <a:tailEnd type="none" w="med" len="med"/>
-                    </a:lnB>
-                    <a:lnTlToBr w="12700" cmpd="sng">
-                      <a:noFill/>
-                      <a:prstDash val="solid"/>
-                    </a:lnTlToBr>
-                    <a:lnBlToTr w="12700" cmpd="sng">
-                      <a:noFill/>
-                      <a:prstDash val="solid"/>
-                    </a:lnBlToTr>
-                    <a:noFill/>
-                  </a:tcPr>
-                </a:tc>
-                <a:tc>
-                  <a:txBody>
-                    <a:bodyPr/>
-                    <a:lstStyle/>
-                    <a:p>
-                      <a:r>
-                        <a:rPr lang="es-UY" sz="2000" b="0" u="none" dirty="0">
-                          <a:solidFill>
-                            <a:schemeClr val="tx1"/>
-                          </a:solidFill>
-                        </a:rPr>
-                        <a:t>instrucciones</a:t>
-                      </a:r>
-                      <a:endParaRPr lang="en-US" sz="2000" b="0" u="none" dirty="0">
-                        <a:solidFill>
-                          <a:schemeClr val="tx1"/>
-                        </a:solidFill>
-                      </a:endParaRPr>
-                    </a:p>
-                  </a:txBody>
-                  <a:tcPr>
-                    <a:lnL w="12700" cmpd="sng">
-                      <a:noFill/>
-                    </a:lnL>
-                    <a:lnR w="12700" cap="flat" cmpd="sng" algn="ctr">
-                      <a:solidFill>
-                        <a:schemeClr val="tx1"/>
-                      </a:solidFill>
-                      <a:prstDash val="solid"/>
-                      <a:round/>
-                      <a:headEnd type="none" w="med" len="med"/>
-                      <a:tailEnd type="none" w="med" len="med"/>
-                    </a:lnR>
-                    <a:lnT w="12700" cap="flat" cmpd="sng" algn="ctr">
-                      <a:solidFill>
-                        <a:schemeClr val="tx1"/>
-                      </a:solidFill>
-                      <a:prstDash val="solid"/>
-                      <a:round/>
-                      <a:headEnd type="none" w="med" len="med"/>
-                      <a:tailEnd type="none" w="med" len="med"/>
-                    </a:lnT>
-                    <a:lnB w="12700" cap="flat" cmpd="sng" algn="ctr">
-                      <a:noFill/>
-                      <a:prstDash val="solid"/>
-                      <a:round/>
-                      <a:headEnd type="none" w="med" len="med"/>
-                      <a:tailEnd type="none" w="med" len="med"/>
-                    </a:lnB>
-                    <a:lnTlToBr w="12700" cmpd="sng">
-                      <a:noFill/>
-                      <a:prstDash val="solid"/>
-                    </a:lnTlToBr>
-                    <a:lnBlToTr w="12700" cmpd="sng">
-                      <a:noFill/>
-                      <a:prstDash val="solid"/>
-                    </a:lnBlToTr>
-                    <a:noFill/>
-                  </a:tcPr>
-                </a:tc>
-                <a:extLst>
-                  <a:ext uri="{0D108BD9-81ED-4DB2-BD59-A6C34878D82A}">
-                    <a16:rowId xmlns:a16="http://schemas.microsoft.com/office/drawing/2014/main" val="3054139548"/>
-                  </a:ext>
-                </a:extLst>
-              </a:tr>
-              <a:tr h="198120">
-                <a:tc gridSpan="2">
-                  <a:txBody>
-                    <a:bodyPr/>
-                    <a:lstStyle/>
-                    <a:p>
-                      <a:pPr algn="ctr"/>
-                      <a:r>
-                        <a:rPr lang="es-ES" sz="1400" b="0" i="1" dirty="0"/>
-                        <a:t>Server, es dónde se programa el funcionamiento de todos los elementos definidos en </a:t>
-                      </a:r>
-                      <a:r>
-                        <a:rPr lang="es-ES" sz="1400" b="0" i="1" dirty="0" err="1"/>
-                        <a:t>ui</a:t>
-                      </a:r>
-                      <a:r>
-                        <a:rPr lang="es-ES" sz="1400" b="0" i="1" dirty="0"/>
-                        <a:t> (forma y el estilo de gráficos, tablas, etc.)</a:t>
+                        <a:t> (forma y estilo de gráficos, tablas, etc.)</a:t>
                       </a:r>
                       <a:endParaRPr lang="en-US" sz="1400" b="0" i="1" dirty="0">
                         <a:solidFill>
@@ -5337,8 +8363,8 @@
         </p:blipFill>
         <p:spPr>
           <a:xfrm>
-            <a:off x="1662741" y="1967701"/>
-            <a:ext cx="5901074" cy="3725587"/>
+            <a:off x="1979712" y="1527529"/>
+            <a:ext cx="6653576" cy="4200672"/>
           </a:xfrm>
           <a:prstGeom prst="rect">
             <a:avLst/>
@@ -5363,25 +8389,25 @@
         </p:nvSpPr>
         <p:spPr>
           <a:xfrm>
-            <a:off x="2429764" y="1275000"/>
-            <a:ext cx="1656183" cy="326827"/>
+            <a:off x="2727988" y="1030724"/>
+            <a:ext cx="2142236" cy="326827"/>
           </a:xfrm>
         </p:spPr>
         <p:txBody>
           <a:bodyPr>
-            <a:normAutofit/>
+            <a:noAutofit/>
           </a:bodyPr>
           <a:lstStyle/>
           <a:p>
             <a:r>
-              <a:rPr lang="es-UY" dirty="0" err="1"/>
+              <a:rPr lang="es-UY" sz="1800" dirty="0" err="1"/>
               <a:t>dashboardHeader</a:t>
             </a:r>
             <a:r>
-              <a:rPr lang="es-UY" dirty="0"/>
+              <a:rPr lang="es-UY" sz="1800" dirty="0"/>
               <a:t>()</a:t>
             </a:r>
-            <a:endParaRPr lang="en-US" dirty="0"/>
+            <a:endParaRPr lang="en-US" sz="1800" dirty="0"/>
           </a:p>
         </p:txBody>
       </p:sp>
@@ -5401,8 +8427,8 @@
         </p:nvCxnSpPr>
         <p:spPr>
           <a:xfrm rot="5400000">
-            <a:off x="1992572" y="1683640"/>
-            <a:ext cx="514343" cy="360040"/>
+            <a:off x="2345485" y="1320853"/>
+            <a:ext cx="420583" cy="288032"/>
           </a:xfrm>
           <a:prstGeom prst="curvedConnector3">
             <a:avLst/>
@@ -5442,7 +8468,7 @@
         </p:nvCxnSpPr>
         <p:spPr>
           <a:xfrm>
-            <a:off x="867170" y="3029929"/>
+            <a:off x="1312978" y="2989457"/>
             <a:ext cx="648072" cy="621784"/>
           </a:xfrm>
           <a:prstGeom prst="curvedConnector3">
@@ -5483,8 +8509,8 @@
         </p:nvSpPr>
         <p:spPr>
           <a:xfrm>
-            <a:off x="107504" y="2662630"/>
-            <a:ext cx="1656183" cy="326827"/>
+            <a:off x="0" y="2662630"/>
+            <a:ext cx="2051720" cy="326827"/>
           </a:xfrm>
           <a:prstGeom prst="rect">
             <a:avLst/>
@@ -5492,7 +8518,7 @@
         </p:spPr>
         <p:txBody>
           <a:bodyPr vert="horz" lIns="91440" tIns="45720" rIns="91440" bIns="45720" rtlCol="0">
-            <a:normAutofit/>
+            <a:noAutofit/>
           </a:bodyPr>
           <a:lstStyle>
             <a:lvl1pPr marL="0" indent="0" algn="l" defTabSz="914400" rtl="0" eaLnBrk="1" latinLnBrk="0" hangingPunct="1">
@@ -5633,14 +8659,14 @@
           </a:lstStyle>
           <a:p>
             <a:r>
-              <a:rPr lang="es-UY" dirty="0" err="1"/>
+              <a:rPr lang="es-UY" sz="1800" dirty="0" err="1"/>
               <a:t>dashboardSidebar</a:t>
             </a:r>
             <a:r>
-              <a:rPr lang="es-UY" dirty="0"/>
+              <a:rPr lang="es-UY" sz="1800" dirty="0"/>
               <a:t>()</a:t>
             </a:r>
-            <a:endParaRPr lang="en-US" dirty="0"/>
+            <a:endParaRPr lang="en-US" sz="1800" dirty="0"/>
           </a:p>
         </p:txBody>
       </p:sp>
@@ -5660,8 +8686,8 @@
         </p:nvSpPr>
         <p:spPr>
           <a:xfrm>
-            <a:off x="6948265" y="6054501"/>
-            <a:ext cx="1584176" cy="326827"/>
+            <a:off x="6264188" y="6165304"/>
+            <a:ext cx="1872209" cy="326827"/>
           </a:xfrm>
           <a:prstGeom prst="rect">
             <a:avLst/>
@@ -5669,7 +8695,7 @@
         </p:spPr>
         <p:txBody>
           <a:bodyPr vert="horz" lIns="91440" tIns="45720" rIns="91440" bIns="45720" rtlCol="0">
-            <a:normAutofit/>
+            <a:noAutofit/>
           </a:bodyPr>
           <a:lstStyle>
             <a:lvl1pPr marL="0" indent="0" algn="l" defTabSz="914400" rtl="0" eaLnBrk="1" latinLnBrk="0" hangingPunct="1">
@@ -5810,14 +8836,14 @@
           </a:lstStyle>
           <a:p>
             <a:r>
-              <a:rPr lang="es-UY" dirty="0" err="1"/>
+              <a:rPr lang="es-UY" sz="1800" dirty="0" err="1"/>
               <a:t>dashboardBody</a:t>
             </a:r>
             <a:r>
-              <a:rPr lang="es-UY" dirty="0"/>
+              <a:rPr lang="es-UY" sz="1800" dirty="0"/>
               <a:t>()</a:t>
             </a:r>
-            <a:endParaRPr lang="en-US" dirty="0"/>
+            <a:endParaRPr lang="en-US" sz="1800" dirty="0"/>
           </a:p>
         </p:txBody>
       </p:sp>
@@ -5837,12 +8863,12 @@
         </p:nvCxnSpPr>
         <p:spPr>
           <a:xfrm rot="16200000" flipV="1">
-            <a:off x="6321759" y="5428522"/>
-            <a:ext cx="748955" cy="504056"/>
+            <a:off x="5993869" y="5714965"/>
+            <a:ext cx="540638" cy="360040"/>
           </a:xfrm>
           <a:prstGeom prst="curvedConnector3">
             <a:avLst>
-              <a:gd name="adj1" fmla="val 52491"/>
+              <a:gd name="adj1" fmla="val 50000"/>
             </a:avLst>
           </a:prstGeom>
           <a:ln w="28575">
@@ -5880,8 +8906,8 @@
         </p:nvSpPr>
         <p:spPr>
           <a:xfrm>
-            <a:off x="446856" y="274638"/>
-            <a:ext cx="8229600" cy="1143000"/>
+            <a:off x="113995" y="87623"/>
+            <a:ext cx="8229600" cy="605073"/>
           </a:xfrm>
           <a:prstGeom prst="rect">
             <a:avLst/>
@@ -5906,19 +8932,19 @@
           </a:lstStyle>
           <a:p>
             <a:r>
-              <a:rPr lang="es-UY" dirty="0" err="1"/>
+              <a:rPr lang="es-UY" sz="3200" dirty="0" err="1"/>
               <a:t>ui</a:t>
             </a:r>
             <a:r>
-              <a:rPr lang="es-UY" dirty="0"/>
+              <a:rPr lang="es-UY" sz="3200" dirty="0"/>
               <a:t>: </a:t>
             </a:r>
             <a:r>
-              <a:rPr lang="es-UY" dirty="0" err="1"/>
+              <a:rPr lang="es-UY" sz="3200" dirty="0" err="1"/>
               <a:t>dashboardPage</a:t>
             </a:r>
             <a:r>
-              <a:rPr lang="es-UY" dirty="0"/>
+              <a:rPr lang="es-UY" sz="3200" dirty="0"/>
               <a:t>()</a:t>
             </a:r>
           </a:p>
@@ -6052,13 +9078,13 @@
         </p:nvSpPr>
         <p:spPr>
           <a:xfrm>
-            <a:off x="446856" y="274638"/>
-            <a:ext cx="8229600" cy="1143000"/>
+            <a:off x="117648" y="116632"/>
+            <a:ext cx="8229600" cy="562074"/>
           </a:xfrm>
         </p:spPr>
         <p:txBody>
           <a:bodyPr>
-            <a:normAutofit/>
+            <a:normAutofit fontScale="90000"/>
           </a:bodyPr>
           <a:lstStyle/>
           <a:p>
@@ -6245,7 +9271,7 @@
         </p:spPr>
         <p:txBody>
           <a:bodyPr vert="horz" lIns="91440" tIns="45720" rIns="91440" bIns="45720" rtlCol="0" anchor="ctr">
-            <a:normAutofit lnSpcReduction="10000"/>
+            <a:normAutofit/>
           </a:bodyPr>
           <a:lstStyle>
             <a:lvl1pPr>
@@ -6262,11 +9288,11 @@
           </a:lstStyle>
           <a:p>
             <a:r>
-              <a:rPr lang="es-UY" dirty="0" err="1"/>
+              <a:rPr lang="es-UY" sz="3200" dirty="0" err="1"/>
               <a:t>dashboardHeader</a:t>
             </a:r>
             <a:r>
-              <a:rPr lang="es-UY" dirty="0"/>
+              <a:rPr lang="es-UY" sz="3200" dirty="0"/>
               <a:t>()</a:t>
             </a:r>
           </a:p>
@@ -6322,7 +9348,7 @@
         </p:nvSpPr>
         <p:spPr>
           <a:xfrm>
-            <a:off x="323528" y="3167390"/>
+            <a:off x="323528" y="724147"/>
             <a:ext cx="1224136" cy="523220"/>
           </a:xfrm>
           <a:prstGeom prst="rect">
@@ -6403,7 +9429,7 @@
         </p:spPr>
         <p:txBody>
           <a:bodyPr vert="horz" lIns="91440" tIns="45720" rIns="91440" bIns="45720" rtlCol="0" anchor="ctr">
-            <a:normAutofit lnSpcReduction="10000"/>
+            <a:normAutofit/>
           </a:bodyPr>
           <a:lstStyle>
             <a:lvl1pPr>
@@ -6420,11 +9446,11 @@
           </a:lstStyle>
           <a:p>
             <a:r>
-              <a:rPr lang="es-UY" dirty="0" err="1"/>
+              <a:rPr lang="es-UY" sz="3200" dirty="0" err="1"/>
               <a:t>dashboardSidebar</a:t>
             </a:r>
             <a:r>
-              <a:rPr lang="es-UY" dirty="0"/>
+              <a:rPr lang="es-UY" sz="3200" dirty="0"/>
               <a:t>()</a:t>
             </a:r>
           </a:p>
@@ -6480,7 +9506,7 @@
         </p:nvSpPr>
         <p:spPr>
           <a:xfrm>
-            <a:off x="179512" y="3167390"/>
+            <a:off x="122820" y="738336"/>
             <a:ext cx="1224136" cy="523220"/>
           </a:xfrm>
           <a:prstGeom prst="rect">
@@ -6565,14 +9591,14 @@
           <a:lstStyle/>
           <a:p>
             <a:r>
-              <a:rPr lang="es-UY" sz="3600" b="0" dirty="0" err="1"/>
+              <a:rPr lang="es-UY" sz="3200" b="0" dirty="0" err="1"/>
               <a:t>dashboardBody</a:t>
             </a:r>
             <a:r>
-              <a:rPr lang="es-UY" sz="3600" b="0" dirty="0"/>
+              <a:rPr lang="es-UY" sz="3200" b="0" dirty="0"/>
               <a:t>()</a:t>
             </a:r>
-            <a:endParaRPr lang="en-US" sz="3600" b="0" dirty="0"/>
+            <a:endParaRPr lang="en-US" sz="3200" b="0" dirty="0"/>
           </a:p>
         </p:txBody>
       </p:sp>
@@ -12696,15 +15722,15 @@
           </a:lstStyle>
           <a:p>
             <a:r>
-              <a:rPr lang="es-UY" dirty="0"/>
+              <a:rPr lang="es-UY" sz="3200" dirty="0"/>
               <a:t>Diseño: </a:t>
             </a:r>
             <a:r>
-              <a:rPr lang="es-UY" dirty="0" err="1"/>
+              <a:rPr lang="es-UY" sz="3200" dirty="0" err="1"/>
               <a:t>dashboardBody</a:t>
             </a:r>
             <a:r>
-              <a:rPr lang="es-UY" dirty="0"/>
+              <a:rPr lang="es-UY" sz="3200" dirty="0"/>
               <a:t>()</a:t>
             </a:r>
           </a:p>
@@ -12877,7 +15903,7 @@
         </p:nvSpPr>
         <p:spPr>
           <a:xfrm>
-            <a:off x="107503" y="4890215"/>
+            <a:off x="107503" y="4830365"/>
             <a:ext cx="1656183" cy="326827"/>
           </a:xfrm>
           <a:prstGeom prst="rect">
@@ -13027,14 +16053,14 @@
           </a:lstStyle>
           <a:p>
             <a:r>
-              <a:rPr lang="en-US" sz="1600" dirty="0"/>
+              <a:rPr lang="en-US" sz="1800" dirty="0"/>
               <a:t>Por </a:t>
             </a:r>
             <a:r>
-              <a:rPr lang="en-US" sz="1600" dirty="0" err="1"/>
+              <a:rPr lang="en-US" sz="1800" dirty="0" err="1"/>
               <a:t>filas</a:t>
             </a:r>
-            <a:endParaRPr lang="en-US" sz="1600" dirty="0"/>
+            <a:endParaRPr lang="en-US" sz="1800" dirty="0"/>
           </a:p>
         </p:txBody>
       </p:sp>
@@ -13054,7 +16080,7 @@
         </p:nvSpPr>
         <p:spPr>
           <a:xfrm>
-            <a:off x="6588223" y="1647161"/>
+            <a:off x="6588223" y="1587311"/>
             <a:ext cx="1584176" cy="326827"/>
           </a:xfrm>
           <a:prstGeom prst="rect">
@@ -13204,10 +16230,10 @@
           </a:lstStyle>
           <a:p>
             <a:r>
-              <a:rPr lang="es-UY" sz="1600" dirty="0"/>
+              <a:rPr lang="es-UY" sz="1800" dirty="0"/>
               <a:t>Combinado </a:t>
             </a:r>
-            <a:endParaRPr lang="en-US" sz="1600" dirty="0"/>
+            <a:endParaRPr lang="en-US" sz="1800" dirty="0"/>
           </a:p>
         </p:txBody>
       </p:sp>
@@ -13227,7 +16253,7 @@
         </p:nvSpPr>
         <p:spPr>
           <a:xfrm>
-            <a:off x="107504" y="1217227"/>
+            <a:off x="107504" y="1157377"/>
             <a:ext cx="1656183" cy="326827"/>
           </a:xfrm>
           <a:prstGeom prst="rect">
@@ -13236,7 +16262,7 @@
         </p:spPr>
         <p:txBody>
           <a:bodyPr vert="horz" lIns="91440" tIns="45720" rIns="91440" bIns="45720" rtlCol="0">
-            <a:normAutofit lnSpcReduction="10000"/>
+            <a:noAutofit/>
           </a:bodyPr>
           <a:lstStyle>
             <a:lvl1pPr marL="0" indent="0" algn="l" defTabSz="914400" rtl="0" eaLnBrk="1" latinLnBrk="0" hangingPunct="1">
@@ -13377,14 +16403,14 @@
           </a:lstStyle>
           <a:p>
             <a:r>
-              <a:rPr lang="en-US" sz="1600" dirty="0"/>
+              <a:rPr lang="en-US" sz="1800" dirty="0"/>
               <a:t>Por </a:t>
             </a:r>
             <a:r>
-              <a:rPr lang="en-US" sz="1600" dirty="0" err="1"/>
+              <a:rPr lang="en-US" sz="1800" dirty="0" err="1"/>
               <a:t>columnas</a:t>
             </a:r>
-            <a:endParaRPr lang="en-US" sz="1600" dirty="0"/>
+            <a:endParaRPr lang="en-US" sz="1800" dirty="0"/>
           </a:p>
         </p:txBody>
       </p:sp>
